--- a/ArrowjsBasic.pptx
+++ b/ArrowjsBasic.pptx
@@ -5,7 +5,7 @@
     <p:sldMasterId id="2147483648" r:id="rId1"/>
   </p:sldMasterIdLst>
   <p:notesMasterIdLst>
-    <p:notesMasterId r:id="rId12"/>
+    <p:notesMasterId r:id="rId23"/>
   </p:notesMasterIdLst>
   <p:sldIdLst>
     <p:sldId id="306" r:id="rId2"/>
@@ -17,7 +17,18 @@
     <p:sldId id="308" r:id="rId8"/>
     <p:sldId id="307" r:id="rId9"/>
     <p:sldId id="309" r:id="rId10"/>
-    <p:sldId id="298" r:id="rId11"/>
+    <p:sldId id="315" r:id="rId11"/>
+    <p:sldId id="298" r:id="rId12"/>
+    <p:sldId id="310" r:id="rId13"/>
+    <p:sldId id="311" r:id="rId14"/>
+    <p:sldId id="313" r:id="rId15"/>
+    <p:sldId id="314" r:id="rId16"/>
+    <p:sldId id="312" r:id="rId17"/>
+    <p:sldId id="316" r:id="rId18"/>
+    <p:sldId id="317" r:id="rId19"/>
+    <p:sldId id="318" r:id="rId20"/>
+    <p:sldId id="319" r:id="rId21"/>
+    <p:sldId id="320" r:id="rId22"/>
   </p:sldIdLst>
   <p:sldSz cx="9144000" cy="5143500" type="screen16x9"/>
   <p:notesSz cx="6858000" cy="9144000"/>
@@ -5543,6 +5554,97 @@
       </p:grpSpPr>
       <p:sp>
         <p:nvSpPr>
+          <p:cNvPr id="2" name="Title 1"/>
+          <p:cNvSpPr>
+            <a:spLocks noGrp="1"/>
+          </p:cNvSpPr>
+          <p:nvPr>
+            <p:ph type="title"/>
+          </p:nvPr>
+        </p:nvSpPr>
+        <p:spPr>
+          <a:xfrm>
+            <a:off x="228600" y="1962150"/>
+            <a:ext cx="8610600" cy="1447800"/>
+          </a:xfrm>
+        </p:spPr>
+        <p:txBody>
+          <a:bodyPr>
+            <a:normAutofit/>
+          </a:bodyPr>
+          <a:lstStyle/>
+          <a:p>
+            <a:r>
+              <a:rPr lang="en-US"/>
+              <a:t>Update Arrowjs Core</a:t>
+            </a:r>
+            <a:r>
+              <a:rPr lang="en-US"/>
+              <a:t/>
+            </a:r>
+            <a:br>
+              <a:rPr lang="en-US"/>
+            </a:br>
+            <a:r>
+              <a:rPr lang="en-US" b="1">
+                <a:solidFill>
+                  <a:srgbClr val="7DBD00"/>
+                </a:solidFill>
+                <a:latin typeface="Consolas"/>
+                <a:cs typeface="Consolas"/>
+              </a:rPr>
+              <a:t>arrow update</a:t>
+            </a:r>
+            <a:endParaRPr lang="en-US">
+              <a:solidFill>
+                <a:srgbClr val="FFFF00"/>
+              </a:solidFill>
+            </a:endParaRPr>
+          </a:p>
+        </p:txBody>
+      </p:sp>
+    </p:spTree>
+    <p:extLst>
+      <p:ext uri="{BB962C8B-B14F-4D97-AF65-F5344CB8AC3E}">
+        <p14:creationId xmlns:p14="http://schemas.microsoft.com/office/powerpoint/2010/main" val="2668194954"/>
+      </p:ext>
+    </p:extLst>
+  </p:cSld>
+  <p:clrMapOvr>
+    <a:masterClrMapping/>
+  </p:clrMapOvr>
+  <p:transition xmlns:p14="http://schemas.microsoft.com/office/powerpoint/2010/main" spd="slow">
+    <p:push dir="u"/>
+  </p:transition>
+  <p:timing>
+    <p:tnLst>
+      <p:par>
+        <p:cTn xmlns:p14="http://schemas.microsoft.com/office/powerpoint/2010/main" id="1" dur="indefinite" restart="never" nodeType="tmRoot"/>
+      </p:par>
+    </p:tnLst>
+  </p:timing>
+</p:sld>
+</file>
+
+<file path=ppt/slides/slide11.xml><?xml version="1.0" encoding="utf-8"?>
+<p:sld xmlns:a="http://schemas.openxmlformats.org/drawingml/2006/main" xmlns:r="http://schemas.openxmlformats.org/officeDocument/2006/relationships" xmlns:p="http://schemas.openxmlformats.org/presentationml/2006/main">
+  <p:cSld>
+    <p:spTree>
+      <p:nvGrpSpPr>
+        <p:cNvPr id="1" name=""/>
+        <p:cNvGrpSpPr/>
+        <p:nvPr/>
+      </p:nvGrpSpPr>
+      <p:grpSpPr>
+        <a:xfrm>
+          <a:off x="0" y="0"/>
+          <a:ext cx="0" cy="0"/>
+          <a:chOff x="0" y="0"/>
+          <a:chExt cx="0" cy="0"/>
+        </a:xfrm>
+      </p:grpSpPr>
+      <p:sp>
+        <p:nvSpPr>
           <p:cNvPr id="4" name="Title 3"/>
           <p:cNvSpPr>
             <a:spLocks noGrp="1"/>
@@ -5642,6 +5744,2706 @@
     <p:extLst>
       <p:ext uri="{BB962C8B-B14F-4D97-AF65-F5344CB8AC3E}">
         <p14:creationId xmlns:p14="http://schemas.microsoft.com/office/powerpoint/2010/main" val="907775035"/>
+      </p:ext>
+    </p:extLst>
+  </p:cSld>
+  <p:clrMapOvr>
+    <a:masterClrMapping/>
+  </p:clrMapOvr>
+</p:sld>
+</file>
+
+<file path=ppt/slides/slide12.xml><?xml version="1.0" encoding="utf-8"?>
+<p:sld xmlns:a="http://schemas.openxmlformats.org/drawingml/2006/main" xmlns:r="http://schemas.openxmlformats.org/officeDocument/2006/relationships" xmlns:p="http://schemas.openxmlformats.org/presentationml/2006/main">
+  <p:cSld>
+    <p:spTree>
+      <p:nvGrpSpPr>
+        <p:cNvPr id="1" name=""/>
+        <p:cNvGrpSpPr/>
+        <p:nvPr/>
+      </p:nvGrpSpPr>
+      <p:grpSpPr>
+        <a:xfrm>
+          <a:off x="0" y="0"/>
+          <a:ext cx="0" cy="0"/>
+          <a:chOff x="0" y="0"/>
+          <a:chExt cx="0" cy="0"/>
+        </a:xfrm>
+      </p:grpSpPr>
+      <p:sp>
+        <p:nvSpPr>
+          <p:cNvPr id="4" name="Rectangle 3"/>
+          <p:cNvSpPr/>
+          <p:nvPr/>
+        </p:nvSpPr>
+        <p:spPr>
+          <a:xfrm>
+            <a:off x="1828800" y="133350"/>
+            <a:ext cx="1066800" cy="381000"/>
+          </a:xfrm>
+          <a:prstGeom prst="rect">
+            <a:avLst/>
+          </a:prstGeom>
+        </p:spPr>
+        <p:style>
+          <a:lnRef idx="1">
+            <a:schemeClr val="accent1"/>
+          </a:lnRef>
+          <a:fillRef idx="3">
+            <a:schemeClr val="accent1"/>
+          </a:fillRef>
+          <a:effectRef idx="2">
+            <a:schemeClr val="accent1"/>
+          </a:effectRef>
+          <a:fontRef idx="minor">
+            <a:schemeClr val="lt1"/>
+          </a:fontRef>
+        </p:style>
+        <p:txBody>
+          <a:bodyPr rtlCol="0" anchor="ctr"/>
+          <a:lstStyle/>
+          <a:p>
+            <a:pPr algn="ctr"/>
+            <a:r>
+              <a:rPr lang="en-US"/>
+              <a:t>config</a:t>
+            </a:r>
+          </a:p>
+        </p:txBody>
+      </p:sp>
+      <p:sp>
+        <p:nvSpPr>
+          <p:cNvPr id="6" name="Rectangle 5"/>
+          <p:cNvSpPr/>
+          <p:nvPr/>
+        </p:nvSpPr>
+        <p:spPr>
+          <a:xfrm>
+            <a:off x="1828800" y="1200150"/>
+            <a:ext cx="1066800" cy="381000"/>
+          </a:xfrm>
+          <a:prstGeom prst="rect">
+            <a:avLst/>
+          </a:prstGeom>
+        </p:spPr>
+        <p:style>
+          <a:lnRef idx="1">
+            <a:schemeClr val="accent1"/>
+          </a:lnRef>
+          <a:fillRef idx="3">
+            <a:schemeClr val="accent1"/>
+          </a:fillRef>
+          <a:effectRef idx="2">
+            <a:schemeClr val="accent1"/>
+          </a:effectRef>
+          <a:fontRef idx="minor">
+            <a:schemeClr val="lt1"/>
+          </a:fontRef>
+        </p:style>
+        <p:txBody>
+          <a:bodyPr rtlCol="0" anchor="ctr"/>
+          <a:lstStyle/>
+          <a:p>
+            <a:pPr algn="ctr"/>
+            <a:r>
+              <a:rPr lang="en-US"/>
+              <a:t>modules</a:t>
+            </a:r>
+          </a:p>
+        </p:txBody>
+      </p:sp>
+      <p:sp>
+        <p:nvSpPr>
+          <p:cNvPr id="7" name="Rectangle 6"/>
+          <p:cNvSpPr/>
+          <p:nvPr/>
+        </p:nvSpPr>
+        <p:spPr>
+          <a:xfrm>
+            <a:off x="1828800" y="2266950"/>
+            <a:ext cx="1066800" cy="381000"/>
+          </a:xfrm>
+          <a:prstGeom prst="rect">
+            <a:avLst/>
+          </a:prstGeom>
+        </p:spPr>
+        <p:style>
+          <a:lnRef idx="1">
+            <a:schemeClr val="accent1"/>
+          </a:lnRef>
+          <a:fillRef idx="3">
+            <a:schemeClr val="accent1"/>
+          </a:fillRef>
+          <a:effectRef idx="2">
+            <a:schemeClr val="accent1"/>
+          </a:effectRef>
+          <a:fontRef idx="minor">
+            <a:schemeClr val="lt1"/>
+          </a:fontRef>
+        </p:style>
+        <p:txBody>
+          <a:bodyPr rtlCol="0" anchor="ctr"/>
+          <a:lstStyle/>
+          <a:p>
+            <a:pPr algn="ctr"/>
+            <a:r>
+              <a:rPr lang="en-US"/>
+              <a:t>public</a:t>
+            </a:r>
+          </a:p>
+        </p:txBody>
+      </p:sp>
+      <p:sp>
+        <p:nvSpPr>
+          <p:cNvPr id="13" name="Rectangle 12"/>
+          <p:cNvSpPr/>
+          <p:nvPr/>
+        </p:nvSpPr>
+        <p:spPr>
+          <a:xfrm>
+            <a:off x="1828800" y="666750"/>
+            <a:ext cx="1600200" cy="381000"/>
+          </a:xfrm>
+          <a:prstGeom prst="rect">
+            <a:avLst/>
+          </a:prstGeom>
+        </p:spPr>
+        <p:style>
+          <a:lnRef idx="1">
+            <a:schemeClr val="accent1"/>
+          </a:lnRef>
+          <a:fillRef idx="3">
+            <a:schemeClr val="accent1"/>
+          </a:fillRef>
+          <a:effectRef idx="2">
+            <a:schemeClr val="accent1"/>
+          </a:effectRef>
+          <a:fontRef idx="minor">
+            <a:schemeClr val="lt1"/>
+          </a:fontRef>
+        </p:style>
+        <p:txBody>
+          <a:bodyPr rtlCol="0" anchor="ctr"/>
+          <a:lstStyle/>
+          <a:p>
+            <a:pPr algn="ctr"/>
+            <a:r>
+              <a:rPr lang="en-US"/>
+              <a:t>node_modules</a:t>
+            </a:r>
+          </a:p>
+        </p:txBody>
+      </p:sp>
+      <p:sp>
+        <p:nvSpPr>
+          <p:cNvPr id="14" name="TextBox 13"/>
+          <p:cNvSpPr txBox="1"/>
+          <p:nvPr/>
+        </p:nvSpPr>
+        <p:spPr>
+          <a:xfrm>
+            <a:off x="3429000" y="666750"/>
+            <a:ext cx="3194737" cy="369332"/>
+          </a:xfrm>
+          <a:prstGeom prst="rect">
+            <a:avLst/>
+          </a:prstGeom>
+          <a:noFill/>
+        </p:spPr>
+        <p:txBody>
+          <a:bodyPr wrap="square" rtlCol="0">
+            <a:spAutoFit/>
+          </a:bodyPr>
+          <a:lstStyle/>
+          <a:p>
+            <a:r>
+              <a:rPr lang="en-US">
+                <a:solidFill>
+                  <a:schemeClr val="bg1"/>
+                </a:solidFill>
+              </a:rPr>
+              <a:t>Chứa các Node modules cục bộ</a:t>
+            </a:r>
+          </a:p>
+        </p:txBody>
+      </p:sp>
+      <p:sp>
+        <p:nvSpPr>
+          <p:cNvPr id="15" name="TextBox 14"/>
+          <p:cNvSpPr txBox="1"/>
+          <p:nvPr/>
+        </p:nvSpPr>
+        <p:spPr>
+          <a:xfrm>
+            <a:off x="2895600" y="1200150"/>
+            <a:ext cx="4419600" cy="646331"/>
+          </a:xfrm>
+          <a:prstGeom prst="rect">
+            <a:avLst/>
+          </a:prstGeom>
+          <a:noFill/>
+        </p:spPr>
+        <p:txBody>
+          <a:bodyPr wrap="square" rtlCol="0">
+            <a:spAutoFit/>
+          </a:bodyPr>
+          <a:lstStyle/>
+          <a:p>
+            <a:r>
+              <a:rPr lang="en-US">
+                <a:solidFill>
+                  <a:schemeClr val="bg1"/>
+                </a:solidFill>
+              </a:rPr>
+              <a:t>Chứa logic router, controller và models. Render view, cung cấp web service</a:t>
+            </a:r>
+          </a:p>
+        </p:txBody>
+      </p:sp>
+      <p:sp>
+        <p:nvSpPr>
+          <p:cNvPr id="16" name="TextBox 15"/>
+          <p:cNvSpPr txBox="1"/>
+          <p:nvPr/>
+        </p:nvSpPr>
+        <p:spPr>
+          <a:xfrm>
+            <a:off x="2895600" y="133350"/>
+            <a:ext cx="3194737" cy="369332"/>
+          </a:xfrm>
+          <a:prstGeom prst="rect">
+            <a:avLst/>
+          </a:prstGeom>
+          <a:noFill/>
+        </p:spPr>
+        <p:txBody>
+          <a:bodyPr wrap="square" rtlCol="0">
+            <a:spAutoFit/>
+          </a:bodyPr>
+          <a:lstStyle/>
+          <a:p>
+            <a:r>
+              <a:rPr lang="en-US">
+                <a:solidFill>
+                  <a:schemeClr val="bg1"/>
+                </a:solidFill>
+              </a:rPr>
+              <a:t>Chứa các file cấu hình hệ thống</a:t>
+            </a:r>
+          </a:p>
+        </p:txBody>
+      </p:sp>
+      <p:sp>
+        <p:nvSpPr>
+          <p:cNvPr id="19" name="Rectangle 18"/>
+          <p:cNvSpPr/>
+          <p:nvPr/>
+        </p:nvSpPr>
+        <p:spPr>
+          <a:xfrm>
+            <a:off x="1828800" y="4248150"/>
+            <a:ext cx="1066800" cy="381000"/>
+          </a:xfrm>
+          <a:prstGeom prst="rect">
+            <a:avLst/>
+          </a:prstGeom>
+        </p:spPr>
+        <p:style>
+          <a:lnRef idx="1">
+            <a:schemeClr val="accent3"/>
+          </a:lnRef>
+          <a:fillRef idx="2">
+            <a:schemeClr val="accent3"/>
+          </a:fillRef>
+          <a:effectRef idx="1">
+            <a:schemeClr val="accent3"/>
+          </a:effectRef>
+          <a:fontRef idx="minor">
+            <a:schemeClr val="dk1"/>
+          </a:fontRef>
+        </p:style>
+        <p:txBody>
+          <a:bodyPr rtlCol="0" anchor="ctr"/>
+          <a:lstStyle/>
+          <a:p>
+            <a:pPr algn="ctr"/>
+            <a:r>
+              <a:rPr lang="en-US"/>
+              <a:t>server.js</a:t>
+            </a:r>
+          </a:p>
+        </p:txBody>
+      </p:sp>
+      <p:sp>
+        <p:nvSpPr>
+          <p:cNvPr id="21" name="TextBox 20"/>
+          <p:cNvSpPr txBox="1"/>
+          <p:nvPr/>
+        </p:nvSpPr>
+        <p:spPr>
+          <a:xfrm>
+            <a:off x="2895600" y="4248150"/>
+            <a:ext cx="3757271" cy="369332"/>
+          </a:xfrm>
+          <a:prstGeom prst="rect">
+            <a:avLst/>
+          </a:prstGeom>
+          <a:noFill/>
+        </p:spPr>
+        <p:txBody>
+          <a:bodyPr wrap="none" rtlCol="0">
+            <a:spAutoFit/>
+          </a:bodyPr>
+          <a:lstStyle/>
+          <a:p>
+            <a:r>
+              <a:rPr lang="en-US">
+                <a:solidFill>
+                  <a:schemeClr val="bg1"/>
+                </a:solidFill>
+              </a:rPr>
+              <a:t>file javascript chính để chạy ứng dụng</a:t>
+            </a:r>
+          </a:p>
+        </p:txBody>
+      </p:sp>
+      <p:sp>
+        <p:nvSpPr>
+          <p:cNvPr id="22" name="TextBox 21"/>
+          <p:cNvSpPr txBox="1"/>
+          <p:nvPr/>
+        </p:nvSpPr>
+        <p:spPr>
+          <a:xfrm>
+            <a:off x="2895600" y="2266950"/>
+            <a:ext cx="4419600" cy="369332"/>
+          </a:xfrm>
+          <a:prstGeom prst="rect">
+            <a:avLst/>
+          </a:prstGeom>
+          <a:noFill/>
+        </p:spPr>
+        <p:txBody>
+          <a:bodyPr wrap="square" rtlCol="0">
+            <a:spAutoFit/>
+          </a:bodyPr>
+          <a:lstStyle/>
+          <a:p>
+            <a:r>
+              <a:rPr lang="en-US">
+                <a:solidFill>
+                  <a:schemeClr val="bg1"/>
+                </a:solidFill>
+              </a:rPr>
+              <a:t>Chứa file HTML báo lỗi</a:t>
+            </a:r>
+          </a:p>
+        </p:txBody>
+      </p:sp>
+      <p:sp>
+        <p:nvSpPr>
+          <p:cNvPr id="23" name="Rectangle 22"/>
+          <p:cNvSpPr/>
+          <p:nvPr/>
+        </p:nvSpPr>
+        <p:spPr>
+          <a:xfrm>
+            <a:off x="1828800" y="2800350"/>
+            <a:ext cx="1066800" cy="381000"/>
+          </a:xfrm>
+          <a:prstGeom prst="rect">
+            <a:avLst/>
+          </a:prstGeom>
+        </p:spPr>
+        <p:style>
+          <a:lnRef idx="1">
+            <a:schemeClr val="accent1"/>
+          </a:lnRef>
+          <a:fillRef idx="3">
+            <a:schemeClr val="accent1"/>
+          </a:fillRef>
+          <a:effectRef idx="2">
+            <a:schemeClr val="accent1"/>
+          </a:effectRef>
+          <a:fontRef idx="minor">
+            <a:schemeClr val="lt1"/>
+          </a:fontRef>
+        </p:style>
+        <p:txBody>
+          <a:bodyPr rtlCol="0" anchor="ctr"/>
+          <a:lstStyle/>
+          <a:p>
+            <a:pPr algn="ctr"/>
+            <a:r>
+              <a:rPr lang="en-US"/>
+              <a:t>services</a:t>
+            </a:r>
+          </a:p>
+        </p:txBody>
+      </p:sp>
+      <p:sp>
+        <p:nvSpPr>
+          <p:cNvPr id="24" name="TextBox 23"/>
+          <p:cNvSpPr txBox="1"/>
+          <p:nvPr/>
+        </p:nvSpPr>
+        <p:spPr>
+          <a:xfrm>
+            <a:off x="2895600" y="2800350"/>
+            <a:ext cx="4419600" cy="369332"/>
+          </a:xfrm>
+          <a:prstGeom prst="rect">
+            <a:avLst/>
+          </a:prstGeom>
+          <a:noFill/>
+        </p:spPr>
+        <p:txBody>
+          <a:bodyPr wrap="square" rtlCol="0">
+            <a:spAutoFit/>
+          </a:bodyPr>
+          <a:lstStyle/>
+          <a:p>
+            <a:r>
+              <a:rPr lang="en-US">
+                <a:solidFill>
+                  <a:schemeClr val="bg1"/>
+                </a:solidFill>
+              </a:rPr>
+              <a:t>Sử dụng remote web services</a:t>
+            </a:r>
+          </a:p>
+        </p:txBody>
+      </p:sp>
+    </p:spTree>
+    <p:extLst>
+      <p:ext uri="{BB962C8B-B14F-4D97-AF65-F5344CB8AC3E}">
+        <p14:creationId xmlns:p14="http://schemas.microsoft.com/office/powerpoint/2010/main" val="1943656782"/>
+      </p:ext>
+    </p:extLst>
+  </p:cSld>
+  <p:clrMapOvr>
+    <a:masterClrMapping/>
+  </p:clrMapOvr>
+</p:sld>
+</file>
+
+<file path=ppt/slides/slide13.xml><?xml version="1.0" encoding="utf-8"?>
+<p:sld xmlns:a="http://schemas.openxmlformats.org/drawingml/2006/main" xmlns:r="http://schemas.openxmlformats.org/officeDocument/2006/relationships" xmlns:p="http://schemas.openxmlformats.org/presentationml/2006/main">
+  <p:cSld>
+    <p:spTree>
+      <p:nvGrpSpPr>
+        <p:cNvPr id="1" name=""/>
+        <p:cNvGrpSpPr/>
+        <p:nvPr/>
+      </p:nvGrpSpPr>
+      <p:grpSpPr>
+        <a:xfrm>
+          <a:off x="0" y="0"/>
+          <a:ext cx="0" cy="0"/>
+          <a:chOff x="0" y="0"/>
+          <a:chExt cx="0" cy="0"/>
+        </a:xfrm>
+      </p:grpSpPr>
+      <p:sp>
+        <p:nvSpPr>
+          <p:cNvPr id="4" name="Rectangle 3"/>
+          <p:cNvSpPr/>
+          <p:nvPr/>
+        </p:nvSpPr>
+        <p:spPr>
+          <a:xfrm>
+            <a:off x="1828800" y="133350"/>
+            <a:ext cx="1066800" cy="381000"/>
+          </a:xfrm>
+          <a:prstGeom prst="rect">
+            <a:avLst/>
+          </a:prstGeom>
+        </p:spPr>
+        <p:style>
+          <a:lnRef idx="1">
+            <a:schemeClr val="accent1"/>
+          </a:lnRef>
+          <a:fillRef idx="3">
+            <a:schemeClr val="accent1"/>
+          </a:fillRef>
+          <a:effectRef idx="2">
+            <a:schemeClr val="accent1"/>
+          </a:effectRef>
+          <a:fontRef idx="minor">
+            <a:schemeClr val="lt1"/>
+          </a:fontRef>
+        </p:style>
+        <p:txBody>
+          <a:bodyPr rtlCol="0" anchor="ctr"/>
+          <a:lstStyle/>
+          <a:p>
+            <a:pPr algn="ctr"/>
+            <a:r>
+              <a:rPr lang="en-US"/>
+              <a:t>config</a:t>
+            </a:r>
+          </a:p>
+        </p:txBody>
+      </p:sp>
+      <p:sp>
+        <p:nvSpPr>
+          <p:cNvPr id="6" name="Rectangle 5"/>
+          <p:cNvSpPr/>
+          <p:nvPr/>
+        </p:nvSpPr>
+        <p:spPr>
+          <a:xfrm>
+            <a:off x="1828800" y="1200150"/>
+            <a:ext cx="1066800" cy="381000"/>
+          </a:xfrm>
+          <a:prstGeom prst="rect">
+            <a:avLst/>
+          </a:prstGeom>
+        </p:spPr>
+        <p:style>
+          <a:lnRef idx="1">
+            <a:schemeClr val="accent1"/>
+          </a:lnRef>
+          <a:fillRef idx="3">
+            <a:schemeClr val="accent1"/>
+          </a:fillRef>
+          <a:effectRef idx="2">
+            <a:schemeClr val="accent1"/>
+          </a:effectRef>
+          <a:fontRef idx="minor">
+            <a:schemeClr val="lt1"/>
+          </a:fontRef>
+        </p:style>
+        <p:txBody>
+          <a:bodyPr rtlCol="0" anchor="ctr"/>
+          <a:lstStyle/>
+          <a:p>
+            <a:pPr algn="ctr"/>
+            <a:r>
+              <a:rPr lang="en-US"/>
+              <a:t>modules</a:t>
+            </a:r>
+          </a:p>
+        </p:txBody>
+      </p:sp>
+      <p:sp>
+        <p:nvSpPr>
+          <p:cNvPr id="7" name="Rectangle 6"/>
+          <p:cNvSpPr/>
+          <p:nvPr/>
+        </p:nvSpPr>
+        <p:spPr>
+          <a:xfrm>
+            <a:off x="1828800" y="2266950"/>
+            <a:ext cx="1066800" cy="381000"/>
+          </a:xfrm>
+          <a:prstGeom prst="rect">
+            <a:avLst/>
+          </a:prstGeom>
+        </p:spPr>
+        <p:style>
+          <a:lnRef idx="1">
+            <a:schemeClr val="accent1"/>
+          </a:lnRef>
+          <a:fillRef idx="3">
+            <a:schemeClr val="accent1"/>
+          </a:fillRef>
+          <a:effectRef idx="2">
+            <a:schemeClr val="accent1"/>
+          </a:effectRef>
+          <a:fontRef idx="minor">
+            <a:schemeClr val="lt1"/>
+          </a:fontRef>
+        </p:style>
+        <p:txBody>
+          <a:bodyPr rtlCol="0" anchor="ctr"/>
+          <a:lstStyle/>
+          <a:p>
+            <a:pPr algn="ctr"/>
+            <a:r>
+              <a:rPr lang="en-US"/>
+              <a:t>public</a:t>
+            </a:r>
+          </a:p>
+        </p:txBody>
+      </p:sp>
+      <p:sp>
+        <p:nvSpPr>
+          <p:cNvPr id="9" name="Rectangle 8"/>
+          <p:cNvSpPr/>
+          <p:nvPr/>
+        </p:nvSpPr>
+        <p:spPr>
+          <a:xfrm>
+            <a:off x="2971800" y="2724150"/>
+            <a:ext cx="1066800" cy="381000"/>
+          </a:xfrm>
+          <a:prstGeom prst="rect">
+            <a:avLst/>
+          </a:prstGeom>
+        </p:spPr>
+        <p:style>
+          <a:lnRef idx="1">
+            <a:schemeClr val="accent1"/>
+          </a:lnRef>
+          <a:fillRef idx="3">
+            <a:schemeClr val="accent1"/>
+          </a:fillRef>
+          <a:effectRef idx="2">
+            <a:schemeClr val="accent1"/>
+          </a:effectRef>
+          <a:fontRef idx="minor">
+            <a:schemeClr val="lt1"/>
+          </a:fontRef>
+        </p:style>
+        <p:txBody>
+          <a:bodyPr rtlCol="0" anchor="ctr"/>
+          <a:lstStyle/>
+          <a:p>
+            <a:pPr algn="ctr"/>
+            <a:r>
+              <a:rPr lang="en-US"/>
+              <a:t>themeA</a:t>
+            </a:r>
+          </a:p>
+        </p:txBody>
+      </p:sp>
+      <p:sp>
+        <p:nvSpPr>
+          <p:cNvPr id="10" name="Rectangle 9"/>
+          <p:cNvSpPr/>
+          <p:nvPr/>
+        </p:nvSpPr>
+        <p:spPr>
+          <a:xfrm>
+            <a:off x="2971800" y="3181350"/>
+            <a:ext cx="1066800" cy="381000"/>
+          </a:xfrm>
+          <a:prstGeom prst="rect">
+            <a:avLst/>
+          </a:prstGeom>
+        </p:spPr>
+        <p:style>
+          <a:lnRef idx="1">
+            <a:schemeClr val="accent1"/>
+          </a:lnRef>
+          <a:fillRef idx="3">
+            <a:schemeClr val="accent1"/>
+          </a:fillRef>
+          <a:effectRef idx="2">
+            <a:schemeClr val="accent1"/>
+          </a:effectRef>
+          <a:fontRef idx="minor">
+            <a:schemeClr val="lt1"/>
+          </a:fontRef>
+        </p:style>
+        <p:txBody>
+          <a:bodyPr rtlCol="0" anchor="ctr"/>
+          <a:lstStyle/>
+          <a:p>
+            <a:pPr algn="ctr"/>
+            <a:r>
+              <a:rPr lang="en-US"/>
+              <a:t>themeB</a:t>
+            </a:r>
+          </a:p>
+        </p:txBody>
+      </p:sp>
+      <p:sp>
+        <p:nvSpPr>
+          <p:cNvPr id="11" name="Rectangle 10"/>
+          <p:cNvSpPr/>
+          <p:nvPr/>
+        </p:nvSpPr>
+        <p:spPr>
+          <a:xfrm>
+            <a:off x="1828800" y="1733550"/>
+            <a:ext cx="1066800" cy="381000"/>
+          </a:xfrm>
+          <a:prstGeom prst="rect">
+            <a:avLst/>
+          </a:prstGeom>
+        </p:spPr>
+        <p:style>
+          <a:lnRef idx="1">
+            <a:schemeClr val="accent1"/>
+          </a:lnRef>
+          <a:fillRef idx="3">
+            <a:schemeClr val="accent1"/>
+          </a:fillRef>
+          <a:effectRef idx="2">
+            <a:schemeClr val="accent1"/>
+          </a:effectRef>
+          <a:fontRef idx="minor">
+            <a:schemeClr val="lt1"/>
+          </a:fontRef>
+        </p:style>
+        <p:txBody>
+          <a:bodyPr rtlCol="0" anchor="ctr"/>
+          <a:lstStyle/>
+          <a:p>
+            <a:pPr algn="ctr"/>
+            <a:r>
+              <a:rPr lang="en-US"/>
+              <a:t>plugins</a:t>
+            </a:r>
+          </a:p>
+        </p:txBody>
+      </p:sp>
+      <p:sp>
+        <p:nvSpPr>
+          <p:cNvPr id="12" name="TextBox 11"/>
+          <p:cNvSpPr txBox="1"/>
+          <p:nvPr/>
+        </p:nvSpPr>
+        <p:spPr>
+          <a:xfrm>
+            <a:off x="2895600" y="1733550"/>
+            <a:ext cx="2059729" cy="369332"/>
+          </a:xfrm>
+          <a:prstGeom prst="rect">
+            <a:avLst/>
+          </a:prstGeom>
+          <a:noFill/>
+        </p:spPr>
+        <p:txBody>
+          <a:bodyPr wrap="none" rtlCol="0">
+            <a:spAutoFit/>
+          </a:bodyPr>
+          <a:lstStyle/>
+          <a:p>
+            <a:r>
+              <a:rPr lang="en-US">
+                <a:solidFill>
+                  <a:schemeClr val="bg1"/>
+                </a:solidFill>
+              </a:rPr>
+              <a:t>Hàm xử lý trên view</a:t>
+            </a:r>
+          </a:p>
+        </p:txBody>
+      </p:sp>
+      <p:sp>
+        <p:nvSpPr>
+          <p:cNvPr id="13" name="Rectangle 12"/>
+          <p:cNvSpPr/>
+          <p:nvPr/>
+        </p:nvSpPr>
+        <p:spPr>
+          <a:xfrm>
+            <a:off x="1828800" y="666750"/>
+            <a:ext cx="1600200" cy="381000"/>
+          </a:xfrm>
+          <a:prstGeom prst="rect">
+            <a:avLst/>
+          </a:prstGeom>
+        </p:spPr>
+        <p:style>
+          <a:lnRef idx="1">
+            <a:schemeClr val="accent1"/>
+          </a:lnRef>
+          <a:fillRef idx="3">
+            <a:schemeClr val="accent1"/>
+          </a:fillRef>
+          <a:effectRef idx="2">
+            <a:schemeClr val="accent1"/>
+          </a:effectRef>
+          <a:fontRef idx="minor">
+            <a:schemeClr val="lt1"/>
+          </a:fontRef>
+        </p:style>
+        <p:txBody>
+          <a:bodyPr rtlCol="0" anchor="ctr"/>
+          <a:lstStyle/>
+          <a:p>
+            <a:pPr algn="ctr"/>
+            <a:r>
+              <a:rPr lang="en-US"/>
+              <a:t>node_modules</a:t>
+            </a:r>
+          </a:p>
+        </p:txBody>
+      </p:sp>
+      <p:sp>
+        <p:nvSpPr>
+          <p:cNvPr id="14" name="TextBox 13"/>
+          <p:cNvSpPr txBox="1"/>
+          <p:nvPr/>
+        </p:nvSpPr>
+        <p:spPr>
+          <a:xfrm>
+            <a:off x="3429000" y="666750"/>
+            <a:ext cx="3194737" cy="369332"/>
+          </a:xfrm>
+          <a:prstGeom prst="rect">
+            <a:avLst/>
+          </a:prstGeom>
+          <a:noFill/>
+        </p:spPr>
+        <p:txBody>
+          <a:bodyPr wrap="square" rtlCol="0">
+            <a:spAutoFit/>
+          </a:bodyPr>
+          <a:lstStyle/>
+          <a:p>
+            <a:r>
+              <a:rPr lang="en-US">
+                <a:solidFill>
+                  <a:schemeClr val="bg1"/>
+                </a:solidFill>
+              </a:rPr>
+              <a:t>Chứa các Node modules cục bộ</a:t>
+            </a:r>
+          </a:p>
+        </p:txBody>
+      </p:sp>
+      <p:sp>
+        <p:nvSpPr>
+          <p:cNvPr id="15" name="TextBox 14"/>
+          <p:cNvSpPr txBox="1"/>
+          <p:nvPr/>
+        </p:nvSpPr>
+        <p:spPr>
+          <a:xfrm>
+            <a:off x="2895600" y="1200150"/>
+            <a:ext cx="4419600" cy="369332"/>
+          </a:xfrm>
+          <a:prstGeom prst="rect">
+            <a:avLst/>
+          </a:prstGeom>
+          <a:noFill/>
+        </p:spPr>
+        <p:txBody>
+          <a:bodyPr wrap="square" rtlCol="0">
+            <a:spAutoFit/>
+          </a:bodyPr>
+          <a:lstStyle/>
+          <a:p>
+            <a:r>
+              <a:rPr lang="en-US">
+                <a:solidFill>
+                  <a:schemeClr val="bg1"/>
+                </a:solidFill>
+              </a:rPr>
+              <a:t>Chứa logic router, controller và models</a:t>
+            </a:r>
+          </a:p>
+        </p:txBody>
+      </p:sp>
+      <p:sp>
+        <p:nvSpPr>
+          <p:cNvPr id="16" name="TextBox 15"/>
+          <p:cNvSpPr txBox="1"/>
+          <p:nvPr/>
+        </p:nvSpPr>
+        <p:spPr>
+          <a:xfrm>
+            <a:off x="2895600" y="133350"/>
+            <a:ext cx="3194737" cy="369332"/>
+          </a:xfrm>
+          <a:prstGeom prst="rect">
+            <a:avLst/>
+          </a:prstGeom>
+          <a:noFill/>
+        </p:spPr>
+        <p:txBody>
+          <a:bodyPr wrap="square" rtlCol="0">
+            <a:spAutoFit/>
+          </a:bodyPr>
+          <a:lstStyle/>
+          <a:p>
+            <a:r>
+              <a:rPr lang="en-US">
+                <a:solidFill>
+                  <a:schemeClr val="bg1"/>
+                </a:solidFill>
+              </a:rPr>
+              <a:t>Chứa các file cấu hình hệ thống</a:t>
+            </a:r>
+          </a:p>
+        </p:txBody>
+      </p:sp>
+      <p:sp>
+        <p:nvSpPr>
+          <p:cNvPr id="17" name="Rectangle 16"/>
+          <p:cNvSpPr/>
+          <p:nvPr/>
+        </p:nvSpPr>
+        <p:spPr>
+          <a:xfrm>
+            <a:off x="1828800" y="3638550"/>
+            <a:ext cx="1066800" cy="381000"/>
+          </a:xfrm>
+          <a:prstGeom prst="rect">
+            <a:avLst/>
+          </a:prstGeom>
+        </p:spPr>
+        <p:style>
+          <a:lnRef idx="1">
+            <a:schemeClr val="accent1"/>
+          </a:lnRef>
+          <a:fillRef idx="3">
+            <a:schemeClr val="accent1"/>
+          </a:fillRef>
+          <a:effectRef idx="2">
+            <a:schemeClr val="accent1"/>
+          </a:effectRef>
+          <a:fontRef idx="minor">
+            <a:schemeClr val="lt1"/>
+          </a:fontRef>
+        </p:style>
+        <p:txBody>
+          <a:bodyPr rtlCol="0" anchor="ctr"/>
+          <a:lstStyle/>
+          <a:p>
+            <a:pPr algn="ctr"/>
+            <a:r>
+              <a:rPr lang="en-US"/>
+              <a:t>widgets</a:t>
+            </a:r>
+          </a:p>
+        </p:txBody>
+      </p:sp>
+      <p:sp>
+        <p:nvSpPr>
+          <p:cNvPr id="18" name="TextBox 17"/>
+          <p:cNvSpPr txBox="1"/>
+          <p:nvPr/>
+        </p:nvSpPr>
+        <p:spPr>
+          <a:xfrm>
+            <a:off x="2895600" y="3638550"/>
+            <a:ext cx="3670934" cy="369332"/>
+          </a:xfrm>
+          <a:prstGeom prst="rect">
+            <a:avLst/>
+          </a:prstGeom>
+          <a:noFill/>
+        </p:spPr>
+        <p:txBody>
+          <a:bodyPr wrap="none" rtlCol="0">
+            <a:spAutoFit/>
+          </a:bodyPr>
+          <a:lstStyle/>
+          <a:p>
+            <a:r>
+              <a:rPr lang="en-US">
+                <a:solidFill>
+                  <a:schemeClr val="bg1"/>
+                </a:solidFill>
+              </a:rPr>
+              <a:t>Partial view tái sử dụng trên view lớn</a:t>
+            </a:r>
+          </a:p>
+        </p:txBody>
+      </p:sp>
+      <p:sp>
+        <p:nvSpPr>
+          <p:cNvPr id="19" name="Rectangle 18"/>
+          <p:cNvSpPr/>
+          <p:nvPr/>
+        </p:nvSpPr>
+        <p:spPr>
+          <a:xfrm>
+            <a:off x="1828800" y="4248150"/>
+            <a:ext cx="1066800" cy="381000"/>
+          </a:xfrm>
+          <a:prstGeom prst="rect">
+            <a:avLst/>
+          </a:prstGeom>
+        </p:spPr>
+        <p:style>
+          <a:lnRef idx="1">
+            <a:schemeClr val="accent3"/>
+          </a:lnRef>
+          <a:fillRef idx="2">
+            <a:schemeClr val="accent3"/>
+          </a:fillRef>
+          <a:effectRef idx="1">
+            <a:schemeClr val="accent3"/>
+          </a:effectRef>
+          <a:fontRef idx="minor">
+            <a:schemeClr val="dk1"/>
+          </a:fontRef>
+        </p:style>
+        <p:txBody>
+          <a:bodyPr rtlCol="0" anchor="ctr"/>
+          <a:lstStyle/>
+          <a:p>
+            <a:pPr algn="ctr"/>
+            <a:r>
+              <a:rPr lang="en-US"/>
+              <a:t>server.js</a:t>
+            </a:r>
+          </a:p>
+        </p:txBody>
+      </p:sp>
+      <p:sp>
+        <p:nvSpPr>
+          <p:cNvPr id="21" name="TextBox 20"/>
+          <p:cNvSpPr txBox="1"/>
+          <p:nvPr/>
+        </p:nvSpPr>
+        <p:spPr>
+          <a:xfrm>
+            <a:off x="2895600" y="4248150"/>
+            <a:ext cx="3757271" cy="369332"/>
+          </a:xfrm>
+          <a:prstGeom prst="rect">
+            <a:avLst/>
+          </a:prstGeom>
+          <a:noFill/>
+        </p:spPr>
+        <p:txBody>
+          <a:bodyPr wrap="none" rtlCol="0">
+            <a:spAutoFit/>
+          </a:bodyPr>
+          <a:lstStyle/>
+          <a:p>
+            <a:r>
+              <a:rPr lang="en-US">
+                <a:solidFill>
+                  <a:schemeClr val="bg1"/>
+                </a:solidFill>
+              </a:rPr>
+              <a:t>file javascript chính để chạy ứng dụng</a:t>
+            </a:r>
+          </a:p>
+        </p:txBody>
+      </p:sp>
+    </p:spTree>
+    <p:extLst>
+      <p:ext uri="{BB962C8B-B14F-4D97-AF65-F5344CB8AC3E}">
+        <p14:creationId xmlns:p14="http://schemas.microsoft.com/office/powerpoint/2010/main" val="2209818373"/>
+      </p:ext>
+    </p:extLst>
+  </p:cSld>
+  <p:clrMapOvr>
+    <a:masterClrMapping/>
+  </p:clrMapOvr>
+</p:sld>
+</file>
+
+<file path=ppt/slides/slide14.xml><?xml version="1.0" encoding="utf-8"?>
+<p:sld xmlns:a="http://schemas.openxmlformats.org/drawingml/2006/main" xmlns:r="http://schemas.openxmlformats.org/officeDocument/2006/relationships" xmlns:p="http://schemas.openxmlformats.org/presentationml/2006/main">
+  <p:cSld>
+    <p:spTree>
+      <p:nvGrpSpPr>
+        <p:cNvPr id="1" name=""/>
+        <p:cNvGrpSpPr/>
+        <p:nvPr/>
+      </p:nvGrpSpPr>
+      <p:grpSpPr>
+        <a:xfrm>
+          <a:off x="0" y="0"/>
+          <a:ext cx="0" cy="0"/>
+          <a:chOff x="0" y="0"/>
+          <a:chExt cx="0" cy="0"/>
+        </a:xfrm>
+      </p:grpSpPr>
+      <p:sp>
+        <p:nvSpPr>
+          <p:cNvPr id="2" name="Title 1"/>
+          <p:cNvSpPr>
+            <a:spLocks noGrp="1"/>
+          </p:cNvSpPr>
+          <p:nvPr>
+            <p:ph type="title"/>
+          </p:nvPr>
+        </p:nvSpPr>
+        <p:spPr>
+          <a:xfrm>
+            <a:off x="152400" y="0"/>
+            <a:ext cx="8610600" cy="590550"/>
+          </a:xfrm>
+        </p:spPr>
+        <p:txBody>
+          <a:bodyPr>
+            <a:normAutofit fontScale="90000"/>
+          </a:bodyPr>
+          <a:lstStyle/>
+          <a:p>
+            <a:r>
+              <a:rPr lang="en-US"/>
+              <a:t>Cấu trúc modules</a:t>
+            </a:r>
+          </a:p>
+        </p:txBody>
+      </p:sp>
+      <p:sp>
+        <p:nvSpPr>
+          <p:cNvPr id="3" name="Rectangle 2"/>
+          <p:cNvSpPr/>
+          <p:nvPr/>
+        </p:nvSpPr>
+        <p:spPr>
+          <a:xfrm>
+            <a:off x="381000" y="666750"/>
+            <a:ext cx="1066800" cy="381000"/>
+          </a:xfrm>
+          <a:prstGeom prst="rect">
+            <a:avLst/>
+          </a:prstGeom>
+        </p:spPr>
+        <p:style>
+          <a:lnRef idx="1">
+            <a:schemeClr val="accent1"/>
+          </a:lnRef>
+          <a:fillRef idx="3">
+            <a:schemeClr val="accent1"/>
+          </a:fillRef>
+          <a:effectRef idx="2">
+            <a:schemeClr val="accent1"/>
+          </a:effectRef>
+          <a:fontRef idx="minor">
+            <a:schemeClr val="lt1"/>
+          </a:fontRef>
+        </p:style>
+        <p:txBody>
+          <a:bodyPr rtlCol="0" anchor="ctr"/>
+          <a:lstStyle/>
+          <a:p>
+            <a:pPr algn="ctr"/>
+            <a:r>
+              <a:rPr lang="en-US"/>
+              <a:t>App</a:t>
+            </a:r>
+          </a:p>
+        </p:txBody>
+      </p:sp>
+      <p:sp>
+        <p:nvSpPr>
+          <p:cNvPr id="4" name="Rectangle 3"/>
+          <p:cNvSpPr/>
+          <p:nvPr/>
+        </p:nvSpPr>
+        <p:spPr>
+          <a:xfrm>
+            <a:off x="2133600" y="1123950"/>
+            <a:ext cx="1066800" cy="381000"/>
+          </a:xfrm>
+          <a:prstGeom prst="rect">
+            <a:avLst/>
+          </a:prstGeom>
+        </p:spPr>
+        <p:style>
+          <a:lnRef idx="1">
+            <a:schemeClr val="accent1"/>
+          </a:lnRef>
+          <a:fillRef idx="3">
+            <a:schemeClr val="accent1"/>
+          </a:fillRef>
+          <a:effectRef idx="2">
+            <a:schemeClr val="accent1"/>
+          </a:effectRef>
+          <a:fontRef idx="minor">
+            <a:schemeClr val="lt1"/>
+          </a:fontRef>
+        </p:style>
+        <p:txBody>
+          <a:bodyPr rtlCol="0" anchor="ctr"/>
+          <a:lstStyle/>
+          <a:p>
+            <a:pPr algn="ctr"/>
+            <a:r>
+              <a:rPr lang="en-US"/>
+              <a:t>modules</a:t>
+            </a:r>
+          </a:p>
+        </p:txBody>
+      </p:sp>
+      <p:cxnSp>
+        <p:nvCxnSpPr>
+          <p:cNvPr id="7" name="Elbow Connector 6"/>
+          <p:cNvCxnSpPr>
+            <a:stCxn id="3" idx="3"/>
+            <a:endCxn id="4" idx="1"/>
+          </p:cNvCxnSpPr>
+          <p:nvPr/>
+        </p:nvCxnSpPr>
+        <p:spPr>
+          <a:xfrm>
+            <a:off x="1447800" y="857250"/>
+            <a:ext cx="685800" cy="457200"/>
+          </a:xfrm>
+          <a:prstGeom prst="bentConnector3">
+            <a:avLst/>
+          </a:prstGeom>
+        </p:spPr>
+        <p:style>
+          <a:lnRef idx="2">
+            <a:schemeClr val="accent1"/>
+          </a:lnRef>
+          <a:fillRef idx="0">
+            <a:schemeClr val="accent1"/>
+          </a:fillRef>
+          <a:effectRef idx="1">
+            <a:schemeClr val="accent1"/>
+          </a:effectRef>
+          <a:fontRef idx="minor">
+            <a:schemeClr val="tx1"/>
+          </a:fontRef>
+        </p:style>
+      </p:cxnSp>
+      <p:sp>
+        <p:nvSpPr>
+          <p:cNvPr id="11" name="Rectangle 10"/>
+          <p:cNvSpPr/>
+          <p:nvPr/>
+        </p:nvSpPr>
+        <p:spPr>
+          <a:xfrm>
+            <a:off x="2133600" y="1581150"/>
+            <a:ext cx="1066800" cy="381000"/>
+          </a:xfrm>
+          <a:prstGeom prst="rect">
+            <a:avLst/>
+          </a:prstGeom>
+        </p:spPr>
+        <p:style>
+          <a:lnRef idx="1">
+            <a:schemeClr val="accent1"/>
+          </a:lnRef>
+          <a:fillRef idx="3">
+            <a:schemeClr val="accent1"/>
+          </a:fillRef>
+          <a:effectRef idx="2">
+            <a:schemeClr val="accent1"/>
+          </a:effectRef>
+          <a:fontRef idx="minor">
+            <a:schemeClr val="lt1"/>
+          </a:fontRef>
+        </p:style>
+        <p:txBody>
+          <a:bodyPr rtlCol="0" anchor="ctr"/>
+          <a:lstStyle/>
+          <a:p>
+            <a:pPr algn="ctr"/>
+            <a:r>
+              <a:rPr lang="en-US"/>
+              <a:t>plugins</a:t>
+            </a:r>
+          </a:p>
+        </p:txBody>
+      </p:sp>
+      <p:sp>
+        <p:nvSpPr>
+          <p:cNvPr id="12" name="Rectangle 11"/>
+          <p:cNvSpPr/>
+          <p:nvPr/>
+        </p:nvSpPr>
+        <p:spPr>
+          <a:xfrm>
+            <a:off x="2133600" y="2038350"/>
+            <a:ext cx="1066800" cy="381000"/>
+          </a:xfrm>
+          <a:prstGeom prst="rect">
+            <a:avLst/>
+          </a:prstGeom>
+        </p:spPr>
+        <p:style>
+          <a:lnRef idx="1">
+            <a:schemeClr val="accent1"/>
+          </a:lnRef>
+          <a:fillRef idx="3">
+            <a:schemeClr val="accent1"/>
+          </a:fillRef>
+          <a:effectRef idx="2">
+            <a:schemeClr val="accent1"/>
+          </a:effectRef>
+          <a:fontRef idx="minor">
+            <a:schemeClr val="lt1"/>
+          </a:fontRef>
+        </p:style>
+        <p:txBody>
+          <a:bodyPr rtlCol="0" anchor="ctr"/>
+          <a:lstStyle/>
+          <a:p>
+            <a:pPr algn="ctr"/>
+            <a:r>
+              <a:rPr lang="en-US"/>
+              <a:t>widgets</a:t>
+            </a:r>
+          </a:p>
+        </p:txBody>
+      </p:sp>
+      <p:cxnSp>
+        <p:nvCxnSpPr>
+          <p:cNvPr id="14" name="Elbow Connector 13"/>
+          <p:cNvCxnSpPr>
+            <a:stCxn id="3" idx="3"/>
+            <a:endCxn id="11" idx="1"/>
+          </p:cNvCxnSpPr>
+          <p:nvPr/>
+        </p:nvCxnSpPr>
+        <p:spPr>
+          <a:xfrm>
+            <a:off x="1447800" y="857250"/>
+            <a:ext cx="685800" cy="914400"/>
+          </a:xfrm>
+          <a:prstGeom prst="bentConnector3">
+            <a:avLst/>
+          </a:prstGeom>
+        </p:spPr>
+        <p:style>
+          <a:lnRef idx="2">
+            <a:schemeClr val="accent1"/>
+          </a:lnRef>
+          <a:fillRef idx="0">
+            <a:schemeClr val="accent1"/>
+          </a:fillRef>
+          <a:effectRef idx="1">
+            <a:schemeClr val="accent1"/>
+          </a:effectRef>
+          <a:fontRef idx="minor">
+            <a:schemeClr val="tx1"/>
+          </a:fontRef>
+        </p:style>
+      </p:cxnSp>
+      <p:cxnSp>
+        <p:nvCxnSpPr>
+          <p:cNvPr id="16" name="Elbow Connector 15"/>
+          <p:cNvCxnSpPr>
+            <a:stCxn id="3" idx="3"/>
+            <a:endCxn id="12" idx="1"/>
+          </p:cNvCxnSpPr>
+          <p:nvPr/>
+        </p:nvCxnSpPr>
+        <p:spPr>
+          <a:xfrm>
+            <a:off x="1447800" y="857250"/>
+            <a:ext cx="685800" cy="1371600"/>
+          </a:xfrm>
+          <a:prstGeom prst="bentConnector3">
+            <a:avLst/>
+          </a:prstGeom>
+        </p:spPr>
+        <p:style>
+          <a:lnRef idx="2">
+            <a:schemeClr val="accent1"/>
+          </a:lnRef>
+          <a:fillRef idx="0">
+            <a:schemeClr val="accent1"/>
+          </a:fillRef>
+          <a:effectRef idx="1">
+            <a:schemeClr val="accent1"/>
+          </a:effectRef>
+          <a:fontRef idx="minor">
+            <a:schemeClr val="tx1"/>
+          </a:fontRef>
+        </p:style>
+      </p:cxnSp>
+      <p:sp>
+        <p:nvSpPr>
+          <p:cNvPr id="17" name="Rectangle 16"/>
+          <p:cNvSpPr/>
+          <p:nvPr/>
+        </p:nvSpPr>
+        <p:spPr>
+          <a:xfrm>
+            <a:off x="381000" y="2419350"/>
+            <a:ext cx="1066800" cy="381000"/>
+          </a:xfrm>
+          <a:prstGeom prst="rect">
+            <a:avLst/>
+          </a:prstGeom>
+        </p:spPr>
+        <p:style>
+          <a:lnRef idx="1">
+            <a:schemeClr val="accent1"/>
+          </a:lnRef>
+          <a:fillRef idx="3">
+            <a:schemeClr val="accent1"/>
+          </a:fillRef>
+          <a:effectRef idx="2">
+            <a:schemeClr val="accent1"/>
+          </a:effectRef>
+          <a:fontRef idx="minor">
+            <a:schemeClr val="lt1"/>
+          </a:fontRef>
+        </p:style>
+        <p:txBody>
+          <a:bodyPr rtlCol="0" anchor="ctr"/>
+          <a:lstStyle/>
+          <a:p>
+            <a:pPr algn="ctr"/>
+            <a:r>
+              <a:rPr lang="en-US"/>
+              <a:t>Core</a:t>
+            </a:r>
+          </a:p>
+        </p:txBody>
+      </p:sp>
+      <p:sp>
+        <p:nvSpPr>
+          <p:cNvPr id="18" name="Rectangle 17"/>
+          <p:cNvSpPr/>
+          <p:nvPr/>
+        </p:nvSpPr>
+        <p:spPr>
+          <a:xfrm>
+            <a:off x="2133600" y="2876550"/>
+            <a:ext cx="1066800" cy="381000"/>
+          </a:xfrm>
+          <a:prstGeom prst="rect">
+            <a:avLst/>
+          </a:prstGeom>
+        </p:spPr>
+        <p:style>
+          <a:lnRef idx="1">
+            <a:schemeClr val="accent1"/>
+          </a:lnRef>
+          <a:fillRef idx="3">
+            <a:schemeClr val="accent1"/>
+          </a:fillRef>
+          <a:effectRef idx="2">
+            <a:schemeClr val="accent1"/>
+          </a:effectRef>
+          <a:fontRef idx="minor">
+            <a:schemeClr val="lt1"/>
+          </a:fontRef>
+        </p:style>
+        <p:txBody>
+          <a:bodyPr rtlCol="0" anchor="ctr"/>
+          <a:lstStyle/>
+          <a:p>
+            <a:pPr algn="ctr"/>
+            <a:r>
+              <a:rPr lang="en-US"/>
+              <a:t>modules</a:t>
+            </a:r>
+          </a:p>
+        </p:txBody>
+      </p:sp>
+      <p:cxnSp>
+        <p:nvCxnSpPr>
+          <p:cNvPr id="19" name="Elbow Connector 18"/>
+          <p:cNvCxnSpPr>
+            <a:stCxn id="17" idx="3"/>
+            <a:endCxn id="18" idx="1"/>
+          </p:cNvCxnSpPr>
+          <p:nvPr/>
+        </p:nvCxnSpPr>
+        <p:spPr>
+          <a:xfrm>
+            <a:off x="1447800" y="2609850"/>
+            <a:ext cx="685800" cy="457200"/>
+          </a:xfrm>
+          <a:prstGeom prst="bentConnector3">
+            <a:avLst/>
+          </a:prstGeom>
+        </p:spPr>
+        <p:style>
+          <a:lnRef idx="2">
+            <a:schemeClr val="accent1"/>
+          </a:lnRef>
+          <a:fillRef idx="0">
+            <a:schemeClr val="accent1"/>
+          </a:fillRef>
+          <a:effectRef idx="1">
+            <a:schemeClr val="accent1"/>
+          </a:effectRef>
+          <a:fontRef idx="minor">
+            <a:schemeClr val="tx1"/>
+          </a:fontRef>
+        </p:style>
+      </p:cxnSp>
+      <p:sp>
+        <p:nvSpPr>
+          <p:cNvPr id="20" name="Rectangle 19"/>
+          <p:cNvSpPr/>
+          <p:nvPr/>
+        </p:nvSpPr>
+        <p:spPr>
+          <a:xfrm>
+            <a:off x="2133600" y="3333750"/>
+            <a:ext cx="1066800" cy="381000"/>
+          </a:xfrm>
+          <a:prstGeom prst="rect">
+            <a:avLst/>
+          </a:prstGeom>
+        </p:spPr>
+        <p:style>
+          <a:lnRef idx="1">
+            <a:schemeClr val="accent1"/>
+          </a:lnRef>
+          <a:fillRef idx="3">
+            <a:schemeClr val="accent1"/>
+          </a:fillRef>
+          <a:effectRef idx="2">
+            <a:schemeClr val="accent1"/>
+          </a:effectRef>
+          <a:fontRef idx="minor">
+            <a:schemeClr val="lt1"/>
+          </a:fontRef>
+        </p:style>
+        <p:txBody>
+          <a:bodyPr rtlCol="0" anchor="ctr"/>
+          <a:lstStyle/>
+          <a:p>
+            <a:pPr algn="ctr"/>
+            <a:r>
+              <a:rPr lang="en-US"/>
+              <a:t>plugins</a:t>
+            </a:r>
+          </a:p>
+        </p:txBody>
+      </p:sp>
+      <p:sp>
+        <p:nvSpPr>
+          <p:cNvPr id="21" name="Rectangle 20"/>
+          <p:cNvSpPr/>
+          <p:nvPr/>
+        </p:nvSpPr>
+        <p:spPr>
+          <a:xfrm>
+            <a:off x="2133600" y="3790950"/>
+            <a:ext cx="1066800" cy="381000"/>
+          </a:xfrm>
+          <a:prstGeom prst="rect">
+            <a:avLst/>
+          </a:prstGeom>
+        </p:spPr>
+        <p:style>
+          <a:lnRef idx="1">
+            <a:schemeClr val="accent1"/>
+          </a:lnRef>
+          <a:fillRef idx="3">
+            <a:schemeClr val="accent1"/>
+          </a:fillRef>
+          <a:effectRef idx="2">
+            <a:schemeClr val="accent1"/>
+          </a:effectRef>
+          <a:fontRef idx="minor">
+            <a:schemeClr val="lt1"/>
+          </a:fontRef>
+        </p:style>
+        <p:txBody>
+          <a:bodyPr rtlCol="0" anchor="ctr"/>
+          <a:lstStyle/>
+          <a:p>
+            <a:pPr algn="ctr"/>
+            <a:r>
+              <a:rPr lang="en-US"/>
+              <a:t>widgets</a:t>
+            </a:r>
+          </a:p>
+        </p:txBody>
+      </p:sp>
+      <p:cxnSp>
+        <p:nvCxnSpPr>
+          <p:cNvPr id="22" name="Elbow Connector 21"/>
+          <p:cNvCxnSpPr>
+            <a:stCxn id="17" idx="3"/>
+            <a:endCxn id="20" idx="1"/>
+          </p:cNvCxnSpPr>
+          <p:nvPr/>
+        </p:nvCxnSpPr>
+        <p:spPr>
+          <a:xfrm>
+            <a:off x="1447800" y="2609850"/>
+            <a:ext cx="685800" cy="914400"/>
+          </a:xfrm>
+          <a:prstGeom prst="bentConnector3">
+            <a:avLst/>
+          </a:prstGeom>
+        </p:spPr>
+        <p:style>
+          <a:lnRef idx="2">
+            <a:schemeClr val="accent1"/>
+          </a:lnRef>
+          <a:fillRef idx="0">
+            <a:schemeClr val="accent1"/>
+          </a:fillRef>
+          <a:effectRef idx="1">
+            <a:schemeClr val="accent1"/>
+          </a:effectRef>
+          <a:fontRef idx="minor">
+            <a:schemeClr val="tx1"/>
+          </a:fontRef>
+        </p:style>
+      </p:cxnSp>
+      <p:cxnSp>
+        <p:nvCxnSpPr>
+          <p:cNvPr id="23" name="Elbow Connector 22"/>
+          <p:cNvCxnSpPr>
+            <a:stCxn id="17" idx="3"/>
+            <a:endCxn id="21" idx="1"/>
+          </p:cNvCxnSpPr>
+          <p:nvPr/>
+        </p:nvCxnSpPr>
+        <p:spPr>
+          <a:xfrm>
+            <a:off x="1447800" y="2609850"/>
+            <a:ext cx="685800" cy="1371600"/>
+          </a:xfrm>
+          <a:prstGeom prst="bentConnector3">
+            <a:avLst/>
+          </a:prstGeom>
+        </p:spPr>
+        <p:style>
+          <a:lnRef idx="2">
+            <a:schemeClr val="accent1"/>
+          </a:lnRef>
+          <a:fillRef idx="0">
+            <a:schemeClr val="accent1"/>
+          </a:fillRef>
+          <a:effectRef idx="1">
+            <a:schemeClr val="accent1"/>
+          </a:effectRef>
+          <a:fontRef idx="minor">
+            <a:schemeClr val="tx1"/>
+          </a:fontRef>
+        </p:style>
+      </p:cxnSp>
+      <p:sp>
+        <p:nvSpPr>
+          <p:cNvPr id="24" name="Rectangle 23"/>
+          <p:cNvSpPr/>
+          <p:nvPr/>
+        </p:nvSpPr>
+        <p:spPr>
+          <a:xfrm>
+            <a:off x="3810000" y="1123950"/>
+            <a:ext cx="1066800" cy="381000"/>
+          </a:xfrm>
+          <a:prstGeom prst="rect">
+            <a:avLst/>
+          </a:prstGeom>
+        </p:spPr>
+        <p:style>
+          <a:lnRef idx="1">
+            <a:schemeClr val="accent1"/>
+          </a:lnRef>
+          <a:fillRef idx="3">
+            <a:schemeClr val="accent1"/>
+          </a:fillRef>
+          <a:effectRef idx="2">
+            <a:schemeClr val="accent1"/>
+          </a:effectRef>
+          <a:fontRef idx="minor">
+            <a:schemeClr val="lt1"/>
+          </a:fontRef>
+        </p:style>
+        <p:txBody>
+          <a:bodyPr rtlCol="0" anchor="ctr"/>
+          <a:lstStyle/>
+          <a:p>
+            <a:pPr algn="ctr"/>
+            <a:r>
+              <a:rPr lang="en-US"/>
+              <a:t>moduleA</a:t>
+            </a:r>
+          </a:p>
+        </p:txBody>
+      </p:sp>
+      <p:cxnSp>
+        <p:nvCxnSpPr>
+          <p:cNvPr id="26" name="Straight Connector 25"/>
+          <p:cNvCxnSpPr>
+            <a:stCxn id="4" idx="3"/>
+            <a:endCxn id="24" idx="1"/>
+          </p:cNvCxnSpPr>
+          <p:nvPr/>
+        </p:nvCxnSpPr>
+        <p:spPr>
+          <a:xfrm>
+            <a:off x="3200400" y="1314450"/>
+            <a:ext cx="609600" cy="0"/>
+          </a:xfrm>
+          <a:prstGeom prst="line">
+            <a:avLst/>
+          </a:prstGeom>
+        </p:spPr>
+        <p:style>
+          <a:lnRef idx="2">
+            <a:schemeClr val="accent1"/>
+          </a:lnRef>
+          <a:fillRef idx="0">
+            <a:schemeClr val="accent1"/>
+          </a:fillRef>
+          <a:effectRef idx="1">
+            <a:schemeClr val="accent1"/>
+          </a:effectRef>
+          <a:fontRef idx="minor">
+            <a:schemeClr val="tx1"/>
+          </a:fontRef>
+        </p:style>
+      </p:cxnSp>
+      <p:sp>
+        <p:nvSpPr>
+          <p:cNvPr id="27" name="Rectangle 26"/>
+          <p:cNvSpPr/>
+          <p:nvPr/>
+        </p:nvSpPr>
+        <p:spPr>
+          <a:xfrm>
+            <a:off x="5791200" y="1428750"/>
+            <a:ext cx="1066800" cy="381000"/>
+          </a:xfrm>
+          <a:prstGeom prst="rect">
+            <a:avLst/>
+          </a:prstGeom>
+        </p:spPr>
+        <p:style>
+          <a:lnRef idx="1">
+            <a:schemeClr val="accent1"/>
+          </a:lnRef>
+          <a:fillRef idx="3">
+            <a:schemeClr val="accent1"/>
+          </a:fillRef>
+          <a:effectRef idx="2">
+            <a:schemeClr val="accent1"/>
+          </a:effectRef>
+          <a:fontRef idx="minor">
+            <a:schemeClr val="lt1"/>
+          </a:fontRef>
+        </p:style>
+        <p:txBody>
+          <a:bodyPr rtlCol="0" anchor="ctr"/>
+          <a:lstStyle/>
+          <a:p>
+            <a:pPr algn="ctr"/>
+            <a:r>
+              <a:rPr lang="en-US"/>
+              <a:t>backend</a:t>
+            </a:r>
+          </a:p>
+        </p:txBody>
+      </p:sp>
+      <p:sp>
+        <p:nvSpPr>
+          <p:cNvPr id="28" name="Rectangle 27"/>
+          <p:cNvSpPr/>
+          <p:nvPr/>
+        </p:nvSpPr>
+        <p:spPr>
+          <a:xfrm>
+            <a:off x="5791200" y="1962150"/>
+            <a:ext cx="1066800" cy="381000"/>
+          </a:xfrm>
+          <a:prstGeom prst="rect">
+            <a:avLst/>
+          </a:prstGeom>
+        </p:spPr>
+        <p:style>
+          <a:lnRef idx="1">
+            <a:schemeClr val="accent1"/>
+          </a:lnRef>
+          <a:fillRef idx="3">
+            <a:schemeClr val="accent1"/>
+          </a:fillRef>
+          <a:effectRef idx="2">
+            <a:schemeClr val="accent1"/>
+          </a:effectRef>
+          <a:fontRef idx="minor">
+            <a:schemeClr val="lt1"/>
+          </a:fontRef>
+        </p:style>
+        <p:txBody>
+          <a:bodyPr rtlCol="0" anchor="ctr"/>
+          <a:lstStyle/>
+          <a:p>
+            <a:pPr algn="ctr"/>
+            <a:r>
+              <a:rPr lang="en-US"/>
+              <a:t>frontend</a:t>
+            </a:r>
+          </a:p>
+        </p:txBody>
+      </p:sp>
+      <p:sp>
+        <p:nvSpPr>
+          <p:cNvPr id="29" name="Rectangle 28"/>
+          <p:cNvSpPr/>
+          <p:nvPr/>
+        </p:nvSpPr>
+        <p:spPr>
+          <a:xfrm>
+            <a:off x="5791200" y="2571750"/>
+            <a:ext cx="1066800" cy="381000"/>
+          </a:xfrm>
+          <a:prstGeom prst="rect">
+            <a:avLst/>
+          </a:prstGeom>
+        </p:spPr>
+        <p:style>
+          <a:lnRef idx="1">
+            <a:schemeClr val="accent1"/>
+          </a:lnRef>
+          <a:fillRef idx="3">
+            <a:schemeClr val="accent1"/>
+          </a:fillRef>
+          <a:effectRef idx="2">
+            <a:schemeClr val="accent1"/>
+          </a:effectRef>
+          <a:fontRef idx="minor">
+            <a:schemeClr val="lt1"/>
+          </a:fontRef>
+        </p:style>
+        <p:txBody>
+          <a:bodyPr rtlCol="0" anchor="ctr"/>
+          <a:lstStyle/>
+          <a:p>
+            <a:pPr algn="ctr"/>
+            <a:r>
+              <a:rPr lang="en-US"/>
+              <a:t>models</a:t>
+            </a:r>
+          </a:p>
+        </p:txBody>
+      </p:sp>
+      <p:sp>
+        <p:nvSpPr>
+          <p:cNvPr id="30" name="Rectangle 29"/>
+          <p:cNvSpPr/>
+          <p:nvPr/>
+        </p:nvSpPr>
+        <p:spPr>
+          <a:xfrm>
+            <a:off x="5791200" y="3181350"/>
+            <a:ext cx="1219200" cy="381000"/>
+          </a:xfrm>
+          <a:prstGeom prst="rect">
+            <a:avLst/>
+          </a:prstGeom>
+        </p:spPr>
+        <p:style>
+          <a:lnRef idx="1">
+            <a:schemeClr val="accent3"/>
+          </a:lnRef>
+          <a:fillRef idx="2">
+            <a:schemeClr val="accent3"/>
+          </a:fillRef>
+          <a:effectRef idx="1">
+            <a:schemeClr val="accent3"/>
+          </a:effectRef>
+          <a:fontRef idx="minor">
+            <a:schemeClr val="dk1"/>
+          </a:fontRef>
+        </p:style>
+        <p:txBody>
+          <a:bodyPr rtlCol="0" anchor="ctr"/>
+          <a:lstStyle/>
+          <a:p>
+            <a:pPr algn="ctr"/>
+            <a:r>
+              <a:rPr lang="en-US"/>
+              <a:t>module.js</a:t>
+            </a:r>
+          </a:p>
+        </p:txBody>
+      </p:sp>
+      <p:cxnSp>
+        <p:nvCxnSpPr>
+          <p:cNvPr id="32" name="Elbow Connector 31"/>
+          <p:cNvCxnSpPr>
+            <a:stCxn id="24" idx="3"/>
+            <a:endCxn id="27" idx="1"/>
+          </p:cNvCxnSpPr>
+          <p:nvPr/>
+        </p:nvCxnSpPr>
+        <p:spPr>
+          <a:xfrm>
+            <a:off x="4876800" y="1314450"/>
+            <a:ext cx="914400" cy="304800"/>
+          </a:xfrm>
+          <a:prstGeom prst="bentConnector3">
+            <a:avLst/>
+          </a:prstGeom>
+        </p:spPr>
+        <p:style>
+          <a:lnRef idx="2">
+            <a:schemeClr val="accent1"/>
+          </a:lnRef>
+          <a:fillRef idx="0">
+            <a:schemeClr val="accent1"/>
+          </a:fillRef>
+          <a:effectRef idx="1">
+            <a:schemeClr val="accent1"/>
+          </a:effectRef>
+          <a:fontRef idx="minor">
+            <a:schemeClr val="tx1"/>
+          </a:fontRef>
+        </p:style>
+      </p:cxnSp>
+      <p:cxnSp>
+        <p:nvCxnSpPr>
+          <p:cNvPr id="34" name="Elbow Connector 33"/>
+          <p:cNvCxnSpPr>
+            <a:stCxn id="24" idx="3"/>
+            <a:endCxn id="28" idx="1"/>
+          </p:cNvCxnSpPr>
+          <p:nvPr/>
+        </p:nvCxnSpPr>
+        <p:spPr>
+          <a:xfrm>
+            <a:off x="4876800" y="1314450"/>
+            <a:ext cx="914400" cy="838200"/>
+          </a:xfrm>
+          <a:prstGeom prst="bentConnector3">
+            <a:avLst/>
+          </a:prstGeom>
+        </p:spPr>
+        <p:style>
+          <a:lnRef idx="2">
+            <a:schemeClr val="accent1"/>
+          </a:lnRef>
+          <a:fillRef idx="0">
+            <a:schemeClr val="accent1"/>
+          </a:fillRef>
+          <a:effectRef idx="1">
+            <a:schemeClr val="accent1"/>
+          </a:effectRef>
+          <a:fontRef idx="minor">
+            <a:schemeClr val="tx1"/>
+          </a:fontRef>
+        </p:style>
+      </p:cxnSp>
+      <p:cxnSp>
+        <p:nvCxnSpPr>
+          <p:cNvPr id="36" name="Elbow Connector 35"/>
+          <p:cNvCxnSpPr>
+            <a:stCxn id="24" idx="3"/>
+            <a:endCxn id="29" idx="1"/>
+          </p:cNvCxnSpPr>
+          <p:nvPr/>
+        </p:nvCxnSpPr>
+        <p:spPr>
+          <a:xfrm>
+            <a:off x="4876800" y="1314450"/>
+            <a:ext cx="914400" cy="1447800"/>
+          </a:xfrm>
+          <a:prstGeom prst="bentConnector3">
+            <a:avLst/>
+          </a:prstGeom>
+        </p:spPr>
+        <p:style>
+          <a:lnRef idx="2">
+            <a:schemeClr val="accent1"/>
+          </a:lnRef>
+          <a:fillRef idx="0">
+            <a:schemeClr val="accent1"/>
+          </a:fillRef>
+          <a:effectRef idx="1">
+            <a:schemeClr val="accent1"/>
+          </a:effectRef>
+          <a:fontRef idx="minor">
+            <a:schemeClr val="tx1"/>
+          </a:fontRef>
+        </p:style>
+      </p:cxnSp>
+      <p:cxnSp>
+        <p:nvCxnSpPr>
+          <p:cNvPr id="38" name="Elbow Connector 37"/>
+          <p:cNvCxnSpPr>
+            <a:stCxn id="24" idx="3"/>
+            <a:endCxn id="30" idx="1"/>
+          </p:cNvCxnSpPr>
+          <p:nvPr/>
+        </p:nvCxnSpPr>
+        <p:spPr>
+          <a:xfrm>
+            <a:off x="4876800" y="1314450"/>
+            <a:ext cx="914400" cy="2057400"/>
+          </a:xfrm>
+          <a:prstGeom prst="bentConnector3">
+            <a:avLst/>
+          </a:prstGeom>
+        </p:spPr>
+        <p:style>
+          <a:lnRef idx="2">
+            <a:schemeClr val="accent1"/>
+          </a:lnRef>
+          <a:fillRef idx="0">
+            <a:schemeClr val="accent1"/>
+          </a:fillRef>
+          <a:effectRef idx="1">
+            <a:schemeClr val="accent1"/>
+          </a:effectRef>
+          <a:fontRef idx="minor">
+            <a:schemeClr val="tx1"/>
+          </a:fontRef>
+        </p:style>
+      </p:cxnSp>
+      <p:sp>
+        <p:nvSpPr>
+          <p:cNvPr id="39" name="Rectangle 38"/>
+          <p:cNvSpPr/>
+          <p:nvPr/>
+        </p:nvSpPr>
+        <p:spPr>
+          <a:xfrm>
+            <a:off x="7543800" y="1657350"/>
+            <a:ext cx="1219200" cy="381000"/>
+          </a:xfrm>
+          <a:prstGeom prst="rect">
+            <a:avLst/>
+          </a:prstGeom>
+        </p:spPr>
+        <p:style>
+          <a:lnRef idx="1">
+            <a:schemeClr val="accent1"/>
+          </a:lnRef>
+          <a:fillRef idx="3">
+            <a:schemeClr val="accent1"/>
+          </a:fillRef>
+          <a:effectRef idx="2">
+            <a:schemeClr val="accent1"/>
+          </a:effectRef>
+          <a:fontRef idx="minor">
+            <a:schemeClr val="lt1"/>
+          </a:fontRef>
+        </p:style>
+        <p:txBody>
+          <a:bodyPr rtlCol="0" anchor="ctr"/>
+          <a:lstStyle/>
+          <a:p>
+            <a:pPr algn="ctr"/>
+            <a:r>
+              <a:rPr lang="en-US"/>
+              <a:t>controller</a:t>
+            </a:r>
+          </a:p>
+        </p:txBody>
+      </p:sp>
+      <p:sp>
+        <p:nvSpPr>
+          <p:cNvPr id="44" name="Rectangle 43"/>
+          <p:cNvSpPr/>
+          <p:nvPr/>
+        </p:nvSpPr>
+        <p:spPr>
+          <a:xfrm>
+            <a:off x="7543800" y="2190750"/>
+            <a:ext cx="1066800" cy="381000"/>
+          </a:xfrm>
+          <a:prstGeom prst="rect">
+            <a:avLst/>
+          </a:prstGeom>
+        </p:spPr>
+        <p:style>
+          <a:lnRef idx="1">
+            <a:schemeClr val="accent1"/>
+          </a:lnRef>
+          <a:fillRef idx="3">
+            <a:schemeClr val="accent1"/>
+          </a:fillRef>
+          <a:effectRef idx="2">
+            <a:schemeClr val="accent1"/>
+          </a:effectRef>
+          <a:fontRef idx="minor">
+            <a:schemeClr val="lt1"/>
+          </a:fontRef>
+        </p:style>
+        <p:txBody>
+          <a:bodyPr rtlCol="0" anchor="ctr"/>
+          <a:lstStyle/>
+          <a:p>
+            <a:pPr algn="ctr"/>
+            <a:r>
+              <a:rPr lang="en-US"/>
+              <a:t>view</a:t>
+            </a:r>
+          </a:p>
+        </p:txBody>
+      </p:sp>
+      <p:cxnSp>
+        <p:nvCxnSpPr>
+          <p:cNvPr id="46" name="Elbow Connector 45"/>
+          <p:cNvCxnSpPr>
+            <a:stCxn id="27" idx="3"/>
+            <a:endCxn id="39" idx="1"/>
+          </p:cNvCxnSpPr>
+          <p:nvPr/>
+        </p:nvCxnSpPr>
+        <p:spPr>
+          <a:xfrm>
+            <a:off x="6858000" y="1619250"/>
+            <a:ext cx="685800" cy="228600"/>
+          </a:xfrm>
+          <a:prstGeom prst="bentConnector3">
+            <a:avLst/>
+          </a:prstGeom>
+        </p:spPr>
+        <p:style>
+          <a:lnRef idx="2">
+            <a:schemeClr val="accent1"/>
+          </a:lnRef>
+          <a:fillRef idx="0">
+            <a:schemeClr val="accent1"/>
+          </a:fillRef>
+          <a:effectRef idx="1">
+            <a:schemeClr val="accent1"/>
+          </a:effectRef>
+          <a:fontRef idx="minor">
+            <a:schemeClr val="tx1"/>
+          </a:fontRef>
+        </p:style>
+      </p:cxnSp>
+      <p:cxnSp>
+        <p:nvCxnSpPr>
+          <p:cNvPr id="48" name="Elbow Connector 47"/>
+          <p:cNvCxnSpPr>
+            <a:stCxn id="27" idx="3"/>
+            <a:endCxn id="44" idx="1"/>
+          </p:cNvCxnSpPr>
+          <p:nvPr/>
+        </p:nvCxnSpPr>
+        <p:spPr>
+          <a:xfrm>
+            <a:off x="6858000" y="1619250"/>
+            <a:ext cx="685800" cy="762000"/>
+          </a:xfrm>
+          <a:prstGeom prst="bentConnector3">
+            <a:avLst/>
+          </a:prstGeom>
+        </p:spPr>
+        <p:style>
+          <a:lnRef idx="2">
+            <a:schemeClr val="accent1"/>
+          </a:lnRef>
+          <a:fillRef idx="0">
+            <a:schemeClr val="accent1"/>
+          </a:fillRef>
+          <a:effectRef idx="1">
+            <a:schemeClr val="accent1"/>
+          </a:effectRef>
+          <a:fontRef idx="minor">
+            <a:schemeClr val="tx1"/>
+          </a:fontRef>
+        </p:style>
+      </p:cxnSp>
+      <p:sp>
+        <p:nvSpPr>
+          <p:cNvPr id="50" name="Rectangle 49"/>
+          <p:cNvSpPr/>
+          <p:nvPr/>
+        </p:nvSpPr>
+        <p:spPr>
+          <a:xfrm>
+            <a:off x="7543800" y="2800350"/>
+            <a:ext cx="1066800" cy="381000"/>
+          </a:xfrm>
+          <a:prstGeom prst="rect">
+            <a:avLst/>
+          </a:prstGeom>
+        </p:spPr>
+        <p:style>
+          <a:lnRef idx="1">
+            <a:schemeClr val="accent3"/>
+          </a:lnRef>
+          <a:fillRef idx="2">
+            <a:schemeClr val="accent3"/>
+          </a:fillRef>
+          <a:effectRef idx="1">
+            <a:schemeClr val="accent3"/>
+          </a:effectRef>
+          <a:fontRef idx="minor">
+            <a:schemeClr val="dk1"/>
+          </a:fontRef>
+        </p:style>
+        <p:txBody>
+          <a:bodyPr rtlCol="0" anchor="ctr"/>
+          <a:lstStyle/>
+          <a:p>
+            <a:pPr algn="ctr"/>
+            <a:r>
+              <a:rPr lang="en-US"/>
+              <a:t>route.js</a:t>
+            </a:r>
+          </a:p>
+        </p:txBody>
+      </p:sp>
+      <p:cxnSp>
+        <p:nvCxnSpPr>
+          <p:cNvPr id="52" name="Elbow Connector 51"/>
+          <p:cNvCxnSpPr>
+            <a:stCxn id="27" idx="3"/>
+            <a:endCxn id="50" idx="1"/>
+          </p:cNvCxnSpPr>
+          <p:nvPr/>
+        </p:nvCxnSpPr>
+        <p:spPr>
+          <a:xfrm>
+            <a:off x="6858000" y="1619250"/>
+            <a:ext cx="685800" cy="1371600"/>
+          </a:xfrm>
+          <a:prstGeom prst="bentConnector3">
+            <a:avLst/>
+          </a:prstGeom>
+        </p:spPr>
+        <p:style>
+          <a:lnRef idx="2">
+            <a:schemeClr val="accent1"/>
+          </a:lnRef>
+          <a:fillRef idx="0">
+            <a:schemeClr val="accent1"/>
+          </a:fillRef>
+          <a:effectRef idx="1">
+            <a:schemeClr val="accent1"/>
+          </a:effectRef>
+          <a:fontRef idx="minor">
+            <a:schemeClr val="tx1"/>
+          </a:fontRef>
+        </p:style>
+      </p:cxnSp>
+    </p:spTree>
+    <p:extLst>
+      <p:ext uri="{BB962C8B-B14F-4D97-AF65-F5344CB8AC3E}">
+        <p14:creationId xmlns:p14="http://schemas.microsoft.com/office/powerpoint/2010/main" val="3861616338"/>
+      </p:ext>
+    </p:extLst>
+  </p:cSld>
+  <p:clrMapOvr>
+    <a:masterClrMapping/>
+  </p:clrMapOvr>
+</p:sld>
+</file>
+
+<file path=ppt/slides/slide15.xml><?xml version="1.0" encoding="utf-8"?>
+<p:sld xmlns:a="http://schemas.openxmlformats.org/drawingml/2006/main" xmlns:r="http://schemas.openxmlformats.org/officeDocument/2006/relationships" xmlns:p="http://schemas.openxmlformats.org/presentationml/2006/main">
+  <p:cSld>
+    <p:spTree>
+      <p:nvGrpSpPr>
+        <p:cNvPr id="1" name=""/>
+        <p:cNvGrpSpPr/>
+        <p:nvPr/>
+      </p:nvGrpSpPr>
+      <p:grpSpPr>
+        <a:xfrm>
+          <a:off x="0" y="0"/>
+          <a:ext cx="0" cy="0"/>
+          <a:chOff x="0" y="0"/>
+          <a:chExt cx="0" cy="0"/>
+        </a:xfrm>
+      </p:grpSpPr>
+      <p:sp>
+        <p:nvSpPr>
+          <p:cNvPr id="2" name="Oval 1"/>
+          <p:cNvSpPr/>
+          <p:nvPr/>
+        </p:nvSpPr>
+        <p:spPr>
+          <a:xfrm>
+            <a:off x="1219200" y="590550"/>
+            <a:ext cx="2209800" cy="1219200"/>
+          </a:xfrm>
+          <a:prstGeom prst="ellipse">
+            <a:avLst/>
+          </a:prstGeom>
+        </p:spPr>
+        <p:style>
+          <a:lnRef idx="1">
+            <a:schemeClr val="accent1"/>
+          </a:lnRef>
+          <a:fillRef idx="3">
+            <a:schemeClr val="accent1"/>
+          </a:fillRef>
+          <a:effectRef idx="2">
+            <a:schemeClr val="accent1"/>
+          </a:effectRef>
+          <a:fontRef idx="minor">
+            <a:schemeClr val="lt1"/>
+          </a:fontRef>
+        </p:style>
+        <p:txBody>
+          <a:bodyPr rtlCol="0" anchor="ctr"/>
+          <a:lstStyle/>
+          <a:p>
+            <a:pPr algn="ctr"/>
+            <a:r>
+              <a:rPr lang="en-US"/>
+              <a:t>Core</a:t>
+            </a:r>
+          </a:p>
+        </p:txBody>
+      </p:sp>
+      <p:sp>
+        <p:nvSpPr>
+          <p:cNvPr id="4" name="Oval 3"/>
+          <p:cNvSpPr/>
+          <p:nvPr/>
+        </p:nvSpPr>
+        <p:spPr>
+          <a:xfrm>
+            <a:off x="1219200" y="2266950"/>
+            <a:ext cx="2209800" cy="1447800"/>
+          </a:xfrm>
+          <a:prstGeom prst="ellipse">
+            <a:avLst/>
+          </a:prstGeom>
+        </p:spPr>
+        <p:style>
+          <a:lnRef idx="1">
+            <a:schemeClr val="accent1"/>
+          </a:lnRef>
+          <a:fillRef idx="3">
+            <a:schemeClr val="accent1"/>
+          </a:fillRef>
+          <a:effectRef idx="2">
+            <a:schemeClr val="accent1"/>
+          </a:effectRef>
+          <a:fontRef idx="minor">
+            <a:schemeClr val="lt1"/>
+          </a:fontRef>
+        </p:style>
+        <p:txBody>
+          <a:bodyPr rtlCol="0" anchor="ctr"/>
+          <a:lstStyle/>
+          <a:p>
+            <a:pPr algn="ctr"/>
+            <a:r>
+              <a:rPr lang="en-US"/>
+              <a:t>CMS</a:t>
+            </a:r>
+          </a:p>
+        </p:txBody>
+      </p:sp>
+      <p:sp>
+        <p:nvSpPr>
+          <p:cNvPr id="5" name="Oval 4"/>
+          <p:cNvSpPr/>
+          <p:nvPr/>
+        </p:nvSpPr>
+        <p:spPr>
+          <a:xfrm>
+            <a:off x="3505200" y="1352550"/>
+            <a:ext cx="2209800" cy="1447800"/>
+          </a:xfrm>
+          <a:prstGeom prst="ellipse">
+            <a:avLst/>
+          </a:prstGeom>
+        </p:spPr>
+        <p:style>
+          <a:lnRef idx="1">
+            <a:schemeClr val="accent1"/>
+          </a:lnRef>
+          <a:fillRef idx="3">
+            <a:schemeClr val="accent1"/>
+          </a:fillRef>
+          <a:effectRef idx="2">
+            <a:schemeClr val="accent1"/>
+          </a:effectRef>
+          <a:fontRef idx="minor">
+            <a:schemeClr val="lt1"/>
+          </a:fontRef>
+        </p:style>
+        <p:txBody>
+          <a:bodyPr rtlCol="0" anchor="ctr"/>
+          <a:lstStyle/>
+          <a:p>
+            <a:pPr algn="ctr"/>
+            <a:r>
+              <a:rPr lang="en-US"/>
+              <a:t>ActionHero</a:t>
+            </a:r>
+            <a:br>
+              <a:rPr lang="en-US"/>
+            </a:br>
+            <a:r>
+              <a:rPr lang="en-US"/>
+              <a:t>Seneca</a:t>
+            </a:r>
+          </a:p>
+        </p:txBody>
+      </p:sp>
+    </p:spTree>
+    <p:extLst>
+      <p:ext uri="{BB962C8B-B14F-4D97-AF65-F5344CB8AC3E}">
+        <p14:creationId xmlns:p14="http://schemas.microsoft.com/office/powerpoint/2010/main" val="1185610902"/>
+      </p:ext>
+    </p:extLst>
+  </p:cSld>
+  <p:clrMapOvr>
+    <a:masterClrMapping/>
+  </p:clrMapOvr>
+</p:sld>
+</file>
+
+<file path=ppt/slides/slide16.xml><?xml version="1.0" encoding="utf-8"?>
+<p:sld xmlns:a="http://schemas.openxmlformats.org/drawingml/2006/main" xmlns:r="http://schemas.openxmlformats.org/officeDocument/2006/relationships" xmlns:p="http://schemas.openxmlformats.org/presentationml/2006/main">
+  <p:cSld>
+    <p:spTree>
+      <p:nvGrpSpPr>
+        <p:cNvPr id="1" name=""/>
+        <p:cNvGrpSpPr/>
+        <p:nvPr/>
+      </p:nvGrpSpPr>
+      <p:grpSpPr>
+        <a:xfrm>
+          <a:off x="0" y="0"/>
+          <a:ext cx="0" cy="0"/>
+          <a:chOff x="0" y="0"/>
+          <a:chExt cx="0" cy="0"/>
+        </a:xfrm>
+      </p:grpSpPr>
+      <p:sp>
+        <p:nvSpPr>
+          <p:cNvPr id="4" name="Title 3"/>
+          <p:cNvSpPr>
+            <a:spLocks noGrp="1"/>
+          </p:cNvSpPr>
+          <p:nvPr>
+            <p:ph type="title"/>
+          </p:nvPr>
+        </p:nvSpPr>
+        <p:spPr/>
+        <p:txBody>
+          <a:bodyPr>
+            <a:normAutofit fontScale="90000"/>
+          </a:bodyPr>
+          <a:lstStyle/>
+          <a:p>
+            <a:r>
+              <a:rPr lang="en-US"/>
+              <a:t>Arrowjs hơn / kém gì Mean?</a:t>
+            </a:r>
+          </a:p>
+        </p:txBody>
+      </p:sp>
+      <p:sp>
+        <p:nvSpPr>
+          <p:cNvPr id="5" name="Content Placeholder 4"/>
+          <p:cNvSpPr>
+            <a:spLocks noGrp="1"/>
+          </p:cNvSpPr>
+          <p:nvPr>
+            <p:ph idx="1"/>
+          </p:nvPr>
+        </p:nvSpPr>
+        <p:spPr/>
+        <p:txBody>
+          <a:bodyPr/>
+          <a:lstStyle/>
+          <a:p>
+            <a:endParaRPr lang="en-US"/>
+          </a:p>
+        </p:txBody>
+      </p:sp>
+    </p:spTree>
+    <p:extLst>
+      <p:ext uri="{BB962C8B-B14F-4D97-AF65-F5344CB8AC3E}">
+        <p14:creationId xmlns:p14="http://schemas.microsoft.com/office/powerpoint/2010/main" val="1432642335"/>
+      </p:ext>
+    </p:extLst>
+  </p:cSld>
+  <p:clrMapOvr>
+    <a:masterClrMapping/>
+  </p:clrMapOvr>
+</p:sld>
+</file>
+
+<file path=ppt/slides/slide17.xml><?xml version="1.0" encoding="utf-8"?>
+<p:sld xmlns:a="http://schemas.openxmlformats.org/drawingml/2006/main" xmlns:r="http://schemas.openxmlformats.org/officeDocument/2006/relationships" xmlns:p="http://schemas.openxmlformats.org/presentationml/2006/main">
+  <p:cSld>
+    <p:spTree>
+      <p:nvGrpSpPr>
+        <p:cNvPr id="1" name=""/>
+        <p:cNvGrpSpPr/>
+        <p:nvPr/>
+      </p:nvGrpSpPr>
+      <p:grpSpPr>
+        <a:xfrm>
+          <a:off x="0" y="0"/>
+          <a:ext cx="0" cy="0"/>
+          <a:chOff x="0" y="0"/>
+          <a:chExt cx="0" cy="0"/>
+        </a:xfrm>
+      </p:grpSpPr>
+      <p:sp>
+        <p:nvSpPr>
+          <p:cNvPr id="4" name="Title 3"/>
+          <p:cNvSpPr>
+            <a:spLocks noGrp="1"/>
+          </p:cNvSpPr>
+          <p:nvPr>
+            <p:ph type="title"/>
+          </p:nvPr>
+        </p:nvSpPr>
+        <p:spPr/>
+        <p:txBody>
+          <a:bodyPr>
+            <a:normAutofit fontScale="90000"/>
+          </a:bodyPr>
+          <a:lstStyle/>
+          <a:p>
+            <a:r>
+              <a:rPr lang="en-US"/>
+              <a:t>Arrowjs hơn / kém gì Sails</a:t>
+            </a:r>
+          </a:p>
+        </p:txBody>
+      </p:sp>
+      <p:sp>
+        <p:nvSpPr>
+          <p:cNvPr id="5" name="Content Placeholder 4"/>
+          <p:cNvSpPr>
+            <a:spLocks noGrp="1"/>
+          </p:cNvSpPr>
+          <p:nvPr>
+            <p:ph idx="1"/>
+          </p:nvPr>
+        </p:nvSpPr>
+        <p:spPr/>
+        <p:txBody>
+          <a:bodyPr/>
+          <a:lstStyle/>
+          <a:p>
+            <a:endParaRPr lang="en-US"/>
+          </a:p>
+        </p:txBody>
+      </p:sp>
+    </p:spTree>
+    <p:extLst>
+      <p:ext uri="{BB962C8B-B14F-4D97-AF65-F5344CB8AC3E}">
+        <p14:creationId xmlns:p14="http://schemas.microsoft.com/office/powerpoint/2010/main" val="2155063266"/>
+      </p:ext>
+    </p:extLst>
+  </p:cSld>
+  <p:clrMapOvr>
+    <a:masterClrMapping/>
+  </p:clrMapOvr>
+</p:sld>
+</file>
+
+<file path=ppt/slides/slide18.xml><?xml version="1.0" encoding="utf-8"?>
+<p:sld xmlns:a="http://schemas.openxmlformats.org/drawingml/2006/main" xmlns:r="http://schemas.openxmlformats.org/officeDocument/2006/relationships" xmlns:p="http://schemas.openxmlformats.org/presentationml/2006/main">
+  <p:cSld>
+    <p:spTree>
+      <p:nvGrpSpPr>
+        <p:cNvPr id="1" name=""/>
+        <p:cNvGrpSpPr/>
+        <p:nvPr/>
+      </p:nvGrpSpPr>
+      <p:grpSpPr>
+        <a:xfrm>
+          <a:off x="0" y="0"/>
+          <a:ext cx="0" cy="0"/>
+          <a:chOff x="0" y="0"/>
+          <a:chExt cx="0" cy="0"/>
+        </a:xfrm>
+      </p:grpSpPr>
+      <p:sp>
+        <p:nvSpPr>
+          <p:cNvPr id="4" name="Title 3"/>
+          <p:cNvSpPr>
+            <a:spLocks noGrp="1"/>
+          </p:cNvSpPr>
+          <p:nvPr>
+            <p:ph type="title"/>
+          </p:nvPr>
+        </p:nvSpPr>
+        <p:spPr/>
+        <p:txBody>
+          <a:bodyPr>
+            <a:normAutofit fontScale="90000"/>
+          </a:bodyPr>
+          <a:lstStyle/>
+          <a:p>
+            <a:r>
+              <a:rPr lang="en-US"/>
+              <a:t>Arrowjs hơn / kém gì BluePencil</a:t>
+            </a:r>
+          </a:p>
+        </p:txBody>
+      </p:sp>
+      <p:sp>
+        <p:nvSpPr>
+          <p:cNvPr id="5" name="Content Placeholder 4"/>
+          <p:cNvSpPr>
+            <a:spLocks noGrp="1"/>
+          </p:cNvSpPr>
+          <p:nvPr>
+            <p:ph idx="1"/>
+          </p:nvPr>
+        </p:nvSpPr>
+        <p:spPr/>
+        <p:txBody>
+          <a:bodyPr/>
+          <a:lstStyle/>
+          <a:p>
+            <a:endParaRPr lang="en-US"/>
+          </a:p>
+        </p:txBody>
+      </p:sp>
+    </p:spTree>
+    <p:extLst>
+      <p:ext uri="{BB962C8B-B14F-4D97-AF65-F5344CB8AC3E}">
+        <p14:creationId xmlns:p14="http://schemas.microsoft.com/office/powerpoint/2010/main" val="504847344"/>
+      </p:ext>
+    </p:extLst>
+  </p:cSld>
+  <p:clrMapOvr>
+    <a:masterClrMapping/>
+  </p:clrMapOvr>
+</p:sld>
+</file>
+
+<file path=ppt/slides/slide19.xml><?xml version="1.0" encoding="utf-8"?>
+<p:sld xmlns:a="http://schemas.openxmlformats.org/drawingml/2006/main" xmlns:r="http://schemas.openxmlformats.org/officeDocument/2006/relationships" xmlns:p="http://schemas.openxmlformats.org/presentationml/2006/main">
+  <p:cSld>
+    <p:spTree>
+      <p:nvGrpSpPr>
+        <p:cNvPr id="1" name=""/>
+        <p:cNvGrpSpPr/>
+        <p:nvPr/>
+      </p:nvGrpSpPr>
+      <p:grpSpPr>
+        <a:xfrm>
+          <a:off x="0" y="0"/>
+          <a:ext cx="0" cy="0"/>
+          <a:chOff x="0" y="0"/>
+          <a:chExt cx="0" cy="0"/>
+        </a:xfrm>
+      </p:grpSpPr>
+      <p:sp>
+        <p:nvSpPr>
+          <p:cNvPr id="4" name="Title 3"/>
+          <p:cNvSpPr>
+            <a:spLocks noGrp="1"/>
+          </p:cNvSpPr>
+          <p:nvPr>
+            <p:ph type="title"/>
+          </p:nvPr>
+        </p:nvSpPr>
+        <p:spPr/>
+        <p:txBody>
+          <a:bodyPr>
+            <a:normAutofit fontScale="90000"/>
+          </a:bodyPr>
+          <a:lstStyle/>
+          <a:p>
+            <a:r>
+              <a:rPr lang="en-US"/>
+              <a:t>Arrowjs hơn / kém gì Meteor</a:t>
+            </a:r>
+          </a:p>
+        </p:txBody>
+      </p:sp>
+      <p:sp>
+        <p:nvSpPr>
+          <p:cNvPr id="5" name="Content Placeholder 4"/>
+          <p:cNvSpPr>
+            <a:spLocks noGrp="1"/>
+          </p:cNvSpPr>
+          <p:nvPr>
+            <p:ph idx="1"/>
+          </p:nvPr>
+        </p:nvSpPr>
+        <p:spPr/>
+        <p:txBody>
+          <a:bodyPr/>
+          <a:lstStyle/>
+          <a:p>
+            <a:endParaRPr lang="en-US"/>
+          </a:p>
+        </p:txBody>
+      </p:sp>
+    </p:spTree>
+    <p:extLst>
+      <p:ext uri="{BB962C8B-B14F-4D97-AF65-F5344CB8AC3E}">
+        <p14:creationId xmlns:p14="http://schemas.microsoft.com/office/powerpoint/2010/main" val="3703071390"/>
       </p:ext>
     </p:extLst>
   </p:cSld>
@@ -5730,6 +8532,168 @@
       </p:par>
     </p:tnLst>
   </p:timing>
+</p:sld>
+</file>
+
+<file path=ppt/slides/slide20.xml><?xml version="1.0" encoding="utf-8"?>
+<p:sld xmlns:a="http://schemas.openxmlformats.org/drawingml/2006/main" xmlns:r="http://schemas.openxmlformats.org/officeDocument/2006/relationships" xmlns:p="http://schemas.openxmlformats.org/presentationml/2006/main">
+  <p:cSld>
+    <p:spTree>
+      <p:nvGrpSpPr>
+        <p:cNvPr id="1" name=""/>
+        <p:cNvGrpSpPr/>
+        <p:nvPr/>
+      </p:nvGrpSpPr>
+      <p:grpSpPr>
+        <a:xfrm>
+          <a:off x="0" y="0"/>
+          <a:ext cx="0" cy="0"/>
+          <a:chOff x="0" y="0"/>
+          <a:chExt cx="0" cy="0"/>
+        </a:xfrm>
+      </p:grpSpPr>
+      <p:sp>
+        <p:nvSpPr>
+          <p:cNvPr id="2" name="Title 1"/>
+          <p:cNvSpPr>
+            <a:spLocks noGrp="1"/>
+          </p:cNvSpPr>
+          <p:nvPr>
+            <p:ph type="title"/>
+          </p:nvPr>
+        </p:nvSpPr>
+        <p:spPr/>
+        <p:txBody>
+          <a:bodyPr>
+            <a:normAutofit fontScale="90000"/>
+          </a:bodyPr>
+          <a:lstStyle/>
+          <a:p>
+            <a:r>
+              <a:rPr lang="en-US"/>
+              <a:t>Rủi ro của Arrowjs.io là gì?</a:t>
+            </a:r>
+          </a:p>
+        </p:txBody>
+      </p:sp>
+      <p:sp>
+        <p:nvSpPr>
+          <p:cNvPr id="3" name="Content Placeholder 2"/>
+          <p:cNvSpPr>
+            <a:spLocks noGrp="1"/>
+          </p:cNvSpPr>
+          <p:nvPr>
+            <p:ph idx="1"/>
+          </p:nvPr>
+        </p:nvSpPr>
+        <p:spPr/>
+        <p:txBody>
+          <a:bodyPr/>
+          <a:lstStyle/>
+          <a:p>
+            <a:r>
+              <a:rPr lang="en-US"/>
+              <a:t>CMS Khó nâng cấp</a:t>
+            </a:r>
+          </a:p>
+          <a:p>
+            <a:pPr lvl="1"/>
+            <a:endParaRPr lang="en-US"/>
+          </a:p>
+          <a:p>
+            <a:r>
+              <a:rPr lang="en-US"/>
+              <a:t>Vấn đề bảo mật</a:t>
+            </a:r>
+          </a:p>
+          <a:p>
+            <a:endParaRPr lang="en-US"/>
+          </a:p>
+        </p:txBody>
+      </p:sp>
+    </p:spTree>
+    <p:extLst>
+      <p:ext uri="{BB962C8B-B14F-4D97-AF65-F5344CB8AC3E}">
+        <p14:creationId xmlns:p14="http://schemas.microsoft.com/office/powerpoint/2010/main" val="696594001"/>
+      </p:ext>
+    </p:extLst>
+  </p:cSld>
+  <p:clrMapOvr>
+    <a:masterClrMapping/>
+  </p:clrMapOvr>
+</p:sld>
+</file>
+
+<file path=ppt/slides/slide21.xml><?xml version="1.0" encoding="utf-8"?>
+<p:sld xmlns:a="http://schemas.openxmlformats.org/drawingml/2006/main" xmlns:r="http://schemas.openxmlformats.org/officeDocument/2006/relationships" xmlns:p="http://schemas.openxmlformats.org/presentationml/2006/main">
+  <p:cSld>
+    <p:spTree>
+      <p:nvGrpSpPr>
+        <p:cNvPr id="1" name=""/>
+        <p:cNvGrpSpPr/>
+        <p:nvPr/>
+      </p:nvGrpSpPr>
+      <p:grpSpPr>
+        <a:xfrm>
+          <a:off x="0" y="0"/>
+          <a:ext cx="0" cy="0"/>
+          <a:chOff x="0" y="0"/>
+          <a:chExt cx="0" cy="0"/>
+        </a:xfrm>
+      </p:grpSpPr>
+      <p:sp>
+        <p:nvSpPr>
+          <p:cNvPr id="2" name="Title 1"/>
+          <p:cNvSpPr>
+            <a:spLocks noGrp="1"/>
+          </p:cNvSpPr>
+          <p:nvPr>
+            <p:ph type="title"/>
+          </p:nvPr>
+        </p:nvSpPr>
+        <p:spPr/>
+        <p:txBody>
+          <a:bodyPr>
+            <a:noAutofit/>
+          </a:bodyPr>
+          <a:lstStyle/>
+          <a:p>
+            <a:r>
+              <a:rPr lang="en-US" sz="2800"/>
+              <a:t>Dùng Yeoman để tạo mẫu Arrowjs CMS được không?</a:t>
+            </a:r>
+          </a:p>
+        </p:txBody>
+      </p:sp>
+      <p:sp>
+        <p:nvSpPr>
+          <p:cNvPr id="4" name="Content Placeholder 3"/>
+          <p:cNvSpPr>
+            <a:spLocks noGrp="1"/>
+          </p:cNvSpPr>
+          <p:nvPr>
+            <p:ph idx="1"/>
+          </p:nvPr>
+        </p:nvSpPr>
+        <p:spPr/>
+        <p:txBody>
+          <a:bodyPr/>
+          <a:lstStyle/>
+          <a:p>
+            <a:endParaRPr lang="en-US"/>
+          </a:p>
+        </p:txBody>
+      </p:sp>
+    </p:spTree>
+    <p:extLst>
+      <p:ext uri="{BB962C8B-B14F-4D97-AF65-F5344CB8AC3E}">
+        <p14:creationId xmlns:p14="http://schemas.microsoft.com/office/powerpoint/2010/main" val="3163396212"/>
+      </p:ext>
+    </p:extLst>
+  </p:cSld>
+  <p:clrMapOvr>
+    <a:masterClrMapping/>
+  </p:clrMapOvr>
 </p:sld>
 </file>
 

--- a/ArrowjsBasic.pptx
+++ b/ArrowjsBasic.pptx
@@ -5,7 +5,7 @@
     <p:sldMasterId id="2147483648" r:id="rId1"/>
   </p:sldMasterIdLst>
   <p:notesMasterIdLst>
-    <p:notesMasterId r:id="rId23"/>
+    <p:notesMasterId r:id="rId25"/>
   </p:notesMasterIdLst>
   <p:sldIdLst>
     <p:sldId id="306" r:id="rId2"/>
@@ -22,13 +22,15 @@
     <p:sldId id="310" r:id="rId13"/>
     <p:sldId id="311" r:id="rId14"/>
     <p:sldId id="313" r:id="rId15"/>
-    <p:sldId id="314" r:id="rId16"/>
-    <p:sldId id="312" r:id="rId17"/>
-    <p:sldId id="316" r:id="rId18"/>
-    <p:sldId id="317" r:id="rId19"/>
-    <p:sldId id="318" r:id="rId20"/>
-    <p:sldId id="319" r:id="rId21"/>
-    <p:sldId id="320" r:id="rId22"/>
+    <p:sldId id="323" r:id="rId16"/>
+    <p:sldId id="324" r:id="rId17"/>
+    <p:sldId id="322" r:id="rId18"/>
+    <p:sldId id="312" r:id="rId19"/>
+    <p:sldId id="316" r:id="rId20"/>
+    <p:sldId id="317" r:id="rId21"/>
+    <p:sldId id="318" r:id="rId22"/>
+    <p:sldId id="319" r:id="rId23"/>
+    <p:sldId id="320" r:id="rId24"/>
   </p:sldIdLst>
   <p:sldSz cx="9144000" cy="5143500" type="screen16x9"/>
   <p:notesSz cx="6858000" cy="9144000"/>
@@ -8020,138 +8022,238 @@
       </p:grpSpPr>
       <p:sp>
         <p:nvSpPr>
-          <p:cNvPr id="2" name="Oval 1"/>
-          <p:cNvSpPr/>
-          <p:nvPr/>
-        </p:nvSpPr>
-        <p:spPr>
-          <a:xfrm>
-            <a:off x="1219200" y="590550"/>
-            <a:ext cx="2209800" cy="1219200"/>
-          </a:xfrm>
-          <a:prstGeom prst="ellipse">
-            <a:avLst/>
-          </a:prstGeom>
-        </p:spPr>
-        <p:style>
-          <a:lnRef idx="1">
-            <a:schemeClr val="accent1"/>
-          </a:lnRef>
-          <a:fillRef idx="3">
-            <a:schemeClr val="accent1"/>
-          </a:fillRef>
-          <a:effectRef idx="2">
-            <a:schemeClr val="accent1"/>
-          </a:effectRef>
-          <a:fontRef idx="minor">
-            <a:schemeClr val="lt1"/>
-          </a:fontRef>
-        </p:style>
-        <p:txBody>
-          <a:bodyPr rtlCol="0" anchor="ctr"/>
-          <a:lstStyle/>
-          <a:p>
-            <a:pPr algn="ctr"/>
+          <p:cNvPr id="2" name="Text Placeholder 1"/>
+          <p:cNvSpPr>
+            <a:spLocks noGrp="1"/>
+          </p:cNvSpPr>
+          <p:nvPr>
+            <p:ph type="body" idx="1"/>
+          </p:nvPr>
+        </p:nvSpPr>
+        <p:spPr/>
+        <p:txBody>
+          <a:bodyPr/>
+          <a:lstStyle/>
+          <a:p>
             <a:r>
               <a:rPr lang="en-US"/>
-              <a:t>Core</a:t>
-            </a:r>
-          </a:p>
-        </p:txBody>
-      </p:sp>
-      <p:sp>
-        <p:nvSpPr>
-          <p:cNvPr id="4" name="Oval 3"/>
-          <p:cNvSpPr/>
-          <p:nvPr/>
-        </p:nvSpPr>
-        <p:spPr>
-          <a:xfrm>
-            <a:off x="1219200" y="2266950"/>
-            <a:ext cx="2209800" cy="1447800"/>
-          </a:xfrm>
-          <a:prstGeom prst="ellipse">
-            <a:avLst/>
-          </a:prstGeom>
-        </p:spPr>
-        <p:style>
-          <a:lnRef idx="1">
-            <a:schemeClr val="accent1"/>
-          </a:lnRef>
-          <a:fillRef idx="3">
-            <a:schemeClr val="accent1"/>
-          </a:fillRef>
-          <a:effectRef idx="2">
-            <a:schemeClr val="accent1"/>
-          </a:effectRef>
-          <a:fontRef idx="minor">
-            <a:schemeClr val="lt1"/>
-          </a:fontRef>
-        </p:style>
-        <p:txBody>
-          <a:bodyPr rtlCol="0" anchor="ctr"/>
-          <a:lstStyle/>
-          <a:p>
-            <a:pPr algn="ctr"/>
+              <a:t>Theme ở thư mục public</a:t>
+            </a:r>
+          </a:p>
+        </p:txBody>
+      </p:sp>
+      <p:sp>
+        <p:nvSpPr>
+          <p:cNvPr id="3" name="Content Placeholder 2"/>
+          <p:cNvSpPr>
+            <a:spLocks noGrp="1"/>
+          </p:cNvSpPr>
+          <p:nvPr>
+            <p:ph sz="half" idx="2"/>
+          </p:nvPr>
+        </p:nvSpPr>
+        <p:spPr/>
+        <p:txBody>
+          <a:bodyPr>
+            <a:noAutofit/>
+          </a:bodyPr>
+          <a:lstStyle/>
+          <a:p>
+            <a:r>
+              <a:rPr lang="en-US" sz="1800"/>
+              <a:t>Pro</a:t>
+            </a:r>
+          </a:p>
+          <a:p>
+            <a:pPr lvl="1">
+              <a:spcBef>
+                <a:spcPts val="600"/>
+              </a:spcBef>
+            </a:pPr>
+            <a:r>
+              <a:rPr lang="en-US" sz="1600"/>
+              <a:t>Cài đặt, gỡ gói theme dễ dàng</a:t>
+            </a:r>
+          </a:p>
+          <a:p>
+            <a:pPr lvl="1">
+              <a:spcBef>
+                <a:spcPts val="600"/>
+              </a:spcBef>
+            </a:pPr>
+            <a:r>
+              <a:rPr lang="en-US" sz="1600"/>
+              <a:t>Phù hợp với post, page, các trang tiêu chuẩn</a:t>
+            </a:r>
+          </a:p>
+          <a:p>
+            <a:pPr lvl="1">
+              <a:spcBef>
+                <a:spcPts val="600"/>
+              </a:spcBef>
+            </a:pPr>
+            <a:r>
+              <a:rPr lang="en-US" sz="1600"/>
+              <a:t>Độc lập với các custom module</a:t>
+            </a:r>
+          </a:p>
+          <a:p>
+            <a:r>
+              <a:rPr lang="en-US" sz="1800"/>
+              <a:t>Cons</a:t>
+            </a:r>
+          </a:p>
+          <a:p>
+            <a:pPr lvl="1">
+              <a:spcBef>
+                <a:spcPts val="600"/>
+              </a:spcBef>
+            </a:pPr>
+            <a:r>
+              <a:rPr lang="en-US" sz="1600"/>
+              <a:t>Khi số lượng màn hình view lớn lên, module quản lý view lớn, theme sẽ lộn xộn</a:t>
+            </a:r>
+          </a:p>
+          <a:p>
+            <a:pPr lvl="1">
+              <a:spcBef>
+                <a:spcPts val="600"/>
+              </a:spcBef>
+            </a:pPr>
+            <a:r>
+              <a:rPr lang="en-US" sz="1600"/>
+              <a:t>Khó cái đặt thành gói với module</a:t>
+            </a:r>
+          </a:p>
+          <a:p>
+            <a:pPr lvl="1">
+              <a:spcBef>
+                <a:spcPts val="600"/>
+              </a:spcBef>
+            </a:pPr>
+            <a:r>
+              <a:rPr lang="en-US" sz="1600"/>
+              <a:t>Không hợp với các trang đặc thù</a:t>
+            </a:r>
+          </a:p>
+        </p:txBody>
+      </p:sp>
+      <p:sp>
+        <p:nvSpPr>
+          <p:cNvPr id="4" name="Text Placeholder 3"/>
+          <p:cNvSpPr>
+            <a:spLocks noGrp="1"/>
+          </p:cNvSpPr>
+          <p:nvPr>
+            <p:ph type="body" sz="quarter" idx="3"/>
+          </p:nvPr>
+        </p:nvSpPr>
+        <p:spPr/>
+        <p:txBody>
+          <a:bodyPr/>
+          <a:lstStyle/>
+          <a:p>
             <a:r>
               <a:rPr lang="en-US"/>
-              <a:t>CMS</a:t>
-            </a:r>
-          </a:p>
-        </p:txBody>
-      </p:sp>
-      <p:sp>
-        <p:nvSpPr>
-          <p:cNvPr id="5" name="Oval 4"/>
-          <p:cNvSpPr/>
-          <p:nvPr/>
-        </p:nvSpPr>
-        <p:spPr>
-          <a:xfrm>
-            <a:off x="3505200" y="1352550"/>
-            <a:ext cx="2209800" cy="1447800"/>
-          </a:xfrm>
-          <a:prstGeom prst="ellipse">
-            <a:avLst/>
-          </a:prstGeom>
-        </p:spPr>
-        <p:style>
-          <a:lnRef idx="1">
-            <a:schemeClr val="accent1"/>
-          </a:lnRef>
-          <a:fillRef idx="3">
-            <a:schemeClr val="accent1"/>
-          </a:fillRef>
-          <a:effectRef idx="2">
-            <a:schemeClr val="accent1"/>
-          </a:effectRef>
-          <a:fontRef idx="minor">
-            <a:schemeClr val="lt1"/>
-          </a:fontRef>
-        </p:style>
-        <p:txBody>
-          <a:bodyPr rtlCol="0" anchor="ctr"/>
-          <a:lstStyle/>
-          <a:p>
-            <a:pPr algn="ctr"/>
-            <a:r>
-              <a:rPr lang="en-US"/>
-              <a:t>ActionHero</a:t>
-            </a:r>
-            <a:br>
-              <a:rPr lang="en-US"/>
-            </a:br>
-            <a:r>
-              <a:rPr lang="en-US"/>
-              <a:t>Seneca</a:t>
-            </a:r>
+              <a:t>Theme/View trong modules</a:t>
+            </a:r>
+          </a:p>
+        </p:txBody>
+      </p:sp>
+      <p:sp>
+        <p:nvSpPr>
+          <p:cNvPr id="5" name="Content Placeholder 4"/>
+          <p:cNvSpPr>
+            <a:spLocks noGrp="1"/>
+          </p:cNvSpPr>
+          <p:nvPr>
+            <p:ph sz="quarter" idx="4"/>
+          </p:nvPr>
+        </p:nvSpPr>
+        <p:spPr/>
+        <p:txBody>
+          <a:bodyPr>
+            <a:normAutofit/>
+          </a:bodyPr>
+          <a:lstStyle/>
+          <a:p>
+            <a:r>
+              <a:rPr lang="en-US" sz="2000"/>
+              <a:t>Pro</a:t>
+            </a:r>
+          </a:p>
+          <a:p>
+            <a:pPr lvl="1">
+              <a:spcBef>
+                <a:spcPts val="600"/>
+              </a:spcBef>
+            </a:pPr>
+            <a:r>
+              <a:rPr lang="en-US" sz="1600"/>
+              <a:t>Đi cùng model, controller trong module</a:t>
+            </a:r>
+          </a:p>
+          <a:p>
+            <a:pPr lvl="1">
+              <a:spcBef>
+                <a:spcPts val="600"/>
+              </a:spcBef>
+            </a:pPr>
+            <a:r>
+              <a:rPr lang="en-US" sz="1600"/>
+              <a:t>Cài đặt cùng với module thuận tiện với các màn hình đặc thù</a:t>
+            </a:r>
+          </a:p>
+          <a:p>
+            <a:pPr lvl="1">
+              <a:spcBef>
+                <a:spcPts val="600"/>
+              </a:spcBef>
+            </a:pPr>
+            <a:r>
+              <a:rPr lang="en-US" sz="1600"/>
+              <a:t>Gỡ module là gỡ luôn theme</a:t>
+            </a:r>
+            <a:endParaRPr lang="en-US" sz="1800"/>
+          </a:p>
+          <a:p>
+            <a:r>
+              <a:rPr lang="en-US" sz="2000"/>
+              <a:t>Cons</a:t>
+            </a:r>
+          </a:p>
+          <a:p>
+            <a:pPr lvl="1">
+              <a:spcBef>
+                <a:spcPts val="600"/>
+              </a:spcBef>
+            </a:pPr>
+            <a:r>
+              <a:rPr lang="en-US" sz="1600"/>
+              <a:t>Không cài đặt theme bằng câu lệnh</a:t>
+            </a:r>
+          </a:p>
+          <a:p>
+            <a:pPr lvl="1">
+              <a:spcBef>
+                <a:spcPts val="600"/>
+              </a:spcBef>
+            </a:pPr>
+            <a:r>
+              <a:rPr lang="en-US" sz="1600"/>
+              <a:t>Giới hạn dùng cho các màn hình đặc thù không phải post/page</a:t>
+            </a:r>
+          </a:p>
+          <a:p>
+            <a:pPr lvl="1"/>
+            <a:endParaRPr lang="en-US" sz="1600"/>
           </a:p>
         </p:txBody>
       </p:sp>
     </p:spTree>
     <p:extLst>
       <p:ext uri="{BB962C8B-B14F-4D97-AF65-F5344CB8AC3E}">
-        <p14:creationId xmlns:p14="http://schemas.microsoft.com/office/powerpoint/2010/main" val="1185610902"/>
+        <p14:creationId xmlns:p14="http://schemas.microsoft.com/office/powerpoint/2010/main" val="2233960805"/>
       </p:ext>
     </p:extLst>
   </p:cSld>
@@ -8180,7 +8282,7 @@
       </p:grpSpPr>
       <p:sp>
         <p:nvSpPr>
-          <p:cNvPr id="4" name="Title 3"/>
+          <p:cNvPr id="2" name="Title 1"/>
           <p:cNvSpPr>
             <a:spLocks noGrp="1"/>
           </p:cNvSpPr>
@@ -8197,14 +8299,14 @@
           <a:p>
             <a:r>
               <a:rPr lang="en-US"/>
-              <a:t>Arrowjs hơn / kém gì Mean?</a:t>
-            </a:r>
-          </a:p>
-        </p:txBody>
-      </p:sp>
-      <p:sp>
-        <p:nvSpPr>
-          <p:cNvPr id="5" name="Content Placeholder 4"/>
+              <a:t>Đề xuất cách xử lý</a:t>
+            </a:r>
+          </a:p>
+        </p:txBody>
+      </p:sp>
+      <p:sp>
+        <p:nvSpPr>
+          <p:cNvPr id="3" name="Content Placeholder 2"/>
           <p:cNvSpPr>
             <a:spLocks noGrp="1"/>
           </p:cNvSpPr>
@@ -8214,17 +8316,71 @@
         </p:nvSpPr>
         <p:spPr/>
         <p:txBody>
-          <a:bodyPr/>
-          <a:lstStyle/>
-          <a:p>
-            <a:endParaRPr lang="en-US"/>
+          <a:bodyPr>
+            <a:normAutofit/>
+          </a:bodyPr>
+          <a:lstStyle/>
+          <a:p>
+            <a:r>
+              <a:rPr lang="en-US" sz="2400"/>
+              <a:t>Theme chuẩn cho CMS (post, page, post list) sẽ để ở thư mục </a:t>
+            </a:r>
+            <a:r>
+              <a:rPr lang="en-US" sz="2400">
+                <a:solidFill>
+                  <a:srgbClr val="FFFF00"/>
+                </a:solidFill>
+              </a:rPr>
+              <a:t>public</a:t>
+            </a:r>
+            <a:r>
+              <a:rPr lang="en-US" sz="2400"/>
+              <a:t>. Cài đặt, quản lý dạng gói theme bằng lệnh </a:t>
+            </a:r>
+            <a:r>
+              <a:rPr lang="en-US" sz="2400">
+                <a:solidFill>
+                  <a:srgbClr val="FFFF00"/>
+                </a:solidFill>
+              </a:rPr>
+              <a:t>arrow install -t</a:t>
+            </a:r>
+          </a:p>
+          <a:p>
+            <a:r>
+              <a:rPr lang="en-US" sz="2400"/>
+              <a:t>View + theme cho các màn hình đặc thù (adhoc screen).</a:t>
+            </a:r>
+          </a:p>
+          <a:p>
+            <a:r>
+              <a:rPr lang="en-US" sz="2400"/>
+              <a:t>Mức độ ưu tiên:</a:t>
+            </a:r>
+          </a:p>
+          <a:p>
+            <a:pPr lvl="1"/>
+            <a:r>
+              <a:rPr lang="en-US" sz="2000"/>
+              <a:t>Gói theme trong public buộc phải có để hỗ trợ chức năng CMS và back end căn bản</a:t>
+            </a:r>
+          </a:p>
+          <a:p>
+            <a:pPr lvl="1"/>
+            <a:r>
+              <a:rPr lang="en-US" sz="2000"/>
+              <a:t>Theme đi cùng module mở rộng thì có hoặc không có.</a:t>
+            </a:r>
+          </a:p>
+          <a:p>
+            <a:endParaRPr lang="en-US" sz="2400"/>
           </a:p>
         </p:txBody>
       </p:sp>
     </p:spTree>
     <p:extLst>
       <p:ext uri="{BB962C8B-B14F-4D97-AF65-F5344CB8AC3E}">
-        <p14:creationId xmlns:p14="http://schemas.microsoft.com/office/powerpoint/2010/main" val="1432642335"/>
+        <p14:creationId xmlns:p14="http://schemas.microsoft.com/office/powerpoint/2010/main" val="1009034914"/>
       </p:ext>
     </p:extLst>
   </p:cSld>
@@ -8253,7 +8409,7 @@
       </p:grpSpPr>
       <p:sp>
         <p:nvSpPr>
-          <p:cNvPr id="4" name="Title 3"/>
+          <p:cNvPr id="2" name="Title 1"/>
           <p:cNvSpPr>
             <a:spLocks noGrp="1"/>
           </p:cNvSpPr>
@@ -8263,41 +8419,20 @@
         </p:nvSpPr>
         <p:spPr/>
         <p:txBody>
-          <a:bodyPr>
-            <a:normAutofit fontScale="90000"/>
-          </a:bodyPr>
+          <a:bodyPr/>
           <a:lstStyle/>
           <a:p>
             <a:r>
               <a:rPr lang="en-US"/>
-              <a:t>Arrowjs hơn / kém gì Sails</a:t>
-            </a:r>
-          </a:p>
-        </p:txBody>
-      </p:sp>
-      <p:sp>
-        <p:nvSpPr>
-          <p:cNvPr id="5" name="Content Placeholder 4"/>
-          <p:cNvSpPr>
-            <a:spLocks noGrp="1"/>
-          </p:cNvSpPr>
-          <p:nvPr>
-            <p:ph idx="1"/>
-          </p:nvPr>
-        </p:nvSpPr>
-        <p:spPr/>
-        <p:txBody>
-          <a:bodyPr/>
-          <a:lstStyle/>
-          <a:p>
-            <a:endParaRPr lang="en-US"/>
+              <a:t>So sánh với các framework khác</a:t>
+            </a:r>
           </a:p>
         </p:txBody>
       </p:sp>
     </p:spTree>
     <p:extLst>
       <p:ext uri="{BB962C8B-B14F-4D97-AF65-F5344CB8AC3E}">
-        <p14:creationId xmlns:p14="http://schemas.microsoft.com/office/powerpoint/2010/main" val="2155063266"/>
+        <p14:creationId xmlns:p14="http://schemas.microsoft.com/office/powerpoint/2010/main" val="3235207094"/>
       </p:ext>
     </p:extLst>
   </p:cSld>
@@ -8343,7 +8478,7 @@
           <a:p>
             <a:r>
               <a:rPr lang="en-US"/>
-              <a:t>Arrowjs hơn / kém gì BluePencil</a:t>
+              <a:t>Arrowjs hơn / kém gì Mean?</a:t>
             </a:r>
           </a:p>
         </p:txBody>
@@ -8370,7 +8505,7 @@
     </p:spTree>
     <p:extLst>
       <p:ext uri="{BB962C8B-B14F-4D97-AF65-F5344CB8AC3E}">
-        <p14:creationId xmlns:p14="http://schemas.microsoft.com/office/powerpoint/2010/main" val="504847344"/>
+        <p14:creationId xmlns:p14="http://schemas.microsoft.com/office/powerpoint/2010/main" val="1432642335"/>
       </p:ext>
     </p:extLst>
   </p:cSld>
@@ -8416,7 +8551,7 @@
           <a:p>
             <a:r>
               <a:rPr lang="en-US"/>
-              <a:t>Arrowjs hơn / kém gì Meteor</a:t>
+              <a:t>Arrowjs hơn / kém gì Sails</a:t>
             </a:r>
           </a:p>
         </p:txBody>
@@ -8443,7 +8578,7 @@
     </p:spTree>
     <p:extLst>
       <p:ext uri="{BB962C8B-B14F-4D97-AF65-F5344CB8AC3E}">
-        <p14:creationId xmlns:p14="http://schemas.microsoft.com/office/powerpoint/2010/main" val="3703071390"/>
+        <p14:creationId xmlns:p14="http://schemas.microsoft.com/office/powerpoint/2010/main" val="2155063266"/>
       </p:ext>
     </p:extLst>
   </p:cSld>
@@ -8554,6 +8689,152 @@
       </p:grpSpPr>
       <p:sp>
         <p:nvSpPr>
+          <p:cNvPr id="4" name="Title 3"/>
+          <p:cNvSpPr>
+            <a:spLocks noGrp="1"/>
+          </p:cNvSpPr>
+          <p:nvPr>
+            <p:ph type="title"/>
+          </p:nvPr>
+        </p:nvSpPr>
+        <p:spPr/>
+        <p:txBody>
+          <a:bodyPr>
+            <a:normAutofit fontScale="90000"/>
+          </a:bodyPr>
+          <a:lstStyle/>
+          <a:p>
+            <a:r>
+              <a:rPr lang="en-US"/>
+              <a:t>Arrowjs hơn / kém gì BluePencil</a:t>
+            </a:r>
+          </a:p>
+        </p:txBody>
+      </p:sp>
+      <p:sp>
+        <p:nvSpPr>
+          <p:cNvPr id="5" name="Content Placeholder 4"/>
+          <p:cNvSpPr>
+            <a:spLocks noGrp="1"/>
+          </p:cNvSpPr>
+          <p:nvPr>
+            <p:ph idx="1"/>
+          </p:nvPr>
+        </p:nvSpPr>
+        <p:spPr/>
+        <p:txBody>
+          <a:bodyPr/>
+          <a:lstStyle/>
+          <a:p>
+            <a:endParaRPr lang="en-US"/>
+          </a:p>
+        </p:txBody>
+      </p:sp>
+    </p:spTree>
+    <p:extLst>
+      <p:ext uri="{BB962C8B-B14F-4D97-AF65-F5344CB8AC3E}">
+        <p14:creationId xmlns:p14="http://schemas.microsoft.com/office/powerpoint/2010/main" val="504847344"/>
+      </p:ext>
+    </p:extLst>
+  </p:cSld>
+  <p:clrMapOvr>
+    <a:masterClrMapping/>
+  </p:clrMapOvr>
+</p:sld>
+</file>
+
+<file path=ppt/slides/slide21.xml><?xml version="1.0" encoding="utf-8"?>
+<p:sld xmlns:a="http://schemas.openxmlformats.org/drawingml/2006/main" xmlns:r="http://schemas.openxmlformats.org/officeDocument/2006/relationships" xmlns:p="http://schemas.openxmlformats.org/presentationml/2006/main">
+  <p:cSld>
+    <p:spTree>
+      <p:nvGrpSpPr>
+        <p:cNvPr id="1" name=""/>
+        <p:cNvGrpSpPr/>
+        <p:nvPr/>
+      </p:nvGrpSpPr>
+      <p:grpSpPr>
+        <a:xfrm>
+          <a:off x="0" y="0"/>
+          <a:ext cx="0" cy="0"/>
+          <a:chOff x="0" y="0"/>
+          <a:chExt cx="0" cy="0"/>
+        </a:xfrm>
+      </p:grpSpPr>
+      <p:sp>
+        <p:nvSpPr>
+          <p:cNvPr id="4" name="Title 3"/>
+          <p:cNvSpPr>
+            <a:spLocks noGrp="1"/>
+          </p:cNvSpPr>
+          <p:nvPr>
+            <p:ph type="title"/>
+          </p:nvPr>
+        </p:nvSpPr>
+        <p:spPr/>
+        <p:txBody>
+          <a:bodyPr>
+            <a:normAutofit fontScale="90000"/>
+          </a:bodyPr>
+          <a:lstStyle/>
+          <a:p>
+            <a:r>
+              <a:rPr lang="en-US"/>
+              <a:t>Arrowjs hơn / kém gì Meteor</a:t>
+            </a:r>
+          </a:p>
+        </p:txBody>
+      </p:sp>
+      <p:sp>
+        <p:nvSpPr>
+          <p:cNvPr id="5" name="Content Placeholder 4"/>
+          <p:cNvSpPr>
+            <a:spLocks noGrp="1"/>
+          </p:cNvSpPr>
+          <p:nvPr>
+            <p:ph idx="1"/>
+          </p:nvPr>
+        </p:nvSpPr>
+        <p:spPr/>
+        <p:txBody>
+          <a:bodyPr/>
+          <a:lstStyle/>
+          <a:p>
+            <a:endParaRPr lang="en-US"/>
+          </a:p>
+        </p:txBody>
+      </p:sp>
+    </p:spTree>
+    <p:extLst>
+      <p:ext uri="{BB962C8B-B14F-4D97-AF65-F5344CB8AC3E}">
+        <p14:creationId xmlns:p14="http://schemas.microsoft.com/office/powerpoint/2010/main" val="3703071390"/>
+      </p:ext>
+    </p:extLst>
+  </p:cSld>
+  <p:clrMapOvr>
+    <a:masterClrMapping/>
+  </p:clrMapOvr>
+</p:sld>
+</file>
+
+<file path=ppt/slides/slide22.xml><?xml version="1.0" encoding="utf-8"?>
+<p:sld xmlns:a="http://schemas.openxmlformats.org/drawingml/2006/main" xmlns:r="http://schemas.openxmlformats.org/officeDocument/2006/relationships" xmlns:p="http://schemas.openxmlformats.org/presentationml/2006/main">
+  <p:cSld>
+    <p:spTree>
+      <p:nvGrpSpPr>
+        <p:cNvPr id="1" name=""/>
+        <p:cNvGrpSpPr/>
+        <p:nvPr/>
+      </p:nvGrpSpPr>
+      <p:grpSpPr>
+        <a:xfrm>
+          <a:off x="0" y="0"/>
+          <a:ext cx="0" cy="0"/>
+          <a:chOff x="0" y="0"/>
+          <a:chExt cx="0" cy="0"/>
+        </a:xfrm>
+      </p:grpSpPr>
+      <p:sp>
+        <p:nvSpPr>
           <p:cNvPr id="2" name="Title 1"/>
           <p:cNvSpPr>
             <a:spLocks noGrp="1"/>
@@ -8593,7 +8874,14 @@
           <a:p>
             <a:r>
               <a:rPr lang="en-US"/>
-              <a:t>CMS Khó nâng cấp</a:t>
+              <a:t>CMS khó nâng cấp</a:t>
+            </a:r>
+          </a:p>
+          <a:p>
+            <a:pPr lvl="1"/>
+            <a:r>
+              <a:rPr lang="en-US"/>
+              <a:t>Cập nhật CMS mới có thể phá vỡ code cũ</a:t>
             </a:r>
           </a:p>
           <a:p>
@@ -8604,6 +8892,13 @@
             <a:r>
               <a:rPr lang="en-US"/>
               <a:t>Vấn đề bảo mật</a:t>
+            </a:r>
+          </a:p>
+          <a:p>
+            <a:pPr lvl="1"/>
+            <a:r>
+              <a:rPr lang="en-US"/>
+              <a:t>Helmet</a:t>
             </a:r>
           </a:p>
           <a:p>
@@ -8624,7 +8919,7 @@
 </p:sld>
 </file>
 
-<file path=ppt/slides/slide21.xml><?xml version="1.0" encoding="utf-8"?>
+<file path=ppt/slides/slide23.xml><?xml version="1.0" encoding="utf-8"?>
 <p:sld xmlns:a="http://schemas.openxmlformats.org/drawingml/2006/main" xmlns:r="http://schemas.openxmlformats.org/officeDocument/2006/relationships" xmlns:p="http://schemas.openxmlformats.org/presentationml/2006/main">
   <p:cSld>
     <p:spTree>

--- a/ArrowjsBasic.pptx
+++ b/ArrowjsBasic.pptx
@@ -215,7 +215,7 @@
           <a:p>
             <a:fld id="{C81D1D14-BC69-4E81-A241-7829F68D9A94}" type="datetimeFigureOut">
               <a:rPr lang="en-US" smtClean="0"/>
-              <a:t>11/8/15</a:t>
+              <a:t>11/9/15</a:t>
             </a:fld>
             <a:endParaRPr lang="en-US"/>
           </a:p>
@@ -709,7 +709,7 @@
           <a:p>
             <a:fld id="{E306D676-E6CE-49ED-B2E4-C47FD7365D30}" type="datetimeFigureOut">
               <a:rPr lang="en-US" smtClean="0"/>
-              <a:t>11/8/15</a:t>
+              <a:t>11/9/15</a:t>
             </a:fld>
             <a:endParaRPr lang="en-US"/>
           </a:p>
@@ -1010,7 +1010,7 @@
           <a:p>
             <a:fld id="{E306D676-E6CE-49ED-B2E4-C47FD7365D30}" type="datetimeFigureOut">
               <a:rPr lang="en-US" smtClean="0"/>
-              <a:t>11/8/15</a:t>
+              <a:t>11/9/15</a:t>
             </a:fld>
             <a:endParaRPr lang="en-US"/>
           </a:p>
@@ -1290,7 +1290,7 @@
           <a:p>
             <a:fld id="{E306D676-E6CE-49ED-B2E4-C47FD7365D30}" type="datetimeFigureOut">
               <a:rPr lang="en-US" smtClean="0"/>
-              <a:t>11/8/15</a:t>
+              <a:t>11/9/15</a:t>
             </a:fld>
             <a:endParaRPr lang="en-US"/>
           </a:p>
@@ -1484,7 +1484,7 @@
           <a:p>
             <a:fld id="{E306D676-E6CE-49ED-B2E4-C47FD7365D30}" type="datetimeFigureOut">
               <a:rPr lang="en-US" smtClean="0"/>
-              <a:t>11/8/15</a:t>
+              <a:t>11/9/15</a:t>
             </a:fld>
             <a:endParaRPr lang="en-US"/>
           </a:p>
@@ -1688,7 +1688,7 @@
           <a:p>
             <a:fld id="{E306D676-E6CE-49ED-B2E4-C47FD7365D30}" type="datetimeFigureOut">
               <a:rPr lang="en-US" smtClean="0"/>
-              <a:t>11/8/15</a:t>
+              <a:t>11/9/15</a:t>
             </a:fld>
             <a:endParaRPr lang="en-US"/>
           </a:p>
@@ -3469,7 +3469,7 @@
           <a:p>
             <a:fld id="{E306D676-E6CE-49ED-B2E4-C47FD7365D30}" type="datetimeFigureOut">
               <a:rPr lang="en-US" smtClean="0"/>
-              <a:t>11/8/15</a:t>
+              <a:t>11/9/15</a:t>
             </a:fld>
             <a:endParaRPr lang="en-US"/>
           </a:p>
@@ -3915,7 +3915,7 @@
           <a:p>
             <a:fld id="{E306D676-E6CE-49ED-B2E4-C47FD7365D30}" type="datetimeFigureOut">
               <a:rPr lang="en-US" smtClean="0"/>
-              <a:t>11/8/15</a:t>
+              <a:t>11/9/15</a:t>
             </a:fld>
             <a:endParaRPr lang="en-US"/>
           </a:p>
@@ -4634,7 +4634,7 @@
             <a:fld id="{E306D676-E6CE-49ED-B2E4-C47FD7365D30}" type="datetimeFigureOut">
               <a:rPr lang="en-US" smtClean="0"/>
               <a:pPr/>
-              <a:t>11/8/15</a:t>
+              <a:t>11/9/15</a:t>
             </a:fld>
             <a:endParaRPr lang="en-US"/>
           </a:p>
@@ -5580,10 +5580,6 @@
               <a:rPr lang="en-US"/>
               <a:t>Update Arrowjs Core</a:t>
             </a:r>
-            <a:r>
-              <a:rPr lang="en-US"/>
-              <a:t/>
-            </a:r>
             <a:br>
               <a:rPr lang="en-US"/>
             </a:br>
@@ -8036,8 +8032,32 @@
           <a:lstStyle/>
           <a:p>
             <a:r>
-              <a:rPr lang="en-US"/>
-              <a:t>Theme ở thư mục public</a:t>
+              <a:rPr lang="en-US" dirty="0"/>
+              <a:t>Theme </a:t>
+            </a:r>
+            <a:r>
+              <a:rPr lang="en-US" dirty="0" err="1"/>
+              <a:t>ở</a:t>
+            </a:r>
+            <a:r>
+              <a:rPr lang="en-US" dirty="0"/>
+              <a:t> </a:t>
+            </a:r>
+            <a:r>
+              <a:rPr lang="en-US" dirty="0" err="1"/>
+              <a:t>thư</a:t>
+            </a:r>
+            <a:r>
+              <a:rPr lang="en-US" dirty="0"/>
+              <a:t> </a:t>
+            </a:r>
+            <a:r>
+              <a:rPr lang="en-US" dirty="0" err="1"/>
+              <a:t>mục</a:t>
+            </a:r>
+            <a:r>
+              <a:rPr lang="en-US" dirty="0"/>
+              <a:t> public</a:t>
             </a:r>
           </a:p>
         </p:txBody>
@@ -8060,7 +8080,7 @@
           <a:lstStyle/>
           <a:p>
             <a:r>
-              <a:rPr lang="en-US" sz="1800"/>
+              <a:rPr lang="en-US" sz="1800" dirty="0"/>
               <a:t>Pro</a:t>
             </a:r>
           </a:p>
@@ -8071,9 +8091,50 @@
               </a:spcBef>
             </a:pPr>
             <a:r>
-              <a:rPr lang="en-US" sz="1600"/>
-              <a:t>Cài đặt, gỡ gói theme dễ dàng</a:t>
-            </a:r>
+              <a:rPr lang="en-US" sz="1600" dirty="0" err="1"/>
+              <a:t>Cài</a:t>
+            </a:r>
+            <a:r>
+              <a:rPr lang="en-US" sz="1600" dirty="0"/>
+              <a:t> </a:t>
+            </a:r>
+            <a:r>
+              <a:rPr lang="en-US" sz="1600" dirty="0" err="1" smtClean="0"/>
+              <a:t>đặt</a:t>
+            </a:r>
+            <a:r>
+              <a:rPr lang="en-US" sz="1600" dirty="0" smtClean="0"/>
+              <a:t>, </a:t>
+            </a:r>
+            <a:r>
+              <a:rPr lang="en-US" sz="1600" dirty="0" err="1" smtClean="0"/>
+              <a:t>gỡ</a:t>
+            </a:r>
+            <a:r>
+              <a:rPr lang="en-US" sz="1600" dirty="0" smtClean="0"/>
+              <a:t> </a:t>
+            </a:r>
+            <a:r>
+              <a:rPr lang="en-US" sz="1600" dirty="0" err="1" smtClean="0"/>
+              <a:t>gói</a:t>
+            </a:r>
+            <a:r>
+              <a:rPr lang="en-US" sz="1600" dirty="0" smtClean="0"/>
+              <a:t> theme </a:t>
+            </a:r>
+            <a:r>
+              <a:rPr lang="en-US" sz="1600" dirty="0" err="1" smtClean="0"/>
+              <a:t>dễ</a:t>
+            </a:r>
+            <a:r>
+              <a:rPr lang="en-US" sz="1600" dirty="0" smtClean="0"/>
+              <a:t> </a:t>
+            </a:r>
+            <a:r>
+              <a:rPr lang="en-US" sz="1600" dirty="0" err="1" smtClean="0"/>
+              <a:t>dàng</a:t>
+            </a:r>
+            <a:endParaRPr lang="en-US" sz="1600" dirty="0"/>
           </a:p>
           <a:p>
             <a:pPr lvl="1">
@@ -8082,9 +8143,58 @@
               </a:spcBef>
             </a:pPr>
             <a:r>
-              <a:rPr lang="en-US" sz="1600"/>
-              <a:t>Phù hợp với post, page, các trang tiêu chuẩn</a:t>
-            </a:r>
+              <a:rPr lang="en-US" sz="1600" dirty="0" err="1"/>
+              <a:t>Phù</a:t>
+            </a:r>
+            <a:r>
+              <a:rPr lang="en-US" sz="1600" dirty="0"/>
+              <a:t> </a:t>
+            </a:r>
+            <a:r>
+              <a:rPr lang="en-US" sz="1600" dirty="0" err="1"/>
+              <a:t>hợp</a:t>
+            </a:r>
+            <a:r>
+              <a:rPr lang="en-US" sz="1600" dirty="0"/>
+              <a:t> </a:t>
+            </a:r>
+            <a:r>
+              <a:rPr lang="en-US" sz="1600" dirty="0" err="1"/>
+              <a:t>với</a:t>
+            </a:r>
+            <a:r>
+              <a:rPr lang="en-US" sz="1600" dirty="0"/>
+              <a:t> post, page, </a:t>
+            </a:r>
+            <a:r>
+              <a:rPr lang="en-US" sz="1600" dirty="0" err="1"/>
+              <a:t>các</a:t>
+            </a:r>
+            <a:r>
+              <a:rPr lang="en-US" sz="1600" dirty="0"/>
+              <a:t> </a:t>
+            </a:r>
+            <a:r>
+              <a:rPr lang="en-US" sz="1600" dirty="0" err="1"/>
+              <a:t>trang</a:t>
+            </a:r>
+            <a:r>
+              <a:rPr lang="en-US" sz="1600" dirty="0"/>
+              <a:t> </a:t>
+            </a:r>
+            <a:r>
+              <a:rPr lang="en-US" sz="1600" dirty="0" err="1"/>
+              <a:t>tiêu</a:t>
+            </a:r>
+            <a:r>
+              <a:rPr lang="en-US" sz="1600" dirty="0"/>
+              <a:t> </a:t>
+            </a:r>
+            <a:r>
+              <a:rPr lang="en-US" sz="1600" dirty="0" err="1"/>
+              <a:t>chuẩn</a:t>
+            </a:r>
+            <a:endParaRPr lang="en-US" sz="1600" dirty="0"/>
           </a:p>
           <a:p>
             <a:pPr lvl="1">
@@ -8093,13 +8203,41 @@
               </a:spcBef>
             </a:pPr>
             <a:r>
-              <a:rPr lang="en-US" sz="1600"/>
-              <a:t>Độc lập với các custom module</a:t>
-            </a:r>
-          </a:p>
-          <a:p>
-            <a:r>
-              <a:rPr lang="en-US" sz="1800"/>
+              <a:rPr lang="en-US" sz="1600" dirty="0" err="1"/>
+              <a:t>Độc</a:t>
+            </a:r>
+            <a:r>
+              <a:rPr lang="en-US" sz="1600" dirty="0"/>
+              <a:t> </a:t>
+            </a:r>
+            <a:r>
+              <a:rPr lang="en-US" sz="1600" dirty="0" err="1"/>
+              <a:t>lập</a:t>
+            </a:r>
+            <a:r>
+              <a:rPr lang="en-US" sz="1600" dirty="0"/>
+              <a:t> </a:t>
+            </a:r>
+            <a:r>
+              <a:rPr lang="en-US" sz="1600" dirty="0" err="1"/>
+              <a:t>với</a:t>
+            </a:r>
+            <a:r>
+              <a:rPr lang="en-US" sz="1600" dirty="0"/>
+              <a:t> </a:t>
+            </a:r>
+            <a:r>
+              <a:rPr lang="en-US" sz="1600" dirty="0" err="1"/>
+              <a:t>các</a:t>
+            </a:r>
+            <a:r>
+              <a:rPr lang="en-US" sz="1600" dirty="0"/>
+              <a:t> custom module</a:t>
+            </a:r>
+          </a:p>
+          <a:p>
+            <a:r>
+              <a:rPr lang="en-US" sz="1800" dirty="0"/>
               <a:t>Cons</a:t>
             </a:r>
           </a:p>
@@ -8110,9 +8248,106 @@
               </a:spcBef>
             </a:pPr>
             <a:r>
-              <a:rPr lang="en-US" sz="1600"/>
-              <a:t>Khi số lượng màn hình view lớn lên, module quản lý view lớn, theme sẽ lộn xộn</a:t>
-            </a:r>
+              <a:rPr lang="en-US" sz="1600" dirty="0" err="1"/>
+              <a:t>Khi</a:t>
+            </a:r>
+            <a:r>
+              <a:rPr lang="en-US" sz="1600" dirty="0"/>
+              <a:t> </a:t>
+            </a:r>
+            <a:r>
+              <a:rPr lang="en-US" sz="1600" dirty="0" err="1"/>
+              <a:t>số</a:t>
+            </a:r>
+            <a:r>
+              <a:rPr lang="en-US" sz="1600" dirty="0"/>
+              <a:t> </a:t>
+            </a:r>
+            <a:r>
+              <a:rPr lang="en-US" sz="1600" dirty="0" err="1"/>
+              <a:t>lượng</a:t>
+            </a:r>
+            <a:r>
+              <a:rPr lang="en-US" sz="1600" dirty="0"/>
+              <a:t> </a:t>
+            </a:r>
+            <a:r>
+              <a:rPr lang="en-US" sz="1600" dirty="0" err="1"/>
+              <a:t>màn</a:t>
+            </a:r>
+            <a:r>
+              <a:rPr lang="en-US" sz="1600" dirty="0"/>
+              <a:t> </a:t>
+            </a:r>
+            <a:r>
+              <a:rPr lang="en-US" sz="1600" dirty="0" err="1"/>
+              <a:t>hình</a:t>
+            </a:r>
+            <a:r>
+              <a:rPr lang="en-US" sz="1600" dirty="0"/>
+              <a:t> view </a:t>
+            </a:r>
+            <a:r>
+              <a:rPr lang="en-US" sz="1600" dirty="0" err="1"/>
+              <a:t>lớn</a:t>
+            </a:r>
+            <a:r>
+              <a:rPr lang="en-US" sz="1600" dirty="0"/>
+              <a:t> </a:t>
+            </a:r>
+            <a:r>
+              <a:rPr lang="en-US" sz="1600" dirty="0" err="1"/>
+              <a:t>lên</a:t>
+            </a:r>
+            <a:r>
+              <a:rPr lang="en-US" sz="1600" dirty="0"/>
+              <a:t>, module </a:t>
+            </a:r>
+            <a:r>
+              <a:rPr lang="en-US" sz="1600" dirty="0" err="1"/>
+              <a:t>quản</a:t>
+            </a:r>
+            <a:r>
+              <a:rPr lang="en-US" sz="1600" dirty="0"/>
+              <a:t> </a:t>
+            </a:r>
+            <a:r>
+              <a:rPr lang="en-US" sz="1600" dirty="0" err="1"/>
+              <a:t>lý</a:t>
+            </a:r>
+            <a:r>
+              <a:rPr lang="en-US" sz="1600" dirty="0"/>
+              <a:t> view </a:t>
+            </a:r>
+            <a:r>
+              <a:rPr lang="en-US" sz="1600" dirty="0" err="1"/>
+              <a:t>lớn</a:t>
+            </a:r>
+            <a:r>
+              <a:rPr lang="en-US" sz="1600" dirty="0"/>
+              <a:t>, theme </a:t>
+            </a:r>
+            <a:r>
+              <a:rPr lang="en-US" sz="1600" dirty="0" err="1"/>
+              <a:t>sẽ</a:t>
+            </a:r>
+            <a:r>
+              <a:rPr lang="en-US" sz="1600" dirty="0"/>
+              <a:t> </a:t>
+            </a:r>
+            <a:r>
+              <a:rPr lang="en-US" sz="1600" dirty="0" err="1"/>
+              <a:t>lộn</a:t>
+            </a:r>
+            <a:r>
+              <a:rPr lang="en-US" sz="1600" dirty="0"/>
+              <a:t> </a:t>
+            </a:r>
+            <a:r>
+              <a:rPr lang="en-US" sz="1600" dirty="0" err="1"/>
+              <a:t>xộn</a:t>
+            </a:r>
+            <a:endParaRPr lang="en-US" sz="1600" dirty="0"/>
           </a:p>
           <a:p>
             <a:pPr lvl="1">
@@ -8121,8 +8356,52 @@
               </a:spcBef>
             </a:pPr>
             <a:r>
-              <a:rPr lang="en-US" sz="1600"/>
-              <a:t>Khó cái đặt thành gói với module</a:t>
+              <a:rPr lang="en-US" sz="1600" dirty="0" err="1"/>
+              <a:t>Khó</a:t>
+            </a:r>
+            <a:r>
+              <a:rPr lang="en-US" sz="1600" dirty="0"/>
+              <a:t> </a:t>
+            </a:r>
+            <a:r>
+              <a:rPr lang="en-US" sz="1600" dirty="0" err="1"/>
+              <a:t>cái</a:t>
+            </a:r>
+            <a:r>
+              <a:rPr lang="en-US" sz="1600" dirty="0"/>
+              <a:t> </a:t>
+            </a:r>
+            <a:r>
+              <a:rPr lang="en-US" sz="1600" dirty="0" err="1"/>
+              <a:t>đặt</a:t>
+            </a:r>
+            <a:r>
+              <a:rPr lang="en-US" sz="1600" dirty="0"/>
+              <a:t> </a:t>
+            </a:r>
+            <a:r>
+              <a:rPr lang="en-US" sz="1600" dirty="0" err="1"/>
+              <a:t>thành</a:t>
+            </a:r>
+            <a:r>
+              <a:rPr lang="en-US" sz="1600" dirty="0"/>
+              <a:t> </a:t>
+            </a:r>
+            <a:r>
+              <a:rPr lang="en-US" sz="1600" dirty="0" err="1"/>
+              <a:t>gói</a:t>
+            </a:r>
+            <a:r>
+              <a:rPr lang="en-US" sz="1600" dirty="0"/>
+              <a:t> </a:t>
+            </a:r>
+            <a:r>
+              <a:rPr lang="en-US" sz="1600" dirty="0" err="1"/>
+              <a:t>với</a:t>
+            </a:r>
+            <a:r>
+              <a:rPr lang="en-US" sz="1600" dirty="0"/>
+              <a:t> module</a:t>
             </a:r>
           </a:p>
           <a:p>
@@ -8132,9 +8411,58 @@
               </a:spcBef>
             </a:pPr>
             <a:r>
-              <a:rPr lang="en-US" sz="1600"/>
-              <a:t>Không hợp với các trang đặc thù</a:t>
-            </a:r>
+              <a:rPr lang="en-US" sz="1600" dirty="0" err="1"/>
+              <a:t>Không</a:t>
+            </a:r>
+            <a:r>
+              <a:rPr lang="en-US" sz="1600" dirty="0"/>
+              <a:t> </a:t>
+            </a:r>
+            <a:r>
+              <a:rPr lang="en-US" sz="1600" dirty="0" err="1"/>
+              <a:t>hợp</a:t>
+            </a:r>
+            <a:r>
+              <a:rPr lang="en-US" sz="1600" dirty="0"/>
+              <a:t> </a:t>
+            </a:r>
+            <a:r>
+              <a:rPr lang="en-US" sz="1600" dirty="0" err="1"/>
+              <a:t>với</a:t>
+            </a:r>
+            <a:r>
+              <a:rPr lang="en-US" sz="1600" dirty="0"/>
+              <a:t> </a:t>
+            </a:r>
+            <a:r>
+              <a:rPr lang="en-US" sz="1600" dirty="0" err="1"/>
+              <a:t>các</a:t>
+            </a:r>
+            <a:r>
+              <a:rPr lang="en-US" sz="1600" dirty="0"/>
+              <a:t> </a:t>
+            </a:r>
+            <a:r>
+              <a:rPr lang="en-US" sz="1600" dirty="0" err="1"/>
+              <a:t>trang</a:t>
+            </a:r>
+            <a:r>
+              <a:rPr lang="en-US" sz="1600" dirty="0"/>
+              <a:t> </a:t>
+            </a:r>
+            <a:r>
+              <a:rPr lang="en-US" sz="1600" dirty="0" err="1"/>
+              <a:t>đặc</a:t>
+            </a:r>
+            <a:r>
+              <a:rPr lang="en-US" sz="1600" dirty="0"/>
+              <a:t> </a:t>
+            </a:r>
+            <a:r>
+              <a:rPr lang="en-US" sz="1600" dirty="0" err="1"/>
+              <a:t>thù</a:t>
+            </a:r>
+            <a:endParaRPr lang="en-US" sz="1600" dirty="0"/>
           </a:p>
         </p:txBody>
       </p:sp>
@@ -8461,44 +8789,179 @@
       </p:grpSpPr>
       <p:sp>
         <p:nvSpPr>
-          <p:cNvPr id="4" name="Title 3"/>
+          <p:cNvPr id="3" name="Text Placeholder 2"/>
           <p:cNvSpPr>
             <a:spLocks noGrp="1"/>
           </p:cNvSpPr>
           <p:nvPr>
-            <p:ph type="title"/>
+            <p:ph type="body" idx="1"/>
           </p:nvPr>
         </p:nvSpPr>
         <p:spPr/>
         <p:txBody>
-          <a:bodyPr>
-            <a:normAutofit fontScale="90000"/>
-          </a:bodyPr>
-          <a:lstStyle/>
-          <a:p>
-            <a:r>
-              <a:rPr lang="en-US"/>
-              <a:t>Arrowjs hơn / kém gì Mean?</a:t>
-            </a:r>
-          </a:p>
-        </p:txBody>
-      </p:sp>
-      <p:sp>
-        <p:nvSpPr>
-          <p:cNvPr id="5" name="Content Placeholder 4"/>
+          <a:bodyPr/>
+          <a:lstStyle/>
+          <a:p>
+            <a:r>
+              <a:rPr lang="en-US" dirty="0" smtClean="0"/>
+              <a:t>Arrow</a:t>
+            </a:r>
+            <a:endParaRPr lang="en-US" dirty="0"/>
+          </a:p>
+        </p:txBody>
+      </p:sp>
+      <p:sp>
+        <p:nvSpPr>
+          <p:cNvPr id="7" name="Content Placeholder 6"/>
           <p:cNvSpPr>
             <a:spLocks noGrp="1"/>
           </p:cNvSpPr>
           <p:nvPr>
-            <p:ph idx="1"/>
+            <p:ph sz="half" idx="2"/>
           </p:nvPr>
         </p:nvSpPr>
         <p:spPr/>
         <p:txBody>
+          <a:bodyPr>
+            <a:normAutofit/>
+          </a:bodyPr>
+          <a:lstStyle/>
+          <a:p>
+            <a:r>
+              <a:rPr lang="en-US" dirty="0" smtClean="0"/>
+              <a:t>Pro</a:t>
+            </a:r>
+          </a:p>
+          <a:p>
+            <a:pPr lvl="1"/>
+            <a:r>
+              <a:rPr lang="en-US" dirty="0" smtClean="0"/>
+              <a:t>Support SQL</a:t>
+            </a:r>
+          </a:p>
+          <a:p>
+            <a:pPr lvl="1"/>
+            <a:r>
+              <a:rPr lang="en-US" dirty="0" smtClean="0"/>
+              <a:t>Can use React, Angular .</a:t>
+            </a:r>
+            <a:r>
+              <a:rPr lang="en-US" dirty="0" err="1" smtClean="0"/>
+              <a:t>v.v</a:t>
+            </a:r>
+            <a:endParaRPr lang="en-US" dirty="0"/>
+          </a:p>
+          <a:p>
+            <a:pPr lvl="1"/>
+            <a:r>
+              <a:rPr lang="en-US" dirty="0" smtClean="0"/>
+              <a:t>Cache </a:t>
+            </a:r>
+            <a:r>
+              <a:rPr lang="en-US" dirty="0" err="1" smtClean="0"/>
+              <a:t>redis</a:t>
+            </a:r>
+            <a:endParaRPr lang="en-US" dirty="0" smtClean="0"/>
+          </a:p>
+          <a:p>
+            <a:r>
+              <a:rPr lang="en-US" dirty="0" smtClean="0"/>
+              <a:t>Con</a:t>
+            </a:r>
+          </a:p>
+          <a:p>
+            <a:pPr lvl="1"/>
+            <a:r>
+              <a:rPr lang="en-US" dirty="0" smtClean="0"/>
+              <a:t>No mongo</a:t>
+            </a:r>
+          </a:p>
+          <a:p>
+            <a:pPr lvl="1"/>
+            <a:r>
+              <a:rPr lang="en-US" dirty="0" smtClean="0"/>
+              <a:t>No bower and grunt</a:t>
+            </a:r>
+          </a:p>
+        </p:txBody>
+      </p:sp>
+      <p:sp>
+        <p:nvSpPr>
+          <p:cNvPr id="8" name="Text Placeholder 7"/>
+          <p:cNvSpPr>
+            <a:spLocks noGrp="1"/>
+          </p:cNvSpPr>
+          <p:nvPr>
+            <p:ph type="body" sz="quarter" idx="3"/>
+          </p:nvPr>
+        </p:nvSpPr>
+        <p:spPr/>
+        <p:txBody>
           <a:bodyPr/>
           <a:lstStyle/>
           <a:p>
-            <a:endParaRPr lang="en-US"/>
+            <a:r>
+              <a:rPr lang="en-US" dirty="0" smtClean="0"/>
+              <a:t>Mean</a:t>
+            </a:r>
+            <a:endParaRPr lang="en-US" dirty="0"/>
+          </a:p>
+        </p:txBody>
+      </p:sp>
+      <p:sp>
+        <p:nvSpPr>
+          <p:cNvPr id="9" name="Content Placeholder 8"/>
+          <p:cNvSpPr>
+            <a:spLocks noGrp="1"/>
+          </p:cNvSpPr>
+          <p:nvPr>
+            <p:ph sz="quarter" idx="4"/>
+          </p:nvPr>
+        </p:nvSpPr>
+        <p:spPr/>
+        <p:txBody>
+          <a:bodyPr/>
+          <a:lstStyle/>
+          <a:p>
+            <a:r>
+              <a:rPr lang="en-US" dirty="0" smtClean="0"/>
+              <a:t>Pro</a:t>
+            </a:r>
+          </a:p>
+          <a:p>
+            <a:pPr lvl="1"/>
+            <a:r>
+              <a:rPr lang="en-US" dirty="0" smtClean="0"/>
+              <a:t>Support mongo</a:t>
+            </a:r>
+          </a:p>
+          <a:p>
+            <a:pPr lvl="1"/>
+            <a:r>
+              <a:rPr lang="en-US" dirty="0" smtClean="0"/>
+              <a:t>Support angular</a:t>
+            </a:r>
+          </a:p>
+          <a:p>
+            <a:pPr lvl="1"/>
+            <a:r>
+              <a:rPr lang="en-US" dirty="0" smtClean="0"/>
+              <a:t>Support bower and grunt</a:t>
+            </a:r>
+          </a:p>
+          <a:p>
+            <a:r>
+              <a:rPr lang="en-US" dirty="0" smtClean="0"/>
+              <a:t>Con</a:t>
+            </a:r>
+          </a:p>
+          <a:p>
+            <a:pPr lvl="1"/>
+            <a:r>
+              <a:rPr lang="en-US" dirty="0" smtClean="0"/>
+              <a:t>Fix technology</a:t>
+            </a:r>
+            <a:endParaRPr lang="en-US" dirty="0"/>
           </a:p>
         </p:txBody>
       </p:sp>
@@ -8534,36 +8997,77 @@
       </p:grpSpPr>
       <p:sp>
         <p:nvSpPr>
-          <p:cNvPr id="4" name="Title 3"/>
+          <p:cNvPr id="2" name="Text Placeholder 1"/>
           <p:cNvSpPr>
             <a:spLocks noGrp="1"/>
           </p:cNvSpPr>
           <p:nvPr>
-            <p:ph type="title"/>
+            <p:ph type="body" idx="1"/>
           </p:nvPr>
         </p:nvSpPr>
         <p:spPr/>
         <p:txBody>
-          <a:bodyPr>
-            <a:normAutofit fontScale="90000"/>
-          </a:bodyPr>
-          <a:lstStyle/>
-          <a:p>
-            <a:r>
-              <a:rPr lang="en-US"/>
-              <a:t>Arrowjs hơn / kém gì Sails</a:t>
-            </a:r>
-          </a:p>
-        </p:txBody>
-      </p:sp>
-      <p:sp>
-        <p:nvSpPr>
-          <p:cNvPr id="5" name="Content Placeholder 4"/>
+          <a:bodyPr/>
+          <a:lstStyle/>
+          <a:p>
+            <a:r>
+              <a:rPr lang="en-US" dirty="0" smtClean="0"/>
+              <a:t>Arrow</a:t>
+            </a:r>
+            <a:endParaRPr lang="en-US" dirty="0"/>
+          </a:p>
+        </p:txBody>
+      </p:sp>
+      <p:sp>
+        <p:nvSpPr>
+          <p:cNvPr id="3" name="Content Placeholder 2"/>
           <p:cNvSpPr>
             <a:spLocks noGrp="1"/>
           </p:cNvSpPr>
           <p:nvPr>
-            <p:ph idx="1"/>
+            <p:ph sz="half" idx="2"/>
+          </p:nvPr>
+        </p:nvSpPr>
+        <p:spPr/>
+        <p:txBody>
+          <a:bodyPr/>
+          <a:lstStyle/>
+          <a:p>
+            <a:endParaRPr lang="en-US" dirty="0"/>
+          </a:p>
+        </p:txBody>
+      </p:sp>
+      <p:sp>
+        <p:nvSpPr>
+          <p:cNvPr id="6" name="Text Placeholder 5"/>
+          <p:cNvSpPr>
+            <a:spLocks noGrp="1"/>
+          </p:cNvSpPr>
+          <p:nvPr>
+            <p:ph type="body" sz="quarter" idx="3"/>
+          </p:nvPr>
+        </p:nvSpPr>
+        <p:spPr/>
+        <p:txBody>
+          <a:bodyPr/>
+          <a:lstStyle/>
+          <a:p>
+            <a:r>
+              <a:rPr lang="en-US" dirty="0" smtClean="0"/>
+              <a:t>Sail</a:t>
+            </a:r>
+            <a:endParaRPr lang="en-US" dirty="0"/>
+          </a:p>
+        </p:txBody>
+      </p:sp>
+      <p:sp>
+        <p:nvSpPr>
+          <p:cNvPr id="7" name="Content Placeholder 6"/>
+          <p:cNvSpPr>
+            <a:spLocks noGrp="1"/>
+          </p:cNvSpPr>
+          <p:nvPr>
+            <p:ph sz="quarter" idx="4"/>
           </p:nvPr>
         </p:nvSpPr>
         <p:spPr/>
@@ -8726,7 +9230,7 @@
           <a:bodyPr/>
           <a:lstStyle/>
           <a:p>
-            <a:endParaRPr lang="en-US"/>
+            <a:endParaRPr lang="en-US" dirty="0"/>
           </a:p>
         </p:txBody>
       </p:sp>
@@ -8762,44 +9266,393 @@
       </p:grpSpPr>
       <p:sp>
         <p:nvSpPr>
-          <p:cNvPr id="4" name="Title 3"/>
+          <p:cNvPr id="7" name="Text Placeholder 6"/>
           <p:cNvSpPr>
             <a:spLocks noGrp="1"/>
           </p:cNvSpPr>
           <p:nvPr>
-            <p:ph type="title"/>
+            <p:ph type="body" idx="1"/>
           </p:nvPr>
         </p:nvSpPr>
         <p:spPr/>
         <p:txBody>
-          <a:bodyPr>
-            <a:normAutofit fontScale="90000"/>
-          </a:bodyPr>
-          <a:lstStyle/>
-          <a:p>
-            <a:r>
-              <a:rPr lang="en-US"/>
-              <a:t>Arrowjs hơn / kém gì Meteor</a:t>
-            </a:r>
-          </a:p>
-        </p:txBody>
-      </p:sp>
-      <p:sp>
-        <p:nvSpPr>
-          <p:cNvPr id="5" name="Content Placeholder 4"/>
+          <a:bodyPr/>
+          <a:lstStyle/>
+          <a:p>
+            <a:r>
+              <a:rPr lang="en-US" dirty="0" smtClean="0"/>
+              <a:t>Arrow</a:t>
+            </a:r>
+            <a:endParaRPr lang="en-US" dirty="0"/>
+          </a:p>
+        </p:txBody>
+      </p:sp>
+      <p:sp>
+        <p:nvSpPr>
+          <p:cNvPr id="8" name="Content Placeholder 7"/>
           <p:cNvSpPr>
             <a:spLocks noGrp="1"/>
           </p:cNvSpPr>
           <p:nvPr>
-            <p:ph idx="1"/>
+            <p:ph sz="half" idx="2"/>
           </p:nvPr>
         </p:nvSpPr>
         <p:spPr/>
         <p:txBody>
+          <a:bodyPr>
+            <a:normAutofit lnSpcReduction="10000"/>
+          </a:bodyPr>
+          <a:lstStyle/>
+          <a:p>
+            <a:r>
+              <a:rPr lang="en-US" dirty="0" smtClean="0"/>
+              <a:t>Con</a:t>
+            </a:r>
+          </a:p>
+          <a:p>
+            <a:pPr lvl="1"/>
+            <a:r>
+              <a:rPr lang="en-US" dirty="0" smtClean="0"/>
+              <a:t>No Reactive</a:t>
+            </a:r>
+          </a:p>
+          <a:p>
+            <a:pPr lvl="1"/>
+            <a:r>
+              <a:rPr lang="en-US" dirty="0" smtClean="0"/>
+              <a:t>No Mongo</a:t>
+            </a:r>
+          </a:p>
+          <a:p>
+            <a:pPr lvl="1"/>
+            <a:r>
+              <a:rPr lang="en-US" dirty="0" smtClean="0"/>
+              <a:t>Less document</a:t>
+            </a:r>
+          </a:p>
+          <a:p>
+            <a:r>
+              <a:rPr lang="en-US" dirty="0" smtClean="0"/>
+              <a:t>Pro</a:t>
+            </a:r>
+          </a:p>
+          <a:p>
+            <a:pPr lvl="1"/>
+            <a:r>
+              <a:rPr lang="en-US" dirty="0" smtClean="0"/>
+              <a:t>Easy deploy</a:t>
+            </a:r>
+          </a:p>
+          <a:p>
+            <a:pPr lvl="1"/>
+            <a:r>
+              <a:rPr lang="en-US" dirty="0" smtClean="0"/>
+              <a:t>Easy cluttering</a:t>
+            </a:r>
+          </a:p>
+          <a:p>
+            <a:pPr lvl="1"/>
+            <a:r>
+              <a:rPr lang="en-US" smtClean="0"/>
+              <a:t>Support cache</a:t>
+            </a:r>
+            <a:endParaRPr lang="en-US" dirty="0" smtClean="0"/>
+          </a:p>
+          <a:p>
+            <a:pPr lvl="1"/>
+            <a:endParaRPr lang="en-US" dirty="0"/>
+          </a:p>
+        </p:txBody>
+      </p:sp>
+      <p:sp>
+        <p:nvSpPr>
+          <p:cNvPr id="9" name="Text Placeholder 8"/>
+          <p:cNvSpPr>
+            <a:spLocks noGrp="1"/>
+          </p:cNvSpPr>
+          <p:nvPr>
+            <p:ph type="body" sz="quarter" idx="3"/>
+          </p:nvPr>
+        </p:nvSpPr>
+        <p:spPr/>
+        <p:txBody>
           <a:bodyPr/>
           <a:lstStyle/>
           <a:p>
-            <a:endParaRPr lang="en-US"/>
+            <a:r>
+              <a:rPr lang="en-US" dirty="0" smtClean="0"/>
+              <a:t>Meteor</a:t>
+            </a:r>
+            <a:endParaRPr lang="en-US" dirty="0"/>
+          </a:p>
+        </p:txBody>
+      </p:sp>
+      <p:sp>
+        <p:nvSpPr>
+          <p:cNvPr id="10" name="Content Placeholder 9"/>
+          <p:cNvSpPr>
+            <a:spLocks noGrp="1"/>
+          </p:cNvSpPr>
+          <p:nvPr>
+            <p:ph sz="quarter" idx="4"/>
+          </p:nvPr>
+        </p:nvSpPr>
+        <p:spPr/>
+        <p:txBody>
+          <a:bodyPr>
+            <a:normAutofit fontScale="47500" lnSpcReduction="20000"/>
+          </a:bodyPr>
+          <a:lstStyle/>
+          <a:p>
+            <a:r>
+              <a:rPr lang="en-US" dirty="0" smtClean="0"/>
+              <a:t>Con</a:t>
+            </a:r>
+          </a:p>
+          <a:p>
+            <a:pPr lvl="1"/>
+            <a:r>
+              <a:rPr lang="en-US" dirty="0" smtClean="0"/>
+              <a:t>All global</a:t>
+            </a:r>
+          </a:p>
+          <a:p>
+            <a:pPr lvl="1"/>
+            <a:r>
+              <a:rPr lang="en-US" dirty="0" smtClean="0"/>
+              <a:t>Slow</a:t>
+            </a:r>
+          </a:p>
+          <a:p>
+            <a:pPr lvl="1"/>
+            <a:r>
+              <a:rPr lang="en-US" dirty="0" smtClean="0"/>
+              <a:t>Many convention</a:t>
+            </a:r>
+          </a:p>
+          <a:p>
+            <a:pPr lvl="1"/>
+            <a:r>
+              <a:rPr lang="en-US" dirty="0" smtClean="0"/>
+              <a:t>Cluttering difficult</a:t>
+            </a:r>
+          </a:p>
+          <a:p>
+            <a:pPr lvl="1"/>
+            <a:r>
+              <a:rPr lang="en-US" dirty="0" smtClean="0"/>
+              <a:t>Difficult to deploy</a:t>
+            </a:r>
+          </a:p>
+          <a:p>
+            <a:r>
+              <a:rPr lang="en-US" dirty="0" smtClean="0"/>
+              <a:t>Pro</a:t>
+            </a:r>
+          </a:p>
+          <a:p>
+            <a:pPr lvl="1"/>
+            <a:r>
+              <a:rPr lang="en-US" dirty="0" smtClean="0"/>
+              <a:t>Reactive</a:t>
+            </a:r>
+          </a:p>
+          <a:p>
+            <a:pPr lvl="1"/>
+            <a:r>
+              <a:rPr lang="en-US" dirty="0" smtClean="0"/>
+              <a:t>Mongo default</a:t>
+            </a:r>
+          </a:p>
+          <a:p>
+            <a:pPr lvl="1"/>
+            <a:r>
+              <a:rPr lang="en-US" dirty="0" smtClean="0"/>
+              <a:t>Fast to code</a:t>
+            </a:r>
+          </a:p>
+          <a:p>
+            <a:pPr lvl="1"/>
+            <a:r>
+              <a:rPr lang="en-US" dirty="0" smtClean="0"/>
+              <a:t>Best for </a:t>
+            </a:r>
+            <a:r>
+              <a:rPr lang="en-US" dirty="0" err="1" smtClean="0"/>
+              <a:t>singlePage</a:t>
+            </a:r>
+            <a:endParaRPr lang="en-US" dirty="0" smtClean="0"/>
+          </a:p>
+          <a:p>
+            <a:pPr lvl="1"/>
+            <a:r>
+              <a:rPr lang="en-US" dirty="0" smtClean="0"/>
+              <a:t>Isomorphic</a:t>
+            </a:r>
+            <a:endParaRPr lang="en-US" dirty="0"/>
+          </a:p>
+        </p:txBody>
+      </p:sp>
+      <p:sp>
+        <p:nvSpPr>
+          <p:cNvPr id="6" name="Content Placeholder 4"/>
+          <p:cNvSpPr txBox="1">
+            <a:spLocks/>
+          </p:cNvSpPr>
+          <p:nvPr/>
+        </p:nvSpPr>
+        <p:spPr>
+          <a:xfrm>
+            <a:off x="139053" y="742950"/>
+            <a:ext cx="4038600" cy="4123552"/>
+          </a:xfrm>
+          <a:prstGeom prst="rect">
+            <a:avLst/>
+          </a:prstGeom>
+        </p:spPr>
+        <p:txBody>
+          <a:bodyPr vert="horz" lIns="91440" tIns="45720" rIns="91440" bIns="45720" rtlCol="0">
+            <a:normAutofit/>
+          </a:bodyPr>
+          <a:lstStyle>
+            <a:lvl1pPr marL="342900" indent="-342900" algn="l" defTabSz="914400" rtl="0" eaLnBrk="1" latinLnBrk="0" hangingPunct="1">
+              <a:spcBef>
+                <a:spcPts val="1800"/>
+              </a:spcBef>
+              <a:buFont typeface="Arial" pitchFamily="34" charset="0"/>
+              <a:buChar char="•"/>
+              <a:defRPr sz="3200" kern="1200">
+                <a:solidFill>
+                  <a:schemeClr val="bg1"/>
+                </a:solidFill>
+                <a:latin typeface="Corbel"/>
+                <a:ea typeface="Segoe UI" pitchFamily="34" charset="0"/>
+                <a:cs typeface="Corbel"/>
+              </a:defRPr>
+            </a:lvl1pPr>
+            <a:lvl2pPr marL="742950" indent="-285750" algn="l" defTabSz="914400" rtl="0" eaLnBrk="1" latinLnBrk="0" hangingPunct="1">
+              <a:spcBef>
+                <a:spcPts val="1800"/>
+              </a:spcBef>
+              <a:buFont typeface="Arial" pitchFamily="34" charset="0"/>
+              <a:buChar char="–"/>
+              <a:defRPr sz="2800" kern="1200">
+                <a:solidFill>
+                  <a:schemeClr val="bg1"/>
+                </a:solidFill>
+                <a:latin typeface="Corbel"/>
+                <a:ea typeface="Segoe UI" pitchFamily="34" charset="0"/>
+                <a:cs typeface="Corbel"/>
+              </a:defRPr>
+            </a:lvl2pPr>
+            <a:lvl3pPr marL="1143000" indent="-228600" algn="l" defTabSz="914400" rtl="0" eaLnBrk="1" latinLnBrk="0" hangingPunct="1">
+              <a:spcBef>
+                <a:spcPts val="1800"/>
+              </a:spcBef>
+              <a:buFont typeface="Arial" pitchFamily="34" charset="0"/>
+              <a:buChar char="•"/>
+              <a:defRPr sz="2400" kern="1200">
+                <a:solidFill>
+                  <a:schemeClr val="bg1"/>
+                </a:solidFill>
+                <a:latin typeface="Corbel"/>
+                <a:ea typeface="Segoe UI" pitchFamily="34" charset="0"/>
+                <a:cs typeface="Corbel"/>
+              </a:defRPr>
+            </a:lvl3pPr>
+            <a:lvl4pPr marL="1600200" indent="-228600" algn="l" defTabSz="914400" rtl="0" eaLnBrk="1" latinLnBrk="0" hangingPunct="1">
+              <a:spcBef>
+                <a:spcPts val="1800"/>
+              </a:spcBef>
+              <a:buFont typeface="Arial" pitchFamily="34" charset="0"/>
+              <a:buChar char="–"/>
+              <a:defRPr sz="2000" kern="1200">
+                <a:solidFill>
+                  <a:schemeClr val="bg1"/>
+                </a:solidFill>
+                <a:latin typeface="Corbel"/>
+                <a:ea typeface="Segoe UI" pitchFamily="34" charset="0"/>
+                <a:cs typeface="Corbel"/>
+              </a:defRPr>
+            </a:lvl4pPr>
+            <a:lvl5pPr marL="2057400" indent="-228600" algn="l" defTabSz="914400" rtl="0" eaLnBrk="1" latinLnBrk="0" hangingPunct="1">
+              <a:spcBef>
+                <a:spcPts val="1800"/>
+              </a:spcBef>
+              <a:buFont typeface="Arial" pitchFamily="34" charset="0"/>
+              <a:buChar char="»"/>
+              <a:defRPr sz="2000" kern="1200">
+                <a:solidFill>
+                  <a:schemeClr val="bg1"/>
+                </a:solidFill>
+                <a:latin typeface="Corbel"/>
+                <a:ea typeface="Segoe UI" pitchFamily="34" charset="0"/>
+                <a:cs typeface="Corbel"/>
+              </a:defRPr>
+            </a:lvl5pPr>
+            <a:lvl6pPr marL="2514600" indent="-228600" algn="l" defTabSz="914400" rtl="0" eaLnBrk="1" latinLnBrk="0" hangingPunct="1">
+              <a:spcBef>
+                <a:spcPct val="20000"/>
+              </a:spcBef>
+              <a:buFont typeface="Arial" pitchFamily="34" charset="0"/>
+              <a:buChar char="•"/>
+              <a:defRPr sz="2000" kern="1200">
+                <a:solidFill>
+                  <a:schemeClr val="tx1"/>
+                </a:solidFill>
+                <a:latin typeface="+mn-lt"/>
+                <a:ea typeface="+mn-ea"/>
+                <a:cs typeface="+mn-cs"/>
+              </a:defRPr>
+            </a:lvl6pPr>
+            <a:lvl7pPr marL="2971800" indent="-228600" algn="l" defTabSz="914400" rtl="0" eaLnBrk="1" latinLnBrk="0" hangingPunct="1">
+              <a:spcBef>
+                <a:spcPct val="20000"/>
+              </a:spcBef>
+              <a:buFont typeface="Arial" pitchFamily="34" charset="0"/>
+              <a:buChar char="•"/>
+              <a:defRPr sz="2000" kern="1200">
+                <a:solidFill>
+                  <a:schemeClr val="tx1"/>
+                </a:solidFill>
+                <a:latin typeface="+mn-lt"/>
+                <a:ea typeface="+mn-ea"/>
+                <a:cs typeface="+mn-cs"/>
+              </a:defRPr>
+            </a:lvl7pPr>
+            <a:lvl8pPr marL="3429000" indent="-228600" algn="l" defTabSz="914400" rtl="0" eaLnBrk="1" latinLnBrk="0" hangingPunct="1">
+              <a:spcBef>
+                <a:spcPct val="20000"/>
+              </a:spcBef>
+              <a:buFont typeface="Arial" pitchFamily="34" charset="0"/>
+              <a:buChar char="•"/>
+              <a:defRPr sz="2000" kern="1200">
+                <a:solidFill>
+                  <a:schemeClr val="tx1"/>
+                </a:solidFill>
+                <a:latin typeface="+mn-lt"/>
+                <a:ea typeface="+mn-ea"/>
+                <a:cs typeface="+mn-cs"/>
+              </a:defRPr>
+            </a:lvl8pPr>
+            <a:lvl9pPr marL="3886200" indent="-228600" algn="l" defTabSz="914400" rtl="0" eaLnBrk="1" latinLnBrk="0" hangingPunct="1">
+              <a:spcBef>
+                <a:spcPct val="20000"/>
+              </a:spcBef>
+              <a:buFont typeface="Arial" pitchFamily="34" charset="0"/>
+              <a:buChar char="•"/>
+              <a:defRPr sz="2000" kern="1200">
+                <a:solidFill>
+                  <a:schemeClr val="tx1"/>
+                </a:solidFill>
+                <a:latin typeface="+mn-lt"/>
+                <a:ea typeface="+mn-ea"/>
+                <a:cs typeface="+mn-cs"/>
+              </a:defRPr>
+            </a:lvl9pPr>
+          </a:lstStyle>
+          <a:p>
+            <a:endParaRPr lang="en-US" dirty="0"/>
           </a:p>
         </p:txBody>
       </p:sp>
@@ -9571,11 +10424,7 @@
           <a:p>
             <a:r>
               <a:rPr lang="en-US"/>
-              <a:t>Remove</a:t>
-            </a:r>
-            <a:r>
-              <a:rPr lang="en-US"/>
-              <a:t> module</a:t>
+              <a:t>Remove module</a:t>
             </a:r>
             <a:br>
               <a:rPr lang="en-US"/>

--- a/ArrowjsBasic.pptx
+++ b/ArrowjsBasic.pptx
@@ -5,7 +5,7 @@
     <p:sldMasterId id="2147483648" r:id="rId1"/>
   </p:sldMasterIdLst>
   <p:notesMasterIdLst>
-    <p:notesMasterId r:id="rId25"/>
+    <p:notesMasterId r:id="rId26"/>
   </p:notesMasterIdLst>
   <p:sldIdLst>
     <p:sldId id="306" r:id="rId2"/>
@@ -31,6 +31,7 @@
     <p:sldId id="318" r:id="rId22"/>
     <p:sldId id="319" r:id="rId23"/>
     <p:sldId id="320" r:id="rId24"/>
+    <p:sldId id="325" r:id="rId25"/>
   </p:sldIdLst>
   <p:sldSz cx="9144000" cy="5143500" type="screen16x9"/>
   <p:notesSz cx="6858000" cy="9144000"/>
@@ -215,7 +216,7 @@
           <a:p>
             <a:fld id="{C81D1D14-BC69-4E81-A241-7829F68D9A94}" type="datetimeFigureOut">
               <a:rPr lang="en-US" smtClean="0"/>
-              <a:t>11/9/15</a:t>
+              <a:t>11/10/15</a:t>
             </a:fld>
             <a:endParaRPr lang="en-US"/>
           </a:p>
@@ -709,7 +710,7 @@
           <a:p>
             <a:fld id="{E306D676-E6CE-49ED-B2E4-C47FD7365D30}" type="datetimeFigureOut">
               <a:rPr lang="en-US" smtClean="0"/>
-              <a:t>11/9/15</a:t>
+              <a:t>11/10/15</a:t>
             </a:fld>
             <a:endParaRPr lang="en-US"/>
           </a:p>
@@ -1010,7 +1011,7 @@
           <a:p>
             <a:fld id="{E306D676-E6CE-49ED-B2E4-C47FD7365D30}" type="datetimeFigureOut">
               <a:rPr lang="en-US" smtClean="0"/>
-              <a:t>11/9/15</a:t>
+              <a:t>11/10/15</a:t>
             </a:fld>
             <a:endParaRPr lang="en-US"/>
           </a:p>
@@ -1290,7 +1291,7 @@
           <a:p>
             <a:fld id="{E306D676-E6CE-49ED-B2E4-C47FD7365D30}" type="datetimeFigureOut">
               <a:rPr lang="en-US" smtClean="0"/>
-              <a:t>11/9/15</a:t>
+              <a:t>11/10/15</a:t>
             </a:fld>
             <a:endParaRPr lang="en-US"/>
           </a:p>
@@ -1484,7 +1485,7 @@
           <a:p>
             <a:fld id="{E306D676-E6CE-49ED-B2E4-C47FD7365D30}" type="datetimeFigureOut">
               <a:rPr lang="en-US" smtClean="0"/>
-              <a:t>11/9/15</a:t>
+              <a:t>11/10/15</a:t>
             </a:fld>
             <a:endParaRPr lang="en-US"/>
           </a:p>
@@ -1688,7 +1689,7 @@
           <a:p>
             <a:fld id="{E306D676-E6CE-49ED-B2E4-C47FD7365D30}" type="datetimeFigureOut">
               <a:rPr lang="en-US" smtClean="0"/>
-              <a:t>11/9/15</a:t>
+              <a:t>11/10/15</a:t>
             </a:fld>
             <a:endParaRPr lang="en-US"/>
           </a:p>
@@ -3469,7 +3470,7 @@
           <a:p>
             <a:fld id="{E306D676-E6CE-49ED-B2E4-C47FD7365D30}" type="datetimeFigureOut">
               <a:rPr lang="en-US" smtClean="0"/>
-              <a:t>11/9/15</a:t>
+              <a:t>11/10/15</a:t>
             </a:fld>
             <a:endParaRPr lang="en-US"/>
           </a:p>
@@ -3915,7 +3916,7 @@
           <a:p>
             <a:fld id="{E306D676-E6CE-49ED-B2E4-C47FD7365D30}" type="datetimeFigureOut">
               <a:rPr lang="en-US" smtClean="0"/>
-              <a:t>11/9/15</a:t>
+              <a:t>11/10/15</a:t>
             </a:fld>
             <a:endParaRPr lang="en-US"/>
           </a:p>
@@ -4634,7 +4635,7 @@
             <a:fld id="{E306D676-E6CE-49ED-B2E4-C47FD7365D30}" type="datetimeFigureOut">
               <a:rPr lang="en-US" smtClean="0"/>
               <a:pPr/>
-              <a:t>11/9/15</a:t>
+              <a:t>11/10/15</a:t>
             </a:fld>
             <a:endParaRPr lang="en-US"/>
           </a:p>
@@ -9807,15 +9808,67 @@
           <a:lstStyle/>
           <a:p>
             <a:r>
-              <a:rPr lang="en-US" sz="2800"/>
-              <a:t>Dùng Yeoman để tạo mẫu Arrowjs CMS được không?</a:t>
-            </a:r>
-          </a:p>
-        </p:txBody>
-      </p:sp>
-      <p:sp>
-        <p:nvSpPr>
-          <p:cNvPr id="4" name="Content Placeholder 3"/>
+              <a:rPr lang="en-US" sz="2800" dirty="0" err="1"/>
+              <a:t>Dùng</a:t>
+            </a:r>
+            <a:r>
+              <a:rPr lang="en-US" sz="2800" dirty="0"/>
+              <a:t> Yeoman </a:t>
+            </a:r>
+            <a:r>
+              <a:rPr lang="en-US" sz="2800" dirty="0" err="1"/>
+              <a:t>để</a:t>
+            </a:r>
+            <a:r>
+              <a:rPr lang="en-US" sz="2800" dirty="0"/>
+              <a:t> </a:t>
+            </a:r>
+            <a:r>
+              <a:rPr lang="en-US" sz="2800" dirty="0" err="1"/>
+              <a:t>tạo</a:t>
+            </a:r>
+            <a:r>
+              <a:rPr lang="en-US" sz="2800" dirty="0"/>
+              <a:t> </a:t>
+            </a:r>
+            <a:r>
+              <a:rPr lang="en-US" sz="2800" dirty="0" err="1"/>
+              <a:t>mẫu</a:t>
+            </a:r>
+            <a:r>
+              <a:rPr lang="en-US" sz="2800" dirty="0"/>
+              <a:t> </a:t>
+            </a:r>
+            <a:r>
+              <a:rPr lang="en-US" sz="2800" dirty="0" err="1"/>
+              <a:t>Arrowjs</a:t>
+            </a:r>
+            <a:r>
+              <a:rPr lang="en-US" sz="2800" dirty="0"/>
+              <a:t> CMS </a:t>
+            </a:r>
+            <a:r>
+              <a:rPr lang="en-US" sz="2800" dirty="0" err="1"/>
+              <a:t>được</a:t>
+            </a:r>
+            <a:r>
+              <a:rPr lang="en-US" sz="2800" dirty="0"/>
+              <a:t> </a:t>
+            </a:r>
+            <a:r>
+              <a:rPr lang="en-US" sz="2800" dirty="0" err="1"/>
+              <a:t>không</a:t>
+            </a:r>
+            <a:r>
+              <a:rPr lang="en-US" sz="2800" dirty="0"/>
+              <a:t>?</a:t>
+            </a:r>
+          </a:p>
+        </p:txBody>
+      </p:sp>
+      <p:sp>
+        <p:nvSpPr>
+          <p:cNvPr id="3" name="Content Placeholder 2"/>
           <p:cNvSpPr>
             <a:spLocks noGrp="1"/>
           </p:cNvSpPr>
@@ -9828,7 +9881,7 @@
           <a:bodyPr/>
           <a:lstStyle/>
           <a:p>
-            <a:endParaRPr lang="en-US"/>
+            <a:endParaRPr lang="en-US" dirty="0"/>
           </a:p>
         </p:txBody>
       </p:sp>
@@ -9836,6 +9889,881 @@
     <p:extLst>
       <p:ext uri="{BB962C8B-B14F-4D97-AF65-F5344CB8AC3E}">
         <p14:creationId xmlns:p14="http://schemas.microsoft.com/office/powerpoint/2010/main" val="3163396212"/>
+      </p:ext>
+    </p:extLst>
+  </p:cSld>
+  <p:clrMapOvr>
+    <a:masterClrMapping/>
+  </p:clrMapOvr>
+</p:sld>
+</file>
+
+<file path=ppt/slides/slide24.xml><?xml version="1.0" encoding="utf-8"?>
+<p:sld xmlns:a="http://schemas.openxmlformats.org/drawingml/2006/main" xmlns:r="http://schemas.openxmlformats.org/officeDocument/2006/relationships" xmlns:p="http://schemas.openxmlformats.org/presentationml/2006/main">
+  <p:cSld>
+    <p:spTree>
+      <p:nvGrpSpPr>
+        <p:cNvPr id="1" name=""/>
+        <p:cNvGrpSpPr/>
+        <p:nvPr/>
+      </p:nvGrpSpPr>
+      <p:grpSpPr>
+        <a:xfrm>
+          <a:off x="0" y="0"/>
+          <a:ext cx="0" cy="0"/>
+          <a:chOff x="0" y="0"/>
+          <a:chExt cx="0" cy="0"/>
+        </a:xfrm>
+      </p:grpSpPr>
+      <p:sp>
+        <p:nvSpPr>
+          <p:cNvPr id="2" name="Title 1"/>
+          <p:cNvSpPr>
+            <a:spLocks noGrp="1"/>
+          </p:cNvSpPr>
+          <p:nvPr>
+            <p:ph type="title"/>
+          </p:nvPr>
+        </p:nvSpPr>
+        <p:spPr/>
+        <p:txBody>
+          <a:bodyPr>
+            <a:normAutofit fontScale="90000"/>
+          </a:bodyPr>
+          <a:lstStyle/>
+          <a:p>
+            <a:r>
+              <a:rPr lang="en-US" dirty="0" err="1" smtClean="0"/>
+              <a:t>Cấu</a:t>
+            </a:r>
+            <a:r>
+              <a:rPr lang="en-US" dirty="0" smtClean="0"/>
+              <a:t> </a:t>
+            </a:r>
+            <a:r>
+              <a:rPr lang="en-US" dirty="0" err="1" smtClean="0"/>
+              <a:t>trúc</a:t>
+            </a:r>
+            <a:r>
+              <a:rPr lang="en-US" dirty="0"/>
+              <a:t> </a:t>
+            </a:r>
+            <a:r>
+              <a:rPr lang="en-US" dirty="0" smtClean="0"/>
+              <a:t>route </a:t>
+            </a:r>
+            <a:r>
+              <a:rPr lang="en-US" dirty="0" err="1" smtClean="0"/>
+              <a:t>trong</a:t>
+            </a:r>
+            <a:r>
+              <a:rPr lang="en-US" dirty="0" smtClean="0"/>
+              <a:t> </a:t>
+            </a:r>
+            <a:r>
+              <a:rPr lang="en-US" dirty="0" err="1" smtClean="0"/>
+              <a:t>Arrowjs</a:t>
+            </a:r>
+            <a:r>
+              <a:rPr lang="en-US" dirty="0" smtClean="0"/>
+              <a:t>	</a:t>
+            </a:r>
+            <a:endParaRPr lang="en-US" dirty="0"/>
+          </a:p>
+        </p:txBody>
+      </p:sp>
+      <p:sp>
+        <p:nvSpPr>
+          <p:cNvPr id="3" name="Content Placeholder 2"/>
+          <p:cNvSpPr>
+            <a:spLocks noGrp="1"/>
+          </p:cNvSpPr>
+          <p:nvPr>
+            <p:ph idx="1"/>
+          </p:nvPr>
+        </p:nvSpPr>
+        <p:spPr/>
+        <p:txBody>
+          <a:bodyPr>
+            <a:noAutofit/>
+          </a:bodyPr>
+          <a:lstStyle/>
+          <a:p>
+            <a:pPr marL="0" indent="0">
+              <a:buNone/>
+            </a:pPr>
+            <a:r>
+              <a:rPr lang="en-US" sz="1400" dirty="0">
+                <a:solidFill>
+                  <a:schemeClr val="accent3"/>
+                </a:solidFill>
+                <a:latin typeface="Andale Mono"/>
+                <a:cs typeface="Andale Mono"/>
+              </a:rPr>
+              <a:t>"/" </a:t>
+            </a:r>
+            <a:r>
+              <a:rPr lang="en-US" sz="1400" dirty="0">
+                <a:latin typeface="Andale Mono"/>
+                <a:cs typeface="Andale Mono"/>
+              </a:rPr>
+              <a:t>: </a:t>
+            </a:r>
+            <a:r>
+              <a:rPr lang="en-US" sz="1400" dirty="0" smtClean="0">
+                <a:latin typeface="Andale Mono"/>
+                <a:cs typeface="Andale Mono"/>
+              </a:rPr>
+              <a:t>{ </a:t>
+            </a:r>
+            <a:r>
+              <a:rPr lang="en-US" sz="1400" dirty="0" smtClean="0">
+                <a:solidFill>
+                  <a:schemeClr val="bg1">
+                    <a:lumMod val="75000"/>
+                  </a:schemeClr>
+                </a:solidFill>
+                <a:latin typeface="Andale Mono"/>
+                <a:cs typeface="Andale Mono"/>
+              </a:rPr>
+              <a:t>/</a:t>
+            </a:r>
+            <a:r>
+              <a:rPr lang="en-US" sz="1400" dirty="0">
+                <a:solidFill>
+                  <a:schemeClr val="bg1">
+                    <a:lumMod val="75000"/>
+                  </a:schemeClr>
+                </a:solidFill>
+                <a:latin typeface="Andale Mono"/>
+                <a:cs typeface="Andale Mono"/>
+              </a:rPr>
+              <a:t>/Route path</a:t>
+            </a:r>
+            <a:br>
+              <a:rPr lang="en-US" sz="1400" dirty="0">
+                <a:solidFill>
+                  <a:schemeClr val="bg1">
+                    <a:lumMod val="75000"/>
+                  </a:schemeClr>
+                </a:solidFill>
+                <a:latin typeface="Andale Mono"/>
+                <a:cs typeface="Andale Mono"/>
+              </a:rPr>
+            </a:br>
+            <a:r>
+              <a:rPr lang="en-US" sz="1400" dirty="0">
+                <a:latin typeface="Andale Mono"/>
+                <a:cs typeface="Andale Mono"/>
+              </a:rPr>
+              <a:t>    </a:t>
+            </a:r>
+            <a:r>
+              <a:rPr lang="en-US" sz="1400" b="1" dirty="0">
+                <a:solidFill>
+                  <a:srgbClr val="9BBB59"/>
+                </a:solidFill>
+                <a:latin typeface="Andale Mono"/>
+                <a:cs typeface="Andale Mono"/>
+              </a:rPr>
+              <a:t>get</a:t>
+            </a:r>
+            <a:r>
+              <a:rPr lang="en-US" sz="1400" b="1" dirty="0">
+                <a:latin typeface="Andale Mono"/>
+                <a:cs typeface="Andale Mono"/>
+              </a:rPr>
+              <a:t> </a:t>
+            </a:r>
+            <a:r>
+              <a:rPr lang="en-US" sz="1400" dirty="0">
+                <a:latin typeface="Andale Mono"/>
+                <a:cs typeface="Andale Mono"/>
+              </a:rPr>
+              <a:t>: { </a:t>
+            </a:r>
+            <a:r>
+              <a:rPr lang="en-US" sz="1400" dirty="0">
+                <a:solidFill>
+                  <a:srgbClr val="BFBFBF"/>
+                </a:solidFill>
+                <a:latin typeface="Andale Mono"/>
+                <a:cs typeface="Andale Mono"/>
+              </a:rPr>
+              <a:t>//Http methods , </a:t>
+            </a:r>
+            <a:r>
+              <a:rPr lang="en-US" sz="1400" dirty="0" err="1">
+                <a:solidFill>
+                  <a:srgbClr val="BFBFBF"/>
+                </a:solidFill>
+                <a:latin typeface="Andale Mono"/>
+                <a:cs typeface="Andale Mono"/>
+              </a:rPr>
+              <a:t>params</a:t>
+            </a:r>
+            <a:r>
+              <a:rPr lang="en-US" sz="1400" dirty="0">
+                <a:solidFill>
+                  <a:srgbClr val="BFBFBF"/>
+                </a:solidFill>
+                <a:latin typeface="Andale Mono"/>
+                <a:cs typeface="Andale Mono"/>
+              </a:rPr>
+              <a:t/>
+            </a:r>
+            <a:br>
+              <a:rPr lang="en-US" sz="1400" dirty="0">
+                <a:solidFill>
+                  <a:srgbClr val="BFBFBF"/>
+                </a:solidFill>
+                <a:latin typeface="Andale Mono"/>
+                <a:cs typeface="Andale Mono"/>
+              </a:rPr>
+            </a:br>
+            <a:r>
+              <a:rPr lang="en-US" sz="1400" dirty="0">
+                <a:latin typeface="Andale Mono"/>
+                <a:cs typeface="Andale Mono"/>
+              </a:rPr>
+              <a:t>        </a:t>
+            </a:r>
+            <a:r>
+              <a:rPr lang="en-US" sz="1400" dirty="0">
+                <a:solidFill>
+                  <a:srgbClr val="9BBB59"/>
+                </a:solidFill>
+                <a:latin typeface="Andale Mono"/>
+                <a:cs typeface="Andale Mono"/>
+              </a:rPr>
+              <a:t>handler</a:t>
+            </a:r>
+            <a:r>
+              <a:rPr lang="en-US" sz="1400" dirty="0">
+                <a:latin typeface="Andale Mono"/>
+                <a:cs typeface="Andale Mono"/>
+              </a:rPr>
+              <a:t> </a:t>
+            </a:r>
+            <a:r>
+              <a:rPr lang="en-US" sz="1400" dirty="0">
+                <a:latin typeface="Andale Mono"/>
+                <a:cs typeface="Andale Mono"/>
+              </a:rPr>
+              <a:t>: </a:t>
+            </a:r>
+            <a:r>
+              <a:rPr lang="en-US" sz="1400" dirty="0" err="1" smtClean="0">
+                <a:solidFill>
+                  <a:srgbClr val="FFFF00"/>
+                </a:solidFill>
+                <a:latin typeface="Andale Mono"/>
+                <a:cs typeface="Andale Mono"/>
+              </a:rPr>
+              <a:t>component.controllers.</a:t>
+            </a:r>
+            <a:r>
+              <a:rPr lang="en-US" sz="1400" i="1" dirty="0" err="1" smtClean="0">
+                <a:solidFill>
+                  <a:srgbClr val="FFFF00"/>
+                </a:solidFill>
+                <a:latin typeface="Andale Mono"/>
+                <a:cs typeface="Andale Mono"/>
+              </a:rPr>
+              <a:t>get</a:t>
+            </a:r>
+            <a:r>
+              <a:rPr lang="en-US" sz="1400" dirty="0" smtClean="0">
+                <a:latin typeface="Andale Mono"/>
+                <a:cs typeface="Andale Mono"/>
+              </a:rPr>
+              <a:t>,  </a:t>
+            </a:r>
+          </a:p>
+          <a:p>
+            <a:pPr marL="0" indent="0">
+              <a:buNone/>
+            </a:pPr>
+            <a:r>
+              <a:rPr lang="en-US" sz="1400" dirty="0" smtClean="0">
+                <a:solidFill>
+                  <a:srgbClr val="BFBFBF"/>
+                </a:solidFill>
+                <a:latin typeface="Andale Mono"/>
+                <a:cs typeface="Andale Mono"/>
+              </a:rPr>
+              <a:t>	//function , array[function] </a:t>
+            </a:r>
+            <a:br>
+              <a:rPr lang="en-US" sz="1400" dirty="0" smtClean="0">
+                <a:solidFill>
+                  <a:srgbClr val="BFBFBF"/>
+                </a:solidFill>
+                <a:latin typeface="Andale Mono"/>
+                <a:cs typeface="Andale Mono"/>
+              </a:rPr>
+            </a:br>
+            <a:r>
+              <a:rPr lang="en-US" sz="1400" dirty="0" smtClean="0">
+                <a:latin typeface="Andale Mono"/>
+                <a:cs typeface="Andale Mono"/>
+              </a:rPr>
+              <a:t>        </a:t>
+            </a:r>
+            <a:r>
+              <a:rPr lang="en-US" sz="1400" dirty="0" smtClean="0">
+                <a:solidFill>
+                  <a:srgbClr val="9BBB59"/>
+                </a:solidFill>
+                <a:latin typeface="Andale Mono"/>
+                <a:cs typeface="Andale Mono"/>
+              </a:rPr>
+              <a:t>name</a:t>
+            </a:r>
+            <a:r>
+              <a:rPr lang="en-US" sz="1400" dirty="0" smtClean="0">
+                <a:latin typeface="Andale Mono"/>
+                <a:cs typeface="Andale Mono"/>
+              </a:rPr>
+              <a:t> : </a:t>
+            </a:r>
+            <a:r>
+              <a:rPr lang="en-US" sz="1400" dirty="0" smtClean="0">
+                <a:solidFill>
+                  <a:srgbClr val="FFFF00"/>
+                </a:solidFill>
+                <a:latin typeface="Andale Mono"/>
+                <a:cs typeface="Andale Mono"/>
+              </a:rPr>
+              <a:t>"login-route"</a:t>
+            </a:r>
+            <a:r>
+              <a:rPr lang="en-US" sz="1400" dirty="0" smtClean="0">
+                <a:solidFill>
+                  <a:srgbClr val="BFBFBF"/>
+                </a:solidFill>
+                <a:latin typeface="Andale Mono"/>
+                <a:cs typeface="Andale Mono"/>
+              </a:rPr>
+              <a:t>, //unique string, name route.</a:t>
+            </a:r>
+            <a:br>
+              <a:rPr lang="en-US" sz="1400" dirty="0" smtClean="0">
+                <a:solidFill>
+                  <a:srgbClr val="BFBFBF"/>
+                </a:solidFill>
+                <a:latin typeface="Andale Mono"/>
+                <a:cs typeface="Andale Mono"/>
+              </a:rPr>
+            </a:br>
+            <a:r>
+              <a:rPr lang="en-US" sz="1400" dirty="0" smtClean="0">
+                <a:latin typeface="Andale Mono"/>
+                <a:cs typeface="Andale Mono"/>
+              </a:rPr>
+              <a:t>      </a:t>
+            </a:r>
+            <a:r>
+              <a:rPr lang="en-US" sz="1400" dirty="0" smtClean="0">
+                <a:solidFill>
+                  <a:srgbClr val="9BBB59"/>
+                </a:solidFill>
+                <a:latin typeface="Andale Mono"/>
+                <a:cs typeface="Andale Mono"/>
+              </a:rPr>
+              <a:t>  authenticate </a:t>
+            </a:r>
+            <a:r>
+              <a:rPr lang="en-US" sz="1400" dirty="0" smtClean="0">
+                <a:latin typeface="Andale Mono"/>
+                <a:cs typeface="Andale Mono"/>
+              </a:rPr>
+              <a:t>:</a:t>
+            </a:r>
+            <a:r>
+              <a:rPr lang="en-US" sz="1400" dirty="0" smtClean="0">
+                <a:solidFill>
+                  <a:srgbClr val="FFFF00"/>
+                </a:solidFill>
+                <a:latin typeface="Andale Mono"/>
+                <a:cs typeface="Andale Mono"/>
+              </a:rPr>
+              <a:t> </a:t>
+            </a:r>
+            <a:r>
+              <a:rPr lang="en-US" sz="1400" b="1" dirty="0" smtClean="0">
+                <a:solidFill>
+                  <a:srgbClr val="FFFF00"/>
+                </a:solidFill>
+                <a:latin typeface="Andale Mono"/>
+                <a:cs typeface="Andale Mono"/>
+              </a:rPr>
+              <a:t>true</a:t>
+            </a:r>
+            <a:r>
+              <a:rPr lang="en-US" sz="1400" dirty="0" smtClean="0">
+                <a:latin typeface="Andale Mono"/>
+                <a:cs typeface="Andale Mono"/>
+              </a:rPr>
+              <a:t>,</a:t>
+            </a:r>
+            <a:r>
+              <a:rPr lang="en-US" sz="1400" dirty="0" smtClean="0">
+                <a:solidFill>
+                  <a:srgbClr val="BFBFBF"/>
+                </a:solidFill>
+                <a:latin typeface="Andale Mono"/>
+                <a:cs typeface="Andale Mono"/>
+              </a:rPr>
+              <a:t> //</a:t>
+            </a:r>
+            <a:r>
+              <a:rPr lang="en-US" sz="1400" dirty="0" err="1" smtClean="0">
+                <a:solidFill>
+                  <a:srgbClr val="BFBFBF"/>
+                </a:solidFill>
+                <a:latin typeface="Andale Mono"/>
+                <a:cs typeface="Andale Mono"/>
+              </a:rPr>
+              <a:t>boolean</a:t>
+            </a:r>
+            <a:r>
+              <a:rPr lang="en-US" sz="1400" dirty="0" smtClean="0">
+                <a:solidFill>
+                  <a:srgbClr val="BFBFBF"/>
+                </a:solidFill>
+                <a:latin typeface="Andale Mono"/>
+                <a:cs typeface="Andale Mono"/>
+              </a:rPr>
+              <a:t>, true false.</a:t>
+            </a:r>
+            <a:br>
+              <a:rPr lang="en-US" sz="1400" dirty="0" smtClean="0">
+                <a:solidFill>
+                  <a:srgbClr val="BFBFBF"/>
+                </a:solidFill>
+                <a:latin typeface="Andale Mono"/>
+                <a:cs typeface="Andale Mono"/>
+              </a:rPr>
+            </a:br>
+            <a:r>
+              <a:rPr lang="en-US" sz="1400" dirty="0" smtClean="0">
+                <a:latin typeface="Andale Mono"/>
+                <a:cs typeface="Andale Mono"/>
+              </a:rPr>
+              <a:t>       </a:t>
+            </a:r>
+            <a:r>
+              <a:rPr lang="en-US" sz="1400" dirty="0" smtClean="0">
+                <a:solidFill>
+                  <a:srgbClr val="9BBB59"/>
+                </a:solidFill>
+                <a:latin typeface="Andale Mono"/>
+                <a:cs typeface="Andale Mono"/>
+              </a:rPr>
+              <a:t> role </a:t>
+            </a:r>
+            <a:r>
+              <a:rPr lang="en-US" sz="1400" dirty="0" smtClean="0">
+                <a:latin typeface="Andale Mono"/>
+                <a:cs typeface="Andale Mono"/>
+              </a:rPr>
+              <a:t>:  </a:t>
+            </a:r>
+            <a:r>
+              <a:rPr lang="en-US" sz="1400" dirty="0" smtClean="0">
+                <a:solidFill>
+                  <a:srgbClr val="FFFF00"/>
+                </a:solidFill>
+                <a:latin typeface="Andale Mono"/>
+                <a:cs typeface="Andale Mono"/>
+              </a:rPr>
+              <a:t>"render-view"</a:t>
+            </a:r>
+            <a:r>
+              <a:rPr lang="en-US" sz="1400" dirty="0" smtClean="0">
+                <a:latin typeface="Andale Mono"/>
+                <a:cs typeface="Andale Mono"/>
+              </a:rPr>
+              <a:t>, </a:t>
+            </a:r>
+            <a:r>
+              <a:rPr lang="en-US" sz="1400" dirty="0" smtClean="0">
+                <a:solidFill>
+                  <a:srgbClr val="BFBFBF"/>
+                </a:solidFill>
+                <a:latin typeface="Andale Mono"/>
+                <a:cs typeface="Andale Mono"/>
+              </a:rPr>
+              <a:t>//string, array string multi role.</a:t>
+            </a:r>
+            <a:br>
+              <a:rPr lang="en-US" sz="1400" dirty="0" smtClean="0">
+                <a:solidFill>
+                  <a:srgbClr val="BFBFBF"/>
+                </a:solidFill>
+                <a:latin typeface="Andale Mono"/>
+                <a:cs typeface="Andale Mono"/>
+              </a:rPr>
+            </a:br>
+            <a:r>
+              <a:rPr lang="en-US" sz="1400" dirty="0" smtClean="0">
+                <a:latin typeface="Andale Mono"/>
+                <a:cs typeface="Andale Mono"/>
+              </a:rPr>
+              <a:t>        </a:t>
+            </a:r>
+            <a:r>
+              <a:rPr lang="en-US" sz="1400" dirty="0" smtClean="0">
+                <a:solidFill>
+                  <a:srgbClr val="9BBB59"/>
+                </a:solidFill>
+                <a:latin typeface="Andale Mono"/>
+                <a:cs typeface="Andale Mono"/>
+              </a:rPr>
+              <a:t>validate</a:t>
+            </a:r>
+            <a:r>
+              <a:rPr lang="en-US" sz="1400" dirty="0" smtClean="0">
+                <a:latin typeface="Andale Mono"/>
+                <a:cs typeface="Andale Mono"/>
+              </a:rPr>
+              <a:t> : {  </a:t>
+            </a:r>
+            <a:r>
+              <a:rPr lang="en-US" sz="1400" dirty="0" smtClean="0">
+                <a:solidFill>
+                  <a:srgbClr val="BFBFBF"/>
+                </a:solidFill>
+                <a:latin typeface="Andale Mono"/>
+                <a:cs typeface="Andale Mono"/>
+              </a:rPr>
+              <a:t>//validate input.</a:t>
+            </a:r>
+            <a:br>
+              <a:rPr lang="en-US" sz="1400" dirty="0" smtClean="0">
+                <a:solidFill>
+                  <a:srgbClr val="BFBFBF"/>
+                </a:solidFill>
+                <a:latin typeface="Andale Mono"/>
+                <a:cs typeface="Andale Mono"/>
+              </a:rPr>
+            </a:br>
+            <a:r>
+              <a:rPr lang="en-US" sz="1400" dirty="0" smtClean="0">
+                <a:latin typeface="Andale Mono"/>
+                <a:cs typeface="Andale Mono"/>
+              </a:rPr>
+              <a:t>           </a:t>
+            </a:r>
+            <a:r>
+              <a:rPr lang="en-US" sz="1400" dirty="0" smtClean="0">
+                <a:solidFill>
+                  <a:srgbClr val="9BBB59"/>
+                </a:solidFill>
+                <a:latin typeface="Andale Mono"/>
+                <a:cs typeface="Andale Mono"/>
+              </a:rPr>
+              <a:t> body </a:t>
+            </a:r>
+            <a:r>
+              <a:rPr lang="en-US" sz="1400" dirty="0" smtClean="0">
+                <a:latin typeface="Andale Mono"/>
+                <a:cs typeface="Andale Mono"/>
+              </a:rPr>
+              <a:t>: {  </a:t>
+            </a:r>
+            <a:r>
+              <a:rPr lang="en-US" sz="1400" dirty="0" smtClean="0">
+                <a:solidFill>
+                  <a:srgbClr val="BFBFBF"/>
+                </a:solidFill>
+                <a:latin typeface="Andale Mono"/>
+                <a:cs typeface="Andale Mono"/>
+              </a:rPr>
+              <a:t>//</a:t>
+            </a:r>
+            <a:r>
+              <a:rPr lang="en-US" sz="1400" dirty="0" err="1" smtClean="0">
+                <a:solidFill>
+                  <a:srgbClr val="BFBFBF"/>
+                </a:solidFill>
+                <a:latin typeface="Andale Mono"/>
+                <a:cs typeface="Andale Mono"/>
+              </a:rPr>
+              <a:t>req.body</a:t>
+            </a:r>
+            <a:r>
+              <a:rPr lang="en-US" sz="1400" dirty="0" smtClean="0">
+                <a:solidFill>
+                  <a:srgbClr val="BFBFBF"/>
+                </a:solidFill>
+                <a:latin typeface="Andale Mono"/>
+                <a:cs typeface="Andale Mono"/>
+              </a:rPr>
+              <a:t/>
+            </a:r>
+            <a:br>
+              <a:rPr lang="en-US" sz="1400" dirty="0" smtClean="0">
+                <a:solidFill>
+                  <a:srgbClr val="BFBFBF"/>
+                </a:solidFill>
+                <a:latin typeface="Andale Mono"/>
+                <a:cs typeface="Andale Mono"/>
+              </a:rPr>
+            </a:br>
+            <a:r>
+              <a:rPr lang="en-US" sz="1400" dirty="0" smtClean="0">
+                <a:latin typeface="Andale Mono"/>
+                <a:cs typeface="Andale Mono"/>
+              </a:rPr>
+              <a:t>                </a:t>
+            </a:r>
+            <a:r>
+              <a:rPr lang="en-US" sz="1400" dirty="0" smtClean="0">
+                <a:solidFill>
+                  <a:srgbClr val="9BBB59"/>
+                </a:solidFill>
+                <a:latin typeface="Andale Mono"/>
+                <a:cs typeface="Andale Mono"/>
+              </a:rPr>
+              <a:t>email</a:t>
+            </a:r>
+            <a:r>
+              <a:rPr lang="en-US" sz="1400" dirty="0" smtClean="0">
+                <a:latin typeface="Andale Mono"/>
+                <a:cs typeface="Andale Mono"/>
+              </a:rPr>
+              <a:t> </a:t>
+            </a:r>
+            <a:r>
+              <a:rPr lang="en-US" sz="1400" dirty="0" smtClean="0">
+                <a:solidFill>
+                  <a:srgbClr val="FFFF00"/>
+                </a:solidFill>
+                <a:latin typeface="Andale Mono"/>
+                <a:cs typeface="Andale Mono"/>
+              </a:rPr>
+              <a:t>: </a:t>
+            </a:r>
+            <a:r>
+              <a:rPr lang="en-US" sz="1400" dirty="0" err="1" smtClean="0">
+                <a:solidFill>
+                  <a:srgbClr val="FFFF00"/>
+                </a:solidFill>
+                <a:latin typeface="Andale Mono"/>
+                <a:cs typeface="Andale Mono"/>
+              </a:rPr>
+              <a:t>application.validation.isEmail</a:t>
+            </a:r>
+            <a:r>
+              <a:rPr lang="en-US" sz="1400" dirty="0" smtClean="0">
+                <a:solidFill>
+                  <a:srgbClr val="FFFF00"/>
+                </a:solidFill>
+                <a:latin typeface="Andale Mono"/>
+                <a:cs typeface="Andale Mono"/>
+              </a:rPr>
+              <a:t>()</a:t>
+            </a:r>
+            <a:br>
+              <a:rPr lang="en-US" sz="1400" dirty="0" smtClean="0">
+                <a:solidFill>
+                  <a:srgbClr val="FFFF00"/>
+                </a:solidFill>
+                <a:latin typeface="Andale Mono"/>
+                <a:cs typeface="Andale Mono"/>
+              </a:rPr>
+            </a:br>
+            <a:r>
+              <a:rPr lang="en-US" sz="1400" dirty="0" smtClean="0">
+                <a:latin typeface="Andale Mono"/>
+                <a:cs typeface="Andale Mono"/>
+              </a:rPr>
+              <a:t>            },</a:t>
+            </a:r>
+            <a:br>
+              <a:rPr lang="en-US" sz="1400" dirty="0" smtClean="0">
+                <a:latin typeface="Andale Mono"/>
+                <a:cs typeface="Andale Mono"/>
+              </a:rPr>
+            </a:br>
+            <a:r>
+              <a:rPr lang="en-US" sz="1400" dirty="0" smtClean="0">
+                <a:latin typeface="Andale Mono"/>
+                <a:cs typeface="Andale Mono"/>
+              </a:rPr>
+              <a:t>            </a:t>
+            </a:r>
+            <a:r>
+              <a:rPr lang="en-US" sz="1400" dirty="0" smtClean="0">
+                <a:solidFill>
+                  <a:srgbClr val="9BBB59"/>
+                </a:solidFill>
+                <a:latin typeface="Andale Mono"/>
+                <a:cs typeface="Andale Mono"/>
+              </a:rPr>
+              <a:t>query</a:t>
+            </a:r>
+            <a:r>
+              <a:rPr lang="en-US" sz="1400" dirty="0" smtClean="0">
+                <a:latin typeface="Andale Mono"/>
+                <a:cs typeface="Andale Mono"/>
+              </a:rPr>
+              <a:t> : { </a:t>
+            </a:r>
+            <a:r>
+              <a:rPr lang="en-US" sz="1400" dirty="0" smtClean="0">
+                <a:solidFill>
+                  <a:srgbClr val="BFBFBF"/>
+                </a:solidFill>
+                <a:latin typeface="Andale Mono"/>
+                <a:cs typeface="Andale Mono"/>
+              </a:rPr>
+              <a:t>//</a:t>
+            </a:r>
+            <a:r>
+              <a:rPr lang="en-US" sz="1400" dirty="0" err="1" smtClean="0">
+                <a:solidFill>
+                  <a:srgbClr val="BFBFBF"/>
+                </a:solidFill>
+                <a:latin typeface="Andale Mono"/>
+                <a:cs typeface="Andale Mono"/>
+              </a:rPr>
+              <a:t>req.query</a:t>
+            </a:r>
+            <a:r>
+              <a:rPr lang="en-US" sz="1400" dirty="0" smtClean="0">
+                <a:solidFill>
+                  <a:srgbClr val="BFBFBF"/>
+                </a:solidFill>
+                <a:latin typeface="Andale Mono"/>
+                <a:cs typeface="Andale Mono"/>
+              </a:rPr>
+              <a:t/>
+            </a:r>
+            <a:br>
+              <a:rPr lang="en-US" sz="1400" dirty="0" smtClean="0">
+                <a:solidFill>
+                  <a:srgbClr val="BFBFBF"/>
+                </a:solidFill>
+                <a:latin typeface="Andale Mono"/>
+                <a:cs typeface="Andale Mono"/>
+              </a:rPr>
+            </a:br>
+            <a:r>
+              <a:rPr lang="en-US" sz="1400" dirty="0" smtClean="0">
+                <a:latin typeface="Andale Mono"/>
+                <a:cs typeface="Andale Mono"/>
+              </a:rPr>
+              <a:t>               </a:t>
+            </a:r>
+            <a:r>
+              <a:rPr lang="en-US" sz="1400" dirty="0" smtClean="0">
+                <a:solidFill>
+                  <a:srgbClr val="9BBB59"/>
+                </a:solidFill>
+                <a:latin typeface="Andale Mono"/>
+                <a:cs typeface="Andale Mono"/>
+              </a:rPr>
+              <a:t> theme </a:t>
+            </a:r>
+            <a:r>
+              <a:rPr lang="en-US" sz="1400" dirty="0" smtClean="0">
+                <a:solidFill>
+                  <a:srgbClr val="FFFF00"/>
+                </a:solidFill>
+                <a:latin typeface="Andale Mono"/>
+                <a:cs typeface="Andale Mono"/>
+              </a:rPr>
+              <a:t>: </a:t>
+            </a:r>
+            <a:r>
+              <a:rPr lang="en-US" sz="1400" dirty="0" err="1" smtClean="0">
+                <a:solidFill>
+                  <a:srgbClr val="FFFF00"/>
+                </a:solidFill>
+                <a:latin typeface="Andale Mono"/>
+                <a:cs typeface="Andale Mono"/>
+              </a:rPr>
+              <a:t>application.validation.isEmail</a:t>
+            </a:r>
+            <a:r>
+              <a:rPr lang="en-US" sz="1400" dirty="0" smtClean="0">
+                <a:solidFill>
+                  <a:srgbClr val="FFFF00"/>
+                </a:solidFill>
+                <a:latin typeface="Andale Mono"/>
+                <a:cs typeface="Andale Mono"/>
+              </a:rPr>
+              <a:t>()</a:t>
+            </a:r>
+            <a:br>
+              <a:rPr lang="en-US" sz="1400" dirty="0" smtClean="0">
+                <a:solidFill>
+                  <a:srgbClr val="FFFF00"/>
+                </a:solidFill>
+                <a:latin typeface="Andale Mono"/>
+                <a:cs typeface="Andale Mono"/>
+              </a:rPr>
+            </a:br>
+            <a:r>
+              <a:rPr lang="en-US" sz="1400" dirty="0" smtClean="0">
+                <a:latin typeface="Andale Mono"/>
+                <a:cs typeface="Andale Mono"/>
+              </a:rPr>
+              <a:t>            }</a:t>
+            </a:r>
+            <a:br>
+              <a:rPr lang="en-US" sz="1400" dirty="0" smtClean="0">
+                <a:latin typeface="Andale Mono"/>
+                <a:cs typeface="Andale Mono"/>
+              </a:rPr>
+            </a:br>
+            <a:r>
+              <a:rPr lang="en-US" sz="1400" dirty="0" smtClean="0">
+                <a:latin typeface="Andale Mono"/>
+                <a:cs typeface="Andale Mono"/>
+              </a:rPr>
+              <a:t>        }</a:t>
+            </a:r>
+            <a:br>
+              <a:rPr lang="en-US" sz="1400" dirty="0" smtClean="0">
+                <a:latin typeface="Andale Mono"/>
+                <a:cs typeface="Andale Mono"/>
+              </a:rPr>
+            </a:br>
+            <a:r>
+              <a:rPr lang="en-US" sz="1400" dirty="0" smtClean="0">
+                <a:latin typeface="Andale Mono"/>
+                <a:cs typeface="Andale Mono"/>
+              </a:rPr>
+              <a:t>    }</a:t>
+            </a:r>
+            <a:br>
+              <a:rPr lang="en-US" sz="1400" dirty="0" smtClean="0">
+                <a:latin typeface="Andale Mono"/>
+                <a:cs typeface="Andale Mono"/>
+              </a:rPr>
+            </a:br>
+            <a:r>
+              <a:rPr lang="en-US" sz="1400" dirty="0" smtClean="0">
+                <a:latin typeface="Andale Mono"/>
+                <a:cs typeface="Andale Mono"/>
+              </a:rPr>
+              <a:t>}</a:t>
+            </a:r>
+            <a:endParaRPr lang="en-US" sz="1400" dirty="0">
+              <a:latin typeface="Andale Mono"/>
+              <a:cs typeface="Andale Mono"/>
+            </a:endParaRPr>
+          </a:p>
+        </p:txBody>
+      </p:sp>
+    </p:spTree>
+    <p:extLst>
+      <p:ext uri="{BB962C8B-B14F-4D97-AF65-F5344CB8AC3E}">
+        <p14:creationId xmlns:p14="http://schemas.microsoft.com/office/powerpoint/2010/main" val="3158926922"/>
       </p:ext>
     </p:extLst>
   </p:cSld>

--- a/ArrowjsBasic.pptx
+++ b/ArrowjsBasic.pptx
@@ -5,7 +5,7 @@
     <p:sldMasterId id="2147483648" r:id="rId1"/>
   </p:sldMasterIdLst>
   <p:notesMasterIdLst>
-    <p:notesMasterId r:id="rId26"/>
+    <p:notesMasterId r:id="rId28"/>
   </p:notesMasterIdLst>
   <p:sldIdLst>
     <p:sldId id="306" r:id="rId2"/>
@@ -32,6 +32,8 @@
     <p:sldId id="319" r:id="rId23"/>
     <p:sldId id="320" r:id="rId24"/>
     <p:sldId id="325" r:id="rId25"/>
+    <p:sldId id="326" r:id="rId26"/>
+    <p:sldId id="327" r:id="rId27"/>
   </p:sldIdLst>
   <p:sldSz cx="9144000" cy="5143500" type="screen16x9"/>
   <p:notesSz cx="6858000" cy="9144000"/>
@@ -10143,14 +10145,7 @@
                 <a:latin typeface="Andale Mono"/>
                 <a:cs typeface="Andale Mono"/>
               </a:rPr>
-              <a:t> </a:t>
-            </a:r>
-            <a:r>
-              <a:rPr lang="en-US" sz="1400" dirty="0">
-                <a:latin typeface="Andale Mono"/>
-                <a:cs typeface="Andale Mono"/>
-              </a:rPr>
-              <a:t>: </a:t>
+              <a:t> : </a:t>
             </a:r>
             <a:r>
               <a:rPr lang="en-US" sz="1400" dirty="0" err="1" smtClean="0">
@@ -10764,6 +10759,831 @@
     <p:extLst>
       <p:ext uri="{BB962C8B-B14F-4D97-AF65-F5344CB8AC3E}">
         <p14:creationId xmlns:p14="http://schemas.microsoft.com/office/powerpoint/2010/main" val="3158926922"/>
+      </p:ext>
+    </p:extLst>
+  </p:cSld>
+  <p:clrMapOvr>
+    <a:masterClrMapping/>
+  </p:clrMapOvr>
+</p:sld>
+</file>
+
+<file path=ppt/slides/slide25.xml><?xml version="1.0" encoding="utf-8"?>
+<p:sld xmlns:a="http://schemas.openxmlformats.org/drawingml/2006/main" xmlns:r="http://schemas.openxmlformats.org/officeDocument/2006/relationships" xmlns:p="http://schemas.openxmlformats.org/presentationml/2006/main">
+  <p:cSld>
+    <p:spTree>
+      <p:nvGrpSpPr>
+        <p:cNvPr id="1" name=""/>
+        <p:cNvGrpSpPr/>
+        <p:nvPr/>
+      </p:nvGrpSpPr>
+      <p:grpSpPr>
+        <a:xfrm>
+          <a:off x="0" y="0"/>
+          <a:ext cx="0" cy="0"/>
+          <a:chOff x="0" y="0"/>
+          <a:chExt cx="0" cy="0"/>
+        </a:xfrm>
+      </p:grpSpPr>
+      <p:sp>
+        <p:nvSpPr>
+          <p:cNvPr id="2" name="Title 1"/>
+          <p:cNvSpPr>
+            <a:spLocks noGrp="1"/>
+          </p:cNvSpPr>
+          <p:nvPr>
+            <p:ph type="title"/>
+          </p:nvPr>
+        </p:nvSpPr>
+        <p:spPr/>
+        <p:txBody>
+          <a:bodyPr>
+            <a:normAutofit fontScale="90000"/>
+          </a:bodyPr>
+          <a:lstStyle/>
+          <a:p>
+            <a:r>
+              <a:rPr lang="en-US" dirty="0" err="1" smtClean="0"/>
+              <a:t>Cấu</a:t>
+            </a:r>
+            <a:r>
+              <a:rPr lang="en-US" dirty="0" smtClean="0"/>
+              <a:t> </a:t>
+            </a:r>
+            <a:r>
+              <a:rPr lang="en-US" dirty="0" err="1" smtClean="0"/>
+              <a:t>trúc</a:t>
+            </a:r>
+            <a:r>
+              <a:rPr lang="en-US" dirty="0"/>
+              <a:t> </a:t>
+            </a:r>
+            <a:r>
+              <a:rPr lang="en-US" dirty="0" smtClean="0"/>
+              <a:t>route </a:t>
+            </a:r>
+            <a:r>
+              <a:rPr lang="en-US" dirty="0" err="1" smtClean="0"/>
+              <a:t>trong</a:t>
+            </a:r>
+            <a:r>
+              <a:rPr lang="en-US" dirty="0" smtClean="0"/>
+              <a:t> </a:t>
+            </a:r>
+            <a:r>
+              <a:rPr lang="en-US" dirty="0" err="1" smtClean="0"/>
+              <a:t>Arrowjs</a:t>
+            </a:r>
+            <a:r>
+              <a:rPr lang="en-US" dirty="0" smtClean="0"/>
+              <a:t>	</a:t>
+            </a:r>
+            <a:endParaRPr lang="en-US" dirty="0"/>
+          </a:p>
+        </p:txBody>
+      </p:sp>
+      <p:sp>
+        <p:nvSpPr>
+          <p:cNvPr id="3" name="Content Placeholder 2"/>
+          <p:cNvSpPr>
+            <a:spLocks noGrp="1"/>
+          </p:cNvSpPr>
+          <p:nvPr>
+            <p:ph idx="1"/>
+          </p:nvPr>
+        </p:nvSpPr>
+        <p:spPr/>
+        <p:txBody>
+          <a:bodyPr>
+            <a:noAutofit/>
+          </a:bodyPr>
+          <a:lstStyle/>
+          <a:p>
+            <a:pPr marL="0" indent="0">
+              <a:buNone/>
+            </a:pPr>
+            <a:r>
+              <a:rPr lang="en-US" sz="1400" dirty="0">
+                <a:solidFill>
+                  <a:schemeClr val="accent3"/>
+                </a:solidFill>
+                <a:latin typeface="Andale Mono"/>
+                <a:cs typeface="Andale Mono"/>
+              </a:rPr>
+              <a:t>"/" </a:t>
+            </a:r>
+            <a:r>
+              <a:rPr lang="en-US" sz="1400" dirty="0">
+                <a:latin typeface="Andale Mono"/>
+                <a:cs typeface="Andale Mono"/>
+              </a:rPr>
+              <a:t>: </a:t>
+            </a:r>
+            <a:r>
+              <a:rPr lang="en-US" sz="1400" dirty="0" smtClean="0">
+                <a:latin typeface="Andale Mono"/>
+                <a:cs typeface="Andale Mono"/>
+              </a:rPr>
+              <a:t>{ </a:t>
+            </a:r>
+            <a:r>
+              <a:rPr lang="en-US" sz="1400" dirty="0" smtClean="0">
+                <a:solidFill>
+                  <a:schemeClr val="bg1">
+                    <a:lumMod val="75000"/>
+                  </a:schemeClr>
+                </a:solidFill>
+                <a:latin typeface="Andale Mono"/>
+                <a:cs typeface="Andale Mono"/>
+              </a:rPr>
+              <a:t>/</a:t>
+            </a:r>
+            <a:r>
+              <a:rPr lang="en-US" sz="1400" dirty="0">
+                <a:solidFill>
+                  <a:schemeClr val="bg1">
+                    <a:lumMod val="75000"/>
+                  </a:schemeClr>
+                </a:solidFill>
+                <a:latin typeface="Andale Mono"/>
+                <a:cs typeface="Andale Mono"/>
+              </a:rPr>
+              <a:t>/Route path</a:t>
+            </a:r>
+            <a:br>
+              <a:rPr lang="en-US" sz="1400" dirty="0">
+                <a:solidFill>
+                  <a:schemeClr val="bg1">
+                    <a:lumMod val="75000"/>
+                  </a:schemeClr>
+                </a:solidFill>
+                <a:latin typeface="Andale Mono"/>
+                <a:cs typeface="Andale Mono"/>
+              </a:rPr>
+            </a:br>
+            <a:r>
+              <a:rPr lang="en-US" sz="1400" dirty="0">
+                <a:latin typeface="Andale Mono"/>
+                <a:cs typeface="Andale Mono"/>
+              </a:rPr>
+              <a:t>    </a:t>
+            </a:r>
+            <a:r>
+              <a:rPr lang="en-US" sz="1400" b="1" dirty="0">
+                <a:solidFill>
+                  <a:srgbClr val="9BBB59"/>
+                </a:solidFill>
+                <a:latin typeface="Andale Mono"/>
+                <a:cs typeface="Andale Mono"/>
+              </a:rPr>
+              <a:t>get</a:t>
+            </a:r>
+            <a:r>
+              <a:rPr lang="en-US" sz="1400" b="1" dirty="0">
+                <a:latin typeface="Andale Mono"/>
+                <a:cs typeface="Andale Mono"/>
+              </a:rPr>
+              <a:t> </a:t>
+            </a:r>
+            <a:r>
+              <a:rPr lang="en-US" sz="1400" dirty="0">
+                <a:latin typeface="Andale Mono"/>
+                <a:cs typeface="Andale Mono"/>
+              </a:rPr>
+              <a:t>: { </a:t>
+            </a:r>
+            <a:r>
+              <a:rPr lang="en-US" sz="1400" dirty="0">
+                <a:solidFill>
+                  <a:srgbClr val="BFBFBF"/>
+                </a:solidFill>
+                <a:latin typeface="Andale Mono"/>
+                <a:cs typeface="Andale Mono"/>
+              </a:rPr>
+              <a:t>//Http methods , </a:t>
+            </a:r>
+            <a:r>
+              <a:rPr lang="en-US" sz="1400" dirty="0" err="1">
+                <a:solidFill>
+                  <a:srgbClr val="BFBFBF"/>
+                </a:solidFill>
+                <a:latin typeface="Andale Mono"/>
+                <a:cs typeface="Andale Mono"/>
+              </a:rPr>
+              <a:t>params</a:t>
+            </a:r>
+            <a:r>
+              <a:rPr lang="en-US" sz="1400" dirty="0">
+                <a:solidFill>
+                  <a:srgbClr val="BFBFBF"/>
+                </a:solidFill>
+                <a:latin typeface="Andale Mono"/>
+                <a:cs typeface="Andale Mono"/>
+              </a:rPr>
+              <a:t/>
+            </a:r>
+            <a:br>
+              <a:rPr lang="en-US" sz="1400" dirty="0">
+                <a:solidFill>
+                  <a:srgbClr val="BFBFBF"/>
+                </a:solidFill>
+                <a:latin typeface="Andale Mono"/>
+                <a:cs typeface="Andale Mono"/>
+              </a:rPr>
+            </a:br>
+            <a:r>
+              <a:rPr lang="en-US" sz="1400" dirty="0">
+                <a:latin typeface="Andale Mono"/>
+                <a:cs typeface="Andale Mono"/>
+              </a:rPr>
+              <a:t>        </a:t>
+            </a:r>
+            <a:r>
+              <a:rPr lang="en-US" sz="1400" dirty="0">
+                <a:solidFill>
+                  <a:srgbClr val="9BBB59"/>
+                </a:solidFill>
+                <a:latin typeface="Andale Mono"/>
+                <a:cs typeface="Andale Mono"/>
+              </a:rPr>
+              <a:t>handler</a:t>
+            </a:r>
+            <a:r>
+              <a:rPr lang="en-US" sz="1400" dirty="0">
+                <a:latin typeface="Andale Mono"/>
+                <a:cs typeface="Andale Mono"/>
+              </a:rPr>
+              <a:t> : </a:t>
+            </a:r>
+            <a:r>
+              <a:rPr lang="en-US" sz="1400" dirty="0" err="1" smtClean="0">
+                <a:solidFill>
+                  <a:srgbClr val="FFFF00"/>
+                </a:solidFill>
+                <a:latin typeface="Andale Mono"/>
+                <a:cs typeface="Andale Mono"/>
+              </a:rPr>
+              <a:t>component.controllers.</a:t>
+            </a:r>
+            <a:r>
+              <a:rPr lang="en-US" sz="1400" i="1" dirty="0" err="1" smtClean="0">
+                <a:solidFill>
+                  <a:srgbClr val="FFFF00"/>
+                </a:solidFill>
+                <a:latin typeface="Andale Mono"/>
+                <a:cs typeface="Andale Mono"/>
+              </a:rPr>
+              <a:t>get</a:t>
+            </a:r>
+            <a:r>
+              <a:rPr lang="en-US" sz="1400" dirty="0" smtClean="0">
+                <a:latin typeface="Andale Mono"/>
+                <a:cs typeface="Andale Mono"/>
+              </a:rPr>
+              <a:t>,  </a:t>
+            </a:r>
+          </a:p>
+          <a:p>
+            <a:pPr marL="0" indent="0">
+              <a:buNone/>
+            </a:pPr>
+            <a:r>
+              <a:rPr lang="en-US" sz="1400" dirty="0" smtClean="0">
+                <a:solidFill>
+                  <a:srgbClr val="BFBFBF"/>
+                </a:solidFill>
+                <a:latin typeface="Andale Mono"/>
+                <a:cs typeface="Andale Mono"/>
+              </a:rPr>
+              <a:t>	//function , array[function] </a:t>
+            </a:r>
+            <a:br>
+              <a:rPr lang="en-US" sz="1400" dirty="0" smtClean="0">
+                <a:solidFill>
+                  <a:srgbClr val="BFBFBF"/>
+                </a:solidFill>
+                <a:latin typeface="Andale Mono"/>
+                <a:cs typeface="Andale Mono"/>
+              </a:rPr>
+            </a:br>
+            <a:r>
+              <a:rPr lang="en-US" sz="1400" dirty="0" smtClean="0">
+                <a:latin typeface="Andale Mono"/>
+                <a:cs typeface="Andale Mono"/>
+              </a:rPr>
+              <a:t>        </a:t>
+            </a:r>
+            <a:r>
+              <a:rPr lang="en-US" sz="1400" dirty="0" smtClean="0">
+                <a:solidFill>
+                  <a:srgbClr val="9BBB59"/>
+                </a:solidFill>
+                <a:latin typeface="Andale Mono"/>
+                <a:cs typeface="Andale Mono"/>
+              </a:rPr>
+              <a:t>name</a:t>
+            </a:r>
+            <a:r>
+              <a:rPr lang="en-US" sz="1400" dirty="0" smtClean="0">
+                <a:latin typeface="Andale Mono"/>
+                <a:cs typeface="Andale Mono"/>
+              </a:rPr>
+              <a:t> : </a:t>
+            </a:r>
+            <a:r>
+              <a:rPr lang="en-US" sz="1400" dirty="0" smtClean="0">
+                <a:solidFill>
+                  <a:srgbClr val="FFFF00"/>
+                </a:solidFill>
+                <a:latin typeface="Andale Mono"/>
+                <a:cs typeface="Andale Mono"/>
+              </a:rPr>
+              <a:t>"login-route"</a:t>
+            </a:r>
+            <a:r>
+              <a:rPr lang="en-US" sz="1400" dirty="0" smtClean="0">
+                <a:solidFill>
+                  <a:srgbClr val="BFBFBF"/>
+                </a:solidFill>
+                <a:latin typeface="Andale Mono"/>
+                <a:cs typeface="Andale Mono"/>
+              </a:rPr>
+              <a:t>, //unique string, name route.</a:t>
+            </a:r>
+            <a:br>
+              <a:rPr lang="en-US" sz="1400" dirty="0" smtClean="0">
+                <a:solidFill>
+                  <a:srgbClr val="BFBFBF"/>
+                </a:solidFill>
+                <a:latin typeface="Andale Mono"/>
+                <a:cs typeface="Andale Mono"/>
+              </a:rPr>
+            </a:br>
+            <a:r>
+              <a:rPr lang="en-US" sz="1400" dirty="0" smtClean="0">
+                <a:latin typeface="Andale Mono"/>
+                <a:cs typeface="Andale Mono"/>
+              </a:rPr>
+              <a:t>      </a:t>
+            </a:r>
+            <a:r>
+              <a:rPr lang="en-US" sz="1400" dirty="0" smtClean="0">
+                <a:solidFill>
+                  <a:srgbClr val="9BBB59"/>
+                </a:solidFill>
+                <a:latin typeface="Andale Mono"/>
+                <a:cs typeface="Andale Mono"/>
+              </a:rPr>
+              <a:t>  authenticate </a:t>
+            </a:r>
+            <a:r>
+              <a:rPr lang="en-US" sz="1400" dirty="0" smtClean="0">
+                <a:latin typeface="Andale Mono"/>
+                <a:cs typeface="Andale Mono"/>
+              </a:rPr>
+              <a:t>:</a:t>
+            </a:r>
+            <a:r>
+              <a:rPr lang="en-US" sz="1400" dirty="0" smtClean="0">
+                <a:solidFill>
+                  <a:srgbClr val="FFFF00"/>
+                </a:solidFill>
+                <a:latin typeface="Andale Mono"/>
+                <a:cs typeface="Andale Mono"/>
+              </a:rPr>
+              <a:t> </a:t>
+            </a:r>
+            <a:r>
+              <a:rPr lang="en-US" sz="1400" b="1" dirty="0" smtClean="0">
+                <a:solidFill>
+                  <a:srgbClr val="FFFF00"/>
+                </a:solidFill>
+                <a:latin typeface="Andale Mono"/>
+                <a:cs typeface="Andale Mono"/>
+              </a:rPr>
+              <a:t>true</a:t>
+            </a:r>
+            <a:r>
+              <a:rPr lang="en-US" sz="1400" dirty="0" smtClean="0">
+                <a:latin typeface="Andale Mono"/>
+                <a:cs typeface="Andale Mono"/>
+              </a:rPr>
+              <a:t>,</a:t>
+            </a:r>
+            <a:r>
+              <a:rPr lang="en-US" sz="1400" dirty="0" smtClean="0">
+                <a:solidFill>
+                  <a:srgbClr val="BFBFBF"/>
+                </a:solidFill>
+                <a:latin typeface="Andale Mono"/>
+                <a:cs typeface="Andale Mono"/>
+              </a:rPr>
+              <a:t> //</a:t>
+            </a:r>
+            <a:r>
+              <a:rPr lang="en-US" sz="1400" dirty="0" err="1" smtClean="0">
+                <a:solidFill>
+                  <a:srgbClr val="BFBFBF"/>
+                </a:solidFill>
+                <a:latin typeface="Andale Mono"/>
+                <a:cs typeface="Andale Mono"/>
+              </a:rPr>
+              <a:t>boolean</a:t>
+            </a:r>
+            <a:r>
+              <a:rPr lang="en-US" sz="1400" dirty="0" smtClean="0">
+                <a:solidFill>
+                  <a:srgbClr val="BFBFBF"/>
+                </a:solidFill>
+                <a:latin typeface="Andale Mono"/>
+                <a:cs typeface="Andale Mono"/>
+              </a:rPr>
+              <a:t>, true </a:t>
+            </a:r>
+            <a:r>
+              <a:rPr lang="en-US" sz="1400" dirty="0" smtClean="0">
+                <a:solidFill>
+                  <a:srgbClr val="BFBFBF"/>
+                </a:solidFill>
+                <a:latin typeface="Andale Mono"/>
+                <a:cs typeface="Andale Mono"/>
+              </a:rPr>
+              <a:t>false type </a:t>
+            </a:r>
+            <a:r>
+              <a:rPr lang="en-US" sz="1400" smtClean="0">
+                <a:solidFill>
+                  <a:srgbClr val="BFBFBF"/>
+                </a:solidFill>
+                <a:latin typeface="Andale Mono"/>
+                <a:cs typeface="Andale Mono"/>
+              </a:rPr>
+              <a:t>of strategy .</a:t>
+            </a:r>
+            <a:r>
+              <a:rPr lang="en-US" sz="1400" dirty="0" smtClean="0">
+                <a:solidFill>
+                  <a:srgbClr val="BFBFBF"/>
+                </a:solidFill>
+                <a:latin typeface="Andale Mono"/>
+                <a:cs typeface="Andale Mono"/>
+              </a:rPr>
+              <a:t/>
+            </a:r>
+            <a:br>
+              <a:rPr lang="en-US" sz="1400" dirty="0" smtClean="0">
+                <a:solidFill>
+                  <a:srgbClr val="BFBFBF"/>
+                </a:solidFill>
+                <a:latin typeface="Andale Mono"/>
+                <a:cs typeface="Andale Mono"/>
+              </a:rPr>
+            </a:br>
+            <a:r>
+              <a:rPr lang="en-US" sz="1400" dirty="0" smtClean="0">
+                <a:latin typeface="Andale Mono"/>
+                <a:cs typeface="Andale Mono"/>
+              </a:rPr>
+              <a:t>       </a:t>
+            </a:r>
+            <a:r>
+              <a:rPr lang="en-US" sz="1400" dirty="0" smtClean="0">
+                <a:solidFill>
+                  <a:srgbClr val="9BBB59"/>
+                </a:solidFill>
+                <a:latin typeface="Andale Mono"/>
+                <a:cs typeface="Andale Mono"/>
+              </a:rPr>
+              <a:t> role </a:t>
+            </a:r>
+            <a:r>
+              <a:rPr lang="en-US" sz="1400" dirty="0" smtClean="0">
+                <a:latin typeface="Andale Mono"/>
+                <a:cs typeface="Andale Mono"/>
+              </a:rPr>
+              <a:t>:  </a:t>
+            </a:r>
+            <a:r>
+              <a:rPr lang="en-US" sz="1400" dirty="0" smtClean="0">
+                <a:solidFill>
+                  <a:srgbClr val="FFFF00"/>
+                </a:solidFill>
+                <a:latin typeface="Andale Mono"/>
+                <a:cs typeface="Andale Mono"/>
+              </a:rPr>
+              <a:t>"render-view"</a:t>
+            </a:r>
+            <a:r>
+              <a:rPr lang="en-US" sz="1400" dirty="0" smtClean="0">
+                <a:latin typeface="Andale Mono"/>
+                <a:cs typeface="Andale Mono"/>
+              </a:rPr>
+              <a:t>, </a:t>
+            </a:r>
+            <a:r>
+              <a:rPr lang="en-US" sz="1400" dirty="0" smtClean="0">
+                <a:solidFill>
+                  <a:srgbClr val="BFBFBF"/>
+                </a:solidFill>
+                <a:latin typeface="Andale Mono"/>
+                <a:cs typeface="Andale Mono"/>
+              </a:rPr>
+              <a:t>//string, array string multi role.</a:t>
+            </a:r>
+            <a:br>
+              <a:rPr lang="en-US" sz="1400" dirty="0" smtClean="0">
+                <a:solidFill>
+                  <a:srgbClr val="BFBFBF"/>
+                </a:solidFill>
+                <a:latin typeface="Andale Mono"/>
+                <a:cs typeface="Andale Mono"/>
+              </a:rPr>
+            </a:br>
+            <a:r>
+              <a:rPr lang="en-US" sz="1400" dirty="0" smtClean="0">
+                <a:latin typeface="Andale Mono"/>
+                <a:cs typeface="Andale Mono"/>
+              </a:rPr>
+              <a:t> }</a:t>
+            </a:r>
+            <a:r>
+              <a:rPr lang="en-US" sz="1400" dirty="0" smtClean="0">
+                <a:latin typeface="Andale Mono"/>
+                <a:cs typeface="Andale Mono"/>
+              </a:rPr>
+              <a:t/>
+            </a:r>
+            <a:br>
+              <a:rPr lang="en-US" sz="1400" dirty="0" smtClean="0">
+                <a:latin typeface="Andale Mono"/>
+                <a:cs typeface="Andale Mono"/>
+              </a:rPr>
+            </a:br>
+            <a:r>
+              <a:rPr lang="en-US" sz="1400" dirty="0" smtClean="0">
+                <a:latin typeface="Andale Mono"/>
+                <a:cs typeface="Andale Mono"/>
+              </a:rPr>
+              <a:t>}</a:t>
+            </a:r>
+            <a:endParaRPr lang="en-US" sz="1400" dirty="0">
+              <a:latin typeface="Andale Mono"/>
+              <a:cs typeface="Andale Mono"/>
+            </a:endParaRPr>
+          </a:p>
+        </p:txBody>
+      </p:sp>
+    </p:spTree>
+    <p:extLst>
+      <p:ext uri="{BB962C8B-B14F-4D97-AF65-F5344CB8AC3E}">
+        <p14:creationId xmlns:p14="http://schemas.microsoft.com/office/powerpoint/2010/main" val="3378408919"/>
+      </p:ext>
+    </p:extLst>
+  </p:cSld>
+  <p:clrMapOvr>
+    <a:masterClrMapping/>
+  </p:clrMapOvr>
+</p:sld>
+</file>
+
+<file path=ppt/slides/slide26.xml><?xml version="1.0" encoding="utf-8"?>
+<p:sld xmlns:a="http://schemas.openxmlformats.org/drawingml/2006/main" xmlns:r="http://schemas.openxmlformats.org/officeDocument/2006/relationships" xmlns:p="http://schemas.openxmlformats.org/presentationml/2006/main">
+  <p:cSld>
+    <p:spTree>
+      <p:nvGrpSpPr>
+        <p:cNvPr id="1" name=""/>
+        <p:cNvGrpSpPr/>
+        <p:nvPr/>
+      </p:nvGrpSpPr>
+      <p:grpSpPr>
+        <a:xfrm>
+          <a:off x="0" y="0"/>
+          <a:ext cx="0" cy="0"/>
+          <a:chOff x="0" y="0"/>
+          <a:chExt cx="0" cy="0"/>
+        </a:xfrm>
+      </p:grpSpPr>
+      <p:sp>
+        <p:nvSpPr>
+          <p:cNvPr id="2" name="Title 1"/>
+          <p:cNvSpPr>
+            <a:spLocks noGrp="1"/>
+          </p:cNvSpPr>
+          <p:nvPr>
+            <p:ph type="title"/>
+          </p:nvPr>
+        </p:nvSpPr>
+        <p:spPr/>
+        <p:txBody>
+          <a:bodyPr>
+            <a:normAutofit fontScale="90000"/>
+          </a:bodyPr>
+          <a:lstStyle/>
+          <a:p>
+            <a:r>
+              <a:rPr lang="en-US" dirty="0" smtClean="0"/>
+              <a:t>Associate model</a:t>
+            </a:r>
+            <a:endParaRPr lang="en-US" dirty="0"/>
+          </a:p>
+        </p:txBody>
+      </p:sp>
+      <p:sp>
+        <p:nvSpPr>
+          <p:cNvPr id="3" name="Content Placeholder 2"/>
+          <p:cNvSpPr>
+            <a:spLocks noGrp="1"/>
+          </p:cNvSpPr>
+          <p:nvPr>
+            <p:ph idx="1"/>
+          </p:nvPr>
+        </p:nvSpPr>
+        <p:spPr/>
+        <p:txBody>
+          <a:bodyPr>
+            <a:noAutofit/>
+          </a:bodyPr>
+          <a:lstStyle/>
+          <a:p>
+            <a:pPr marL="0" indent="0">
+              <a:buNone/>
+            </a:pPr>
+            <a:r>
+              <a:rPr lang="en-US" sz="1400" dirty="0" err="1"/>
+              <a:t>classMethods</a:t>
+            </a:r>
+            <a:r>
+              <a:rPr lang="en-US" sz="1400" dirty="0"/>
+              <a:t>: {</a:t>
+            </a:r>
+            <a:br>
+              <a:rPr lang="en-US" sz="1400" dirty="0"/>
+            </a:br>
+            <a:r>
+              <a:rPr lang="en-US" sz="1400" dirty="0"/>
+              <a:t>    </a:t>
+            </a:r>
+            <a:r>
+              <a:rPr lang="en-US" sz="1400" dirty="0"/>
+              <a:t>associate</a:t>
+            </a:r>
+            <a:r>
+              <a:rPr lang="en-US" sz="1400" dirty="0"/>
+              <a:t>: </a:t>
+            </a:r>
+            <a:r>
+              <a:rPr lang="en-US" sz="1400" b="1" dirty="0"/>
+              <a:t>function </a:t>
+            </a:r>
+            <a:r>
+              <a:rPr lang="en-US" sz="1400" dirty="0"/>
+              <a:t>() {</a:t>
+            </a:r>
+            <a:br>
+              <a:rPr lang="en-US" sz="1400" dirty="0"/>
+            </a:br>
+            <a:r>
+              <a:rPr lang="en-US" sz="1400" dirty="0"/>
+              <a:t>        </a:t>
+            </a:r>
+            <a:r>
+              <a:rPr lang="en-US" sz="1400" b="1" dirty="0"/>
+              <a:t>return </a:t>
+            </a:r>
+            <a:r>
+              <a:rPr lang="en-US" sz="1400" dirty="0"/>
+              <a:t>{</a:t>
+            </a:r>
+            <a:br>
+              <a:rPr lang="en-US" sz="1400" dirty="0"/>
+            </a:br>
+            <a:r>
+              <a:rPr lang="en-US" sz="1400" dirty="0"/>
+              <a:t>            </a:t>
+            </a:r>
+            <a:r>
+              <a:rPr lang="en-US" sz="1400" dirty="0"/>
+              <a:t>"user" </a:t>
+            </a:r>
+            <a:r>
+              <a:rPr lang="en-US" sz="1400" dirty="0"/>
+              <a:t>: {</a:t>
+            </a:r>
+            <a:br>
+              <a:rPr lang="en-US" sz="1400" dirty="0"/>
+            </a:br>
+            <a:r>
+              <a:rPr lang="en-US" sz="1400" dirty="0"/>
+              <a:t>                </a:t>
+            </a:r>
+            <a:r>
+              <a:rPr lang="en-US" sz="1400" dirty="0"/>
+              <a:t>type </a:t>
+            </a:r>
+            <a:r>
+              <a:rPr lang="en-US" sz="1400" dirty="0"/>
+              <a:t>: </a:t>
+            </a:r>
+            <a:r>
+              <a:rPr lang="en-US" sz="1400" dirty="0"/>
+              <a:t>"</a:t>
+            </a:r>
+            <a:r>
+              <a:rPr lang="en-US" sz="1400" dirty="0" err="1"/>
+              <a:t>belongsTo</a:t>
+            </a:r>
+            <a:r>
+              <a:rPr lang="en-US" sz="1400" dirty="0"/>
+              <a:t>",</a:t>
+            </a:r>
+            <a:br>
+              <a:rPr lang="en-US" sz="1400" dirty="0"/>
+            </a:br>
+            <a:r>
+              <a:rPr lang="en-US" sz="1400" dirty="0"/>
+              <a:t>                option </a:t>
+            </a:r>
+            <a:r>
+              <a:rPr lang="en-US" sz="1400" dirty="0"/>
+              <a:t>: {</a:t>
+            </a:r>
+            <a:br>
+              <a:rPr lang="en-US" sz="1400" dirty="0"/>
+            </a:br>
+            <a:r>
+              <a:rPr lang="en-US" sz="1400" dirty="0"/>
+              <a:t>                    </a:t>
+            </a:r>
+            <a:r>
+              <a:rPr lang="en-US" sz="1400" dirty="0" err="1"/>
+              <a:t>foreignKey</a:t>
+            </a:r>
+            <a:r>
+              <a:rPr lang="en-US" sz="1400" dirty="0"/>
+              <a:t>: </a:t>
+            </a:r>
+            <a:r>
+              <a:rPr lang="en-US" sz="1400" dirty="0"/>
+              <a:t>'</a:t>
+            </a:r>
+            <a:r>
+              <a:rPr lang="en-US" sz="1400" dirty="0" err="1"/>
+              <a:t>created_by</a:t>
+            </a:r>
+            <a:r>
+              <a:rPr lang="en-US" sz="1400" dirty="0"/>
+              <a:t>'</a:t>
+            </a:r>
+            <a:br>
+              <a:rPr lang="en-US" sz="1400" dirty="0"/>
+            </a:br>
+            <a:r>
+              <a:rPr lang="en-US" sz="1400" dirty="0"/>
+              <a:t>                </a:t>
+            </a:r>
+            <a:r>
+              <a:rPr lang="en-US" sz="1400" dirty="0"/>
+              <a:t>}</a:t>
+            </a:r>
+            <a:br>
+              <a:rPr lang="en-US" sz="1400" dirty="0"/>
+            </a:br>
+            <a:r>
+              <a:rPr lang="en-US" sz="1400" dirty="0"/>
+              <a:t>            }</a:t>
+            </a:r>
+            <a:br>
+              <a:rPr lang="en-US" sz="1400" dirty="0"/>
+            </a:br>
+            <a:r>
+              <a:rPr lang="en-US" sz="1400" dirty="0"/>
+              <a:t>        }</a:t>
+            </a:r>
+            <a:br>
+              <a:rPr lang="en-US" sz="1400" dirty="0"/>
+            </a:br>
+            <a:r>
+              <a:rPr lang="en-US" sz="1400" dirty="0"/>
+              <a:t>    }</a:t>
+            </a:r>
+            <a:br>
+              <a:rPr lang="en-US" sz="1400" dirty="0"/>
+            </a:br>
+            <a:r>
+              <a:rPr lang="en-US" sz="1400" dirty="0"/>
+              <a:t>}</a:t>
+            </a:r>
+            <a:endParaRPr lang="en-US" sz="1400" dirty="0">
+              <a:latin typeface="Andale Mono"/>
+              <a:cs typeface="Andale Mono"/>
+            </a:endParaRPr>
+          </a:p>
+        </p:txBody>
+      </p:sp>
+    </p:spTree>
+    <p:extLst>
+      <p:ext uri="{BB962C8B-B14F-4D97-AF65-F5344CB8AC3E}">
+        <p14:creationId xmlns:p14="http://schemas.microsoft.com/office/powerpoint/2010/main" val="3468927189"/>
       </p:ext>
     </p:extLst>
   </p:cSld>

--- a/ArrowjsBasic.pptx
+++ b/ArrowjsBasic.pptx
@@ -5,7 +5,7 @@
     <p:sldMasterId id="2147483648" r:id="rId1"/>
   </p:sldMasterIdLst>
   <p:notesMasterIdLst>
-    <p:notesMasterId r:id="rId28"/>
+    <p:notesMasterId r:id="rId31"/>
   </p:notesMasterIdLst>
   <p:sldIdLst>
     <p:sldId id="306" r:id="rId2"/>
@@ -19,21 +19,24 @@
     <p:sldId id="309" r:id="rId10"/>
     <p:sldId id="315" r:id="rId11"/>
     <p:sldId id="298" r:id="rId12"/>
-    <p:sldId id="310" r:id="rId13"/>
-    <p:sldId id="311" r:id="rId14"/>
-    <p:sldId id="313" r:id="rId15"/>
-    <p:sldId id="323" r:id="rId16"/>
-    <p:sldId id="324" r:id="rId17"/>
-    <p:sldId id="322" r:id="rId18"/>
-    <p:sldId id="312" r:id="rId19"/>
-    <p:sldId id="316" r:id="rId20"/>
-    <p:sldId id="317" r:id="rId21"/>
-    <p:sldId id="318" r:id="rId22"/>
-    <p:sldId id="319" r:id="rId23"/>
-    <p:sldId id="320" r:id="rId24"/>
-    <p:sldId id="325" r:id="rId25"/>
-    <p:sldId id="326" r:id="rId26"/>
-    <p:sldId id="327" r:id="rId27"/>
+    <p:sldId id="331" r:id="rId13"/>
+    <p:sldId id="310" r:id="rId14"/>
+    <p:sldId id="311" r:id="rId15"/>
+    <p:sldId id="313" r:id="rId16"/>
+    <p:sldId id="323" r:id="rId17"/>
+    <p:sldId id="324" r:id="rId18"/>
+    <p:sldId id="322" r:id="rId19"/>
+    <p:sldId id="312" r:id="rId20"/>
+    <p:sldId id="316" r:id="rId21"/>
+    <p:sldId id="317" r:id="rId22"/>
+    <p:sldId id="318" r:id="rId23"/>
+    <p:sldId id="319" r:id="rId24"/>
+    <p:sldId id="320" r:id="rId25"/>
+    <p:sldId id="330" r:id="rId26"/>
+    <p:sldId id="325" r:id="rId27"/>
+    <p:sldId id="326" r:id="rId28"/>
+    <p:sldId id="327" r:id="rId29"/>
+    <p:sldId id="329" r:id="rId30"/>
   </p:sldIdLst>
   <p:sldSz cx="9144000" cy="5143500" type="screen16x9"/>
   <p:notesSz cx="6858000" cy="9144000"/>
@@ -484,6 +487,93 @@
     </a:lvl9pPr>
   </p:notesStyle>
 </p:notesMaster>
+</file>
+
+<file path=ppt/notesSlides/notesSlide1.xml><?xml version="1.0" encoding="utf-8"?>
+<p:notes xmlns:a="http://schemas.openxmlformats.org/drawingml/2006/main" xmlns:r="http://schemas.openxmlformats.org/officeDocument/2006/relationships" xmlns:p="http://schemas.openxmlformats.org/presentationml/2006/main">
+  <p:cSld>
+    <p:spTree>
+      <p:nvGrpSpPr>
+        <p:cNvPr id="1" name=""/>
+        <p:cNvGrpSpPr/>
+        <p:nvPr/>
+      </p:nvGrpSpPr>
+      <p:grpSpPr>
+        <a:xfrm>
+          <a:off x="0" y="0"/>
+          <a:ext cx="0" cy="0"/>
+          <a:chOff x="0" y="0"/>
+          <a:chExt cx="0" cy="0"/>
+        </a:xfrm>
+      </p:grpSpPr>
+      <p:sp>
+        <p:nvSpPr>
+          <p:cNvPr id="2" name="Slide Image Placeholder 1"/>
+          <p:cNvSpPr>
+            <a:spLocks noGrp="1" noRot="1" noChangeAspect="1"/>
+          </p:cNvSpPr>
+          <p:nvPr>
+            <p:ph type="sldImg"/>
+          </p:nvPr>
+        </p:nvSpPr>
+        <p:spPr/>
+      </p:sp>
+      <p:sp>
+        <p:nvSpPr>
+          <p:cNvPr id="3" name="Notes Placeholder 2"/>
+          <p:cNvSpPr>
+            <a:spLocks noGrp="1"/>
+          </p:cNvSpPr>
+          <p:nvPr>
+            <p:ph type="body" idx="1"/>
+          </p:nvPr>
+        </p:nvSpPr>
+        <p:spPr/>
+        <p:txBody>
+          <a:bodyPr/>
+          <a:lstStyle/>
+          <a:p>
+            <a:r>
+              <a:rPr lang="en-US"/>
+              <a:t>Please explain</a:t>
+            </a:r>
+          </a:p>
+        </p:txBody>
+      </p:sp>
+      <p:sp>
+        <p:nvSpPr>
+          <p:cNvPr id="4" name="Slide Number Placeholder 3"/>
+          <p:cNvSpPr>
+            <a:spLocks noGrp="1"/>
+          </p:cNvSpPr>
+          <p:nvPr>
+            <p:ph type="sldNum" sz="quarter" idx="10"/>
+          </p:nvPr>
+        </p:nvSpPr>
+        <p:spPr/>
+        <p:txBody>
+          <a:bodyPr/>
+          <a:lstStyle/>
+          <a:p>
+            <a:fld id="{6ED27907-7A40-454E-B822-A1454CCC2AE1}" type="slidenum">
+              <a:rPr lang="en-US" smtClean="0"/>
+              <a:t>29</a:t>
+            </a:fld>
+            <a:endParaRPr lang="en-US"/>
+          </a:p>
+        </p:txBody>
+      </p:sp>
+    </p:spTree>
+    <p:extLst>
+      <p:ext uri="{BB962C8B-B14F-4D97-AF65-F5344CB8AC3E}">
+        <p14:creationId xmlns:p14="http://schemas.microsoft.com/office/powerpoint/2010/main" val="2635126234"/>
+      </p:ext>
+    </p:extLst>
+  </p:cSld>
+  <p:clrMapOvr>
+    <a:masterClrMapping/>
+  </p:clrMapOvr>
+</p:notes>
 </file>
 
 <file path=ppt/slideLayouts/slideLayout1.xml><?xml version="1.0" encoding="utf-8"?>
@@ -5773,444 +5863,22 @@
       </p:grpSpPr>
       <p:sp>
         <p:nvSpPr>
-          <p:cNvPr id="4" name="Rectangle 3"/>
-          <p:cNvSpPr/>
-          <p:nvPr/>
-        </p:nvSpPr>
-        <p:spPr>
-          <a:xfrm>
-            <a:off x="1828800" y="133350"/>
-            <a:ext cx="1066800" cy="381000"/>
-          </a:xfrm>
-          <a:prstGeom prst="rect">
-            <a:avLst/>
-          </a:prstGeom>
-        </p:spPr>
-        <p:style>
-          <a:lnRef idx="1">
-            <a:schemeClr val="accent1"/>
-          </a:lnRef>
-          <a:fillRef idx="3">
-            <a:schemeClr val="accent1"/>
-          </a:fillRef>
-          <a:effectRef idx="2">
-            <a:schemeClr val="accent1"/>
-          </a:effectRef>
-          <a:fontRef idx="minor">
-            <a:schemeClr val="lt1"/>
-          </a:fontRef>
-        </p:style>
-        <p:txBody>
-          <a:bodyPr rtlCol="0" anchor="ctr"/>
-          <a:lstStyle/>
-          <a:p>
-            <a:pPr algn="ctr"/>
+          <p:cNvPr id="2" name="Title 1"/>
+          <p:cNvSpPr>
+            <a:spLocks noGrp="1"/>
+          </p:cNvSpPr>
+          <p:nvPr>
+            <p:ph type="title"/>
+          </p:nvPr>
+        </p:nvSpPr>
+        <p:spPr/>
+        <p:txBody>
+          <a:bodyPr/>
+          <a:lstStyle/>
+          <a:p>
             <a:r>
               <a:rPr lang="en-US"/>
-              <a:t>config</a:t>
-            </a:r>
-          </a:p>
-        </p:txBody>
-      </p:sp>
-      <p:sp>
-        <p:nvSpPr>
-          <p:cNvPr id="6" name="Rectangle 5"/>
-          <p:cNvSpPr/>
-          <p:nvPr/>
-        </p:nvSpPr>
-        <p:spPr>
-          <a:xfrm>
-            <a:off x="1828800" y="1200150"/>
-            <a:ext cx="1066800" cy="381000"/>
-          </a:xfrm>
-          <a:prstGeom prst="rect">
-            <a:avLst/>
-          </a:prstGeom>
-        </p:spPr>
-        <p:style>
-          <a:lnRef idx="1">
-            <a:schemeClr val="accent1"/>
-          </a:lnRef>
-          <a:fillRef idx="3">
-            <a:schemeClr val="accent1"/>
-          </a:fillRef>
-          <a:effectRef idx="2">
-            <a:schemeClr val="accent1"/>
-          </a:effectRef>
-          <a:fontRef idx="minor">
-            <a:schemeClr val="lt1"/>
-          </a:fontRef>
-        </p:style>
-        <p:txBody>
-          <a:bodyPr rtlCol="0" anchor="ctr"/>
-          <a:lstStyle/>
-          <a:p>
-            <a:pPr algn="ctr"/>
-            <a:r>
-              <a:rPr lang="en-US"/>
-              <a:t>modules</a:t>
-            </a:r>
-          </a:p>
-        </p:txBody>
-      </p:sp>
-      <p:sp>
-        <p:nvSpPr>
-          <p:cNvPr id="7" name="Rectangle 6"/>
-          <p:cNvSpPr/>
-          <p:nvPr/>
-        </p:nvSpPr>
-        <p:spPr>
-          <a:xfrm>
-            <a:off x="1828800" y="2266950"/>
-            <a:ext cx="1066800" cy="381000"/>
-          </a:xfrm>
-          <a:prstGeom prst="rect">
-            <a:avLst/>
-          </a:prstGeom>
-        </p:spPr>
-        <p:style>
-          <a:lnRef idx="1">
-            <a:schemeClr val="accent1"/>
-          </a:lnRef>
-          <a:fillRef idx="3">
-            <a:schemeClr val="accent1"/>
-          </a:fillRef>
-          <a:effectRef idx="2">
-            <a:schemeClr val="accent1"/>
-          </a:effectRef>
-          <a:fontRef idx="minor">
-            <a:schemeClr val="lt1"/>
-          </a:fontRef>
-        </p:style>
-        <p:txBody>
-          <a:bodyPr rtlCol="0" anchor="ctr"/>
-          <a:lstStyle/>
-          <a:p>
-            <a:pPr algn="ctr"/>
-            <a:r>
-              <a:rPr lang="en-US"/>
-              <a:t>public</a:t>
-            </a:r>
-          </a:p>
-        </p:txBody>
-      </p:sp>
-      <p:sp>
-        <p:nvSpPr>
-          <p:cNvPr id="13" name="Rectangle 12"/>
-          <p:cNvSpPr/>
-          <p:nvPr/>
-        </p:nvSpPr>
-        <p:spPr>
-          <a:xfrm>
-            <a:off x="1828800" y="666750"/>
-            <a:ext cx="1600200" cy="381000"/>
-          </a:xfrm>
-          <a:prstGeom prst="rect">
-            <a:avLst/>
-          </a:prstGeom>
-        </p:spPr>
-        <p:style>
-          <a:lnRef idx="1">
-            <a:schemeClr val="accent1"/>
-          </a:lnRef>
-          <a:fillRef idx="3">
-            <a:schemeClr val="accent1"/>
-          </a:fillRef>
-          <a:effectRef idx="2">
-            <a:schemeClr val="accent1"/>
-          </a:effectRef>
-          <a:fontRef idx="minor">
-            <a:schemeClr val="lt1"/>
-          </a:fontRef>
-        </p:style>
-        <p:txBody>
-          <a:bodyPr rtlCol="0" anchor="ctr"/>
-          <a:lstStyle/>
-          <a:p>
-            <a:pPr algn="ctr"/>
-            <a:r>
-              <a:rPr lang="en-US"/>
-              <a:t>node_modules</a:t>
-            </a:r>
-          </a:p>
-        </p:txBody>
-      </p:sp>
-      <p:sp>
-        <p:nvSpPr>
-          <p:cNvPr id="14" name="TextBox 13"/>
-          <p:cNvSpPr txBox="1"/>
-          <p:nvPr/>
-        </p:nvSpPr>
-        <p:spPr>
-          <a:xfrm>
-            <a:off x="3429000" y="666750"/>
-            <a:ext cx="3194737" cy="369332"/>
-          </a:xfrm>
-          <a:prstGeom prst="rect">
-            <a:avLst/>
-          </a:prstGeom>
-          <a:noFill/>
-        </p:spPr>
-        <p:txBody>
-          <a:bodyPr wrap="square" rtlCol="0">
-            <a:spAutoFit/>
-          </a:bodyPr>
-          <a:lstStyle/>
-          <a:p>
-            <a:r>
-              <a:rPr lang="en-US">
-                <a:solidFill>
-                  <a:schemeClr val="bg1"/>
-                </a:solidFill>
-              </a:rPr>
-              <a:t>Chứa các Node modules cục bộ</a:t>
-            </a:r>
-          </a:p>
-        </p:txBody>
-      </p:sp>
-      <p:sp>
-        <p:nvSpPr>
-          <p:cNvPr id="15" name="TextBox 14"/>
-          <p:cNvSpPr txBox="1"/>
-          <p:nvPr/>
-        </p:nvSpPr>
-        <p:spPr>
-          <a:xfrm>
-            <a:off x="2895600" y="1200150"/>
-            <a:ext cx="4419600" cy="646331"/>
-          </a:xfrm>
-          <a:prstGeom prst="rect">
-            <a:avLst/>
-          </a:prstGeom>
-          <a:noFill/>
-        </p:spPr>
-        <p:txBody>
-          <a:bodyPr wrap="square" rtlCol="0">
-            <a:spAutoFit/>
-          </a:bodyPr>
-          <a:lstStyle/>
-          <a:p>
-            <a:r>
-              <a:rPr lang="en-US">
-                <a:solidFill>
-                  <a:schemeClr val="bg1"/>
-                </a:solidFill>
-              </a:rPr>
-              <a:t>Chứa logic router, controller và models. Render view, cung cấp web service</a:t>
-            </a:r>
-          </a:p>
-        </p:txBody>
-      </p:sp>
-      <p:sp>
-        <p:nvSpPr>
-          <p:cNvPr id="16" name="TextBox 15"/>
-          <p:cNvSpPr txBox="1"/>
-          <p:nvPr/>
-        </p:nvSpPr>
-        <p:spPr>
-          <a:xfrm>
-            <a:off x="2895600" y="133350"/>
-            <a:ext cx="3194737" cy="369332"/>
-          </a:xfrm>
-          <a:prstGeom prst="rect">
-            <a:avLst/>
-          </a:prstGeom>
-          <a:noFill/>
-        </p:spPr>
-        <p:txBody>
-          <a:bodyPr wrap="square" rtlCol="0">
-            <a:spAutoFit/>
-          </a:bodyPr>
-          <a:lstStyle/>
-          <a:p>
-            <a:r>
-              <a:rPr lang="en-US">
-                <a:solidFill>
-                  <a:schemeClr val="bg1"/>
-                </a:solidFill>
-              </a:rPr>
-              <a:t>Chứa các file cấu hình hệ thống</a:t>
-            </a:r>
-          </a:p>
-        </p:txBody>
-      </p:sp>
-      <p:sp>
-        <p:nvSpPr>
-          <p:cNvPr id="19" name="Rectangle 18"/>
-          <p:cNvSpPr/>
-          <p:nvPr/>
-        </p:nvSpPr>
-        <p:spPr>
-          <a:xfrm>
-            <a:off x="1828800" y="4248150"/>
-            <a:ext cx="1066800" cy="381000"/>
-          </a:xfrm>
-          <a:prstGeom prst="rect">
-            <a:avLst/>
-          </a:prstGeom>
-        </p:spPr>
-        <p:style>
-          <a:lnRef idx="1">
-            <a:schemeClr val="accent3"/>
-          </a:lnRef>
-          <a:fillRef idx="2">
-            <a:schemeClr val="accent3"/>
-          </a:fillRef>
-          <a:effectRef idx="1">
-            <a:schemeClr val="accent3"/>
-          </a:effectRef>
-          <a:fontRef idx="minor">
-            <a:schemeClr val="dk1"/>
-          </a:fontRef>
-        </p:style>
-        <p:txBody>
-          <a:bodyPr rtlCol="0" anchor="ctr"/>
-          <a:lstStyle/>
-          <a:p>
-            <a:pPr algn="ctr"/>
-            <a:r>
-              <a:rPr lang="en-US"/>
-              <a:t>server.js</a:t>
-            </a:r>
-          </a:p>
-        </p:txBody>
-      </p:sp>
-      <p:sp>
-        <p:nvSpPr>
-          <p:cNvPr id="21" name="TextBox 20"/>
-          <p:cNvSpPr txBox="1"/>
-          <p:nvPr/>
-        </p:nvSpPr>
-        <p:spPr>
-          <a:xfrm>
-            <a:off x="2895600" y="4248150"/>
-            <a:ext cx="3757271" cy="369332"/>
-          </a:xfrm>
-          <a:prstGeom prst="rect">
-            <a:avLst/>
-          </a:prstGeom>
-          <a:noFill/>
-        </p:spPr>
-        <p:txBody>
-          <a:bodyPr wrap="none" rtlCol="0">
-            <a:spAutoFit/>
-          </a:bodyPr>
-          <a:lstStyle/>
-          <a:p>
-            <a:r>
-              <a:rPr lang="en-US">
-                <a:solidFill>
-                  <a:schemeClr val="bg1"/>
-                </a:solidFill>
-              </a:rPr>
-              <a:t>file javascript chính để chạy ứng dụng</a:t>
-            </a:r>
-          </a:p>
-        </p:txBody>
-      </p:sp>
-      <p:sp>
-        <p:nvSpPr>
-          <p:cNvPr id="22" name="TextBox 21"/>
-          <p:cNvSpPr txBox="1"/>
-          <p:nvPr/>
-        </p:nvSpPr>
-        <p:spPr>
-          <a:xfrm>
-            <a:off x="2895600" y="2266950"/>
-            <a:ext cx="4419600" cy="369332"/>
-          </a:xfrm>
-          <a:prstGeom prst="rect">
-            <a:avLst/>
-          </a:prstGeom>
-          <a:noFill/>
-        </p:spPr>
-        <p:txBody>
-          <a:bodyPr wrap="square" rtlCol="0">
-            <a:spAutoFit/>
-          </a:bodyPr>
-          <a:lstStyle/>
-          <a:p>
-            <a:r>
-              <a:rPr lang="en-US">
-                <a:solidFill>
-                  <a:schemeClr val="bg1"/>
-                </a:solidFill>
-              </a:rPr>
-              <a:t>Chứa file HTML báo lỗi</a:t>
-            </a:r>
-          </a:p>
-        </p:txBody>
-      </p:sp>
-      <p:sp>
-        <p:nvSpPr>
-          <p:cNvPr id="23" name="Rectangle 22"/>
-          <p:cNvSpPr/>
-          <p:nvPr/>
-        </p:nvSpPr>
-        <p:spPr>
-          <a:xfrm>
-            <a:off x="1828800" y="2800350"/>
-            <a:ext cx="1066800" cy="381000"/>
-          </a:xfrm>
-          <a:prstGeom prst="rect">
-            <a:avLst/>
-          </a:prstGeom>
-        </p:spPr>
-        <p:style>
-          <a:lnRef idx="1">
-            <a:schemeClr val="accent1"/>
-          </a:lnRef>
-          <a:fillRef idx="3">
-            <a:schemeClr val="accent1"/>
-          </a:fillRef>
-          <a:effectRef idx="2">
-            <a:schemeClr val="accent1"/>
-          </a:effectRef>
-          <a:fontRef idx="minor">
-            <a:schemeClr val="lt1"/>
-          </a:fontRef>
-        </p:style>
-        <p:txBody>
-          <a:bodyPr rtlCol="0" anchor="ctr"/>
-          <a:lstStyle/>
-          <a:p>
-            <a:pPr algn="ctr"/>
-            <a:r>
-              <a:rPr lang="en-US"/>
-              <a:t>services</a:t>
-            </a:r>
-          </a:p>
-        </p:txBody>
-      </p:sp>
-      <p:sp>
-        <p:nvSpPr>
-          <p:cNvPr id="24" name="TextBox 23"/>
-          <p:cNvSpPr txBox="1"/>
-          <p:nvPr/>
-        </p:nvSpPr>
-        <p:spPr>
-          <a:xfrm>
-            <a:off x="2895600" y="2800350"/>
-            <a:ext cx="4419600" cy="369332"/>
-          </a:xfrm>
-          <a:prstGeom prst="rect">
-            <a:avLst/>
-          </a:prstGeom>
-          <a:noFill/>
-        </p:spPr>
-        <p:txBody>
-          <a:bodyPr wrap="square" rtlCol="0">
-            <a:spAutoFit/>
-          </a:bodyPr>
-          <a:lstStyle/>
-          <a:p>
-            <a:r>
-              <a:rPr lang="en-US">
-                <a:solidFill>
-                  <a:schemeClr val="bg1"/>
-                </a:solidFill>
-              </a:rPr>
-              <a:t>Sử dụng remote web services</a:t>
+              <a:t>App Structure</a:t>
             </a:r>
           </a:p>
         </p:txBody>
@@ -6218,7 +5886,7 @@
     </p:spTree>
     <p:extLst>
       <p:ext uri="{BB962C8B-B14F-4D97-AF65-F5344CB8AC3E}">
-        <p14:creationId xmlns:p14="http://schemas.microsoft.com/office/powerpoint/2010/main" val="1943656782"/>
+        <p14:creationId xmlns:p14="http://schemas.microsoft.com/office/powerpoint/2010/main" val="3466022501"/>
       </p:ext>
     </p:extLst>
   </p:cSld>
@@ -6370,14 +6038,14 @@
       </p:sp>
       <p:sp>
         <p:nvSpPr>
-          <p:cNvPr id="9" name="Rectangle 8"/>
+          <p:cNvPr id="13" name="Rectangle 12"/>
           <p:cNvSpPr/>
           <p:nvPr/>
         </p:nvSpPr>
         <p:spPr>
           <a:xfrm>
-            <a:off x="2971800" y="2724150"/>
-            <a:ext cx="1066800" cy="381000"/>
+            <a:off x="1828800" y="666750"/>
+            <a:ext cx="1600200" cy="381000"/>
           </a:xfrm>
           <a:prstGeom prst="rect">
             <a:avLst/>
@@ -6404,103 +6072,21 @@
             <a:pPr algn="ctr"/>
             <a:r>
               <a:rPr lang="en-US"/>
-              <a:t>themeA</a:t>
-            </a:r>
-          </a:p>
-        </p:txBody>
-      </p:sp>
-      <p:sp>
-        <p:nvSpPr>
-          <p:cNvPr id="10" name="Rectangle 9"/>
-          <p:cNvSpPr/>
-          <p:nvPr/>
-        </p:nvSpPr>
-        <p:spPr>
-          <a:xfrm>
-            <a:off x="2971800" y="3181350"/>
-            <a:ext cx="1066800" cy="381000"/>
-          </a:xfrm>
-          <a:prstGeom prst="rect">
-            <a:avLst/>
-          </a:prstGeom>
-        </p:spPr>
-        <p:style>
-          <a:lnRef idx="1">
-            <a:schemeClr val="accent1"/>
-          </a:lnRef>
-          <a:fillRef idx="3">
-            <a:schemeClr val="accent1"/>
-          </a:fillRef>
-          <a:effectRef idx="2">
-            <a:schemeClr val="accent1"/>
-          </a:effectRef>
-          <a:fontRef idx="minor">
-            <a:schemeClr val="lt1"/>
-          </a:fontRef>
-        </p:style>
-        <p:txBody>
-          <a:bodyPr rtlCol="0" anchor="ctr"/>
-          <a:lstStyle/>
-          <a:p>
-            <a:pPr algn="ctr"/>
-            <a:r>
-              <a:rPr lang="en-US"/>
-              <a:t>themeB</a:t>
-            </a:r>
-          </a:p>
-        </p:txBody>
-      </p:sp>
-      <p:sp>
-        <p:nvSpPr>
-          <p:cNvPr id="11" name="Rectangle 10"/>
-          <p:cNvSpPr/>
-          <p:nvPr/>
-        </p:nvSpPr>
-        <p:spPr>
-          <a:xfrm>
-            <a:off x="1828800" y="1733550"/>
-            <a:ext cx="1066800" cy="381000"/>
-          </a:xfrm>
-          <a:prstGeom prst="rect">
-            <a:avLst/>
-          </a:prstGeom>
-        </p:spPr>
-        <p:style>
-          <a:lnRef idx="1">
-            <a:schemeClr val="accent1"/>
-          </a:lnRef>
-          <a:fillRef idx="3">
-            <a:schemeClr val="accent1"/>
-          </a:fillRef>
-          <a:effectRef idx="2">
-            <a:schemeClr val="accent1"/>
-          </a:effectRef>
-          <a:fontRef idx="minor">
-            <a:schemeClr val="lt1"/>
-          </a:fontRef>
-        </p:style>
-        <p:txBody>
-          <a:bodyPr rtlCol="0" anchor="ctr"/>
-          <a:lstStyle/>
-          <a:p>
-            <a:pPr algn="ctr"/>
-            <a:r>
-              <a:rPr lang="en-US"/>
-              <a:t>plugins</a:t>
-            </a:r>
-          </a:p>
-        </p:txBody>
-      </p:sp>
-      <p:sp>
-        <p:nvSpPr>
-          <p:cNvPr id="12" name="TextBox 11"/>
+              <a:t>node_modules</a:t>
+            </a:r>
+          </a:p>
+        </p:txBody>
+      </p:sp>
+      <p:sp>
+        <p:nvSpPr>
+          <p:cNvPr id="14" name="TextBox 13"/>
           <p:cNvSpPr txBox="1"/>
           <p:nvPr/>
         </p:nvSpPr>
         <p:spPr>
           <a:xfrm>
-            <a:off x="2895600" y="1733550"/>
-            <a:ext cx="2059729" cy="369332"/>
+            <a:off x="3429000" y="666750"/>
+            <a:ext cx="3194737" cy="369332"/>
           </a:xfrm>
           <a:prstGeom prst="rect">
             <a:avLst/>
@@ -6508,7 +6094,7 @@
           <a:noFill/>
         </p:spPr>
         <p:txBody>
-          <a:bodyPr wrap="none" rtlCol="0">
+          <a:bodyPr wrap="square" rtlCol="0">
             <a:spAutoFit/>
           </a:bodyPr>
           <a:lstStyle/>
@@ -6519,62 +6105,21 @@
                   <a:schemeClr val="bg1"/>
                 </a:solidFill>
               </a:rPr>
-              <a:t>Hàm xử lý trên view</a:t>
-            </a:r>
-          </a:p>
-        </p:txBody>
-      </p:sp>
-      <p:sp>
-        <p:nvSpPr>
-          <p:cNvPr id="13" name="Rectangle 12"/>
-          <p:cNvSpPr/>
-          <p:nvPr/>
-        </p:nvSpPr>
-        <p:spPr>
-          <a:xfrm>
-            <a:off x="1828800" y="666750"/>
-            <a:ext cx="1600200" cy="381000"/>
-          </a:xfrm>
-          <a:prstGeom prst="rect">
-            <a:avLst/>
-          </a:prstGeom>
-        </p:spPr>
-        <p:style>
-          <a:lnRef idx="1">
-            <a:schemeClr val="accent1"/>
-          </a:lnRef>
-          <a:fillRef idx="3">
-            <a:schemeClr val="accent1"/>
-          </a:fillRef>
-          <a:effectRef idx="2">
-            <a:schemeClr val="accent1"/>
-          </a:effectRef>
-          <a:fontRef idx="minor">
-            <a:schemeClr val="lt1"/>
-          </a:fontRef>
-        </p:style>
-        <p:txBody>
-          <a:bodyPr rtlCol="0" anchor="ctr"/>
-          <a:lstStyle/>
-          <a:p>
-            <a:pPr algn="ctr"/>
-            <a:r>
-              <a:rPr lang="en-US"/>
-              <a:t>node_modules</a:t>
-            </a:r>
-          </a:p>
-        </p:txBody>
-      </p:sp>
-      <p:sp>
-        <p:nvSpPr>
-          <p:cNvPr id="14" name="TextBox 13"/>
+              <a:t>Chứa các Node modules cục bộ</a:t>
+            </a:r>
+          </a:p>
+        </p:txBody>
+      </p:sp>
+      <p:sp>
+        <p:nvSpPr>
+          <p:cNvPr id="15" name="TextBox 14"/>
           <p:cNvSpPr txBox="1"/>
           <p:nvPr/>
         </p:nvSpPr>
         <p:spPr>
           <a:xfrm>
-            <a:off x="3429000" y="666750"/>
-            <a:ext cx="3194737" cy="369332"/>
+            <a:off x="2895600" y="1200150"/>
+            <a:ext cx="4419600" cy="646331"/>
           </a:xfrm>
           <a:prstGeom prst="rect">
             <a:avLst/>
@@ -6593,21 +6138,21 @@
                   <a:schemeClr val="bg1"/>
                 </a:solidFill>
               </a:rPr>
-              <a:t>Chứa các Node modules cục bộ</a:t>
-            </a:r>
-          </a:p>
-        </p:txBody>
-      </p:sp>
-      <p:sp>
-        <p:nvSpPr>
-          <p:cNvPr id="15" name="TextBox 14"/>
+              <a:t>Chứa logic router, controller và models. Render view, cung cấp web service</a:t>
+            </a:r>
+          </a:p>
+        </p:txBody>
+      </p:sp>
+      <p:sp>
+        <p:nvSpPr>
+          <p:cNvPr id="16" name="TextBox 15"/>
           <p:cNvSpPr txBox="1"/>
           <p:nvPr/>
         </p:nvSpPr>
         <p:spPr>
           <a:xfrm>
-            <a:off x="2895600" y="1200150"/>
-            <a:ext cx="4419600" cy="369332"/>
+            <a:off x="2895600" y="133350"/>
+            <a:ext cx="3194737" cy="369332"/>
           </a:xfrm>
           <a:prstGeom prst="rect">
             <a:avLst/>
@@ -6626,114 +6171,7 @@
                   <a:schemeClr val="bg1"/>
                 </a:solidFill>
               </a:rPr>
-              <a:t>Chứa logic router, controller và models</a:t>
-            </a:r>
-          </a:p>
-        </p:txBody>
-      </p:sp>
-      <p:sp>
-        <p:nvSpPr>
-          <p:cNvPr id="16" name="TextBox 15"/>
-          <p:cNvSpPr txBox="1"/>
-          <p:nvPr/>
-        </p:nvSpPr>
-        <p:spPr>
-          <a:xfrm>
-            <a:off x="2895600" y="133350"/>
-            <a:ext cx="3194737" cy="369332"/>
-          </a:xfrm>
-          <a:prstGeom prst="rect">
-            <a:avLst/>
-          </a:prstGeom>
-          <a:noFill/>
-        </p:spPr>
-        <p:txBody>
-          <a:bodyPr wrap="square" rtlCol="0">
-            <a:spAutoFit/>
-          </a:bodyPr>
-          <a:lstStyle/>
-          <a:p>
-            <a:r>
-              <a:rPr lang="en-US">
-                <a:solidFill>
-                  <a:schemeClr val="bg1"/>
-                </a:solidFill>
-              </a:rPr>
               <a:t>Chứa các file cấu hình hệ thống</a:t>
-            </a:r>
-          </a:p>
-        </p:txBody>
-      </p:sp>
-      <p:sp>
-        <p:nvSpPr>
-          <p:cNvPr id="17" name="Rectangle 16"/>
-          <p:cNvSpPr/>
-          <p:nvPr/>
-        </p:nvSpPr>
-        <p:spPr>
-          <a:xfrm>
-            <a:off x="1828800" y="3638550"/>
-            <a:ext cx="1066800" cy="381000"/>
-          </a:xfrm>
-          <a:prstGeom prst="rect">
-            <a:avLst/>
-          </a:prstGeom>
-        </p:spPr>
-        <p:style>
-          <a:lnRef idx="1">
-            <a:schemeClr val="accent1"/>
-          </a:lnRef>
-          <a:fillRef idx="3">
-            <a:schemeClr val="accent1"/>
-          </a:fillRef>
-          <a:effectRef idx="2">
-            <a:schemeClr val="accent1"/>
-          </a:effectRef>
-          <a:fontRef idx="minor">
-            <a:schemeClr val="lt1"/>
-          </a:fontRef>
-        </p:style>
-        <p:txBody>
-          <a:bodyPr rtlCol="0" anchor="ctr"/>
-          <a:lstStyle/>
-          <a:p>
-            <a:pPr algn="ctr"/>
-            <a:r>
-              <a:rPr lang="en-US"/>
-              <a:t>widgets</a:t>
-            </a:r>
-          </a:p>
-        </p:txBody>
-      </p:sp>
-      <p:sp>
-        <p:nvSpPr>
-          <p:cNvPr id="18" name="TextBox 17"/>
-          <p:cNvSpPr txBox="1"/>
-          <p:nvPr/>
-        </p:nvSpPr>
-        <p:spPr>
-          <a:xfrm>
-            <a:off x="2895600" y="3638550"/>
-            <a:ext cx="3670934" cy="369332"/>
-          </a:xfrm>
-          <a:prstGeom prst="rect">
-            <a:avLst/>
-          </a:prstGeom>
-          <a:noFill/>
-        </p:spPr>
-        <p:txBody>
-          <a:bodyPr wrap="none" rtlCol="0">
-            <a:spAutoFit/>
-          </a:bodyPr>
-          <a:lstStyle/>
-          <a:p>
-            <a:r>
-              <a:rPr lang="en-US">
-                <a:solidFill>
-                  <a:schemeClr val="bg1"/>
-                </a:solidFill>
-              </a:rPr>
-              <a:t>Partial view tái sử dụng trên view lớn</a:t>
             </a:r>
           </a:p>
         </p:txBody>
@@ -6812,10 +6250,117 @@
           </a:p>
         </p:txBody>
       </p:sp>
+      <p:sp>
+        <p:nvSpPr>
+          <p:cNvPr id="22" name="TextBox 21"/>
+          <p:cNvSpPr txBox="1"/>
+          <p:nvPr/>
+        </p:nvSpPr>
+        <p:spPr>
+          <a:xfrm>
+            <a:off x="2895600" y="2266950"/>
+            <a:ext cx="4419600" cy="369332"/>
+          </a:xfrm>
+          <a:prstGeom prst="rect">
+            <a:avLst/>
+          </a:prstGeom>
+          <a:noFill/>
+        </p:spPr>
+        <p:txBody>
+          <a:bodyPr wrap="square" rtlCol="0">
+            <a:spAutoFit/>
+          </a:bodyPr>
+          <a:lstStyle/>
+          <a:p>
+            <a:r>
+              <a:rPr lang="en-US">
+                <a:solidFill>
+                  <a:schemeClr val="bg1"/>
+                </a:solidFill>
+              </a:rPr>
+              <a:t>Chứa file HTML báo lỗi</a:t>
+            </a:r>
+          </a:p>
+        </p:txBody>
+      </p:sp>
+      <p:sp>
+        <p:nvSpPr>
+          <p:cNvPr id="23" name="Rectangle 22"/>
+          <p:cNvSpPr/>
+          <p:nvPr/>
+        </p:nvSpPr>
+        <p:spPr>
+          <a:xfrm>
+            <a:off x="1828800" y="2800350"/>
+            <a:ext cx="1066800" cy="381000"/>
+          </a:xfrm>
+          <a:prstGeom prst="rect">
+            <a:avLst/>
+          </a:prstGeom>
+        </p:spPr>
+        <p:style>
+          <a:lnRef idx="1">
+            <a:schemeClr val="accent1"/>
+          </a:lnRef>
+          <a:fillRef idx="3">
+            <a:schemeClr val="accent1"/>
+          </a:fillRef>
+          <a:effectRef idx="2">
+            <a:schemeClr val="accent1"/>
+          </a:effectRef>
+          <a:fontRef idx="minor">
+            <a:schemeClr val="lt1"/>
+          </a:fontRef>
+        </p:style>
+        <p:txBody>
+          <a:bodyPr rtlCol="0" anchor="ctr"/>
+          <a:lstStyle/>
+          <a:p>
+            <a:pPr algn="ctr"/>
+            <a:r>
+              <a:rPr lang="en-US"/>
+              <a:t>services</a:t>
+            </a:r>
+          </a:p>
+        </p:txBody>
+      </p:sp>
+      <p:sp>
+        <p:nvSpPr>
+          <p:cNvPr id="24" name="TextBox 23"/>
+          <p:cNvSpPr txBox="1"/>
+          <p:nvPr/>
+        </p:nvSpPr>
+        <p:spPr>
+          <a:xfrm>
+            <a:off x="2895600" y="2800350"/>
+            <a:ext cx="4419600" cy="369332"/>
+          </a:xfrm>
+          <a:prstGeom prst="rect">
+            <a:avLst/>
+          </a:prstGeom>
+          <a:noFill/>
+        </p:spPr>
+        <p:txBody>
+          <a:bodyPr wrap="square" rtlCol="0">
+            <a:spAutoFit/>
+          </a:bodyPr>
+          <a:lstStyle/>
+          <a:p>
+            <a:r>
+              <a:rPr lang="en-US">
+                <a:solidFill>
+                  <a:schemeClr val="bg1"/>
+                </a:solidFill>
+              </a:rPr>
+              <a:t>Sử dụng remote web services</a:t>
+            </a:r>
+          </a:p>
+        </p:txBody>
+      </p:sp>
     </p:spTree>
     <p:extLst>
       <p:ext uri="{BB962C8B-B14F-4D97-AF65-F5344CB8AC3E}">
-        <p14:creationId xmlns:p14="http://schemas.microsoft.com/office/powerpoint/2010/main" val="2209818373"/>
+        <p14:creationId xmlns:p14="http://schemas.microsoft.com/office/powerpoint/2010/main" val="1943656782"/>
       </p:ext>
     </p:extLst>
   </p:cSld>
@@ -6844,42 +6389,13 @@
       </p:grpSpPr>
       <p:sp>
         <p:nvSpPr>
-          <p:cNvPr id="2" name="Title 1"/>
-          <p:cNvSpPr>
-            <a:spLocks noGrp="1"/>
-          </p:cNvSpPr>
-          <p:nvPr>
-            <p:ph type="title"/>
-          </p:nvPr>
-        </p:nvSpPr>
-        <p:spPr>
-          <a:xfrm>
-            <a:off x="152400" y="0"/>
-            <a:ext cx="8610600" cy="590550"/>
-          </a:xfrm>
-        </p:spPr>
-        <p:txBody>
-          <a:bodyPr>
-            <a:normAutofit fontScale="90000"/>
-          </a:bodyPr>
-          <a:lstStyle/>
-          <a:p>
-            <a:r>
-              <a:rPr lang="en-US"/>
-              <a:t>Cấu trúc modules</a:t>
-            </a:r>
-          </a:p>
-        </p:txBody>
-      </p:sp>
-      <p:sp>
-        <p:nvSpPr>
-          <p:cNvPr id="3" name="Rectangle 2"/>
+          <p:cNvPr id="4" name="Rectangle 3"/>
           <p:cNvSpPr/>
           <p:nvPr/>
         </p:nvSpPr>
         <p:spPr>
           <a:xfrm>
-            <a:off x="381000" y="666750"/>
+            <a:off x="1828800" y="133350"/>
             <a:ext cx="1066800" cy="381000"/>
           </a:xfrm>
           <a:prstGeom prst="rect">
@@ -6907,20 +6423,20 @@
             <a:pPr algn="ctr"/>
             <a:r>
               <a:rPr lang="en-US"/>
-              <a:t>App</a:t>
-            </a:r>
-          </a:p>
-        </p:txBody>
-      </p:sp>
-      <p:sp>
-        <p:nvSpPr>
-          <p:cNvPr id="4" name="Rectangle 3"/>
+              <a:t>config</a:t>
+            </a:r>
+          </a:p>
+        </p:txBody>
+      </p:sp>
+      <p:sp>
+        <p:nvSpPr>
+          <p:cNvPr id="6" name="Rectangle 5"/>
           <p:cNvSpPr/>
           <p:nvPr/>
         </p:nvSpPr>
         <p:spPr>
           <a:xfrm>
-            <a:off x="2133600" y="1123950"/>
+            <a:off x="1828800" y="1200150"/>
             <a:ext cx="1066800" cy="381000"/>
           </a:xfrm>
           <a:prstGeom prst="rect">
@@ -6953,48 +6469,15 @@
           </a:p>
         </p:txBody>
       </p:sp>
-      <p:cxnSp>
-        <p:nvCxnSpPr>
-          <p:cNvPr id="7" name="Elbow Connector 6"/>
-          <p:cNvCxnSpPr>
-            <a:stCxn id="3" idx="3"/>
-            <a:endCxn id="4" idx="1"/>
-          </p:cNvCxnSpPr>
-          <p:nvPr/>
-        </p:nvCxnSpPr>
-        <p:spPr>
-          <a:xfrm>
-            <a:off x="1447800" y="857250"/>
-            <a:ext cx="685800" cy="457200"/>
-          </a:xfrm>
-          <a:prstGeom prst="bentConnector3">
-            <a:avLst/>
-          </a:prstGeom>
-        </p:spPr>
-        <p:style>
-          <a:lnRef idx="2">
-            <a:schemeClr val="accent1"/>
-          </a:lnRef>
-          <a:fillRef idx="0">
-            <a:schemeClr val="accent1"/>
-          </a:fillRef>
-          <a:effectRef idx="1">
-            <a:schemeClr val="accent1"/>
-          </a:effectRef>
-          <a:fontRef idx="minor">
-            <a:schemeClr val="tx1"/>
-          </a:fontRef>
-        </p:style>
-      </p:cxnSp>
-      <p:sp>
-        <p:nvSpPr>
-          <p:cNvPr id="11" name="Rectangle 10"/>
+      <p:sp>
+        <p:nvSpPr>
+          <p:cNvPr id="7" name="Rectangle 6"/>
           <p:cNvSpPr/>
           <p:nvPr/>
         </p:nvSpPr>
         <p:spPr>
           <a:xfrm>
-            <a:off x="2133600" y="1581150"/>
+            <a:off x="1828800" y="2266950"/>
             <a:ext cx="1066800" cy="381000"/>
           </a:xfrm>
           <a:prstGeom prst="rect">
@@ -7022,20 +6505,20 @@
             <a:pPr algn="ctr"/>
             <a:r>
               <a:rPr lang="en-US"/>
-              <a:t>plugins</a:t>
-            </a:r>
-          </a:p>
-        </p:txBody>
-      </p:sp>
-      <p:sp>
-        <p:nvSpPr>
-          <p:cNvPr id="12" name="Rectangle 11"/>
+              <a:t>public</a:t>
+            </a:r>
+          </a:p>
+        </p:txBody>
+      </p:sp>
+      <p:sp>
+        <p:nvSpPr>
+          <p:cNvPr id="9" name="Rectangle 8"/>
           <p:cNvSpPr/>
           <p:nvPr/>
         </p:nvSpPr>
         <p:spPr>
           <a:xfrm>
-            <a:off x="2133600" y="2038350"/>
+            <a:off x="2971800" y="2724150"/>
             <a:ext cx="1066800" cy="381000"/>
           </a:xfrm>
           <a:prstGeom prst="rect">
@@ -7063,86 +6546,20 @@
             <a:pPr algn="ctr"/>
             <a:r>
               <a:rPr lang="en-US"/>
-              <a:t>widgets</a:t>
-            </a:r>
-          </a:p>
-        </p:txBody>
-      </p:sp>
-      <p:cxnSp>
-        <p:nvCxnSpPr>
-          <p:cNvPr id="14" name="Elbow Connector 13"/>
-          <p:cNvCxnSpPr>
-            <a:stCxn id="3" idx="3"/>
-            <a:endCxn id="11" idx="1"/>
-          </p:cNvCxnSpPr>
-          <p:nvPr/>
-        </p:nvCxnSpPr>
-        <p:spPr>
-          <a:xfrm>
-            <a:off x="1447800" y="857250"/>
-            <a:ext cx="685800" cy="914400"/>
-          </a:xfrm>
-          <a:prstGeom prst="bentConnector3">
-            <a:avLst/>
-          </a:prstGeom>
-        </p:spPr>
-        <p:style>
-          <a:lnRef idx="2">
-            <a:schemeClr val="accent1"/>
-          </a:lnRef>
-          <a:fillRef idx="0">
-            <a:schemeClr val="accent1"/>
-          </a:fillRef>
-          <a:effectRef idx="1">
-            <a:schemeClr val="accent1"/>
-          </a:effectRef>
-          <a:fontRef idx="minor">
-            <a:schemeClr val="tx1"/>
-          </a:fontRef>
-        </p:style>
-      </p:cxnSp>
-      <p:cxnSp>
-        <p:nvCxnSpPr>
-          <p:cNvPr id="16" name="Elbow Connector 15"/>
-          <p:cNvCxnSpPr>
-            <a:stCxn id="3" idx="3"/>
-            <a:endCxn id="12" idx="1"/>
-          </p:cNvCxnSpPr>
-          <p:nvPr/>
-        </p:nvCxnSpPr>
-        <p:spPr>
-          <a:xfrm>
-            <a:off x="1447800" y="857250"/>
-            <a:ext cx="685800" cy="1371600"/>
-          </a:xfrm>
-          <a:prstGeom prst="bentConnector3">
-            <a:avLst/>
-          </a:prstGeom>
-        </p:spPr>
-        <p:style>
-          <a:lnRef idx="2">
-            <a:schemeClr val="accent1"/>
-          </a:lnRef>
-          <a:fillRef idx="0">
-            <a:schemeClr val="accent1"/>
-          </a:fillRef>
-          <a:effectRef idx="1">
-            <a:schemeClr val="accent1"/>
-          </a:effectRef>
-          <a:fontRef idx="minor">
-            <a:schemeClr val="tx1"/>
-          </a:fontRef>
-        </p:style>
-      </p:cxnSp>
-      <p:sp>
-        <p:nvSpPr>
-          <p:cNvPr id="17" name="Rectangle 16"/>
+              <a:t>themeA</a:t>
+            </a:r>
+          </a:p>
+        </p:txBody>
+      </p:sp>
+      <p:sp>
+        <p:nvSpPr>
+          <p:cNvPr id="10" name="Rectangle 9"/>
           <p:cNvSpPr/>
           <p:nvPr/>
         </p:nvSpPr>
         <p:spPr>
           <a:xfrm>
-            <a:off x="381000" y="2419350"/>
+            <a:off x="2971800" y="3181350"/>
             <a:ext cx="1066800" cy="381000"/>
           </a:xfrm>
           <a:prstGeom prst="rect">
@@ -7170,20 +6587,20 @@
             <a:pPr algn="ctr"/>
             <a:r>
               <a:rPr lang="en-US"/>
-              <a:t>Core</a:t>
-            </a:r>
-          </a:p>
-        </p:txBody>
-      </p:sp>
-      <p:sp>
-        <p:nvSpPr>
-          <p:cNvPr id="18" name="Rectangle 17"/>
+              <a:t>themeB</a:t>
+            </a:r>
+          </a:p>
+        </p:txBody>
+      </p:sp>
+      <p:sp>
+        <p:nvSpPr>
+          <p:cNvPr id="11" name="Rectangle 10"/>
           <p:cNvSpPr/>
           <p:nvPr/>
         </p:nvSpPr>
         <p:spPr>
           <a:xfrm>
-            <a:off x="2133600" y="2876550"/>
+            <a:off x="1828800" y="1733550"/>
             <a:ext cx="1066800" cy="381000"/>
           </a:xfrm>
           <a:prstGeom prst="rect">
@@ -7211,54 +6628,54 @@
             <a:pPr algn="ctr"/>
             <a:r>
               <a:rPr lang="en-US"/>
-              <a:t>modules</a:t>
-            </a:r>
-          </a:p>
-        </p:txBody>
-      </p:sp>
-      <p:cxnSp>
-        <p:nvCxnSpPr>
-          <p:cNvPr id="19" name="Elbow Connector 18"/>
-          <p:cNvCxnSpPr>
-            <a:stCxn id="17" idx="3"/>
-            <a:endCxn id="18" idx="1"/>
-          </p:cNvCxnSpPr>
+              <a:t>plugins</a:t>
+            </a:r>
+          </a:p>
+        </p:txBody>
+      </p:sp>
+      <p:sp>
+        <p:nvSpPr>
+          <p:cNvPr id="12" name="TextBox 11"/>
+          <p:cNvSpPr txBox="1"/>
           <p:nvPr/>
-        </p:nvCxnSpPr>
-        <p:spPr>
-          <a:xfrm>
-            <a:off x="1447800" y="2609850"/>
-            <a:ext cx="685800" cy="457200"/>
-          </a:xfrm>
-          <a:prstGeom prst="bentConnector3">
+        </p:nvSpPr>
+        <p:spPr>
+          <a:xfrm>
+            <a:off x="2895600" y="1733550"/>
+            <a:ext cx="2059729" cy="369332"/>
+          </a:xfrm>
+          <a:prstGeom prst="rect">
             <a:avLst/>
           </a:prstGeom>
-        </p:spPr>
-        <p:style>
-          <a:lnRef idx="2">
-            <a:schemeClr val="accent1"/>
-          </a:lnRef>
-          <a:fillRef idx="0">
-            <a:schemeClr val="accent1"/>
-          </a:fillRef>
-          <a:effectRef idx="1">
-            <a:schemeClr val="accent1"/>
-          </a:effectRef>
-          <a:fontRef idx="minor">
-            <a:schemeClr val="tx1"/>
-          </a:fontRef>
-        </p:style>
-      </p:cxnSp>
-      <p:sp>
-        <p:nvSpPr>
-          <p:cNvPr id="20" name="Rectangle 19"/>
+          <a:noFill/>
+        </p:spPr>
+        <p:txBody>
+          <a:bodyPr wrap="none" rtlCol="0">
+            <a:spAutoFit/>
+          </a:bodyPr>
+          <a:lstStyle/>
+          <a:p>
+            <a:r>
+              <a:rPr lang="en-US">
+                <a:solidFill>
+                  <a:schemeClr val="bg1"/>
+                </a:solidFill>
+              </a:rPr>
+              <a:t>Hàm xử lý trên view</a:t>
+            </a:r>
+          </a:p>
+        </p:txBody>
+      </p:sp>
+      <p:sp>
+        <p:nvSpPr>
+          <p:cNvPr id="13" name="Rectangle 12"/>
           <p:cNvSpPr/>
           <p:nvPr/>
         </p:nvSpPr>
         <p:spPr>
           <a:xfrm>
-            <a:off x="2133600" y="3333750"/>
-            <a:ext cx="1066800" cy="381000"/>
+            <a:off x="1828800" y="666750"/>
+            <a:ext cx="1600200" cy="381000"/>
           </a:xfrm>
           <a:prstGeom prst="rect">
             <a:avLst/>
@@ -7285,20 +6702,119 @@
             <a:pPr algn="ctr"/>
             <a:r>
               <a:rPr lang="en-US"/>
-              <a:t>plugins</a:t>
-            </a:r>
-          </a:p>
-        </p:txBody>
-      </p:sp>
-      <p:sp>
-        <p:nvSpPr>
-          <p:cNvPr id="21" name="Rectangle 20"/>
+              <a:t>node_modules</a:t>
+            </a:r>
+          </a:p>
+        </p:txBody>
+      </p:sp>
+      <p:sp>
+        <p:nvSpPr>
+          <p:cNvPr id="14" name="TextBox 13"/>
+          <p:cNvSpPr txBox="1"/>
+          <p:nvPr/>
+        </p:nvSpPr>
+        <p:spPr>
+          <a:xfrm>
+            <a:off x="3429000" y="666750"/>
+            <a:ext cx="3194737" cy="369332"/>
+          </a:xfrm>
+          <a:prstGeom prst="rect">
+            <a:avLst/>
+          </a:prstGeom>
+          <a:noFill/>
+        </p:spPr>
+        <p:txBody>
+          <a:bodyPr wrap="square" rtlCol="0">
+            <a:spAutoFit/>
+          </a:bodyPr>
+          <a:lstStyle/>
+          <a:p>
+            <a:r>
+              <a:rPr lang="en-US">
+                <a:solidFill>
+                  <a:schemeClr val="bg1"/>
+                </a:solidFill>
+              </a:rPr>
+              <a:t>Chứa các Node modules cục bộ</a:t>
+            </a:r>
+          </a:p>
+        </p:txBody>
+      </p:sp>
+      <p:sp>
+        <p:nvSpPr>
+          <p:cNvPr id="15" name="TextBox 14"/>
+          <p:cNvSpPr txBox="1"/>
+          <p:nvPr/>
+        </p:nvSpPr>
+        <p:spPr>
+          <a:xfrm>
+            <a:off x="2895600" y="1200150"/>
+            <a:ext cx="4419600" cy="369332"/>
+          </a:xfrm>
+          <a:prstGeom prst="rect">
+            <a:avLst/>
+          </a:prstGeom>
+          <a:noFill/>
+        </p:spPr>
+        <p:txBody>
+          <a:bodyPr wrap="square" rtlCol="0">
+            <a:spAutoFit/>
+          </a:bodyPr>
+          <a:lstStyle/>
+          <a:p>
+            <a:r>
+              <a:rPr lang="en-US">
+                <a:solidFill>
+                  <a:schemeClr val="bg1"/>
+                </a:solidFill>
+              </a:rPr>
+              <a:t>Chứa logic router, controller và models</a:t>
+            </a:r>
+          </a:p>
+        </p:txBody>
+      </p:sp>
+      <p:sp>
+        <p:nvSpPr>
+          <p:cNvPr id="16" name="TextBox 15"/>
+          <p:cNvSpPr txBox="1"/>
+          <p:nvPr/>
+        </p:nvSpPr>
+        <p:spPr>
+          <a:xfrm>
+            <a:off x="2895600" y="133350"/>
+            <a:ext cx="3194737" cy="369332"/>
+          </a:xfrm>
+          <a:prstGeom prst="rect">
+            <a:avLst/>
+          </a:prstGeom>
+          <a:noFill/>
+        </p:spPr>
+        <p:txBody>
+          <a:bodyPr wrap="square" rtlCol="0">
+            <a:spAutoFit/>
+          </a:bodyPr>
+          <a:lstStyle/>
+          <a:p>
+            <a:r>
+              <a:rPr lang="en-US">
+                <a:solidFill>
+                  <a:schemeClr val="bg1"/>
+                </a:solidFill>
+              </a:rPr>
+              <a:t>Chứa các file cấu hình hệ thống</a:t>
+            </a:r>
+          </a:p>
+        </p:txBody>
+      </p:sp>
+      <p:sp>
+        <p:nvSpPr>
+          <p:cNvPr id="17" name="Rectangle 16"/>
           <p:cNvSpPr/>
           <p:nvPr/>
         </p:nvSpPr>
         <p:spPr>
           <a:xfrm>
-            <a:off x="2133600" y="3790950"/>
+            <a:off x="1828800" y="3638550"/>
             <a:ext cx="1066800" cy="381000"/>
           </a:xfrm>
           <a:prstGeom prst="rect">
@@ -7331,279 +6847,49 @@
           </a:p>
         </p:txBody>
       </p:sp>
-      <p:cxnSp>
-        <p:nvCxnSpPr>
-          <p:cNvPr id="22" name="Elbow Connector 21"/>
-          <p:cNvCxnSpPr>
-            <a:stCxn id="17" idx="3"/>
-            <a:endCxn id="20" idx="1"/>
-          </p:cNvCxnSpPr>
+      <p:sp>
+        <p:nvSpPr>
+          <p:cNvPr id="18" name="TextBox 17"/>
+          <p:cNvSpPr txBox="1"/>
           <p:nvPr/>
-        </p:nvCxnSpPr>
-        <p:spPr>
-          <a:xfrm>
-            <a:off x="1447800" y="2609850"/>
-            <a:ext cx="685800" cy="914400"/>
-          </a:xfrm>
-          <a:prstGeom prst="bentConnector3">
-            <a:avLst/>
-          </a:prstGeom>
-        </p:spPr>
-        <p:style>
-          <a:lnRef idx="2">
-            <a:schemeClr val="accent1"/>
-          </a:lnRef>
-          <a:fillRef idx="0">
-            <a:schemeClr val="accent1"/>
-          </a:fillRef>
-          <a:effectRef idx="1">
-            <a:schemeClr val="accent1"/>
-          </a:effectRef>
-          <a:fontRef idx="minor">
-            <a:schemeClr val="tx1"/>
-          </a:fontRef>
-        </p:style>
-      </p:cxnSp>
-      <p:cxnSp>
-        <p:nvCxnSpPr>
-          <p:cNvPr id="23" name="Elbow Connector 22"/>
-          <p:cNvCxnSpPr>
-            <a:stCxn id="17" idx="3"/>
-            <a:endCxn id="21" idx="1"/>
-          </p:cNvCxnSpPr>
-          <p:nvPr/>
-        </p:nvCxnSpPr>
-        <p:spPr>
-          <a:xfrm>
-            <a:off x="1447800" y="2609850"/>
-            <a:ext cx="685800" cy="1371600"/>
-          </a:xfrm>
-          <a:prstGeom prst="bentConnector3">
-            <a:avLst/>
-          </a:prstGeom>
-        </p:spPr>
-        <p:style>
-          <a:lnRef idx="2">
-            <a:schemeClr val="accent1"/>
-          </a:lnRef>
-          <a:fillRef idx="0">
-            <a:schemeClr val="accent1"/>
-          </a:fillRef>
-          <a:effectRef idx="1">
-            <a:schemeClr val="accent1"/>
-          </a:effectRef>
-          <a:fontRef idx="minor">
-            <a:schemeClr val="tx1"/>
-          </a:fontRef>
-        </p:style>
-      </p:cxnSp>
-      <p:sp>
-        <p:nvSpPr>
-          <p:cNvPr id="24" name="Rectangle 23"/>
-          <p:cNvSpPr/>
-          <p:nvPr/>
-        </p:nvSpPr>
-        <p:spPr>
-          <a:xfrm>
-            <a:off x="3810000" y="1123950"/>
-            <a:ext cx="1066800" cy="381000"/>
+        </p:nvSpPr>
+        <p:spPr>
+          <a:xfrm>
+            <a:off x="2895600" y="3638550"/>
+            <a:ext cx="3670934" cy="369332"/>
           </a:xfrm>
           <a:prstGeom prst="rect">
             <a:avLst/>
           </a:prstGeom>
-        </p:spPr>
-        <p:style>
-          <a:lnRef idx="1">
-            <a:schemeClr val="accent1"/>
-          </a:lnRef>
-          <a:fillRef idx="3">
-            <a:schemeClr val="accent1"/>
-          </a:fillRef>
-          <a:effectRef idx="2">
-            <a:schemeClr val="accent1"/>
-          </a:effectRef>
-          <a:fontRef idx="minor">
-            <a:schemeClr val="lt1"/>
-          </a:fontRef>
-        </p:style>
-        <p:txBody>
-          <a:bodyPr rtlCol="0" anchor="ctr"/>
-          <a:lstStyle/>
-          <a:p>
-            <a:pPr algn="ctr"/>
-            <a:r>
-              <a:rPr lang="en-US"/>
-              <a:t>moduleA</a:t>
-            </a:r>
-          </a:p>
-        </p:txBody>
-      </p:sp>
-      <p:cxnSp>
-        <p:nvCxnSpPr>
-          <p:cNvPr id="26" name="Straight Connector 25"/>
-          <p:cNvCxnSpPr>
-            <a:stCxn id="4" idx="3"/>
-            <a:endCxn id="24" idx="1"/>
-          </p:cNvCxnSpPr>
-          <p:nvPr/>
-        </p:nvCxnSpPr>
-        <p:spPr>
-          <a:xfrm>
-            <a:off x="3200400" y="1314450"/>
-            <a:ext cx="609600" cy="0"/>
-          </a:xfrm>
-          <a:prstGeom prst="line">
-            <a:avLst/>
-          </a:prstGeom>
-        </p:spPr>
-        <p:style>
-          <a:lnRef idx="2">
-            <a:schemeClr val="accent1"/>
-          </a:lnRef>
-          <a:fillRef idx="0">
-            <a:schemeClr val="accent1"/>
-          </a:fillRef>
-          <a:effectRef idx="1">
-            <a:schemeClr val="accent1"/>
-          </a:effectRef>
-          <a:fontRef idx="minor">
-            <a:schemeClr val="tx1"/>
-          </a:fontRef>
-        </p:style>
-      </p:cxnSp>
-      <p:sp>
-        <p:nvSpPr>
-          <p:cNvPr id="27" name="Rectangle 26"/>
+          <a:noFill/>
+        </p:spPr>
+        <p:txBody>
+          <a:bodyPr wrap="none" rtlCol="0">
+            <a:spAutoFit/>
+          </a:bodyPr>
+          <a:lstStyle/>
+          <a:p>
+            <a:r>
+              <a:rPr lang="en-US">
+                <a:solidFill>
+                  <a:schemeClr val="bg1"/>
+                </a:solidFill>
+              </a:rPr>
+              <a:t>Partial view tái sử dụng trên view lớn</a:t>
+            </a:r>
+          </a:p>
+        </p:txBody>
+      </p:sp>
+      <p:sp>
+        <p:nvSpPr>
+          <p:cNvPr id="19" name="Rectangle 18"/>
           <p:cNvSpPr/>
           <p:nvPr/>
         </p:nvSpPr>
         <p:spPr>
           <a:xfrm>
-            <a:off x="5791200" y="1428750"/>
+            <a:off x="1828800" y="4248150"/>
             <a:ext cx="1066800" cy="381000"/>
-          </a:xfrm>
-          <a:prstGeom prst="rect">
-            <a:avLst/>
-          </a:prstGeom>
-        </p:spPr>
-        <p:style>
-          <a:lnRef idx="1">
-            <a:schemeClr val="accent1"/>
-          </a:lnRef>
-          <a:fillRef idx="3">
-            <a:schemeClr val="accent1"/>
-          </a:fillRef>
-          <a:effectRef idx="2">
-            <a:schemeClr val="accent1"/>
-          </a:effectRef>
-          <a:fontRef idx="minor">
-            <a:schemeClr val="lt1"/>
-          </a:fontRef>
-        </p:style>
-        <p:txBody>
-          <a:bodyPr rtlCol="0" anchor="ctr"/>
-          <a:lstStyle/>
-          <a:p>
-            <a:pPr algn="ctr"/>
-            <a:r>
-              <a:rPr lang="en-US"/>
-              <a:t>backend</a:t>
-            </a:r>
-          </a:p>
-        </p:txBody>
-      </p:sp>
-      <p:sp>
-        <p:nvSpPr>
-          <p:cNvPr id="28" name="Rectangle 27"/>
-          <p:cNvSpPr/>
-          <p:nvPr/>
-        </p:nvSpPr>
-        <p:spPr>
-          <a:xfrm>
-            <a:off x="5791200" y="1962150"/>
-            <a:ext cx="1066800" cy="381000"/>
-          </a:xfrm>
-          <a:prstGeom prst="rect">
-            <a:avLst/>
-          </a:prstGeom>
-        </p:spPr>
-        <p:style>
-          <a:lnRef idx="1">
-            <a:schemeClr val="accent1"/>
-          </a:lnRef>
-          <a:fillRef idx="3">
-            <a:schemeClr val="accent1"/>
-          </a:fillRef>
-          <a:effectRef idx="2">
-            <a:schemeClr val="accent1"/>
-          </a:effectRef>
-          <a:fontRef idx="minor">
-            <a:schemeClr val="lt1"/>
-          </a:fontRef>
-        </p:style>
-        <p:txBody>
-          <a:bodyPr rtlCol="0" anchor="ctr"/>
-          <a:lstStyle/>
-          <a:p>
-            <a:pPr algn="ctr"/>
-            <a:r>
-              <a:rPr lang="en-US"/>
-              <a:t>frontend</a:t>
-            </a:r>
-          </a:p>
-        </p:txBody>
-      </p:sp>
-      <p:sp>
-        <p:nvSpPr>
-          <p:cNvPr id="29" name="Rectangle 28"/>
-          <p:cNvSpPr/>
-          <p:nvPr/>
-        </p:nvSpPr>
-        <p:spPr>
-          <a:xfrm>
-            <a:off x="5791200" y="2571750"/>
-            <a:ext cx="1066800" cy="381000"/>
-          </a:xfrm>
-          <a:prstGeom prst="rect">
-            <a:avLst/>
-          </a:prstGeom>
-        </p:spPr>
-        <p:style>
-          <a:lnRef idx="1">
-            <a:schemeClr val="accent1"/>
-          </a:lnRef>
-          <a:fillRef idx="3">
-            <a:schemeClr val="accent1"/>
-          </a:fillRef>
-          <a:effectRef idx="2">
-            <a:schemeClr val="accent1"/>
-          </a:effectRef>
-          <a:fontRef idx="minor">
-            <a:schemeClr val="lt1"/>
-          </a:fontRef>
-        </p:style>
-        <p:txBody>
-          <a:bodyPr rtlCol="0" anchor="ctr"/>
-          <a:lstStyle/>
-          <a:p>
-            <a:pPr algn="ctr"/>
-            <a:r>
-              <a:rPr lang="en-US"/>
-              <a:t>models</a:t>
-            </a:r>
-          </a:p>
-        </p:txBody>
-      </p:sp>
-      <p:sp>
-        <p:nvSpPr>
-          <p:cNvPr id="30" name="Rectangle 29"/>
-          <p:cNvSpPr/>
-          <p:nvPr/>
-        </p:nvSpPr>
-        <p:spPr>
-          <a:xfrm>
-            <a:off x="5791200" y="3181350"/>
-            <a:ext cx="1219200" cy="381000"/>
           </a:xfrm>
           <a:prstGeom prst="rect">
             <a:avLst/>
@@ -7630,369 +6916,48 @@
             <a:pPr algn="ctr"/>
             <a:r>
               <a:rPr lang="en-US"/>
-              <a:t>module.js</a:t>
-            </a:r>
-          </a:p>
-        </p:txBody>
-      </p:sp>
-      <p:cxnSp>
-        <p:nvCxnSpPr>
-          <p:cNvPr id="32" name="Elbow Connector 31"/>
-          <p:cNvCxnSpPr>
-            <a:stCxn id="24" idx="3"/>
-            <a:endCxn id="27" idx="1"/>
-          </p:cNvCxnSpPr>
+              <a:t>server.js</a:t>
+            </a:r>
+          </a:p>
+        </p:txBody>
+      </p:sp>
+      <p:sp>
+        <p:nvSpPr>
+          <p:cNvPr id="21" name="TextBox 20"/>
+          <p:cNvSpPr txBox="1"/>
           <p:nvPr/>
-        </p:nvCxnSpPr>
-        <p:spPr>
-          <a:xfrm>
-            <a:off x="4876800" y="1314450"/>
-            <a:ext cx="914400" cy="304800"/>
-          </a:xfrm>
-          <a:prstGeom prst="bentConnector3">
-            <a:avLst/>
-          </a:prstGeom>
-        </p:spPr>
-        <p:style>
-          <a:lnRef idx="2">
-            <a:schemeClr val="accent1"/>
-          </a:lnRef>
-          <a:fillRef idx="0">
-            <a:schemeClr val="accent1"/>
-          </a:fillRef>
-          <a:effectRef idx="1">
-            <a:schemeClr val="accent1"/>
-          </a:effectRef>
-          <a:fontRef idx="minor">
-            <a:schemeClr val="tx1"/>
-          </a:fontRef>
-        </p:style>
-      </p:cxnSp>
-      <p:cxnSp>
-        <p:nvCxnSpPr>
-          <p:cNvPr id="34" name="Elbow Connector 33"/>
-          <p:cNvCxnSpPr>
-            <a:stCxn id="24" idx="3"/>
-            <a:endCxn id="28" idx="1"/>
-          </p:cNvCxnSpPr>
-          <p:nvPr/>
-        </p:nvCxnSpPr>
-        <p:spPr>
-          <a:xfrm>
-            <a:off x="4876800" y="1314450"/>
-            <a:ext cx="914400" cy="838200"/>
-          </a:xfrm>
-          <a:prstGeom prst="bentConnector3">
-            <a:avLst/>
-          </a:prstGeom>
-        </p:spPr>
-        <p:style>
-          <a:lnRef idx="2">
-            <a:schemeClr val="accent1"/>
-          </a:lnRef>
-          <a:fillRef idx="0">
-            <a:schemeClr val="accent1"/>
-          </a:fillRef>
-          <a:effectRef idx="1">
-            <a:schemeClr val="accent1"/>
-          </a:effectRef>
-          <a:fontRef idx="minor">
-            <a:schemeClr val="tx1"/>
-          </a:fontRef>
-        </p:style>
-      </p:cxnSp>
-      <p:cxnSp>
-        <p:nvCxnSpPr>
-          <p:cNvPr id="36" name="Elbow Connector 35"/>
-          <p:cNvCxnSpPr>
-            <a:stCxn id="24" idx="3"/>
-            <a:endCxn id="29" idx="1"/>
-          </p:cNvCxnSpPr>
-          <p:nvPr/>
-        </p:nvCxnSpPr>
-        <p:spPr>
-          <a:xfrm>
-            <a:off x="4876800" y="1314450"/>
-            <a:ext cx="914400" cy="1447800"/>
-          </a:xfrm>
-          <a:prstGeom prst="bentConnector3">
-            <a:avLst/>
-          </a:prstGeom>
-        </p:spPr>
-        <p:style>
-          <a:lnRef idx="2">
-            <a:schemeClr val="accent1"/>
-          </a:lnRef>
-          <a:fillRef idx="0">
-            <a:schemeClr val="accent1"/>
-          </a:fillRef>
-          <a:effectRef idx="1">
-            <a:schemeClr val="accent1"/>
-          </a:effectRef>
-          <a:fontRef idx="minor">
-            <a:schemeClr val="tx1"/>
-          </a:fontRef>
-        </p:style>
-      </p:cxnSp>
-      <p:cxnSp>
-        <p:nvCxnSpPr>
-          <p:cNvPr id="38" name="Elbow Connector 37"/>
-          <p:cNvCxnSpPr>
-            <a:stCxn id="24" idx="3"/>
-            <a:endCxn id="30" idx="1"/>
-          </p:cNvCxnSpPr>
-          <p:nvPr/>
-        </p:nvCxnSpPr>
-        <p:spPr>
-          <a:xfrm>
-            <a:off x="4876800" y="1314450"/>
-            <a:ext cx="914400" cy="2057400"/>
-          </a:xfrm>
-          <a:prstGeom prst="bentConnector3">
-            <a:avLst/>
-          </a:prstGeom>
-        </p:spPr>
-        <p:style>
-          <a:lnRef idx="2">
-            <a:schemeClr val="accent1"/>
-          </a:lnRef>
-          <a:fillRef idx="0">
-            <a:schemeClr val="accent1"/>
-          </a:fillRef>
-          <a:effectRef idx="1">
-            <a:schemeClr val="accent1"/>
-          </a:effectRef>
-          <a:fontRef idx="minor">
-            <a:schemeClr val="tx1"/>
-          </a:fontRef>
-        </p:style>
-      </p:cxnSp>
-      <p:sp>
-        <p:nvSpPr>
-          <p:cNvPr id="39" name="Rectangle 38"/>
-          <p:cNvSpPr/>
-          <p:nvPr/>
-        </p:nvSpPr>
-        <p:spPr>
-          <a:xfrm>
-            <a:off x="7543800" y="1657350"/>
-            <a:ext cx="1219200" cy="381000"/>
+        </p:nvSpPr>
+        <p:spPr>
+          <a:xfrm>
+            <a:off x="2895600" y="4248150"/>
+            <a:ext cx="3757271" cy="369332"/>
           </a:xfrm>
           <a:prstGeom prst="rect">
             <a:avLst/>
           </a:prstGeom>
-        </p:spPr>
-        <p:style>
-          <a:lnRef idx="1">
-            <a:schemeClr val="accent1"/>
-          </a:lnRef>
-          <a:fillRef idx="3">
-            <a:schemeClr val="accent1"/>
-          </a:fillRef>
-          <a:effectRef idx="2">
-            <a:schemeClr val="accent1"/>
-          </a:effectRef>
-          <a:fontRef idx="minor">
-            <a:schemeClr val="lt1"/>
-          </a:fontRef>
-        </p:style>
-        <p:txBody>
-          <a:bodyPr rtlCol="0" anchor="ctr"/>
-          <a:lstStyle/>
-          <a:p>
-            <a:pPr algn="ctr"/>
-            <a:r>
-              <a:rPr lang="en-US"/>
-              <a:t>controller</a:t>
-            </a:r>
-          </a:p>
-        </p:txBody>
-      </p:sp>
-      <p:sp>
-        <p:nvSpPr>
-          <p:cNvPr id="44" name="Rectangle 43"/>
-          <p:cNvSpPr/>
-          <p:nvPr/>
-        </p:nvSpPr>
-        <p:spPr>
-          <a:xfrm>
-            <a:off x="7543800" y="2190750"/>
-            <a:ext cx="1066800" cy="381000"/>
-          </a:xfrm>
-          <a:prstGeom prst="rect">
-            <a:avLst/>
-          </a:prstGeom>
-        </p:spPr>
-        <p:style>
-          <a:lnRef idx="1">
-            <a:schemeClr val="accent1"/>
-          </a:lnRef>
-          <a:fillRef idx="3">
-            <a:schemeClr val="accent1"/>
-          </a:fillRef>
-          <a:effectRef idx="2">
-            <a:schemeClr val="accent1"/>
-          </a:effectRef>
-          <a:fontRef idx="minor">
-            <a:schemeClr val="lt1"/>
-          </a:fontRef>
-        </p:style>
-        <p:txBody>
-          <a:bodyPr rtlCol="0" anchor="ctr"/>
-          <a:lstStyle/>
-          <a:p>
-            <a:pPr algn="ctr"/>
-            <a:r>
-              <a:rPr lang="en-US"/>
-              <a:t>view</a:t>
-            </a:r>
-          </a:p>
-        </p:txBody>
-      </p:sp>
-      <p:cxnSp>
-        <p:nvCxnSpPr>
-          <p:cNvPr id="46" name="Elbow Connector 45"/>
-          <p:cNvCxnSpPr>
-            <a:stCxn id="27" idx="3"/>
-            <a:endCxn id="39" idx="1"/>
-          </p:cNvCxnSpPr>
-          <p:nvPr/>
-        </p:nvCxnSpPr>
-        <p:spPr>
-          <a:xfrm>
-            <a:off x="6858000" y="1619250"/>
-            <a:ext cx="685800" cy="228600"/>
-          </a:xfrm>
-          <a:prstGeom prst="bentConnector3">
-            <a:avLst/>
-          </a:prstGeom>
-        </p:spPr>
-        <p:style>
-          <a:lnRef idx="2">
-            <a:schemeClr val="accent1"/>
-          </a:lnRef>
-          <a:fillRef idx="0">
-            <a:schemeClr val="accent1"/>
-          </a:fillRef>
-          <a:effectRef idx="1">
-            <a:schemeClr val="accent1"/>
-          </a:effectRef>
-          <a:fontRef idx="minor">
-            <a:schemeClr val="tx1"/>
-          </a:fontRef>
-        </p:style>
-      </p:cxnSp>
-      <p:cxnSp>
-        <p:nvCxnSpPr>
-          <p:cNvPr id="48" name="Elbow Connector 47"/>
-          <p:cNvCxnSpPr>
-            <a:stCxn id="27" idx="3"/>
-            <a:endCxn id="44" idx="1"/>
-          </p:cNvCxnSpPr>
-          <p:nvPr/>
-        </p:nvCxnSpPr>
-        <p:spPr>
-          <a:xfrm>
-            <a:off x="6858000" y="1619250"/>
-            <a:ext cx="685800" cy="762000"/>
-          </a:xfrm>
-          <a:prstGeom prst="bentConnector3">
-            <a:avLst/>
-          </a:prstGeom>
-        </p:spPr>
-        <p:style>
-          <a:lnRef idx="2">
-            <a:schemeClr val="accent1"/>
-          </a:lnRef>
-          <a:fillRef idx="0">
-            <a:schemeClr val="accent1"/>
-          </a:fillRef>
-          <a:effectRef idx="1">
-            <a:schemeClr val="accent1"/>
-          </a:effectRef>
-          <a:fontRef idx="minor">
-            <a:schemeClr val="tx1"/>
-          </a:fontRef>
-        </p:style>
-      </p:cxnSp>
-      <p:sp>
-        <p:nvSpPr>
-          <p:cNvPr id="50" name="Rectangle 49"/>
-          <p:cNvSpPr/>
-          <p:nvPr/>
-        </p:nvSpPr>
-        <p:spPr>
-          <a:xfrm>
-            <a:off x="7543800" y="2800350"/>
-            <a:ext cx="1066800" cy="381000"/>
-          </a:xfrm>
-          <a:prstGeom prst="rect">
-            <a:avLst/>
-          </a:prstGeom>
-        </p:spPr>
-        <p:style>
-          <a:lnRef idx="1">
-            <a:schemeClr val="accent3"/>
-          </a:lnRef>
-          <a:fillRef idx="2">
-            <a:schemeClr val="accent3"/>
-          </a:fillRef>
-          <a:effectRef idx="1">
-            <a:schemeClr val="accent3"/>
-          </a:effectRef>
-          <a:fontRef idx="minor">
-            <a:schemeClr val="dk1"/>
-          </a:fontRef>
-        </p:style>
-        <p:txBody>
-          <a:bodyPr rtlCol="0" anchor="ctr"/>
-          <a:lstStyle/>
-          <a:p>
-            <a:pPr algn="ctr"/>
-            <a:r>
-              <a:rPr lang="en-US"/>
-              <a:t>route.js</a:t>
-            </a:r>
-          </a:p>
-        </p:txBody>
-      </p:sp>
-      <p:cxnSp>
-        <p:nvCxnSpPr>
-          <p:cNvPr id="52" name="Elbow Connector 51"/>
-          <p:cNvCxnSpPr>
-            <a:stCxn id="27" idx="3"/>
-            <a:endCxn id="50" idx="1"/>
-          </p:cNvCxnSpPr>
-          <p:nvPr/>
-        </p:nvCxnSpPr>
-        <p:spPr>
-          <a:xfrm>
-            <a:off x="6858000" y="1619250"/>
-            <a:ext cx="685800" cy="1371600"/>
-          </a:xfrm>
-          <a:prstGeom prst="bentConnector3">
-            <a:avLst/>
-          </a:prstGeom>
-        </p:spPr>
-        <p:style>
-          <a:lnRef idx="2">
-            <a:schemeClr val="accent1"/>
-          </a:lnRef>
-          <a:fillRef idx="0">
-            <a:schemeClr val="accent1"/>
-          </a:fillRef>
-          <a:effectRef idx="1">
-            <a:schemeClr val="accent1"/>
-          </a:effectRef>
-          <a:fontRef idx="minor">
-            <a:schemeClr val="tx1"/>
-          </a:fontRef>
-        </p:style>
-      </p:cxnSp>
+          <a:noFill/>
+        </p:spPr>
+        <p:txBody>
+          <a:bodyPr wrap="none" rtlCol="0">
+            <a:spAutoFit/>
+          </a:bodyPr>
+          <a:lstStyle/>
+          <a:p>
+            <a:r>
+              <a:rPr lang="en-US">
+                <a:solidFill>
+                  <a:schemeClr val="bg1"/>
+                </a:solidFill>
+              </a:rPr>
+              <a:t>file javascript chính để chạy ứng dụng</a:t>
+            </a:r>
+          </a:p>
+        </p:txBody>
+      </p:sp>
     </p:spTree>
     <p:extLst>
       <p:ext uri="{BB962C8B-B14F-4D97-AF65-F5344CB8AC3E}">
-        <p14:creationId xmlns:p14="http://schemas.microsoft.com/office/powerpoint/2010/main" val="3861616338"/>
+        <p14:creationId xmlns:p14="http://schemas.microsoft.com/office/powerpoint/2010/main" val="2209818373"/>
       </p:ext>
     </p:extLst>
   </p:cSld>
@@ -8021,570 +6986,1155 @@
       </p:grpSpPr>
       <p:sp>
         <p:nvSpPr>
-          <p:cNvPr id="2" name="Text Placeholder 1"/>
+          <p:cNvPr id="2" name="Title 1"/>
           <p:cNvSpPr>
             <a:spLocks noGrp="1"/>
           </p:cNvSpPr>
           <p:nvPr>
-            <p:ph type="body" idx="1"/>
+            <p:ph type="title"/>
           </p:nvPr>
         </p:nvSpPr>
-        <p:spPr/>
-        <p:txBody>
-          <a:bodyPr/>
-          <a:lstStyle/>
-          <a:p>
-            <a:r>
-              <a:rPr lang="en-US" dirty="0"/>
-              <a:t>Theme </a:t>
-            </a:r>
-            <a:r>
-              <a:rPr lang="en-US" dirty="0" err="1"/>
-              <a:t>ở</a:t>
-            </a:r>
-            <a:r>
-              <a:rPr lang="en-US" dirty="0"/>
-              <a:t> </a:t>
-            </a:r>
-            <a:r>
-              <a:rPr lang="en-US" dirty="0" err="1"/>
-              <a:t>thư</a:t>
-            </a:r>
-            <a:r>
-              <a:rPr lang="en-US" dirty="0"/>
-              <a:t> </a:t>
-            </a:r>
-            <a:r>
-              <a:rPr lang="en-US" dirty="0" err="1"/>
-              <a:t>mục</a:t>
-            </a:r>
-            <a:r>
-              <a:rPr lang="en-US" dirty="0"/>
-              <a:t> public</a:t>
-            </a:r>
-          </a:p>
-        </p:txBody>
-      </p:sp>
-      <p:sp>
-        <p:nvSpPr>
-          <p:cNvPr id="3" name="Content Placeholder 2"/>
-          <p:cNvSpPr>
-            <a:spLocks noGrp="1"/>
-          </p:cNvSpPr>
-          <p:nvPr>
-            <p:ph sz="half" idx="2"/>
-          </p:nvPr>
-        </p:nvSpPr>
-        <p:spPr/>
+        <p:spPr>
+          <a:xfrm>
+            <a:off x="152400" y="0"/>
+            <a:ext cx="8610600" cy="590550"/>
+          </a:xfrm>
+        </p:spPr>
         <p:txBody>
           <a:bodyPr>
-            <a:noAutofit/>
+            <a:normAutofit fontScale="90000"/>
           </a:bodyPr>
           <a:lstStyle/>
           <a:p>
             <a:r>
-              <a:rPr lang="en-US" sz="1800" dirty="0"/>
-              <a:t>Pro</a:t>
-            </a:r>
-          </a:p>
-          <a:p>
-            <a:pPr lvl="1">
-              <a:spcBef>
-                <a:spcPts val="600"/>
-              </a:spcBef>
-            </a:pPr>
-            <a:r>
-              <a:rPr lang="en-US" sz="1600" dirty="0" err="1"/>
-              <a:t>Cài</a:t>
-            </a:r>
-            <a:r>
-              <a:rPr lang="en-US" sz="1600" dirty="0"/>
-              <a:t> </a:t>
-            </a:r>
-            <a:r>
-              <a:rPr lang="en-US" sz="1600" dirty="0" err="1" smtClean="0"/>
-              <a:t>đặt</a:t>
-            </a:r>
-            <a:r>
-              <a:rPr lang="en-US" sz="1600" dirty="0" smtClean="0"/>
-              <a:t>, </a:t>
-            </a:r>
-            <a:r>
-              <a:rPr lang="en-US" sz="1600" dirty="0" err="1" smtClean="0"/>
-              <a:t>gỡ</a:t>
-            </a:r>
-            <a:r>
-              <a:rPr lang="en-US" sz="1600" dirty="0" smtClean="0"/>
-              <a:t> </a:t>
-            </a:r>
-            <a:r>
-              <a:rPr lang="en-US" sz="1600" dirty="0" err="1" smtClean="0"/>
-              <a:t>gói</a:t>
-            </a:r>
-            <a:r>
-              <a:rPr lang="en-US" sz="1600" dirty="0" smtClean="0"/>
-              <a:t> theme </a:t>
-            </a:r>
-            <a:r>
-              <a:rPr lang="en-US" sz="1600" dirty="0" err="1" smtClean="0"/>
-              <a:t>dễ</a:t>
-            </a:r>
-            <a:r>
-              <a:rPr lang="en-US" sz="1600" dirty="0" smtClean="0"/>
-              <a:t> </a:t>
-            </a:r>
-            <a:r>
-              <a:rPr lang="en-US" sz="1600" dirty="0" err="1" smtClean="0"/>
-              <a:t>dàng</a:t>
-            </a:r>
-            <a:endParaRPr lang="en-US" sz="1600" dirty="0"/>
-          </a:p>
-          <a:p>
-            <a:pPr lvl="1">
-              <a:spcBef>
-                <a:spcPts val="600"/>
-              </a:spcBef>
-            </a:pPr>
-            <a:r>
-              <a:rPr lang="en-US" sz="1600" dirty="0" err="1"/>
-              <a:t>Phù</a:t>
-            </a:r>
-            <a:r>
-              <a:rPr lang="en-US" sz="1600" dirty="0"/>
-              <a:t> </a:t>
-            </a:r>
-            <a:r>
-              <a:rPr lang="en-US" sz="1600" dirty="0" err="1"/>
-              <a:t>hợp</a:t>
-            </a:r>
-            <a:r>
-              <a:rPr lang="en-US" sz="1600" dirty="0"/>
-              <a:t> </a:t>
-            </a:r>
-            <a:r>
-              <a:rPr lang="en-US" sz="1600" dirty="0" err="1"/>
-              <a:t>với</a:t>
-            </a:r>
-            <a:r>
-              <a:rPr lang="en-US" sz="1600" dirty="0"/>
-              <a:t> post, page, </a:t>
-            </a:r>
-            <a:r>
-              <a:rPr lang="en-US" sz="1600" dirty="0" err="1"/>
-              <a:t>các</a:t>
-            </a:r>
-            <a:r>
-              <a:rPr lang="en-US" sz="1600" dirty="0"/>
-              <a:t> </a:t>
-            </a:r>
-            <a:r>
-              <a:rPr lang="en-US" sz="1600" dirty="0" err="1"/>
-              <a:t>trang</a:t>
-            </a:r>
-            <a:r>
-              <a:rPr lang="en-US" sz="1600" dirty="0"/>
-              <a:t> </a:t>
-            </a:r>
-            <a:r>
-              <a:rPr lang="en-US" sz="1600" dirty="0" err="1"/>
-              <a:t>tiêu</a:t>
-            </a:r>
-            <a:r>
-              <a:rPr lang="en-US" sz="1600" dirty="0"/>
-              <a:t> </a:t>
-            </a:r>
-            <a:r>
-              <a:rPr lang="en-US" sz="1600" dirty="0" err="1"/>
-              <a:t>chuẩn</a:t>
-            </a:r>
-            <a:endParaRPr lang="en-US" sz="1600" dirty="0"/>
-          </a:p>
-          <a:p>
-            <a:pPr lvl="1">
-              <a:spcBef>
-                <a:spcPts val="600"/>
-              </a:spcBef>
-            </a:pPr>
-            <a:r>
-              <a:rPr lang="en-US" sz="1600" dirty="0" err="1"/>
-              <a:t>Độc</a:t>
-            </a:r>
-            <a:r>
-              <a:rPr lang="en-US" sz="1600" dirty="0"/>
-              <a:t> </a:t>
-            </a:r>
-            <a:r>
-              <a:rPr lang="en-US" sz="1600" dirty="0" err="1"/>
-              <a:t>lập</a:t>
-            </a:r>
-            <a:r>
-              <a:rPr lang="en-US" sz="1600" dirty="0"/>
-              <a:t> </a:t>
-            </a:r>
-            <a:r>
-              <a:rPr lang="en-US" sz="1600" dirty="0" err="1"/>
-              <a:t>với</a:t>
-            </a:r>
-            <a:r>
-              <a:rPr lang="en-US" sz="1600" dirty="0"/>
-              <a:t> </a:t>
-            </a:r>
-            <a:r>
-              <a:rPr lang="en-US" sz="1600" dirty="0" err="1"/>
-              <a:t>các</a:t>
-            </a:r>
-            <a:r>
-              <a:rPr lang="en-US" sz="1600" dirty="0"/>
-              <a:t> custom module</a:t>
-            </a:r>
-          </a:p>
-          <a:p>
-            <a:r>
-              <a:rPr lang="en-US" sz="1800" dirty="0"/>
-              <a:t>Cons</a:t>
-            </a:r>
-          </a:p>
-          <a:p>
-            <a:pPr lvl="1">
-              <a:spcBef>
-                <a:spcPts val="600"/>
-              </a:spcBef>
-            </a:pPr>
-            <a:r>
-              <a:rPr lang="en-US" sz="1600" dirty="0" err="1"/>
-              <a:t>Khi</a:t>
-            </a:r>
-            <a:r>
-              <a:rPr lang="en-US" sz="1600" dirty="0"/>
-              <a:t> </a:t>
-            </a:r>
-            <a:r>
-              <a:rPr lang="en-US" sz="1600" dirty="0" err="1"/>
-              <a:t>số</a:t>
-            </a:r>
-            <a:r>
-              <a:rPr lang="en-US" sz="1600" dirty="0"/>
-              <a:t> </a:t>
-            </a:r>
-            <a:r>
-              <a:rPr lang="en-US" sz="1600" dirty="0" err="1"/>
-              <a:t>lượng</a:t>
-            </a:r>
-            <a:r>
-              <a:rPr lang="en-US" sz="1600" dirty="0"/>
-              <a:t> </a:t>
-            </a:r>
-            <a:r>
-              <a:rPr lang="en-US" sz="1600" dirty="0" err="1"/>
-              <a:t>màn</a:t>
-            </a:r>
-            <a:r>
-              <a:rPr lang="en-US" sz="1600" dirty="0"/>
-              <a:t> </a:t>
-            </a:r>
-            <a:r>
-              <a:rPr lang="en-US" sz="1600" dirty="0" err="1"/>
-              <a:t>hình</a:t>
-            </a:r>
-            <a:r>
-              <a:rPr lang="en-US" sz="1600" dirty="0"/>
-              <a:t> view </a:t>
-            </a:r>
-            <a:r>
-              <a:rPr lang="en-US" sz="1600" dirty="0" err="1"/>
-              <a:t>lớn</a:t>
-            </a:r>
-            <a:r>
-              <a:rPr lang="en-US" sz="1600" dirty="0"/>
-              <a:t> </a:t>
-            </a:r>
-            <a:r>
-              <a:rPr lang="en-US" sz="1600" dirty="0" err="1"/>
-              <a:t>lên</a:t>
-            </a:r>
-            <a:r>
-              <a:rPr lang="en-US" sz="1600" dirty="0"/>
-              <a:t>, module </a:t>
-            </a:r>
-            <a:r>
-              <a:rPr lang="en-US" sz="1600" dirty="0" err="1"/>
-              <a:t>quản</a:t>
-            </a:r>
-            <a:r>
-              <a:rPr lang="en-US" sz="1600" dirty="0"/>
-              <a:t> </a:t>
-            </a:r>
-            <a:r>
-              <a:rPr lang="en-US" sz="1600" dirty="0" err="1"/>
-              <a:t>lý</a:t>
-            </a:r>
-            <a:r>
-              <a:rPr lang="en-US" sz="1600" dirty="0"/>
-              <a:t> view </a:t>
-            </a:r>
-            <a:r>
-              <a:rPr lang="en-US" sz="1600" dirty="0" err="1"/>
-              <a:t>lớn</a:t>
-            </a:r>
-            <a:r>
-              <a:rPr lang="en-US" sz="1600" dirty="0"/>
-              <a:t>, theme </a:t>
-            </a:r>
-            <a:r>
-              <a:rPr lang="en-US" sz="1600" dirty="0" err="1"/>
-              <a:t>sẽ</a:t>
-            </a:r>
-            <a:r>
-              <a:rPr lang="en-US" sz="1600" dirty="0"/>
-              <a:t> </a:t>
-            </a:r>
-            <a:r>
-              <a:rPr lang="en-US" sz="1600" dirty="0" err="1"/>
-              <a:t>lộn</a:t>
-            </a:r>
-            <a:r>
-              <a:rPr lang="en-US" sz="1600" dirty="0"/>
-              <a:t> </a:t>
-            </a:r>
-            <a:r>
-              <a:rPr lang="en-US" sz="1600" dirty="0" err="1"/>
-              <a:t>xộn</a:t>
-            </a:r>
-            <a:endParaRPr lang="en-US" sz="1600" dirty="0"/>
-          </a:p>
-          <a:p>
-            <a:pPr lvl="1">
-              <a:spcBef>
-                <a:spcPts val="600"/>
-              </a:spcBef>
-            </a:pPr>
-            <a:r>
-              <a:rPr lang="en-US" sz="1600" dirty="0" err="1"/>
-              <a:t>Khó</a:t>
-            </a:r>
-            <a:r>
-              <a:rPr lang="en-US" sz="1600" dirty="0"/>
-              <a:t> </a:t>
-            </a:r>
-            <a:r>
-              <a:rPr lang="en-US" sz="1600" dirty="0" err="1"/>
-              <a:t>cái</a:t>
-            </a:r>
-            <a:r>
-              <a:rPr lang="en-US" sz="1600" dirty="0"/>
-              <a:t> </a:t>
-            </a:r>
-            <a:r>
-              <a:rPr lang="en-US" sz="1600" dirty="0" err="1"/>
-              <a:t>đặt</a:t>
-            </a:r>
-            <a:r>
-              <a:rPr lang="en-US" sz="1600" dirty="0"/>
-              <a:t> </a:t>
-            </a:r>
-            <a:r>
-              <a:rPr lang="en-US" sz="1600" dirty="0" err="1"/>
-              <a:t>thành</a:t>
-            </a:r>
-            <a:r>
-              <a:rPr lang="en-US" sz="1600" dirty="0"/>
-              <a:t> </a:t>
-            </a:r>
-            <a:r>
-              <a:rPr lang="en-US" sz="1600" dirty="0" err="1"/>
-              <a:t>gói</a:t>
-            </a:r>
-            <a:r>
-              <a:rPr lang="en-US" sz="1600" dirty="0"/>
-              <a:t> </a:t>
-            </a:r>
-            <a:r>
-              <a:rPr lang="en-US" sz="1600" dirty="0" err="1"/>
-              <a:t>với</a:t>
-            </a:r>
-            <a:r>
-              <a:rPr lang="en-US" sz="1600" dirty="0"/>
-              <a:t> module</a:t>
-            </a:r>
-          </a:p>
-          <a:p>
-            <a:pPr lvl="1">
-              <a:spcBef>
-                <a:spcPts val="600"/>
-              </a:spcBef>
-            </a:pPr>
-            <a:r>
-              <a:rPr lang="en-US" sz="1600" dirty="0" err="1"/>
-              <a:t>Không</a:t>
-            </a:r>
-            <a:r>
-              <a:rPr lang="en-US" sz="1600" dirty="0"/>
-              <a:t> </a:t>
-            </a:r>
-            <a:r>
-              <a:rPr lang="en-US" sz="1600" dirty="0" err="1"/>
-              <a:t>hợp</a:t>
-            </a:r>
-            <a:r>
-              <a:rPr lang="en-US" sz="1600" dirty="0"/>
-              <a:t> </a:t>
-            </a:r>
-            <a:r>
-              <a:rPr lang="en-US" sz="1600" dirty="0" err="1"/>
-              <a:t>với</a:t>
-            </a:r>
-            <a:r>
-              <a:rPr lang="en-US" sz="1600" dirty="0"/>
-              <a:t> </a:t>
-            </a:r>
-            <a:r>
-              <a:rPr lang="en-US" sz="1600" dirty="0" err="1"/>
-              <a:t>các</a:t>
-            </a:r>
-            <a:r>
-              <a:rPr lang="en-US" sz="1600" dirty="0"/>
-              <a:t> </a:t>
-            </a:r>
-            <a:r>
-              <a:rPr lang="en-US" sz="1600" dirty="0" err="1"/>
-              <a:t>trang</a:t>
-            </a:r>
-            <a:r>
-              <a:rPr lang="en-US" sz="1600" dirty="0"/>
-              <a:t> </a:t>
-            </a:r>
-            <a:r>
-              <a:rPr lang="en-US" sz="1600" dirty="0" err="1"/>
-              <a:t>đặc</a:t>
-            </a:r>
-            <a:r>
-              <a:rPr lang="en-US" sz="1600" dirty="0"/>
-              <a:t> </a:t>
-            </a:r>
-            <a:r>
-              <a:rPr lang="en-US" sz="1600" dirty="0" err="1"/>
-              <a:t>thù</a:t>
-            </a:r>
-            <a:endParaRPr lang="en-US" sz="1600" dirty="0"/>
-          </a:p>
-        </p:txBody>
-      </p:sp>
-      <p:sp>
-        <p:nvSpPr>
-          <p:cNvPr id="4" name="Text Placeholder 3"/>
-          <p:cNvSpPr>
-            <a:spLocks noGrp="1"/>
-          </p:cNvSpPr>
-          <p:nvPr>
-            <p:ph type="body" sz="quarter" idx="3"/>
-          </p:nvPr>
-        </p:nvSpPr>
-        <p:spPr/>
-        <p:txBody>
-          <a:bodyPr/>
-          <a:lstStyle/>
-          <a:p>
-            <a:r>
               <a:rPr lang="en-US"/>
-              <a:t>Theme/View trong modules</a:t>
-            </a:r>
-          </a:p>
-        </p:txBody>
-      </p:sp>
-      <p:sp>
-        <p:nvSpPr>
-          <p:cNvPr id="5" name="Content Placeholder 4"/>
-          <p:cNvSpPr>
-            <a:spLocks noGrp="1"/>
-          </p:cNvSpPr>
-          <p:nvPr>
-            <p:ph sz="quarter" idx="4"/>
-          </p:nvPr>
-        </p:nvSpPr>
-        <p:spPr/>
-        <p:txBody>
-          <a:bodyPr>
-            <a:normAutofit/>
-          </a:bodyPr>
-          <a:lstStyle/>
-          <a:p>
-            <a:r>
-              <a:rPr lang="en-US" sz="2000"/>
-              <a:t>Pro</a:t>
-            </a:r>
-          </a:p>
-          <a:p>
-            <a:pPr lvl="1">
-              <a:spcBef>
-                <a:spcPts val="600"/>
-              </a:spcBef>
-            </a:pPr>
-            <a:r>
-              <a:rPr lang="en-US" sz="1600"/>
-              <a:t>Đi cùng model, controller trong module</a:t>
-            </a:r>
-          </a:p>
-          <a:p>
-            <a:pPr lvl="1">
-              <a:spcBef>
-                <a:spcPts val="600"/>
-              </a:spcBef>
-            </a:pPr>
-            <a:r>
-              <a:rPr lang="en-US" sz="1600"/>
-              <a:t>Cài đặt cùng với module thuận tiện với các màn hình đặc thù</a:t>
-            </a:r>
-          </a:p>
-          <a:p>
-            <a:pPr lvl="1">
-              <a:spcBef>
-                <a:spcPts val="600"/>
-              </a:spcBef>
-            </a:pPr>
-            <a:r>
-              <a:rPr lang="en-US" sz="1600"/>
-              <a:t>Gỡ module là gỡ luôn theme</a:t>
-            </a:r>
-            <a:endParaRPr lang="en-US" sz="1800"/>
-          </a:p>
-          <a:p>
-            <a:r>
-              <a:rPr lang="en-US" sz="2000"/>
-              <a:t>Cons</a:t>
-            </a:r>
-          </a:p>
-          <a:p>
-            <a:pPr lvl="1">
-              <a:spcBef>
-                <a:spcPts val="600"/>
-              </a:spcBef>
-            </a:pPr>
-            <a:r>
-              <a:rPr lang="en-US" sz="1600"/>
-              <a:t>Không cài đặt theme bằng câu lệnh</a:t>
-            </a:r>
-          </a:p>
-          <a:p>
-            <a:pPr lvl="1">
-              <a:spcBef>
-                <a:spcPts val="600"/>
-              </a:spcBef>
-            </a:pPr>
-            <a:r>
-              <a:rPr lang="en-US" sz="1600"/>
-              <a:t>Giới hạn dùng cho các màn hình đặc thù không phải post/page</a:t>
-            </a:r>
-          </a:p>
-          <a:p>
-            <a:pPr lvl="1"/>
-            <a:endParaRPr lang="en-US" sz="1600"/>
-          </a:p>
-        </p:txBody>
-      </p:sp>
+              <a:t>Cấu trúc modules</a:t>
+            </a:r>
+          </a:p>
+        </p:txBody>
+      </p:sp>
+      <p:sp>
+        <p:nvSpPr>
+          <p:cNvPr id="3" name="Rectangle 2"/>
+          <p:cNvSpPr/>
+          <p:nvPr/>
+        </p:nvSpPr>
+        <p:spPr>
+          <a:xfrm>
+            <a:off x="381000" y="666750"/>
+            <a:ext cx="1066800" cy="381000"/>
+          </a:xfrm>
+          <a:prstGeom prst="rect">
+            <a:avLst/>
+          </a:prstGeom>
+        </p:spPr>
+        <p:style>
+          <a:lnRef idx="1">
+            <a:schemeClr val="accent1"/>
+          </a:lnRef>
+          <a:fillRef idx="3">
+            <a:schemeClr val="accent1"/>
+          </a:fillRef>
+          <a:effectRef idx="2">
+            <a:schemeClr val="accent1"/>
+          </a:effectRef>
+          <a:fontRef idx="minor">
+            <a:schemeClr val="lt1"/>
+          </a:fontRef>
+        </p:style>
+        <p:txBody>
+          <a:bodyPr rtlCol="0" anchor="ctr"/>
+          <a:lstStyle/>
+          <a:p>
+            <a:pPr algn="ctr"/>
+            <a:r>
+              <a:rPr lang="en-US"/>
+              <a:t>App</a:t>
+            </a:r>
+          </a:p>
+        </p:txBody>
+      </p:sp>
+      <p:sp>
+        <p:nvSpPr>
+          <p:cNvPr id="4" name="Rectangle 3"/>
+          <p:cNvSpPr/>
+          <p:nvPr/>
+        </p:nvSpPr>
+        <p:spPr>
+          <a:xfrm>
+            <a:off x="2133600" y="1123950"/>
+            <a:ext cx="1066800" cy="381000"/>
+          </a:xfrm>
+          <a:prstGeom prst="rect">
+            <a:avLst/>
+          </a:prstGeom>
+        </p:spPr>
+        <p:style>
+          <a:lnRef idx="1">
+            <a:schemeClr val="accent1"/>
+          </a:lnRef>
+          <a:fillRef idx="3">
+            <a:schemeClr val="accent1"/>
+          </a:fillRef>
+          <a:effectRef idx="2">
+            <a:schemeClr val="accent1"/>
+          </a:effectRef>
+          <a:fontRef idx="minor">
+            <a:schemeClr val="lt1"/>
+          </a:fontRef>
+        </p:style>
+        <p:txBody>
+          <a:bodyPr rtlCol="0" anchor="ctr"/>
+          <a:lstStyle/>
+          <a:p>
+            <a:pPr algn="ctr"/>
+            <a:r>
+              <a:rPr lang="en-US"/>
+              <a:t>modules</a:t>
+            </a:r>
+          </a:p>
+        </p:txBody>
+      </p:sp>
+      <p:cxnSp>
+        <p:nvCxnSpPr>
+          <p:cNvPr id="7" name="Elbow Connector 6"/>
+          <p:cNvCxnSpPr>
+            <a:stCxn id="3" idx="3"/>
+            <a:endCxn id="4" idx="1"/>
+          </p:cNvCxnSpPr>
+          <p:nvPr/>
+        </p:nvCxnSpPr>
+        <p:spPr>
+          <a:xfrm>
+            <a:off x="1447800" y="857250"/>
+            <a:ext cx="685800" cy="457200"/>
+          </a:xfrm>
+          <a:prstGeom prst="bentConnector3">
+            <a:avLst/>
+          </a:prstGeom>
+        </p:spPr>
+        <p:style>
+          <a:lnRef idx="2">
+            <a:schemeClr val="accent1"/>
+          </a:lnRef>
+          <a:fillRef idx="0">
+            <a:schemeClr val="accent1"/>
+          </a:fillRef>
+          <a:effectRef idx="1">
+            <a:schemeClr val="accent1"/>
+          </a:effectRef>
+          <a:fontRef idx="minor">
+            <a:schemeClr val="tx1"/>
+          </a:fontRef>
+        </p:style>
+      </p:cxnSp>
+      <p:sp>
+        <p:nvSpPr>
+          <p:cNvPr id="11" name="Rectangle 10"/>
+          <p:cNvSpPr/>
+          <p:nvPr/>
+        </p:nvSpPr>
+        <p:spPr>
+          <a:xfrm>
+            <a:off x="2133600" y="1581150"/>
+            <a:ext cx="1066800" cy="381000"/>
+          </a:xfrm>
+          <a:prstGeom prst="rect">
+            <a:avLst/>
+          </a:prstGeom>
+        </p:spPr>
+        <p:style>
+          <a:lnRef idx="1">
+            <a:schemeClr val="accent1"/>
+          </a:lnRef>
+          <a:fillRef idx="3">
+            <a:schemeClr val="accent1"/>
+          </a:fillRef>
+          <a:effectRef idx="2">
+            <a:schemeClr val="accent1"/>
+          </a:effectRef>
+          <a:fontRef idx="minor">
+            <a:schemeClr val="lt1"/>
+          </a:fontRef>
+        </p:style>
+        <p:txBody>
+          <a:bodyPr rtlCol="0" anchor="ctr"/>
+          <a:lstStyle/>
+          <a:p>
+            <a:pPr algn="ctr"/>
+            <a:r>
+              <a:rPr lang="en-US"/>
+              <a:t>plugins</a:t>
+            </a:r>
+          </a:p>
+        </p:txBody>
+      </p:sp>
+      <p:sp>
+        <p:nvSpPr>
+          <p:cNvPr id="12" name="Rectangle 11"/>
+          <p:cNvSpPr/>
+          <p:nvPr/>
+        </p:nvSpPr>
+        <p:spPr>
+          <a:xfrm>
+            <a:off x="2133600" y="2038350"/>
+            <a:ext cx="1066800" cy="381000"/>
+          </a:xfrm>
+          <a:prstGeom prst="rect">
+            <a:avLst/>
+          </a:prstGeom>
+        </p:spPr>
+        <p:style>
+          <a:lnRef idx="1">
+            <a:schemeClr val="accent1"/>
+          </a:lnRef>
+          <a:fillRef idx="3">
+            <a:schemeClr val="accent1"/>
+          </a:fillRef>
+          <a:effectRef idx="2">
+            <a:schemeClr val="accent1"/>
+          </a:effectRef>
+          <a:fontRef idx="minor">
+            <a:schemeClr val="lt1"/>
+          </a:fontRef>
+        </p:style>
+        <p:txBody>
+          <a:bodyPr rtlCol="0" anchor="ctr"/>
+          <a:lstStyle/>
+          <a:p>
+            <a:pPr algn="ctr"/>
+            <a:r>
+              <a:rPr lang="en-US"/>
+              <a:t>widgets</a:t>
+            </a:r>
+          </a:p>
+        </p:txBody>
+      </p:sp>
+      <p:cxnSp>
+        <p:nvCxnSpPr>
+          <p:cNvPr id="14" name="Elbow Connector 13"/>
+          <p:cNvCxnSpPr>
+            <a:stCxn id="3" idx="3"/>
+            <a:endCxn id="11" idx="1"/>
+          </p:cNvCxnSpPr>
+          <p:nvPr/>
+        </p:nvCxnSpPr>
+        <p:spPr>
+          <a:xfrm>
+            <a:off x="1447800" y="857250"/>
+            <a:ext cx="685800" cy="914400"/>
+          </a:xfrm>
+          <a:prstGeom prst="bentConnector3">
+            <a:avLst/>
+          </a:prstGeom>
+        </p:spPr>
+        <p:style>
+          <a:lnRef idx="2">
+            <a:schemeClr val="accent1"/>
+          </a:lnRef>
+          <a:fillRef idx="0">
+            <a:schemeClr val="accent1"/>
+          </a:fillRef>
+          <a:effectRef idx="1">
+            <a:schemeClr val="accent1"/>
+          </a:effectRef>
+          <a:fontRef idx="minor">
+            <a:schemeClr val="tx1"/>
+          </a:fontRef>
+        </p:style>
+      </p:cxnSp>
+      <p:cxnSp>
+        <p:nvCxnSpPr>
+          <p:cNvPr id="16" name="Elbow Connector 15"/>
+          <p:cNvCxnSpPr>
+            <a:stCxn id="3" idx="3"/>
+            <a:endCxn id="12" idx="1"/>
+          </p:cNvCxnSpPr>
+          <p:nvPr/>
+        </p:nvCxnSpPr>
+        <p:spPr>
+          <a:xfrm>
+            <a:off x="1447800" y="857250"/>
+            <a:ext cx="685800" cy="1371600"/>
+          </a:xfrm>
+          <a:prstGeom prst="bentConnector3">
+            <a:avLst/>
+          </a:prstGeom>
+        </p:spPr>
+        <p:style>
+          <a:lnRef idx="2">
+            <a:schemeClr val="accent1"/>
+          </a:lnRef>
+          <a:fillRef idx="0">
+            <a:schemeClr val="accent1"/>
+          </a:fillRef>
+          <a:effectRef idx="1">
+            <a:schemeClr val="accent1"/>
+          </a:effectRef>
+          <a:fontRef idx="minor">
+            <a:schemeClr val="tx1"/>
+          </a:fontRef>
+        </p:style>
+      </p:cxnSp>
+      <p:sp>
+        <p:nvSpPr>
+          <p:cNvPr id="17" name="Rectangle 16"/>
+          <p:cNvSpPr/>
+          <p:nvPr/>
+        </p:nvSpPr>
+        <p:spPr>
+          <a:xfrm>
+            <a:off x="381000" y="2419350"/>
+            <a:ext cx="1066800" cy="381000"/>
+          </a:xfrm>
+          <a:prstGeom prst="rect">
+            <a:avLst/>
+          </a:prstGeom>
+        </p:spPr>
+        <p:style>
+          <a:lnRef idx="1">
+            <a:schemeClr val="accent1"/>
+          </a:lnRef>
+          <a:fillRef idx="3">
+            <a:schemeClr val="accent1"/>
+          </a:fillRef>
+          <a:effectRef idx="2">
+            <a:schemeClr val="accent1"/>
+          </a:effectRef>
+          <a:fontRef idx="minor">
+            <a:schemeClr val="lt1"/>
+          </a:fontRef>
+        </p:style>
+        <p:txBody>
+          <a:bodyPr rtlCol="0" anchor="ctr"/>
+          <a:lstStyle/>
+          <a:p>
+            <a:pPr algn="ctr"/>
+            <a:r>
+              <a:rPr lang="en-US"/>
+              <a:t>Core</a:t>
+            </a:r>
+          </a:p>
+        </p:txBody>
+      </p:sp>
+      <p:sp>
+        <p:nvSpPr>
+          <p:cNvPr id="18" name="Rectangle 17"/>
+          <p:cNvSpPr/>
+          <p:nvPr/>
+        </p:nvSpPr>
+        <p:spPr>
+          <a:xfrm>
+            <a:off x="2133600" y="2876550"/>
+            <a:ext cx="1066800" cy="381000"/>
+          </a:xfrm>
+          <a:prstGeom prst="rect">
+            <a:avLst/>
+          </a:prstGeom>
+        </p:spPr>
+        <p:style>
+          <a:lnRef idx="1">
+            <a:schemeClr val="accent1"/>
+          </a:lnRef>
+          <a:fillRef idx="3">
+            <a:schemeClr val="accent1"/>
+          </a:fillRef>
+          <a:effectRef idx="2">
+            <a:schemeClr val="accent1"/>
+          </a:effectRef>
+          <a:fontRef idx="minor">
+            <a:schemeClr val="lt1"/>
+          </a:fontRef>
+        </p:style>
+        <p:txBody>
+          <a:bodyPr rtlCol="0" anchor="ctr"/>
+          <a:lstStyle/>
+          <a:p>
+            <a:pPr algn="ctr"/>
+            <a:r>
+              <a:rPr lang="en-US"/>
+              <a:t>modules</a:t>
+            </a:r>
+          </a:p>
+        </p:txBody>
+      </p:sp>
+      <p:cxnSp>
+        <p:nvCxnSpPr>
+          <p:cNvPr id="19" name="Elbow Connector 18"/>
+          <p:cNvCxnSpPr>
+            <a:stCxn id="17" idx="3"/>
+            <a:endCxn id="18" idx="1"/>
+          </p:cNvCxnSpPr>
+          <p:nvPr/>
+        </p:nvCxnSpPr>
+        <p:spPr>
+          <a:xfrm>
+            <a:off x="1447800" y="2609850"/>
+            <a:ext cx="685800" cy="457200"/>
+          </a:xfrm>
+          <a:prstGeom prst="bentConnector3">
+            <a:avLst/>
+          </a:prstGeom>
+        </p:spPr>
+        <p:style>
+          <a:lnRef idx="2">
+            <a:schemeClr val="accent1"/>
+          </a:lnRef>
+          <a:fillRef idx="0">
+            <a:schemeClr val="accent1"/>
+          </a:fillRef>
+          <a:effectRef idx="1">
+            <a:schemeClr val="accent1"/>
+          </a:effectRef>
+          <a:fontRef idx="minor">
+            <a:schemeClr val="tx1"/>
+          </a:fontRef>
+        </p:style>
+      </p:cxnSp>
+      <p:sp>
+        <p:nvSpPr>
+          <p:cNvPr id="20" name="Rectangle 19"/>
+          <p:cNvSpPr/>
+          <p:nvPr/>
+        </p:nvSpPr>
+        <p:spPr>
+          <a:xfrm>
+            <a:off x="2133600" y="3333750"/>
+            <a:ext cx="1066800" cy="381000"/>
+          </a:xfrm>
+          <a:prstGeom prst="rect">
+            <a:avLst/>
+          </a:prstGeom>
+        </p:spPr>
+        <p:style>
+          <a:lnRef idx="1">
+            <a:schemeClr val="accent1"/>
+          </a:lnRef>
+          <a:fillRef idx="3">
+            <a:schemeClr val="accent1"/>
+          </a:fillRef>
+          <a:effectRef idx="2">
+            <a:schemeClr val="accent1"/>
+          </a:effectRef>
+          <a:fontRef idx="minor">
+            <a:schemeClr val="lt1"/>
+          </a:fontRef>
+        </p:style>
+        <p:txBody>
+          <a:bodyPr rtlCol="0" anchor="ctr"/>
+          <a:lstStyle/>
+          <a:p>
+            <a:pPr algn="ctr"/>
+            <a:r>
+              <a:rPr lang="en-US"/>
+              <a:t>plugins</a:t>
+            </a:r>
+          </a:p>
+        </p:txBody>
+      </p:sp>
+      <p:sp>
+        <p:nvSpPr>
+          <p:cNvPr id="21" name="Rectangle 20"/>
+          <p:cNvSpPr/>
+          <p:nvPr/>
+        </p:nvSpPr>
+        <p:spPr>
+          <a:xfrm>
+            <a:off x="2133600" y="3790950"/>
+            <a:ext cx="1066800" cy="381000"/>
+          </a:xfrm>
+          <a:prstGeom prst="rect">
+            <a:avLst/>
+          </a:prstGeom>
+        </p:spPr>
+        <p:style>
+          <a:lnRef idx="1">
+            <a:schemeClr val="accent1"/>
+          </a:lnRef>
+          <a:fillRef idx="3">
+            <a:schemeClr val="accent1"/>
+          </a:fillRef>
+          <a:effectRef idx="2">
+            <a:schemeClr val="accent1"/>
+          </a:effectRef>
+          <a:fontRef idx="minor">
+            <a:schemeClr val="lt1"/>
+          </a:fontRef>
+        </p:style>
+        <p:txBody>
+          <a:bodyPr rtlCol="0" anchor="ctr"/>
+          <a:lstStyle/>
+          <a:p>
+            <a:pPr algn="ctr"/>
+            <a:r>
+              <a:rPr lang="en-US"/>
+              <a:t>widgets</a:t>
+            </a:r>
+          </a:p>
+        </p:txBody>
+      </p:sp>
+      <p:cxnSp>
+        <p:nvCxnSpPr>
+          <p:cNvPr id="22" name="Elbow Connector 21"/>
+          <p:cNvCxnSpPr>
+            <a:stCxn id="17" idx="3"/>
+            <a:endCxn id="20" idx="1"/>
+          </p:cNvCxnSpPr>
+          <p:nvPr/>
+        </p:nvCxnSpPr>
+        <p:spPr>
+          <a:xfrm>
+            <a:off x="1447800" y="2609850"/>
+            <a:ext cx="685800" cy="914400"/>
+          </a:xfrm>
+          <a:prstGeom prst="bentConnector3">
+            <a:avLst/>
+          </a:prstGeom>
+        </p:spPr>
+        <p:style>
+          <a:lnRef idx="2">
+            <a:schemeClr val="accent1"/>
+          </a:lnRef>
+          <a:fillRef idx="0">
+            <a:schemeClr val="accent1"/>
+          </a:fillRef>
+          <a:effectRef idx="1">
+            <a:schemeClr val="accent1"/>
+          </a:effectRef>
+          <a:fontRef idx="minor">
+            <a:schemeClr val="tx1"/>
+          </a:fontRef>
+        </p:style>
+      </p:cxnSp>
+      <p:cxnSp>
+        <p:nvCxnSpPr>
+          <p:cNvPr id="23" name="Elbow Connector 22"/>
+          <p:cNvCxnSpPr>
+            <a:stCxn id="17" idx="3"/>
+            <a:endCxn id="21" idx="1"/>
+          </p:cNvCxnSpPr>
+          <p:nvPr/>
+        </p:nvCxnSpPr>
+        <p:spPr>
+          <a:xfrm>
+            <a:off x="1447800" y="2609850"/>
+            <a:ext cx="685800" cy="1371600"/>
+          </a:xfrm>
+          <a:prstGeom prst="bentConnector3">
+            <a:avLst/>
+          </a:prstGeom>
+        </p:spPr>
+        <p:style>
+          <a:lnRef idx="2">
+            <a:schemeClr val="accent1"/>
+          </a:lnRef>
+          <a:fillRef idx="0">
+            <a:schemeClr val="accent1"/>
+          </a:fillRef>
+          <a:effectRef idx="1">
+            <a:schemeClr val="accent1"/>
+          </a:effectRef>
+          <a:fontRef idx="minor">
+            <a:schemeClr val="tx1"/>
+          </a:fontRef>
+        </p:style>
+      </p:cxnSp>
+      <p:sp>
+        <p:nvSpPr>
+          <p:cNvPr id="24" name="Rectangle 23"/>
+          <p:cNvSpPr/>
+          <p:nvPr/>
+        </p:nvSpPr>
+        <p:spPr>
+          <a:xfrm>
+            <a:off x="3810000" y="1123950"/>
+            <a:ext cx="1066800" cy="381000"/>
+          </a:xfrm>
+          <a:prstGeom prst="rect">
+            <a:avLst/>
+          </a:prstGeom>
+        </p:spPr>
+        <p:style>
+          <a:lnRef idx="1">
+            <a:schemeClr val="accent1"/>
+          </a:lnRef>
+          <a:fillRef idx="3">
+            <a:schemeClr val="accent1"/>
+          </a:fillRef>
+          <a:effectRef idx="2">
+            <a:schemeClr val="accent1"/>
+          </a:effectRef>
+          <a:fontRef idx="minor">
+            <a:schemeClr val="lt1"/>
+          </a:fontRef>
+        </p:style>
+        <p:txBody>
+          <a:bodyPr rtlCol="0" anchor="ctr"/>
+          <a:lstStyle/>
+          <a:p>
+            <a:pPr algn="ctr"/>
+            <a:r>
+              <a:rPr lang="en-US"/>
+              <a:t>moduleA</a:t>
+            </a:r>
+          </a:p>
+        </p:txBody>
+      </p:sp>
+      <p:cxnSp>
+        <p:nvCxnSpPr>
+          <p:cNvPr id="26" name="Straight Connector 25"/>
+          <p:cNvCxnSpPr>
+            <a:stCxn id="4" idx="3"/>
+            <a:endCxn id="24" idx="1"/>
+          </p:cNvCxnSpPr>
+          <p:nvPr/>
+        </p:nvCxnSpPr>
+        <p:spPr>
+          <a:xfrm>
+            <a:off x="3200400" y="1314450"/>
+            <a:ext cx="609600" cy="0"/>
+          </a:xfrm>
+          <a:prstGeom prst="line">
+            <a:avLst/>
+          </a:prstGeom>
+        </p:spPr>
+        <p:style>
+          <a:lnRef idx="2">
+            <a:schemeClr val="accent1"/>
+          </a:lnRef>
+          <a:fillRef idx="0">
+            <a:schemeClr val="accent1"/>
+          </a:fillRef>
+          <a:effectRef idx="1">
+            <a:schemeClr val="accent1"/>
+          </a:effectRef>
+          <a:fontRef idx="minor">
+            <a:schemeClr val="tx1"/>
+          </a:fontRef>
+        </p:style>
+      </p:cxnSp>
+      <p:sp>
+        <p:nvSpPr>
+          <p:cNvPr id="27" name="Rectangle 26"/>
+          <p:cNvSpPr/>
+          <p:nvPr/>
+        </p:nvSpPr>
+        <p:spPr>
+          <a:xfrm>
+            <a:off x="5791200" y="1428750"/>
+            <a:ext cx="1066800" cy="381000"/>
+          </a:xfrm>
+          <a:prstGeom prst="rect">
+            <a:avLst/>
+          </a:prstGeom>
+        </p:spPr>
+        <p:style>
+          <a:lnRef idx="1">
+            <a:schemeClr val="accent1"/>
+          </a:lnRef>
+          <a:fillRef idx="3">
+            <a:schemeClr val="accent1"/>
+          </a:fillRef>
+          <a:effectRef idx="2">
+            <a:schemeClr val="accent1"/>
+          </a:effectRef>
+          <a:fontRef idx="minor">
+            <a:schemeClr val="lt1"/>
+          </a:fontRef>
+        </p:style>
+        <p:txBody>
+          <a:bodyPr rtlCol="0" anchor="ctr"/>
+          <a:lstStyle/>
+          <a:p>
+            <a:pPr algn="ctr"/>
+            <a:r>
+              <a:rPr lang="en-US"/>
+              <a:t>backend</a:t>
+            </a:r>
+          </a:p>
+        </p:txBody>
+      </p:sp>
+      <p:sp>
+        <p:nvSpPr>
+          <p:cNvPr id="28" name="Rectangle 27"/>
+          <p:cNvSpPr/>
+          <p:nvPr/>
+        </p:nvSpPr>
+        <p:spPr>
+          <a:xfrm>
+            <a:off x="5791200" y="1962150"/>
+            <a:ext cx="1066800" cy="381000"/>
+          </a:xfrm>
+          <a:prstGeom prst="rect">
+            <a:avLst/>
+          </a:prstGeom>
+        </p:spPr>
+        <p:style>
+          <a:lnRef idx="1">
+            <a:schemeClr val="accent1"/>
+          </a:lnRef>
+          <a:fillRef idx="3">
+            <a:schemeClr val="accent1"/>
+          </a:fillRef>
+          <a:effectRef idx="2">
+            <a:schemeClr val="accent1"/>
+          </a:effectRef>
+          <a:fontRef idx="minor">
+            <a:schemeClr val="lt1"/>
+          </a:fontRef>
+        </p:style>
+        <p:txBody>
+          <a:bodyPr rtlCol="0" anchor="ctr"/>
+          <a:lstStyle/>
+          <a:p>
+            <a:pPr algn="ctr"/>
+            <a:r>
+              <a:rPr lang="en-US"/>
+              <a:t>frontend</a:t>
+            </a:r>
+          </a:p>
+        </p:txBody>
+      </p:sp>
+      <p:sp>
+        <p:nvSpPr>
+          <p:cNvPr id="29" name="Rectangle 28"/>
+          <p:cNvSpPr/>
+          <p:nvPr/>
+        </p:nvSpPr>
+        <p:spPr>
+          <a:xfrm>
+            <a:off x="5791200" y="2571750"/>
+            <a:ext cx="1066800" cy="381000"/>
+          </a:xfrm>
+          <a:prstGeom prst="rect">
+            <a:avLst/>
+          </a:prstGeom>
+        </p:spPr>
+        <p:style>
+          <a:lnRef idx="1">
+            <a:schemeClr val="accent1"/>
+          </a:lnRef>
+          <a:fillRef idx="3">
+            <a:schemeClr val="accent1"/>
+          </a:fillRef>
+          <a:effectRef idx="2">
+            <a:schemeClr val="accent1"/>
+          </a:effectRef>
+          <a:fontRef idx="minor">
+            <a:schemeClr val="lt1"/>
+          </a:fontRef>
+        </p:style>
+        <p:txBody>
+          <a:bodyPr rtlCol="0" anchor="ctr"/>
+          <a:lstStyle/>
+          <a:p>
+            <a:pPr algn="ctr"/>
+            <a:r>
+              <a:rPr lang="en-US"/>
+              <a:t>models</a:t>
+            </a:r>
+          </a:p>
+        </p:txBody>
+      </p:sp>
+      <p:sp>
+        <p:nvSpPr>
+          <p:cNvPr id="30" name="Rectangle 29"/>
+          <p:cNvSpPr/>
+          <p:nvPr/>
+        </p:nvSpPr>
+        <p:spPr>
+          <a:xfrm>
+            <a:off x="5791200" y="3181350"/>
+            <a:ext cx="1219200" cy="381000"/>
+          </a:xfrm>
+          <a:prstGeom prst="rect">
+            <a:avLst/>
+          </a:prstGeom>
+        </p:spPr>
+        <p:style>
+          <a:lnRef idx="1">
+            <a:schemeClr val="accent3"/>
+          </a:lnRef>
+          <a:fillRef idx="2">
+            <a:schemeClr val="accent3"/>
+          </a:fillRef>
+          <a:effectRef idx="1">
+            <a:schemeClr val="accent3"/>
+          </a:effectRef>
+          <a:fontRef idx="minor">
+            <a:schemeClr val="dk1"/>
+          </a:fontRef>
+        </p:style>
+        <p:txBody>
+          <a:bodyPr rtlCol="0" anchor="ctr"/>
+          <a:lstStyle/>
+          <a:p>
+            <a:pPr algn="ctr"/>
+            <a:r>
+              <a:rPr lang="en-US"/>
+              <a:t>module.js</a:t>
+            </a:r>
+          </a:p>
+        </p:txBody>
+      </p:sp>
+      <p:cxnSp>
+        <p:nvCxnSpPr>
+          <p:cNvPr id="32" name="Elbow Connector 31"/>
+          <p:cNvCxnSpPr>
+            <a:stCxn id="24" idx="3"/>
+            <a:endCxn id="27" idx="1"/>
+          </p:cNvCxnSpPr>
+          <p:nvPr/>
+        </p:nvCxnSpPr>
+        <p:spPr>
+          <a:xfrm>
+            <a:off x="4876800" y="1314450"/>
+            <a:ext cx="914400" cy="304800"/>
+          </a:xfrm>
+          <a:prstGeom prst="bentConnector3">
+            <a:avLst/>
+          </a:prstGeom>
+        </p:spPr>
+        <p:style>
+          <a:lnRef idx="2">
+            <a:schemeClr val="accent1"/>
+          </a:lnRef>
+          <a:fillRef idx="0">
+            <a:schemeClr val="accent1"/>
+          </a:fillRef>
+          <a:effectRef idx="1">
+            <a:schemeClr val="accent1"/>
+          </a:effectRef>
+          <a:fontRef idx="minor">
+            <a:schemeClr val="tx1"/>
+          </a:fontRef>
+        </p:style>
+      </p:cxnSp>
+      <p:cxnSp>
+        <p:nvCxnSpPr>
+          <p:cNvPr id="34" name="Elbow Connector 33"/>
+          <p:cNvCxnSpPr>
+            <a:stCxn id="24" idx="3"/>
+            <a:endCxn id="28" idx="1"/>
+          </p:cNvCxnSpPr>
+          <p:nvPr/>
+        </p:nvCxnSpPr>
+        <p:spPr>
+          <a:xfrm>
+            <a:off x="4876800" y="1314450"/>
+            <a:ext cx="914400" cy="838200"/>
+          </a:xfrm>
+          <a:prstGeom prst="bentConnector3">
+            <a:avLst/>
+          </a:prstGeom>
+        </p:spPr>
+        <p:style>
+          <a:lnRef idx="2">
+            <a:schemeClr val="accent1"/>
+          </a:lnRef>
+          <a:fillRef idx="0">
+            <a:schemeClr val="accent1"/>
+          </a:fillRef>
+          <a:effectRef idx="1">
+            <a:schemeClr val="accent1"/>
+          </a:effectRef>
+          <a:fontRef idx="minor">
+            <a:schemeClr val="tx1"/>
+          </a:fontRef>
+        </p:style>
+      </p:cxnSp>
+      <p:cxnSp>
+        <p:nvCxnSpPr>
+          <p:cNvPr id="36" name="Elbow Connector 35"/>
+          <p:cNvCxnSpPr>
+            <a:stCxn id="24" idx="3"/>
+            <a:endCxn id="29" idx="1"/>
+          </p:cNvCxnSpPr>
+          <p:nvPr/>
+        </p:nvCxnSpPr>
+        <p:spPr>
+          <a:xfrm>
+            <a:off x="4876800" y="1314450"/>
+            <a:ext cx="914400" cy="1447800"/>
+          </a:xfrm>
+          <a:prstGeom prst="bentConnector3">
+            <a:avLst/>
+          </a:prstGeom>
+        </p:spPr>
+        <p:style>
+          <a:lnRef idx="2">
+            <a:schemeClr val="accent1"/>
+          </a:lnRef>
+          <a:fillRef idx="0">
+            <a:schemeClr val="accent1"/>
+          </a:fillRef>
+          <a:effectRef idx="1">
+            <a:schemeClr val="accent1"/>
+          </a:effectRef>
+          <a:fontRef idx="minor">
+            <a:schemeClr val="tx1"/>
+          </a:fontRef>
+        </p:style>
+      </p:cxnSp>
+      <p:cxnSp>
+        <p:nvCxnSpPr>
+          <p:cNvPr id="38" name="Elbow Connector 37"/>
+          <p:cNvCxnSpPr>
+            <a:stCxn id="24" idx="3"/>
+            <a:endCxn id="30" idx="1"/>
+          </p:cNvCxnSpPr>
+          <p:nvPr/>
+        </p:nvCxnSpPr>
+        <p:spPr>
+          <a:xfrm>
+            <a:off x="4876800" y="1314450"/>
+            <a:ext cx="914400" cy="2057400"/>
+          </a:xfrm>
+          <a:prstGeom prst="bentConnector3">
+            <a:avLst/>
+          </a:prstGeom>
+        </p:spPr>
+        <p:style>
+          <a:lnRef idx="2">
+            <a:schemeClr val="accent1"/>
+          </a:lnRef>
+          <a:fillRef idx="0">
+            <a:schemeClr val="accent1"/>
+          </a:fillRef>
+          <a:effectRef idx="1">
+            <a:schemeClr val="accent1"/>
+          </a:effectRef>
+          <a:fontRef idx="minor">
+            <a:schemeClr val="tx1"/>
+          </a:fontRef>
+        </p:style>
+      </p:cxnSp>
+      <p:sp>
+        <p:nvSpPr>
+          <p:cNvPr id="39" name="Rectangle 38"/>
+          <p:cNvSpPr/>
+          <p:nvPr/>
+        </p:nvSpPr>
+        <p:spPr>
+          <a:xfrm>
+            <a:off x="7543800" y="1657350"/>
+            <a:ext cx="1219200" cy="381000"/>
+          </a:xfrm>
+          <a:prstGeom prst="rect">
+            <a:avLst/>
+          </a:prstGeom>
+        </p:spPr>
+        <p:style>
+          <a:lnRef idx="1">
+            <a:schemeClr val="accent1"/>
+          </a:lnRef>
+          <a:fillRef idx="3">
+            <a:schemeClr val="accent1"/>
+          </a:fillRef>
+          <a:effectRef idx="2">
+            <a:schemeClr val="accent1"/>
+          </a:effectRef>
+          <a:fontRef idx="minor">
+            <a:schemeClr val="lt1"/>
+          </a:fontRef>
+        </p:style>
+        <p:txBody>
+          <a:bodyPr rtlCol="0" anchor="ctr"/>
+          <a:lstStyle/>
+          <a:p>
+            <a:pPr algn="ctr"/>
+            <a:r>
+              <a:rPr lang="en-US"/>
+              <a:t>controller</a:t>
+            </a:r>
+          </a:p>
+        </p:txBody>
+      </p:sp>
+      <p:sp>
+        <p:nvSpPr>
+          <p:cNvPr id="44" name="Rectangle 43"/>
+          <p:cNvSpPr/>
+          <p:nvPr/>
+        </p:nvSpPr>
+        <p:spPr>
+          <a:xfrm>
+            <a:off x="7543800" y="2190750"/>
+            <a:ext cx="1066800" cy="381000"/>
+          </a:xfrm>
+          <a:prstGeom prst="rect">
+            <a:avLst/>
+          </a:prstGeom>
+        </p:spPr>
+        <p:style>
+          <a:lnRef idx="1">
+            <a:schemeClr val="accent1"/>
+          </a:lnRef>
+          <a:fillRef idx="3">
+            <a:schemeClr val="accent1"/>
+          </a:fillRef>
+          <a:effectRef idx="2">
+            <a:schemeClr val="accent1"/>
+          </a:effectRef>
+          <a:fontRef idx="minor">
+            <a:schemeClr val="lt1"/>
+          </a:fontRef>
+        </p:style>
+        <p:txBody>
+          <a:bodyPr rtlCol="0" anchor="ctr"/>
+          <a:lstStyle/>
+          <a:p>
+            <a:pPr algn="ctr"/>
+            <a:r>
+              <a:rPr lang="en-US"/>
+              <a:t>view</a:t>
+            </a:r>
+          </a:p>
+        </p:txBody>
+      </p:sp>
+      <p:cxnSp>
+        <p:nvCxnSpPr>
+          <p:cNvPr id="46" name="Elbow Connector 45"/>
+          <p:cNvCxnSpPr>
+            <a:stCxn id="27" idx="3"/>
+            <a:endCxn id="39" idx="1"/>
+          </p:cNvCxnSpPr>
+          <p:nvPr/>
+        </p:nvCxnSpPr>
+        <p:spPr>
+          <a:xfrm>
+            <a:off x="6858000" y="1619250"/>
+            <a:ext cx="685800" cy="228600"/>
+          </a:xfrm>
+          <a:prstGeom prst="bentConnector3">
+            <a:avLst/>
+          </a:prstGeom>
+        </p:spPr>
+        <p:style>
+          <a:lnRef idx="2">
+            <a:schemeClr val="accent1"/>
+          </a:lnRef>
+          <a:fillRef idx="0">
+            <a:schemeClr val="accent1"/>
+          </a:fillRef>
+          <a:effectRef idx="1">
+            <a:schemeClr val="accent1"/>
+          </a:effectRef>
+          <a:fontRef idx="minor">
+            <a:schemeClr val="tx1"/>
+          </a:fontRef>
+        </p:style>
+      </p:cxnSp>
+      <p:cxnSp>
+        <p:nvCxnSpPr>
+          <p:cNvPr id="48" name="Elbow Connector 47"/>
+          <p:cNvCxnSpPr>
+            <a:stCxn id="27" idx="3"/>
+            <a:endCxn id="44" idx="1"/>
+          </p:cNvCxnSpPr>
+          <p:nvPr/>
+        </p:nvCxnSpPr>
+        <p:spPr>
+          <a:xfrm>
+            <a:off x="6858000" y="1619250"/>
+            <a:ext cx="685800" cy="762000"/>
+          </a:xfrm>
+          <a:prstGeom prst="bentConnector3">
+            <a:avLst/>
+          </a:prstGeom>
+        </p:spPr>
+        <p:style>
+          <a:lnRef idx="2">
+            <a:schemeClr val="accent1"/>
+          </a:lnRef>
+          <a:fillRef idx="0">
+            <a:schemeClr val="accent1"/>
+          </a:fillRef>
+          <a:effectRef idx="1">
+            <a:schemeClr val="accent1"/>
+          </a:effectRef>
+          <a:fontRef idx="minor">
+            <a:schemeClr val="tx1"/>
+          </a:fontRef>
+        </p:style>
+      </p:cxnSp>
+      <p:sp>
+        <p:nvSpPr>
+          <p:cNvPr id="50" name="Rectangle 49"/>
+          <p:cNvSpPr/>
+          <p:nvPr/>
+        </p:nvSpPr>
+        <p:spPr>
+          <a:xfrm>
+            <a:off x="7543800" y="2800350"/>
+            <a:ext cx="1066800" cy="381000"/>
+          </a:xfrm>
+          <a:prstGeom prst="rect">
+            <a:avLst/>
+          </a:prstGeom>
+        </p:spPr>
+        <p:style>
+          <a:lnRef idx="1">
+            <a:schemeClr val="accent3"/>
+          </a:lnRef>
+          <a:fillRef idx="2">
+            <a:schemeClr val="accent3"/>
+          </a:fillRef>
+          <a:effectRef idx="1">
+            <a:schemeClr val="accent3"/>
+          </a:effectRef>
+          <a:fontRef idx="minor">
+            <a:schemeClr val="dk1"/>
+          </a:fontRef>
+        </p:style>
+        <p:txBody>
+          <a:bodyPr rtlCol="0" anchor="ctr"/>
+          <a:lstStyle/>
+          <a:p>
+            <a:pPr algn="ctr"/>
+            <a:r>
+              <a:rPr lang="en-US"/>
+              <a:t>route.js</a:t>
+            </a:r>
+          </a:p>
+        </p:txBody>
+      </p:sp>
+      <p:cxnSp>
+        <p:nvCxnSpPr>
+          <p:cNvPr id="52" name="Elbow Connector 51"/>
+          <p:cNvCxnSpPr>
+            <a:stCxn id="27" idx="3"/>
+            <a:endCxn id="50" idx="1"/>
+          </p:cNvCxnSpPr>
+          <p:nvPr/>
+        </p:nvCxnSpPr>
+        <p:spPr>
+          <a:xfrm>
+            <a:off x="6858000" y="1619250"/>
+            <a:ext cx="685800" cy="1371600"/>
+          </a:xfrm>
+          <a:prstGeom prst="bentConnector3">
+            <a:avLst/>
+          </a:prstGeom>
+        </p:spPr>
+        <p:style>
+          <a:lnRef idx="2">
+            <a:schemeClr val="accent1"/>
+          </a:lnRef>
+          <a:fillRef idx="0">
+            <a:schemeClr val="accent1"/>
+          </a:fillRef>
+          <a:effectRef idx="1">
+            <a:schemeClr val="accent1"/>
+          </a:effectRef>
+          <a:fontRef idx="minor">
+            <a:schemeClr val="tx1"/>
+          </a:fontRef>
+        </p:style>
+      </p:cxnSp>
     </p:spTree>
     <p:extLst>
       <p:ext uri="{BB962C8B-B14F-4D97-AF65-F5344CB8AC3E}">
-        <p14:creationId xmlns:p14="http://schemas.microsoft.com/office/powerpoint/2010/main" val="2233960805"/>
+        <p14:creationId xmlns:p14="http://schemas.microsoft.com/office/powerpoint/2010/main" val="3861616338"/>
       </p:ext>
     </p:extLst>
   </p:cSld>
@@ -8613,24 +8163,46 @@
       </p:grpSpPr>
       <p:sp>
         <p:nvSpPr>
-          <p:cNvPr id="2" name="Title 1"/>
+          <p:cNvPr id="2" name="Text Placeholder 1"/>
           <p:cNvSpPr>
             <a:spLocks noGrp="1"/>
           </p:cNvSpPr>
           <p:nvPr>
-            <p:ph type="title"/>
+            <p:ph type="body" idx="1"/>
           </p:nvPr>
         </p:nvSpPr>
         <p:spPr/>
         <p:txBody>
-          <a:bodyPr>
-            <a:normAutofit fontScale="90000"/>
-          </a:bodyPr>
-          <a:lstStyle/>
-          <a:p>
-            <a:r>
-              <a:rPr lang="en-US"/>
-              <a:t>Đề xuất cách xử lý</a:t>
+          <a:bodyPr/>
+          <a:lstStyle/>
+          <a:p>
+            <a:r>
+              <a:rPr lang="en-US" dirty="0"/>
+              <a:t>Theme </a:t>
+            </a:r>
+            <a:r>
+              <a:rPr lang="en-US" dirty="0" err="1"/>
+              <a:t>ở</a:t>
+            </a:r>
+            <a:r>
+              <a:rPr lang="en-US" dirty="0"/>
+              <a:t> </a:t>
+            </a:r>
+            <a:r>
+              <a:rPr lang="en-US" dirty="0" err="1"/>
+              <a:t>thư</a:t>
+            </a:r>
+            <a:r>
+              <a:rPr lang="en-US" dirty="0"/>
+              <a:t> </a:t>
+            </a:r>
+            <a:r>
+              <a:rPr lang="en-US" dirty="0" err="1"/>
+              <a:t>mục</a:t>
+            </a:r>
+            <a:r>
+              <a:rPr lang="en-US" dirty="0"/>
+              <a:t> public</a:t>
             </a:r>
           </a:p>
         </p:txBody>
@@ -8642,7 +8214,433 @@
             <a:spLocks noGrp="1"/>
           </p:cNvSpPr>
           <p:nvPr>
-            <p:ph idx="1"/>
+            <p:ph sz="half" idx="2"/>
+          </p:nvPr>
+        </p:nvSpPr>
+        <p:spPr/>
+        <p:txBody>
+          <a:bodyPr>
+            <a:noAutofit/>
+          </a:bodyPr>
+          <a:lstStyle/>
+          <a:p>
+            <a:r>
+              <a:rPr lang="en-US" sz="1800" dirty="0"/>
+              <a:t>Pro</a:t>
+            </a:r>
+          </a:p>
+          <a:p>
+            <a:pPr lvl="1">
+              <a:spcBef>
+                <a:spcPts val="600"/>
+              </a:spcBef>
+            </a:pPr>
+            <a:r>
+              <a:rPr lang="en-US" sz="1600" dirty="0" err="1"/>
+              <a:t>Cài</a:t>
+            </a:r>
+            <a:r>
+              <a:rPr lang="en-US" sz="1600" dirty="0"/>
+              <a:t> </a:t>
+            </a:r>
+            <a:r>
+              <a:rPr lang="en-US" sz="1600" dirty="0" err="1" smtClean="0"/>
+              <a:t>đặt</a:t>
+            </a:r>
+            <a:r>
+              <a:rPr lang="en-US" sz="1600" dirty="0" smtClean="0"/>
+              <a:t>, </a:t>
+            </a:r>
+            <a:r>
+              <a:rPr lang="en-US" sz="1600" dirty="0" err="1" smtClean="0"/>
+              <a:t>gỡ</a:t>
+            </a:r>
+            <a:r>
+              <a:rPr lang="en-US" sz="1600" dirty="0" smtClean="0"/>
+              <a:t> </a:t>
+            </a:r>
+            <a:r>
+              <a:rPr lang="en-US" sz="1600" dirty="0" err="1" smtClean="0"/>
+              <a:t>gói</a:t>
+            </a:r>
+            <a:r>
+              <a:rPr lang="en-US" sz="1600" dirty="0" smtClean="0"/>
+              <a:t> theme </a:t>
+            </a:r>
+            <a:r>
+              <a:rPr lang="en-US" sz="1600" dirty="0" err="1" smtClean="0"/>
+              <a:t>dễ</a:t>
+            </a:r>
+            <a:r>
+              <a:rPr lang="en-US" sz="1600" dirty="0" smtClean="0"/>
+              <a:t> </a:t>
+            </a:r>
+            <a:r>
+              <a:rPr lang="en-US" sz="1600" dirty="0" err="1" smtClean="0"/>
+              <a:t>dàng</a:t>
+            </a:r>
+            <a:endParaRPr lang="en-US" sz="1600" dirty="0"/>
+          </a:p>
+          <a:p>
+            <a:pPr lvl="1">
+              <a:spcBef>
+                <a:spcPts val="600"/>
+              </a:spcBef>
+            </a:pPr>
+            <a:r>
+              <a:rPr lang="en-US" sz="1600" dirty="0" err="1"/>
+              <a:t>Phù</a:t>
+            </a:r>
+            <a:r>
+              <a:rPr lang="en-US" sz="1600" dirty="0"/>
+              <a:t> </a:t>
+            </a:r>
+            <a:r>
+              <a:rPr lang="en-US" sz="1600" dirty="0" err="1"/>
+              <a:t>hợp</a:t>
+            </a:r>
+            <a:r>
+              <a:rPr lang="en-US" sz="1600" dirty="0"/>
+              <a:t> </a:t>
+            </a:r>
+            <a:r>
+              <a:rPr lang="en-US" sz="1600" dirty="0" err="1"/>
+              <a:t>với</a:t>
+            </a:r>
+            <a:r>
+              <a:rPr lang="en-US" sz="1600" dirty="0"/>
+              <a:t> post, page, </a:t>
+            </a:r>
+            <a:r>
+              <a:rPr lang="en-US" sz="1600" dirty="0" err="1"/>
+              <a:t>các</a:t>
+            </a:r>
+            <a:r>
+              <a:rPr lang="en-US" sz="1600" dirty="0"/>
+              <a:t> </a:t>
+            </a:r>
+            <a:r>
+              <a:rPr lang="en-US" sz="1600" dirty="0" err="1"/>
+              <a:t>trang</a:t>
+            </a:r>
+            <a:r>
+              <a:rPr lang="en-US" sz="1600" dirty="0"/>
+              <a:t> </a:t>
+            </a:r>
+            <a:r>
+              <a:rPr lang="en-US" sz="1600" dirty="0" err="1"/>
+              <a:t>tiêu</a:t>
+            </a:r>
+            <a:r>
+              <a:rPr lang="en-US" sz="1600" dirty="0"/>
+              <a:t> </a:t>
+            </a:r>
+            <a:r>
+              <a:rPr lang="en-US" sz="1600" dirty="0" err="1"/>
+              <a:t>chuẩn</a:t>
+            </a:r>
+            <a:endParaRPr lang="en-US" sz="1600" dirty="0"/>
+          </a:p>
+          <a:p>
+            <a:pPr lvl="1">
+              <a:spcBef>
+                <a:spcPts val="600"/>
+              </a:spcBef>
+            </a:pPr>
+            <a:r>
+              <a:rPr lang="en-US" sz="1600" dirty="0" err="1"/>
+              <a:t>Độc</a:t>
+            </a:r>
+            <a:r>
+              <a:rPr lang="en-US" sz="1600" dirty="0"/>
+              <a:t> </a:t>
+            </a:r>
+            <a:r>
+              <a:rPr lang="en-US" sz="1600" dirty="0" err="1"/>
+              <a:t>lập</a:t>
+            </a:r>
+            <a:r>
+              <a:rPr lang="en-US" sz="1600" dirty="0"/>
+              <a:t> </a:t>
+            </a:r>
+            <a:r>
+              <a:rPr lang="en-US" sz="1600" dirty="0" err="1"/>
+              <a:t>với</a:t>
+            </a:r>
+            <a:r>
+              <a:rPr lang="en-US" sz="1600" dirty="0"/>
+              <a:t> </a:t>
+            </a:r>
+            <a:r>
+              <a:rPr lang="en-US" sz="1600" dirty="0" err="1"/>
+              <a:t>các</a:t>
+            </a:r>
+            <a:r>
+              <a:rPr lang="en-US" sz="1600" dirty="0"/>
+              <a:t> custom module</a:t>
+            </a:r>
+          </a:p>
+          <a:p>
+            <a:r>
+              <a:rPr lang="en-US" sz="1800" dirty="0"/>
+              <a:t>Cons</a:t>
+            </a:r>
+          </a:p>
+          <a:p>
+            <a:pPr lvl="1">
+              <a:spcBef>
+                <a:spcPts val="600"/>
+              </a:spcBef>
+            </a:pPr>
+            <a:r>
+              <a:rPr lang="en-US" sz="1600" dirty="0" err="1"/>
+              <a:t>Khi</a:t>
+            </a:r>
+            <a:r>
+              <a:rPr lang="en-US" sz="1600" dirty="0"/>
+              <a:t> </a:t>
+            </a:r>
+            <a:r>
+              <a:rPr lang="en-US" sz="1600" dirty="0" err="1"/>
+              <a:t>số</a:t>
+            </a:r>
+            <a:r>
+              <a:rPr lang="en-US" sz="1600" dirty="0"/>
+              <a:t> </a:t>
+            </a:r>
+            <a:r>
+              <a:rPr lang="en-US" sz="1600" dirty="0" err="1"/>
+              <a:t>lượng</a:t>
+            </a:r>
+            <a:r>
+              <a:rPr lang="en-US" sz="1600" dirty="0"/>
+              <a:t> </a:t>
+            </a:r>
+            <a:r>
+              <a:rPr lang="en-US" sz="1600" dirty="0" err="1"/>
+              <a:t>màn</a:t>
+            </a:r>
+            <a:r>
+              <a:rPr lang="en-US" sz="1600" dirty="0"/>
+              <a:t> </a:t>
+            </a:r>
+            <a:r>
+              <a:rPr lang="en-US" sz="1600" dirty="0" err="1"/>
+              <a:t>hình</a:t>
+            </a:r>
+            <a:r>
+              <a:rPr lang="en-US" sz="1600" dirty="0"/>
+              <a:t> view </a:t>
+            </a:r>
+            <a:r>
+              <a:rPr lang="en-US" sz="1600" dirty="0" err="1"/>
+              <a:t>lớn</a:t>
+            </a:r>
+            <a:r>
+              <a:rPr lang="en-US" sz="1600" dirty="0"/>
+              <a:t> </a:t>
+            </a:r>
+            <a:r>
+              <a:rPr lang="en-US" sz="1600" dirty="0" err="1"/>
+              <a:t>lên</a:t>
+            </a:r>
+            <a:r>
+              <a:rPr lang="en-US" sz="1600" dirty="0"/>
+              <a:t>, module </a:t>
+            </a:r>
+            <a:r>
+              <a:rPr lang="en-US" sz="1600" dirty="0" err="1"/>
+              <a:t>quản</a:t>
+            </a:r>
+            <a:r>
+              <a:rPr lang="en-US" sz="1600" dirty="0"/>
+              <a:t> </a:t>
+            </a:r>
+            <a:r>
+              <a:rPr lang="en-US" sz="1600" dirty="0" err="1"/>
+              <a:t>lý</a:t>
+            </a:r>
+            <a:r>
+              <a:rPr lang="en-US" sz="1600" dirty="0"/>
+              <a:t> view </a:t>
+            </a:r>
+            <a:r>
+              <a:rPr lang="en-US" sz="1600" dirty="0" err="1"/>
+              <a:t>lớn</a:t>
+            </a:r>
+            <a:r>
+              <a:rPr lang="en-US" sz="1600" dirty="0"/>
+              <a:t>, theme </a:t>
+            </a:r>
+            <a:r>
+              <a:rPr lang="en-US" sz="1600" dirty="0" err="1"/>
+              <a:t>sẽ</a:t>
+            </a:r>
+            <a:r>
+              <a:rPr lang="en-US" sz="1600" dirty="0"/>
+              <a:t> </a:t>
+            </a:r>
+            <a:r>
+              <a:rPr lang="en-US" sz="1600" dirty="0" err="1"/>
+              <a:t>lộn</a:t>
+            </a:r>
+            <a:r>
+              <a:rPr lang="en-US" sz="1600" dirty="0"/>
+              <a:t> </a:t>
+            </a:r>
+            <a:r>
+              <a:rPr lang="en-US" sz="1600" dirty="0" err="1"/>
+              <a:t>xộn</a:t>
+            </a:r>
+            <a:endParaRPr lang="en-US" sz="1600" dirty="0"/>
+          </a:p>
+          <a:p>
+            <a:pPr lvl="1">
+              <a:spcBef>
+                <a:spcPts val="600"/>
+              </a:spcBef>
+            </a:pPr>
+            <a:r>
+              <a:rPr lang="en-US" sz="1600" dirty="0" err="1"/>
+              <a:t>Khó</a:t>
+            </a:r>
+            <a:r>
+              <a:rPr lang="en-US" sz="1600" dirty="0"/>
+              <a:t> </a:t>
+            </a:r>
+            <a:r>
+              <a:rPr lang="en-US" sz="1600" dirty="0" err="1"/>
+              <a:t>cái</a:t>
+            </a:r>
+            <a:r>
+              <a:rPr lang="en-US" sz="1600" dirty="0"/>
+              <a:t> </a:t>
+            </a:r>
+            <a:r>
+              <a:rPr lang="en-US" sz="1600" dirty="0" err="1"/>
+              <a:t>đặt</a:t>
+            </a:r>
+            <a:r>
+              <a:rPr lang="en-US" sz="1600" dirty="0"/>
+              <a:t> </a:t>
+            </a:r>
+            <a:r>
+              <a:rPr lang="en-US" sz="1600" dirty="0" err="1"/>
+              <a:t>thành</a:t>
+            </a:r>
+            <a:r>
+              <a:rPr lang="en-US" sz="1600" dirty="0"/>
+              <a:t> </a:t>
+            </a:r>
+            <a:r>
+              <a:rPr lang="en-US" sz="1600" dirty="0" err="1"/>
+              <a:t>gói</a:t>
+            </a:r>
+            <a:r>
+              <a:rPr lang="en-US" sz="1600" dirty="0"/>
+              <a:t> </a:t>
+            </a:r>
+            <a:r>
+              <a:rPr lang="en-US" sz="1600" dirty="0" err="1"/>
+              <a:t>với</a:t>
+            </a:r>
+            <a:r>
+              <a:rPr lang="en-US" sz="1600" dirty="0"/>
+              <a:t> module</a:t>
+            </a:r>
+          </a:p>
+          <a:p>
+            <a:pPr lvl="1">
+              <a:spcBef>
+                <a:spcPts val="600"/>
+              </a:spcBef>
+            </a:pPr>
+            <a:r>
+              <a:rPr lang="en-US" sz="1600" dirty="0" err="1"/>
+              <a:t>Không</a:t>
+            </a:r>
+            <a:r>
+              <a:rPr lang="en-US" sz="1600" dirty="0"/>
+              <a:t> </a:t>
+            </a:r>
+            <a:r>
+              <a:rPr lang="en-US" sz="1600" dirty="0" err="1"/>
+              <a:t>hợp</a:t>
+            </a:r>
+            <a:r>
+              <a:rPr lang="en-US" sz="1600" dirty="0"/>
+              <a:t> </a:t>
+            </a:r>
+            <a:r>
+              <a:rPr lang="en-US" sz="1600" dirty="0" err="1"/>
+              <a:t>với</a:t>
+            </a:r>
+            <a:r>
+              <a:rPr lang="en-US" sz="1600" dirty="0"/>
+              <a:t> </a:t>
+            </a:r>
+            <a:r>
+              <a:rPr lang="en-US" sz="1600" dirty="0" err="1"/>
+              <a:t>các</a:t>
+            </a:r>
+            <a:r>
+              <a:rPr lang="en-US" sz="1600" dirty="0"/>
+              <a:t> </a:t>
+            </a:r>
+            <a:r>
+              <a:rPr lang="en-US" sz="1600" dirty="0" err="1"/>
+              <a:t>trang</a:t>
+            </a:r>
+            <a:r>
+              <a:rPr lang="en-US" sz="1600" dirty="0"/>
+              <a:t> </a:t>
+            </a:r>
+            <a:r>
+              <a:rPr lang="en-US" sz="1600" dirty="0" err="1"/>
+              <a:t>đặc</a:t>
+            </a:r>
+            <a:r>
+              <a:rPr lang="en-US" sz="1600" dirty="0"/>
+              <a:t> </a:t>
+            </a:r>
+            <a:r>
+              <a:rPr lang="en-US" sz="1600" dirty="0" err="1"/>
+              <a:t>thù</a:t>
+            </a:r>
+            <a:endParaRPr lang="en-US" sz="1600" dirty="0"/>
+          </a:p>
+        </p:txBody>
+      </p:sp>
+      <p:sp>
+        <p:nvSpPr>
+          <p:cNvPr id="4" name="Text Placeholder 3"/>
+          <p:cNvSpPr>
+            <a:spLocks noGrp="1"/>
+          </p:cNvSpPr>
+          <p:nvPr>
+            <p:ph type="body" sz="quarter" idx="3"/>
+          </p:nvPr>
+        </p:nvSpPr>
+        <p:spPr/>
+        <p:txBody>
+          <a:bodyPr/>
+          <a:lstStyle/>
+          <a:p>
+            <a:r>
+              <a:rPr lang="en-US"/>
+              <a:t>Theme/View trong modules</a:t>
+            </a:r>
+          </a:p>
+        </p:txBody>
+      </p:sp>
+      <p:sp>
+        <p:nvSpPr>
+          <p:cNvPr id="5" name="Content Placeholder 4"/>
+          <p:cNvSpPr>
+            <a:spLocks noGrp="1"/>
+          </p:cNvSpPr>
+          <p:nvPr>
+            <p:ph sz="quarter" idx="4"/>
           </p:nvPr>
         </p:nvSpPr>
         <p:spPr/>
@@ -8653,65 +8651,82 @@
           <a:lstStyle/>
           <a:p>
             <a:r>
-              <a:rPr lang="en-US" sz="2400"/>
-              <a:t>Theme chuẩn cho CMS (post, page, post list) sẽ để ở thư mục </a:t>
-            </a:r>
-            <a:r>
-              <a:rPr lang="en-US" sz="2400">
-                <a:solidFill>
-                  <a:srgbClr val="FFFF00"/>
-                </a:solidFill>
-              </a:rPr>
-              <a:t>public</a:t>
-            </a:r>
-            <a:r>
-              <a:rPr lang="en-US" sz="2400"/>
-              <a:t>. Cài đặt, quản lý dạng gói theme bằng lệnh </a:t>
-            </a:r>
-            <a:r>
-              <a:rPr lang="en-US" sz="2400">
-                <a:solidFill>
-                  <a:srgbClr val="FFFF00"/>
-                </a:solidFill>
-              </a:rPr>
-              <a:t>arrow install -t</a:t>
-            </a:r>
-          </a:p>
-          <a:p>
-            <a:r>
-              <a:rPr lang="en-US" sz="2400"/>
-              <a:t>View + theme cho các màn hình đặc thù (adhoc screen).</a:t>
-            </a:r>
-          </a:p>
-          <a:p>
-            <a:r>
-              <a:rPr lang="en-US" sz="2400"/>
-              <a:t>Mức độ ưu tiên:</a:t>
+              <a:rPr lang="en-US" sz="2000"/>
+              <a:t>Pro</a:t>
+            </a:r>
+          </a:p>
+          <a:p>
+            <a:pPr lvl="1">
+              <a:spcBef>
+                <a:spcPts val="600"/>
+              </a:spcBef>
+            </a:pPr>
+            <a:r>
+              <a:rPr lang="en-US" sz="1600"/>
+              <a:t>Đi cùng model, controller trong module</a:t>
+            </a:r>
+          </a:p>
+          <a:p>
+            <a:pPr lvl="1">
+              <a:spcBef>
+                <a:spcPts val="600"/>
+              </a:spcBef>
+            </a:pPr>
+            <a:r>
+              <a:rPr lang="en-US" sz="1600"/>
+              <a:t>Cài đặt cùng với module thuận tiện với các màn hình đặc thù</a:t>
+            </a:r>
+          </a:p>
+          <a:p>
+            <a:pPr lvl="1">
+              <a:spcBef>
+                <a:spcPts val="600"/>
+              </a:spcBef>
+            </a:pPr>
+            <a:r>
+              <a:rPr lang="en-US" sz="1600"/>
+              <a:t>Gỡ module là gỡ luôn theme</a:t>
+            </a:r>
+            <a:endParaRPr lang="en-US" sz="1800"/>
+          </a:p>
+          <a:p>
+            <a:r>
+              <a:rPr lang="en-US" sz="2000"/>
+              <a:t>Cons</a:t>
+            </a:r>
+          </a:p>
+          <a:p>
+            <a:pPr lvl="1">
+              <a:spcBef>
+                <a:spcPts val="600"/>
+              </a:spcBef>
+            </a:pPr>
+            <a:r>
+              <a:rPr lang="en-US" sz="1600"/>
+              <a:t>Không cài đặt theme bằng câu lệnh</a:t>
+            </a:r>
+          </a:p>
+          <a:p>
+            <a:pPr lvl="1">
+              <a:spcBef>
+                <a:spcPts val="600"/>
+              </a:spcBef>
+            </a:pPr>
+            <a:r>
+              <a:rPr lang="en-US" sz="1600"/>
+              <a:t>Giới hạn dùng cho các màn hình đặc thù không phải post/page</a:t>
             </a:r>
           </a:p>
           <a:p>
             <a:pPr lvl="1"/>
-            <a:r>
-              <a:rPr lang="en-US" sz="2000"/>
-              <a:t>Gói theme trong public buộc phải có để hỗ trợ chức năng CMS và back end căn bản</a:t>
-            </a:r>
-          </a:p>
-          <a:p>
-            <a:pPr lvl="1"/>
-            <a:r>
-              <a:rPr lang="en-US" sz="2000"/>
-              <a:t>Theme đi cùng module mở rộng thì có hoặc không có.</a:t>
-            </a:r>
-          </a:p>
-          <a:p>
-            <a:endParaRPr lang="en-US" sz="2400"/>
+            <a:endParaRPr lang="en-US" sz="1600"/>
           </a:p>
         </p:txBody>
       </p:sp>
     </p:spTree>
     <p:extLst>
       <p:ext uri="{BB962C8B-B14F-4D97-AF65-F5344CB8AC3E}">
-        <p14:creationId xmlns:p14="http://schemas.microsoft.com/office/powerpoint/2010/main" val="1009034914"/>
+        <p14:creationId xmlns:p14="http://schemas.microsoft.com/office/powerpoint/2010/main" val="2233960805"/>
       </p:ext>
     </p:extLst>
   </p:cSld>
@@ -8750,20 +8765,95 @@
         </p:nvSpPr>
         <p:spPr/>
         <p:txBody>
-          <a:bodyPr/>
+          <a:bodyPr>
+            <a:normAutofit fontScale="90000"/>
+          </a:bodyPr>
           <a:lstStyle/>
           <a:p>
             <a:r>
               <a:rPr lang="en-US"/>
-              <a:t>So sánh với các framework khác</a:t>
-            </a:r>
+              <a:t>Đề xuất cách xử lý</a:t>
+            </a:r>
+          </a:p>
+        </p:txBody>
+      </p:sp>
+      <p:sp>
+        <p:nvSpPr>
+          <p:cNvPr id="3" name="Content Placeholder 2"/>
+          <p:cNvSpPr>
+            <a:spLocks noGrp="1"/>
+          </p:cNvSpPr>
+          <p:nvPr>
+            <p:ph idx="1"/>
+          </p:nvPr>
+        </p:nvSpPr>
+        <p:spPr/>
+        <p:txBody>
+          <a:bodyPr>
+            <a:normAutofit/>
+          </a:bodyPr>
+          <a:lstStyle/>
+          <a:p>
+            <a:r>
+              <a:rPr lang="en-US" sz="2400"/>
+              <a:t>Theme chuẩn cho CMS (post, page, post list) sẽ để ở thư mục </a:t>
+            </a:r>
+            <a:r>
+              <a:rPr lang="en-US" sz="2400">
+                <a:solidFill>
+                  <a:srgbClr val="FFFF00"/>
+                </a:solidFill>
+              </a:rPr>
+              <a:t>public</a:t>
+            </a:r>
+            <a:r>
+              <a:rPr lang="en-US" sz="2400"/>
+              <a:t>. Cài đặt, quản lý dạng gói theme bằng lệnh </a:t>
+            </a:r>
+            <a:r>
+              <a:rPr lang="en-US" sz="2400">
+                <a:solidFill>
+                  <a:srgbClr val="FFFF00"/>
+                </a:solidFill>
+              </a:rPr>
+              <a:t>arrow install -t</a:t>
+            </a:r>
+          </a:p>
+          <a:p>
+            <a:r>
+              <a:rPr lang="en-US" sz="2400"/>
+              <a:t>View + theme cho các màn hình đặc thù (adhoc screen).</a:t>
+            </a:r>
+          </a:p>
+          <a:p>
+            <a:r>
+              <a:rPr lang="en-US" sz="2400"/>
+              <a:t>Mức độ ưu tiên:</a:t>
+            </a:r>
+          </a:p>
+          <a:p>
+            <a:pPr lvl="1"/>
+            <a:r>
+              <a:rPr lang="en-US" sz="2000"/>
+              <a:t>Gói theme trong public buộc phải có để hỗ trợ chức năng CMS và back end căn bản</a:t>
+            </a:r>
+          </a:p>
+          <a:p>
+            <a:pPr lvl="1"/>
+            <a:r>
+              <a:rPr lang="en-US" sz="2000"/>
+              <a:t>Theme đi cùng module mở rộng thì có hoặc không có.</a:t>
+            </a:r>
+          </a:p>
+          <a:p>
+            <a:endParaRPr lang="en-US" sz="2400"/>
           </a:p>
         </p:txBody>
       </p:sp>
     </p:spTree>
     <p:extLst>
       <p:ext uri="{BB962C8B-B14F-4D97-AF65-F5344CB8AC3E}">
-        <p14:creationId xmlns:p14="http://schemas.microsoft.com/office/powerpoint/2010/main" val="3235207094"/>
+        <p14:creationId xmlns:p14="http://schemas.microsoft.com/office/powerpoint/2010/main" val="1009034914"/>
       </p:ext>
     </p:extLst>
   </p:cSld>
@@ -8792,12 +8882,12 @@
       </p:grpSpPr>
       <p:sp>
         <p:nvSpPr>
-          <p:cNvPr id="3" name="Text Placeholder 2"/>
+          <p:cNvPr id="2" name="Title 1"/>
           <p:cNvSpPr>
             <a:spLocks noGrp="1"/>
           </p:cNvSpPr>
           <p:nvPr>
-            <p:ph type="body" idx="1"/>
+            <p:ph type="title"/>
           </p:nvPr>
         </p:nvSpPr>
         <p:spPr/>
@@ -8806,172 +8896,16 @@
           <a:lstStyle/>
           <a:p>
             <a:r>
-              <a:rPr lang="en-US" dirty="0" smtClean="0"/>
-              <a:t>Arrow</a:t>
-            </a:r>
-            <a:endParaRPr lang="en-US" dirty="0"/>
-          </a:p>
-        </p:txBody>
-      </p:sp>
-      <p:sp>
-        <p:nvSpPr>
-          <p:cNvPr id="7" name="Content Placeholder 6"/>
-          <p:cNvSpPr>
-            <a:spLocks noGrp="1"/>
-          </p:cNvSpPr>
-          <p:nvPr>
-            <p:ph sz="half" idx="2"/>
-          </p:nvPr>
-        </p:nvSpPr>
-        <p:spPr/>
-        <p:txBody>
-          <a:bodyPr>
-            <a:normAutofit/>
-          </a:bodyPr>
-          <a:lstStyle/>
-          <a:p>
-            <a:r>
-              <a:rPr lang="en-US" dirty="0" smtClean="0"/>
-              <a:t>Pro</a:t>
-            </a:r>
-          </a:p>
-          <a:p>
-            <a:pPr lvl="1"/>
-            <a:r>
-              <a:rPr lang="en-US" dirty="0" smtClean="0"/>
-              <a:t>Support SQL</a:t>
-            </a:r>
-          </a:p>
-          <a:p>
-            <a:pPr lvl="1"/>
-            <a:r>
-              <a:rPr lang="en-US" dirty="0" smtClean="0"/>
-              <a:t>Can use React, Angular .</a:t>
-            </a:r>
-            <a:r>
-              <a:rPr lang="en-US" dirty="0" err="1" smtClean="0"/>
-              <a:t>v.v</a:t>
-            </a:r>
-            <a:endParaRPr lang="en-US" dirty="0"/>
-          </a:p>
-          <a:p>
-            <a:pPr lvl="1"/>
-            <a:r>
-              <a:rPr lang="en-US" dirty="0" smtClean="0"/>
-              <a:t>Cache </a:t>
-            </a:r>
-            <a:r>
-              <a:rPr lang="en-US" dirty="0" err="1" smtClean="0"/>
-              <a:t>redis</a:t>
-            </a:r>
-            <a:endParaRPr lang="en-US" dirty="0" smtClean="0"/>
-          </a:p>
-          <a:p>
-            <a:r>
-              <a:rPr lang="en-US" dirty="0" smtClean="0"/>
-              <a:t>Con</a:t>
-            </a:r>
-          </a:p>
-          <a:p>
-            <a:pPr lvl="1"/>
-            <a:r>
-              <a:rPr lang="en-US" dirty="0" smtClean="0"/>
-              <a:t>No mongo</a:t>
-            </a:r>
-          </a:p>
-          <a:p>
-            <a:pPr lvl="1"/>
-            <a:r>
-              <a:rPr lang="en-US" dirty="0" smtClean="0"/>
-              <a:t>No bower and grunt</a:t>
-            </a:r>
-          </a:p>
-        </p:txBody>
-      </p:sp>
-      <p:sp>
-        <p:nvSpPr>
-          <p:cNvPr id="8" name="Text Placeholder 7"/>
-          <p:cNvSpPr>
-            <a:spLocks noGrp="1"/>
-          </p:cNvSpPr>
-          <p:nvPr>
-            <p:ph type="body" sz="quarter" idx="3"/>
-          </p:nvPr>
-        </p:nvSpPr>
-        <p:spPr/>
-        <p:txBody>
-          <a:bodyPr/>
-          <a:lstStyle/>
-          <a:p>
-            <a:r>
-              <a:rPr lang="en-US" dirty="0" smtClean="0"/>
-              <a:t>Mean</a:t>
-            </a:r>
-            <a:endParaRPr lang="en-US" dirty="0"/>
-          </a:p>
-        </p:txBody>
-      </p:sp>
-      <p:sp>
-        <p:nvSpPr>
-          <p:cNvPr id="9" name="Content Placeholder 8"/>
-          <p:cNvSpPr>
-            <a:spLocks noGrp="1"/>
-          </p:cNvSpPr>
-          <p:nvPr>
-            <p:ph sz="quarter" idx="4"/>
-          </p:nvPr>
-        </p:nvSpPr>
-        <p:spPr/>
-        <p:txBody>
-          <a:bodyPr/>
-          <a:lstStyle/>
-          <a:p>
-            <a:r>
-              <a:rPr lang="en-US" dirty="0" smtClean="0"/>
-              <a:t>Pro</a:t>
-            </a:r>
-          </a:p>
-          <a:p>
-            <a:pPr lvl="1"/>
-            <a:r>
-              <a:rPr lang="en-US" dirty="0" smtClean="0"/>
-              <a:t>Support mongo</a:t>
-            </a:r>
-          </a:p>
-          <a:p>
-            <a:pPr lvl="1"/>
-            <a:r>
-              <a:rPr lang="en-US" dirty="0" smtClean="0"/>
-              <a:t>Support angular</a:t>
-            </a:r>
-          </a:p>
-          <a:p>
-            <a:pPr lvl="1"/>
-            <a:r>
-              <a:rPr lang="en-US" dirty="0" smtClean="0"/>
-              <a:t>Support bower and grunt</a:t>
-            </a:r>
-          </a:p>
-          <a:p>
-            <a:r>
-              <a:rPr lang="en-US" dirty="0" smtClean="0"/>
-              <a:t>Con</a:t>
-            </a:r>
-          </a:p>
-          <a:p>
-            <a:pPr lvl="1"/>
-            <a:r>
-              <a:rPr lang="en-US" dirty="0" smtClean="0"/>
-              <a:t>Fix technology</a:t>
-            </a:r>
-            <a:endParaRPr lang="en-US" dirty="0"/>
+              <a:rPr lang="en-US"/>
+              <a:t>So sánh với các framework khác</a:t>
+            </a:r>
           </a:p>
         </p:txBody>
       </p:sp>
     </p:spTree>
     <p:extLst>
       <p:ext uri="{BB962C8B-B14F-4D97-AF65-F5344CB8AC3E}">
-        <p14:creationId xmlns:p14="http://schemas.microsoft.com/office/powerpoint/2010/main" val="1432642335"/>
+        <p14:creationId xmlns:p14="http://schemas.microsoft.com/office/powerpoint/2010/main" val="3235207094"/>
       </p:ext>
     </p:extLst>
   </p:cSld>
@@ -9000,7 +8934,7 @@
       </p:grpSpPr>
       <p:sp>
         <p:nvSpPr>
-          <p:cNvPr id="2" name="Text Placeholder 1"/>
+          <p:cNvPr id="3" name="Text Placeholder 2"/>
           <p:cNvSpPr>
             <a:spLocks noGrp="1"/>
           </p:cNvSpPr>
@@ -9023,7 +8957,7 @@
       </p:sp>
       <p:sp>
         <p:nvSpPr>
-          <p:cNvPr id="3" name="Content Placeholder 2"/>
+          <p:cNvPr id="7" name="Content Placeholder 6"/>
           <p:cNvSpPr>
             <a:spLocks noGrp="1"/>
           </p:cNvSpPr>
@@ -9033,16 +8967,72 @@
         </p:nvSpPr>
         <p:spPr/>
         <p:txBody>
-          <a:bodyPr/>
-          <a:lstStyle/>
-          <a:p>
+          <a:bodyPr>
+            <a:normAutofit/>
+          </a:bodyPr>
+          <a:lstStyle/>
+          <a:p>
+            <a:r>
+              <a:rPr lang="en-US" dirty="0" smtClean="0"/>
+              <a:t>Pro</a:t>
+            </a:r>
+          </a:p>
+          <a:p>
+            <a:pPr lvl="1"/>
+            <a:r>
+              <a:rPr lang="en-US" dirty="0" smtClean="0"/>
+              <a:t>Support SQL</a:t>
+            </a:r>
+          </a:p>
+          <a:p>
+            <a:pPr lvl="1"/>
+            <a:r>
+              <a:rPr lang="en-US" dirty="0" smtClean="0"/>
+              <a:t>Can use React, Angular .</a:t>
+            </a:r>
+            <a:r>
+              <a:rPr lang="en-US" dirty="0" err="1" smtClean="0"/>
+              <a:t>v.v</a:t>
+            </a:r>
             <a:endParaRPr lang="en-US" dirty="0"/>
           </a:p>
-        </p:txBody>
-      </p:sp>
-      <p:sp>
-        <p:nvSpPr>
-          <p:cNvPr id="6" name="Text Placeholder 5"/>
+          <a:p>
+            <a:pPr lvl="1"/>
+            <a:r>
+              <a:rPr lang="en-US" dirty="0" smtClean="0"/>
+              <a:t>Cache </a:t>
+            </a:r>
+            <a:r>
+              <a:rPr lang="en-US" dirty="0" err="1" smtClean="0"/>
+              <a:t>redis</a:t>
+            </a:r>
+            <a:endParaRPr lang="en-US" dirty="0" smtClean="0"/>
+          </a:p>
+          <a:p>
+            <a:r>
+              <a:rPr lang="en-US" dirty="0" smtClean="0"/>
+              <a:t>Con</a:t>
+            </a:r>
+          </a:p>
+          <a:p>
+            <a:pPr lvl="1"/>
+            <a:r>
+              <a:rPr lang="en-US" dirty="0" smtClean="0"/>
+              <a:t>No mongo</a:t>
+            </a:r>
+          </a:p>
+          <a:p>
+            <a:pPr lvl="1"/>
+            <a:r>
+              <a:rPr lang="en-US" dirty="0" smtClean="0"/>
+              <a:t>No bower and grunt</a:t>
+            </a:r>
+          </a:p>
+        </p:txBody>
+      </p:sp>
+      <p:sp>
+        <p:nvSpPr>
+          <p:cNvPr id="8" name="Text Placeholder 7"/>
           <p:cNvSpPr>
             <a:spLocks noGrp="1"/>
           </p:cNvSpPr>
@@ -9057,7 +9047,7 @@
           <a:p>
             <a:r>
               <a:rPr lang="en-US" dirty="0" smtClean="0"/>
-              <a:t>Sail</a:t>
+              <a:t>Mean</a:t>
             </a:r>
             <a:endParaRPr lang="en-US" dirty="0"/>
           </a:p>
@@ -9065,7 +9055,7 @@
       </p:sp>
       <p:sp>
         <p:nvSpPr>
-          <p:cNvPr id="7" name="Content Placeholder 6"/>
+          <p:cNvPr id="9" name="Content Placeholder 8"/>
           <p:cNvSpPr>
             <a:spLocks noGrp="1"/>
           </p:cNvSpPr>
@@ -9078,14 +9068,52 @@
           <a:bodyPr/>
           <a:lstStyle/>
           <a:p>
-            <a:endParaRPr lang="en-US"/>
+            <a:r>
+              <a:rPr lang="en-US" dirty="0" smtClean="0"/>
+              <a:t>Pro</a:t>
+            </a:r>
+          </a:p>
+          <a:p>
+            <a:pPr lvl="1"/>
+            <a:r>
+              <a:rPr lang="en-US" dirty="0" smtClean="0"/>
+              <a:t>Support mongo</a:t>
+            </a:r>
+          </a:p>
+          <a:p>
+            <a:pPr lvl="1"/>
+            <a:r>
+              <a:rPr lang="en-US" dirty="0" smtClean="0"/>
+              <a:t>Support angular</a:t>
+            </a:r>
+          </a:p>
+          <a:p>
+            <a:pPr lvl="1"/>
+            <a:r>
+              <a:rPr lang="en-US" dirty="0" smtClean="0"/>
+              <a:t>Support bower and grunt</a:t>
+            </a:r>
+          </a:p>
+          <a:p>
+            <a:r>
+              <a:rPr lang="en-US" dirty="0" smtClean="0"/>
+              <a:t>Con</a:t>
+            </a:r>
+          </a:p>
+          <a:p>
+            <a:pPr lvl="1"/>
+            <a:r>
+              <a:rPr lang="en-US" dirty="0" smtClean="0"/>
+              <a:t>Fix technology</a:t>
+            </a:r>
+            <a:endParaRPr lang="en-US" dirty="0"/>
           </a:p>
         </p:txBody>
       </p:sp>
     </p:spTree>
     <p:extLst>
       <p:ext uri="{BB962C8B-B14F-4D97-AF65-F5344CB8AC3E}">
-        <p14:creationId xmlns:p14="http://schemas.microsoft.com/office/powerpoint/2010/main" val="2155063266"/>
+        <p14:creationId xmlns:p14="http://schemas.microsoft.com/office/powerpoint/2010/main" val="1432642335"/>
       </p:ext>
     </p:extLst>
   </p:cSld>
@@ -9196,36 +9224,35 @@
       </p:grpSpPr>
       <p:sp>
         <p:nvSpPr>
-          <p:cNvPr id="4" name="Title 3"/>
+          <p:cNvPr id="2" name="Text Placeholder 1"/>
           <p:cNvSpPr>
             <a:spLocks noGrp="1"/>
           </p:cNvSpPr>
           <p:nvPr>
-            <p:ph type="title"/>
+            <p:ph type="body" idx="1"/>
           </p:nvPr>
         </p:nvSpPr>
         <p:spPr/>
         <p:txBody>
-          <a:bodyPr>
-            <a:normAutofit fontScale="90000"/>
-          </a:bodyPr>
-          <a:lstStyle/>
-          <a:p>
-            <a:r>
-              <a:rPr lang="en-US"/>
-              <a:t>Arrowjs hơn / kém gì BluePencil</a:t>
-            </a:r>
-          </a:p>
-        </p:txBody>
-      </p:sp>
-      <p:sp>
-        <p:nvSpPr>
-          <p:cNvPr id="5" name="Content Placeholder 4"/>
+          <a:bodyPr/>
+          <a:lstStyle/>
+          <a:p>
+            <a:r>
+              <a:rPr lang="en-US" dirty="0" smtClean="0"/>
+              <a:t>Arrow</a:t>
+            </a:r>
+            <a:endParaRPr lang="en-US" dirty="0"/>
+          </a:p>
+        </p:txBody>
+      </p:sp>
+      <p:sp>
+        <p:nvSpPr>
+          <p:cNvPr id="3" name="Content Placeholder 2"/>
           <p:cNvSpPr>
             <a:spLocks noGrp="1"/>
           </p:cNvSpPr>
           <p:nvPr>
-            <p:ph idx="1"/>
+            <p:ph sz="half" idx="2"/>
           </p:nvPr>
         </p:nvSpPr>
         <p:spPr/>
@@ -9234,13 +9261,55 @@
           <a:lstStyle/>
           <a:p>
             <a:endParaRPr lang="en-US" dirty="0"/>
+          </a:p>
+        </p:txBody>
+      </p:sp>
+      <p:sp>
+        <p:nvSpPr>
+          <p:cNvPr id="6" name="Text Placeholder 5"/>
+          <p:cNvSpPr>
+            <a:spLocks noGrp="1"/>
+          </p:cNvSpPr>
+          <p:nvPr>
+            <p:ph type="body" sz="quarter" idx="3"/>
+          </p:nvPr>
+        </p:nvSpPr>
+        <p:spPr/>
+        <p:txBody>
+          <a:bodyPr/>
+          <a:lstStyle/>
+          <a:p>
+            <a:r>
+              <a:rPr lang="en-US" dirty="0" smtClean="0"/>
+              <a:t>Sail</a:t>
+            </a:r>
+            <a:endParaRPr lang="en-US" dirty="0"/>
+          </a:p>
+        </p:txBody>
+      </p:sp>
+      <p:sp>
+        <p:nvSpPr>
+          <p:cNvPr id="7" name="Content Placeholder 6"/>
+          <p:cNvSpPr>
+            <a:spLocks noGrp="1"/>
+          </p:cNvSpPr>
+          <p:nvPr>
+            <p:ph sz="quarter" idx="4"/>
+          </p:nvPr>
+        </p:nvSpPr>
+        <p:spPr/>
+        <p:txBody>
+          <a:bodyPr/>
+          <a:lstStyle/>
+          <a:p>
+            <a:endParaRPr lang="en-US"/>
           </a:p>
         </p:txBody>
       </p:sp>
     </p:spTree>
     <p:extLst>
       <p:ext uri="{BB962C8B-B14F-4D97-AF65-F5344CB8AC3E}">
-        <p14:creationId xmlns:p14="http://schemas.microsoft.com/office/powerpoint/2010/main" val="504847344"/>
+        <p14:creationId xmlns:p14="http://schemas.microsoft.com/office/powerpoint/2010/main" val="2155063266"/>
       </p:ext>
     </p:extLst>
   </p:cSld>
@@ -9269,391 +9338,42 @@
       </p:grpSpPr>
       <p:sp>
         <p:nvSpPr>
-          <p:cNvPr id="7" name="Text Placeholder 6"/>
+          <p:cNvPr id="4" name="Title 3"/>
           <p:cNvSpPr>
             <a:spLocks noGrp="1"/>
           </p:cNvSpPr>
           <p:nvPr>
-            <p:ph type="body" idx="1"/>
+            <p:ph type="title"/>
           </p:nvPr>
         </p:nvSpPr>
         <p:spPr/>
         <p:txBody>
-          <a:bodyPr/>
-          <a:lstStyle/>
-          <a:p>
-            <a:r>
-              <a:rPr lang="en-US" dirty="0" smtClean="0"/>
-              <a:t>Arrow</a:t>
-            </a:r>
-            <a:endParaRPr lang="en-US" dirty="0"/>
-          </a:p>
-        </p:txBody>
-      </p:sp>
-      <p:sp>
-        <p:nvSpPr>
-          <p:cNvPr id="8" name="Content Placeholder 7"/>
+          <a:bodyPr>
+            <a:normAutofit fontScale="90000"/>
+          </a:bodyPr>
+          <a:lstStyle/>
+          <a:p>
+            <a:r>
+              <a:rPr lang="en-US"/>
+              <a:t>Arrowjs hơn / kém gì BluePencil</a:t>
+            </a:r>
+          </a:p>
+        </p:txBody>
+      </p:sp>
+      <p:sp>
+        <p:nvSpPr>
+          <p:cNvPr id="5" name="Content Placeholder 4"/>
           <p:cNvSpPr>
             <a:spLocks noGrp="1"/>
           </p:cNvSpPr>
           <p:nvPr>
-            <p:ph sz="half" idx="2"/>
+            <p:ph idx="1"/>
           </p:nvPr>
         </p:nvSpPr>
         <p:spPr/>
         <p:txBody>
-          <a:bodyPr>
-            <a:normAutofit lnSpcReduction="10000"/>
-          </a:bodyPr>
-          <a:lstStyle/>
-          <a:p>
-            <a:r>
-              <a:rPr lang="en-US" dirty="0" smtClean="0"/>
-              <a:t>Con</a:t>
-            </a:r>
-          </a:p>
-          <a:p>
-            <a:pPr lvl="1"/>
-            <a:r>
-              <a:rPr lang="en-US" dirty="0" smtClean="0"/>
-              <a:t>No Reactive</a:t>
-            </a:r>
-          </a:p>
-          <a:p>
-            <a:pPr lvl="1"/>
-            <a:r>
-              <a:rPr lang="en-US" dirty="0" smtClean="0"/>
-              <a:t>No Mongo</a:t>
-            </a:r>
-          </a:p>
-          <a:p>
-            <a:pPr lvl="1"/>
-            <a:r>
-              <a:rPr lang="en-US" dirty="0" smtClean="0"/>
-              <a:t>Less document</a:t>
-            </a:r>
-          </a:p>
-          <a:p>
-            <a:r>
-              <a:rPr lang="en-US" dirty="0" smtClean="0"/>
-              <a:t>Pro</a:t>
-            </a:r>
-          </a:p>
-          <a:p>
-            <a:pPr lvl="1"/>
-            <a:r>
-              <a:rPr lang="en-US" dirty="0" smtClean="0"/>
-              <a:t>Easy deploy</a:t>
-            </a:r>
-          </a:p>
-          <a:p>
-            <a:pPr lvl="1"/>
-            <a:r>
-              <a:rPr lang="en-US" dirty="0" smtClean="0"/>
-              <a:t>Easy cluttering</a:t>
-            </a:r>
-          </a:p>
-          <a:p>
-            <a:pPr lvl="1"/>
-            <a:r>
-              <a:rPr lang="en-US" smtClean="0"/>
-              <a:t>Support cache</a:t>
-            </a:r>
-            <a:endParaRPr lang="en-US" dirty="0" smtClean="0"/>
-          </a:p>
-          <a:p>
-            <a:pPr lvl="1"/>
-            <a:endParaRPr lang="en-US" dirty="0"/>
-          </a:p>
-        </p:txBody>
-      </p:sp>
-      <p:sp>
-        <p:nvSpPr>
-          <p:cNvPr id="9" name="Text Placeholder 8"/>
-          <p:cNvSpPr>
-            <a:spLocks noGrp="1"/>
-          </p:cNvSpPr>
-          <p:nvPr>
-            <p:ph type="body" sz="quarter" idx="3"/>
-          </p:nvPr>
-        </p:nvSpPr>
-        <p:spPr/>
-        <p:txBody>
           <a:bodyPr/>
           <a:lstStyle/>
-          <a:p>
-            <a:r>
-              <a:rPr lang="en-US" dirty="0" smtClean="0"/>
-              <a:t>Meteor</a:t>
-            </a:r>
-            <a:endParaRPr lang="en-US" dirty="0"/>
-          </a:p>
-        </p:txBody>
-      </p:sp>
-      <p:sp>
-        <p:nvSpPr>
-          <p:cNvPr id="10" name="Content Placeholder 9"/>
-          <p:cNvSpPr>
-            <a:spLocks noGrp="1"/>
-          </p:cNvSpPr>
-          <p:nvPr>
-            <p:ph sz="quarter" idx="4"/>
-          </p:nvPr>
-        </p:nvSpPr>
-        <p:spPr/>
-        <p:txBody>
-          <a:bodyPr>
-            <a:normAutofit fontScale="47500" lnSpcReduction="20000"/>
-          </a:bodyPr>
-          <a:lstStyle/>
-          <a:p>
-            <a:r>
-              <a:rPr lang="en-US" dirty="0" smtClean="0"/>
-              <a:t>Con</a:t>
-            </a:r>
-          </a:p>
-          <a:p>
-            <a:pPr lvl="1"/>
-            <a:r>
-              <a:rPr lang="en-US" dirty="0" smtClean="0"/>
-              <a:t>All global</a:t>
-            </a:r>
-          </a:p>
-          <a:p>
-            <a:pPr lvl="1"/>
-            <a:r>
-              <a:rPr lang="en-US" dirty="0" smtClean="0"/>
-              <a:t>Slow</a:t>
-            </a:r>
-          </a:p>
-          <a:p>
-            <a:pPr lvl="1"/>
-            <a:r>
-              <a:rPr lang="en-US" dirty="0" smtClean="0"/>
-              <a:t>Many convention</a:t>
-            </a:r>
-          </a:p>
-          <a:p>
-            <a:pPr lvl="1"/>
-            <a:r>
-              <a:rPr lang="en-US" dirty="0" smtClean="0"/>
-              <a:t>Cluttering difficult</a:t>
-            </a:r>
-          </a:p>
-          <a:p>
-            <a:pPr lvl="1"/>
-            <a:r>
-              <a:rPr lang="en-US" dirty="0" smtClean="0"/>
-              <a:t>Difficult to deploy</a:t>
-            </a:r>
-          </a:p>
-          <a:p>
-            <a:r>
-              <a:rPr lang="en-US" dirty="0" smtClean="0"/>
-              <a:t>Pro</a:t>
-            </a:r>
-          </a:p>
-          <a:p>
-            <a:pPr lvl="1"/>
-            <a:r>
-              <a:rPr lang="en-US" dirty="0" smtClean="0"/>
-              <a:t>Reactive</a:t>
-            </a:r>
-          </a:p>
-          <a:p>
-            <a:pPr lvl="1"/>
-            <a:r>
-              <a:rPr lang="en-US" dirty="0" smtClean="0"/>
-              <a:t>Mongo default</a:t>
-            </a:r>
-          </a:p>
-          <a:p>
-            <a:pPr lvl="1"/>
-            <a:r>
-              <a:rPr lang="en-US" dirty="0" smtClean="0"/>
-              <a:t>Fast to code</a:t>
-            </a:r>
-          </a:p>
-          <a:p>
-            <a:pPr lvl="1"/>
-            <a:r>
-              <a:rPr lang="en-US" dirty="0" smtClean="0"/>
-              <a:t>Best for </a:t>
-            </a:r>
-            <a:r>
-              <a:rPr lang="en-US" dirty="0" err="1" smtClean="0"/>
-              <a:t>singlePage</a:t>
-            </a:r>
-            <a:endParaRPr lang="en-US" dirty="0" smtClean="0"/>
-          </a:p>
-          <a:p>
-            <a:pPr lvl="1"/>
-            <a:r>
-              <a:rPr lang="en-US" dirty="0" smtClean="0"/>
-              <a:t>Isomorphic</a:t>
-            </a:r>
-            <a:endParaRPr lang="en-US" dirty="0"/>
-          </a:p>
-        </p:txBody>
-      </p:sp>
-      <p:sp>
-        <p:nvSpPr>
-          <p:cNvPr id="6" name="Content Placeholder 4"/>
-          <p:cNvSpPr txBox="1">
-            <a:spLocks/>
-          </p:cNvSpPr>
-          <p:nvPr/>
-        </p:nvSpPr>
-        <p:spPr>
-          <a:xfrm>
-            <a:off x="139053" y="742950"/>
-            <a:ext cx="4038600" cy="4123552"/>
-          </a:xfrm>
-          <a:prstGeom prst="rect">
-            <a:avLst/>
-          </a:prstGeom>
-        </p:spPr>
-        <p:txBody>
-          <a:bodyPr vert="horz" lIns="91440" tIns="45720" rIns="91440" bIns="45720" rtlCol="0">
-            <a:normAutofit/>
-          </a:bodyPr>
-          <a:lstStyle>
-            <a:lvl1pPr marL="342900" indent="-342900" algn="l" defTabSz="914400" rtl="0" eaLnBrk="1" latinLnBrk="0" hangingPunct="1">
-              <a:spcBef>
-                <a:spcPts val="1800"/>
-              </a:spcBef>
-              <a:buFont typeface="Arial" pitchFamily="34" charset="0"/>
-              <a:buChar char="•"/>
-              <a:defRPr sz="3200" kern="1200">
-                <a:solidFill>
-                  <a:schemeClr val="bg1"/>
-                </a:solidFill>
-                <a:latin typeface="Corbel"/>
-                <a:ea typeface="Segoe UI" pitchFamily="34" charset="0"/>
-                <a:cs typeface="Corbel"/>
-              </a:defRPr>
-            </a:lvl1pPr>
-            <a:lvl2pPr marL="742950" indent="-285750" algn="l" defTabSz="914400" rtl="0" eaLnBrk="1" latinLnBrk="0" hangingPunct="1">
-              <a:spcBef>
-                <a:spcPts val="1800"/>
-              </a:spcBef>
-              <a:buFont typeface="Arial" pitchFamily="34" charset="0"/>
-              <a:buChar char="–"/>
-              <a:defRPr sz="2800" kern="1200">
-                <a:solidFill>
-                  <a:schemeClr val="bg1"/>
-                </a:solidFill>
-                <a:latin typeface="Corbel"/>
-                <a:ea typeface="Segoe UI" pitchFamily="34" charset="0"/>
-                <a:cs typeface="Corbel"/>
-              </a:defRPr>
-            </a:lvl2pPr>
-            <a:lvl3pPr marL="1143000" indent="-228600" algn="l" defTabSz="914400" rtl="0" eaLnBrk="1" latinLnBrk="0" hangingPunct="1">
-              <a:spcBef>
-                <a:spcPts val="1800"/>
-              </a:spcBef>
-              <a:buFont typeface="Arial" pitchFamily="34" charset="0"/>
-              <a:buChar char="•"/>
-              <a:defRPr sz="2400" kern="1200">
-                <a:solidFill>
-                  <a:schemeClr val="bg1"/>
-                </a:solidFill>
-                <a:latin typeface="Corbel"/>
-                <a:ea typeface="Segoe UI" pitchFamily="34" charset="0"/>
-                <a:cs typeface="Corbel"/>
-              </a:defRPr>
-            </a:lvl3pPr>
-            <a:lvl4pPr marL="1600200" indent="-228600" algn="l" defTabSz="914400" rtl="0" eaLnBrk="1" latinLnBrk="0" hangingPunct="1">
-              <a:spcBef>
-                <a:spcPts val="1800"/>
-              </a:spcBef>
-              <a:buFont typeface="Arial" pitchFamily="34" charset="0"/>
-              <a:buChar char="–"/>
-              <a:defRPr sz="2000" kern="1200">
-                <a:solidFill>
-                  <a:schemeClr val="bg1"/>
-                </a:solidFill>
-                <a:latin typeface="Corbel"/>
-                <a:ea typeface="Segoe UI" pitchFamily="34" charset="0"/>
-                <a:cs typeface="Corbel"/>
-              </a:defRPr>
-            </a:lvl4pPr>
-            <a:lvl5pPr marL="2057400" indent="-228600" algn="l" defTabSz="914400" rtl="0" eaLnBrk="1" latinLnBrk="0" hangingPunct="1">
-              <a:spcBef>
-                <a:spcPts val="1800"/>
-              </a:spcBef>
-              <a:buFont typeface="Arial" pitchFamily="34" charset="0"/>
-              <a:buChar char="»"/>
-              <a:defRPr sz="2000" kern="1200">
-                <a:solidFill>
-                  <a:schemeClr val="bg1"/>
-                </a:solidFill>
-                <a:latin typeface="Corbel"/>
-                <a:ea typeface="Segoe UI" pitchFamily="34" charset="0"/>
-                <a:cs typeface="Corbel"/>
-              </a:defRPr>
-            </a:lvl5pPr>
-            <a:lvl6pPr marL="2514600" indent="-228600" algn="l" defTabSz="914400" rtl="0" eaLnBrk="1" latinLnBrk="0" hangingPunct="1">
-              <a:spcBef>
-                <a:spcPct val="20000"/>
-              </a:spcBef>
-              <a:buFont typeface="Arial" pitchFamily="34" charset="0"/>
-              <a:buChar char="•"/>
-              <a:defRPr sz="2000" kern="1200">
-                <a:solidFill>
-                  <a:schemeClr val="tx1"/>
-                </a:solidFill>
-                <a:latin typeface="+mn-lt"/>
-                <a:ea typeface="+mn-ea"/>
-                <a:cs typeface="+mn-cs"/>
-              </a:defRPr>
-            </a:lvl6pPr>
-            <a:lvl7pPr marL="2971800" indent="-228600" algn="l" defTabSz="914400" rtl="0" eaLnBrk="1" latinLnBrk="0" hangingPunct="1">
-              <a:spcBef>
-                <a:spcPct val="20000"/>
-              </a:spcBef>
-              <a:buFont typeface="Arial" pitchFamily="34" charset="0"/>
-              <a:buChar char="•"/>
-              <a:defRPr sz="2000" kern="1200">
-                <a:solidFill>
-                  <a:schemeClr val="tx1"/>
-                </a:solidFill>
-                <a:latin typeface="+mn-lt"/>
-                <a:ea typeface="+mn-ea"/>
-                <a:cs typeface="+mn-cs"/>
-              </a:defRPr>
-            </a:lvl7pPr>
-            <a:lvl8pPr marL="3429000" indent="-228600" algn="l" defTabSz="914400" rtl="0" eaLnBrk="1" latinLnBrk="0" hangingPunct="1">
-              <a:spcBef>
-                <a:spcPct val="20000"/>
-              </a:spcBef>
-              <a:buFont typeface="Arial" pitchFamily="34" charset="0"/>
-              <a:buChar char="•"/>
-              <a:defRPr sz="2000" kern="1200">
-                <a:solidFill>
-                  <a:schemeClr val="tx1"/>
-                </a:solidFill>
-                <a:latin typeface="+mn-lt"/>
-                <a:ea typeface="+mn-ea"/>
-                <a:cs typeface="+mn-cs"/>
-              </a:defRPr>
-            </a:lvl8pPr>
-            <a:lvl9pPr marL="3886200" indent="-228600" algn="l" defTabSz="914400" rtl="0" eaLnBrk="1" latinLnBrk="0" hangingPunct="1">
-              <a:spcBef>
-                <a:spcPct val="20000"/>
-              </a:spcBef>
-              <a:buFont typeface="Arial" pitchFamily="34" charset="0"/>
-              <a:buChar char="•"/>
-              <a:defRPr sz="2000" kern="1200">
-                <a:solidFill>
-                  <a:schemeClr val="tx1"/>
-                </a:solidFill>
-                <a:latin typeface="+mn-lt"/>
-                <a:ea typeface="+mn-ea"/>
-                <a:cs typeface="+mn-cs"/>
-              </a:defRPr>
-            </a:lvl9pPr>
-          </a:lstStyle>
           <a:p>
             <a:endParaRPr lang="en-US" dirty="0"/>
           </a:p>
@@ -9662,7 +9382,7 @@
     </p:spTree>
     <p:extLst>
       <p:ext uri="{BB962C8B-B14F-4D97-AF65-F5344CB8AC3E}">
-        <p14:creationId xmlns:p14="http://schemas.microsoft.com/office/powerpoint/2010/main" val="3703071390"/>
+        <p14:creationId xmlns:p14="http://schemas.microsoft.com/office/powerpoint/2010/main" val="504847344"/>
       </p:ext>
     </p:extLst>
   </p:cSld>
@@ -9691,81 +9411,400 @@
       </p:grpSpPr>
       <p:sp>
         <p:nvSpPr>
-          <p:cNvPr id="2" name="Title 1"/>
+          <p:cNvPr id="7" name="Text Placeholder 6"/>
           <p:cNvSpPr>
             <a:spLocks noGrp="1"/>
           </p:cNvSpPr>
           <p:nvPr>
-            <p:ph type="title"/>
+            <p:ph type="body" idx="1"/>
           </p:nvPr>
         </p:nvSpPr>
         <p:spPr/>
         <p:txBody>
-          <a:bodyPr>
-            <a:normAutofit fontScale="90000"/>
-          </a:bodyPr>
-          <a:lstStyle/>
-          <a:p>
-            <a:r>
-              <a:rPr lang="en-US"/>
-              <a:t>Rủi ro của Arrowjs.io là gì?</a:t>
-            </a:r>
-          </a:p>
-        </p:txBody>
-      </p:sp>
-      <p:sp>
-        <p:nvSpPr>
-          <p:cNvPr id="3" name="Content Placeholder 2"/>
+          <a:bodyPr/>
+          <a:lstStyle/>
+          <a:p>
+            <a:r>
+              <a:rPr lang="en-US" dirty="0" smtClean="0"/>
+              <a:t>Arrow</a:t>
+            </a:r>
+            <a:endParaRPr lang="en-US" dirty="0"/>
+          </a:p>
+        </p:txBody>
+      </p:sp>
+      <p:sp>
+        <p:nvSpPr>
+          <p:cNvPr id="8" name="Content Placeholder 7"/>
           <p:cNvSpPr>
             <a:spLocks noGrp="1"/>
           </p:cNvSpPr>
           <p:nvPr>
-            <p:ph idx="1"/>
+            <p:ph sz="half" idx="2"/>
           </p:nvPr>
         </p:nvSpPr>
         <p:spPr/>
         <p:txBody>
+          <a:bodyPr>
+            <a:normAutofit lnSpcReduction="10000"/>
+          </a:bodyPr>
+          <a:lstStyle/>
+          <a:p>
+            <a:r>
+              <a:rPr lang="en-US" dirty="0" smtClean="0"/>
+              <a:t>Con</a:t>
+            </a:r>
+          </a:p>
+          <a:p>
+            <a:pPr lvl="1"/>
+            <a:r>
+              <a:rPr lang="en-US" dirty="0" smtClean="0"/>
+              <a:t>No Reactive</a:t>
+            </a:r>
+          </a:p>
+          <a:p>
+            <a:pPr lvl="1"/>
+            <a:r>
+              <a:rPr lang="en-US" dirty="0" smtClean="0"/>
+              <a:t>No Mongo</a:t>
+            </a:r>
+          </a:p>
+          <a:p>
+            <a:pPr lvl="1"/>
+            <a:r>
+              <a:rPr lang="en-US" dirty="0" smtClean="0"/>
+              <a:t>Less document</a:t>
+            </a:r>
+          </a:p>
+          <a:p>
+            <a:r>
+              <a:rPr lang="en-US" dirty="0" smtClean="0"/>
+              <a:t>Pro</a:t>
+            </a:r>
+          </a:p>
+          <a:p>
+            <a:pPr lvl="1"/>
+            <a:r>
+              <a:rPr lang="en-US" dirty="0" smtClean="0"/>
+              <a:t>Easy deploy</a:t>
+            </a:r>
+          </a:p>
+          <a:p>
+            <a:pPr lvl="1"/>
+            <a:r>
+              <a:rPr lang="en-US" dirty="0" smtClean="0"/>
+              <a:t>Easy cluttering</a:t>
+            </a:r>
+          </a:p>
+          <a:p>
+            <a:pPr lvl="1"/>
+            <a:r>
+              <a:rPr lang="en-US" smtClean="0"/>
+              <a:t>Support cache</a:t>
+            </a:r>
+            <a:endParaRPr lang="en-US" dirty="0" smtClean="0"/>
+          </a:p>
+          <a:p>
+            <a:pPr lvl="1"/>
+            <a:endParaRPr lang="en-US" dirty="0"/>
+          </a:p>
+        </p:txBody>
+      </p:sp>
+      <p:sp>
+        <p:nvSpPr>
+          <p:cNvPr id="9" name="Text Placeholder 8"/>
+          <p:cNvSpPr>
+            <a:spLocks noGrp="1"/>
+          </p:cNvSpPr>
+          <p:nvPr>
+            <p:ph type="body" sz="quarter" idx="3"/>
+          </p:nvPr>
+        </p:nvSpPr>
+        <p:spPr/>
+        <p:txBody>
           <a:bodyPr/>
           <a:lstStyle/>
           <a:p>
             <a:r>
-              <a:rPr lang="en-US"/>
-              <a:t>CMS khó nâng cấp</a:t>
+              <a:rPr lang="en-US" dirty="0" smtClean="0"/>
+              <a:t>Meteor</a:t>
+            </a:r>
+            <a:endParaRPr lang="en-US" dirty="0"/>
+          </a:p>
+        </p:txBody>
+      </p:sp>
+      <p:sp>
+        <p:nvSpPr>
+          <p:cNvPr id="10" name="Content Placeholder 9"/>
+          <p:cNvSpPr>
+            <a:spLocks noGrp="1"/>
+          </p:cNvSpPr>
+          <p:nvPr>
+            <p:ph sz="quarter" idx="4"/>
+          </p:nvPr>
+        </p:nvSpPr>
+        <p:spPr/>
+        <p:txBody>
+          <a:bodyPr>
+            <a:normAutofit fontScale="47500" lnSpcReduction="20000"/>
+          </a:bodyPr>
+          <a:lstStyle/>
+          <a:p>
+            <a:r>
+              <a:rPr lang="en-US" dirty="0" smtClean="0"/>
+              <a:t>Con</a:t>
             </a:r>
           </a:p>
           <a:p>
             <a:pPr lvl="1"/>
             <a:r>
-              <a:rPr lang="en-US"/>
-              <a:t>Cập nhật CMS mới có thể phá vỡ code cũ</a:t>
+              <a:rPr lang="en-US" dirty="0" smtClean="0"/>
+              <a:t>All global</a:t>
             </a:r>
           </a:p>
           <a:p>
             <a:pPr lvl="1"/>
-            <a:endParaRPr lang="en-US"/>
-          </a:p>
-          <a:p>
-            <a:r>
-              <a:rPr lang="en-US"/>
-              <a:t>Vấn đề bảo mật</a:t>
+            <a:r>
+              <a:rPr lang="en-US" dirty="0" smtClean="0"/>
+              <a:t>Slow</a:t>
             </a:r>
           </a:p>
           <a:p>
             <a:pPr lvl="1"/>
             <a:r>
-              <a:rPr lang="en-US"/>
-              <a:t>Helmet</a:t>
-            </a:r>
-          </a:p>
-          <a:p>
-            <a:endParaRPr lang="en-US"/>
+              <a:rPr lang="en-US" dirty="0" smtClean="0"/>
+              <a:t>Many convention</a:t>
+            </a:r>
+          </a:p>
+          <a:p>
+            <a:pPr lvl="1"/>
+            <a:r>
+              <a:rPr lang="en-US" dirty="0" smtClean="0"/>
+              <a:t>Cluttering difficult</a:t>
+            </a:r>
+          </a:p>
+          <a:p>
+            <a:pPr lvl="1"/>
+            <a:r>
+              <a:rPr lang="en-US" dirty="0" smtClean="0"/>
+              <a:t>Difficult to deploy</a:t>
+            </a:r>
+          </a:p>
+          <a:p>
+            <a:r>
+              <a:rPr lang="en-US" dirty="0" smtClean="0"/>
+              <a:t>Pro</a:t>
+            </a:r>
+          </a:p>
+          <a:p>
+            <a:pPr lvl="1"/>
+            <a:r>
+              <a:rPr lang="en-US" dirty="0" smtClean="0"/>
+              <a:t>Reactive</a:t>
+            </a:r>
+          </a:p>
+          <a:p>
+            <a:pPr lvl="1"/>
+            <a:r>
+              <a:rPr lang="en-US" dirty="0" smtClean="0"/>
+              <a:t>Mongo default</a:t>
+            </a:r>
+          </a:p>
+          <a:p>
+            <a:pPr lvl="1"/>
+            <a:r>
+              <a:rPr lang="en-US" dirty="0" smtClean="0"/>
+              <a:t>Fast to code</a:t>
+            </a:r>
+          </a:p>
+          <a:p>
+            <a:pPr lvl="1"/>
+            <a:r>
+              <a:rPr lang="en-US" dirty="0" smtClean="0"/>
+              <a:t>Best for </a:t>
+            </a:r>
+            <a:r>
+              <a:rPr lang="en-US" dirty="0" err="1" smtClean="0"/>
+              <a:t>singlePage</a:t>
+            </a:r>
+            <a:endParaRPr lang="en-US" dirty="0" smtClean="0"/>
+          </a:p>
+          <a:p>
+            <a:pPr lvl="1"/>
+            <a:r>
+              <a:rPr lang="en-US" dirty="0" smtClean="0"/>
+              <a:t>Isomorphic</a:t>
+            </a:r>
+            <a:endParaRPr lang="en-US" dirty="0"/>
+          </a:p>
+        </p:txBody>
+      </p:sp>
+      <p:sp>
+        <p:nvSpPr>
+          <p:cNvPr id="6" name="Content Placeholder 4"/>
+          <p:cNvSpPr txBox="1">
+            <a:spLocks/>
+          </p:cNvSpPr>
+          <p:nvPr/>
+        </p:nvSpPr>
+        <p:spPr>
+          <a:xfrm>
+            <a:off x="139053" y="742950"/>
+            <a:ext cx="4038600" cy="4123552"/>
+          </a:xfrm>
+          <a:prstGeom prst="rect">
+            <a:avLst/>
+          </a:prstGeom>
+        </p:spPr>
+        <p:txBody>
+          <a:bodyPr vert="horz" lIns="91440" tIns="45720" rIns="91440" bIns="45720" rtlCol="0">
+            <a:normAutofit/>
+          </a:bodyPr>
+          <a:lstStyle>
+            <a:lvl1pPr marL="342900" indent="-342900" algn="l" defTabSz="914400" rtl="0" eaLnBrk="1" latinLnBrk="0" hangingPunct="1">
+              <a:spcBef>
+                <a:spcPts val="1800"/>
+              </a:spcBef>
+              <a:buFont typeface="Arial" pitchFamily="34" charset="0"/>
+              <a:buChar char="•"/>
+              <a:defRPr sz="3200" kern="1200">
+                <a:solidFill>
+                  <a:schemeClr val="bg1"/>
+                </a:solidFill>
+                <a:latin typeface="Corbel"/>
+                <a:ea typeface="Segoe UI" pitchFamily="34" charset="0"/>
+                <a:cs typeface="Corbel"/>
+              </a:defRPr>
+            </a:lvl1pPr>
+            <a:lvl2pPr marL="742950" indent="-285750" algn="l" defTabSz="914400" rtl="0" eaLnBrk="1" latinLnBrk="0" hangingPunct="1">
+              <a:spcBef>
+                <a:spcPts val="1800"/>
+              </a:spcBef>
+              <a:buFont typeface="Arial" pitchFamily="34" charset="0"/>
+              <a:buChar char="–"/>
+              <a:defRPr sz="2800" kern="1200">
+                <a:solidFill>
+                  <a:schemeClr val="bg1"/>
+                </a:solidFill>
+                <a:latin typeface="Corbel"/>
+                <a:ea typeface="Segoe UI" pitchFamily="34" charset="0"/>
+                <a:cs typeface="Corbel"/>
+              </a:defRPr>
+            </a:lvl2pPr>
+            <a:lvl3pPr marL="1143000" indent="-228600" algn="l" defTabSz="914400" rtl="0" eaLnBrk="1" latinLnBrk="0" hangingPunct="1">
+              <a:spcBef>
+                <a:spcPts val="1800"/>
+              </a:spcBef>
+              <a:buFont typeface="Arial" pitchFamily="34" charset="0"/>
+              <a:buChar char="•"/>
+              <a:defRPr sz="2400" kern="1200">
+                <a:solidFill>
+                  <a:schemeClr val="bg1"/>
+                </a:solidFill>
+                <a:latin typeface="Corbel"/>
+                <a:ea typeface="Segoe UI" pitchFamily="34" charset="0"/>
+                <a:cs typeface="Corbel"/>
+              </a:defRPr>
+            </a:lvl3pPr>
+            <a:lvl4pPr marL="1600200" indent="-228600" algn="l" defTabSz="914400" rtl="0" eaLnBrk="1" latinLnBrk="0" hangingPunct="1">
+              <a:spcBef>
+                <a:spcPts val="1800"/>
+              </a:spcBef>
+              <a:buFont typeface="Arial" pitchFamily="34" charset="0"/>
+              <a:buChar char="–"/>
+              <a:defRPr sz="2000" kern="1200">
+                <a:solidFill>
+                  <a:schemeClr val="bg1"/>
+                </a:solidFill>
+                <a:latin typeface="Corbel"/>
+                <a:ea typeface="Segoe UI" pitchFamily="34" charset="0"/>
+                <a:cs typeface="Corbel"/>
+              </a:defRPr>
+            </a:lvl4pPr>
+            <a:lvl5pPr marL="2057400" indent="-228600" algn="l" defTabSz="914400" rtl="0" eaLnBrk="1" latinLnBrk="0" hangingPunct="1">
+              <a:spcBef>
+                <a:spcPts val="1800"/>
+              </a:spcBef>
+              <a:buFont typeface="Arial" pitchFamily="34" charset="0"/>
+              <a:buChar char="»"/>
+              <a:defRPr sz="2000" kern="1200">
+                <a:solidFill>
+                  <a:schemeClr val="bg1"/>
+                </a:solidFill>
+                <a:latin typeface="Corbel"/>
+                <a:ea typeface="Segoe UI" pitchFamily="34" charset="0"/>
+                <a:cs typeface="Corbel"/>
+              </a:defRPr>
+            </a:lvl5pPr>
+            <a:lvl6pPr marL="2514600" indent="-228600" algn="l" defTabSz="914400" rtl="0" eaLnBrk="1" latinLnBrk="0" hangingPunct="1">
+              <a:spcBef>
+                <a:spcPct val="20000"/>
+              </a:spcBef>
+              <a:buFont typeface="Arial" pitchFamily="34" charset="0"/>
+              <a:buChar char="•"/>
+              <a:defRPr sz="2000" kern="1200">
+                <a:solidFill>
+                  <a:schemeClr val="tx1"/>
+                </a:solidFill>
+                <a:latin typeface="+mn-lt"/>
+                <a:ea typeface="+mn-ea"/>
+                <a:cs typeface="+mn-cs"/>
+              </a:defRPr>
+            </a:lvl6pPr>
+            <a:lvl7pPr marL="2971800" indent="-228600" algn="l" defTabSz="914400" rtl="0" eaLnBrk="1" latinLnBrk="0" hangingPunct="1">
+              <a:spcBef>
+                <a:spcPct val="20000"/>
+              </a:spcBef>
+              <a:buFont typeface="Arial" pitchFamily="34" charset="0"/>
+              <a:buChar char="•"/>
+              <a:defRPr sz="2000" kern="1200">
+                <a:solidFill>
+                  <a:schemeClr val="tx1"/>
+                </a:solidFill>
+                <a:latin typeface="+mn-lt"/>
+                <a:ea typeface="+mn-ea"/>
+                <a:cs typeface="+mn-cs"/>
+              </a:defRPr>
+            </a:lvl7pPr>
+            <a:lvl8pPr marL="3429000" indent="-228600" algn="l" defTabSz="914400" rtl="0" eaLnBrk="1" latinLnBrk="0" hangingPunct="1">
+              <a:spcBef>
+                <a:spcPct val="20000"/>
+              </a:spcBef>
+              <a:buFont typeface="Arial" pitchFamily="34" charset="0"/>
+              <a:buChar char="•"/>
+              <a:defRPr sz="2000" kern="1200">
+                <a:solidFill>
+                  <a:schemeClr val="tx1"/>
+                </a:solidFill>
+                <a:latin typeface="+mn-lt"/>
+                <a:ea typeface="+mn-ea"/>
+                <a:cs typeface="+mn-cs"/>
+              </a:defRPr>
+            </a:lvl8pPr>
+            <a:lvl9pPr marL="3886200" indent="-228600" algn="l" defTabSz="914400" rtl="0" eaLnBrk="1" latinLnBrk="0" hangingPunct="1">
+              <a:spcBef>
+                <a:spcPct val="20000"/>
+              </a:spcBef>
+              <a:buFont typeface="Arial" pitchFamily="34" charset="0"/>
+              <a:buChar char="•"/>
+              <a:defRPr sz="2000" kern="1200">
+                <a:solidFill>
+                  <a:schemeClr val="tx1"/>
+                </a:solidFill>
+                <a:latin typeface="+mn-lt"/>
+                <a:ea typeface="+mn-ea"/>
+                <a:cs typeface="+mn-cs"/>
+              </a:defRPr>
+            </a:lvl9pPr>
+          </a:lstStyle>
+          <a:p>
+            <a:endParaRPr lang="en-US" dirty="0"/>
           </a:p>
         </p:txBody>
       </p:sp>
     </p:spTree>
     <p:extLst>
       <p:ext uri="{BB962C8B-B14F-4D97-AF65-F5344CB8AC3E}">
-        <p14:creationId xmlns:p14="http://schemas.microsoft.com/office/powerpoint/2010/main" val="696594001"/>
+        <p14:creationId xmlns:p14="http://schemas.microsoft.com/office/powerpoint/2010/main" val="3703071390"/>
       </p:ext>
     </p:extLst>
   </p:cSld>
@@ -9805,65 +9844,13 @@
         <p:spPr/>
         <p:txBody>
           <a:bodyPr>
-            <a:noAutofit/>
+            <a:normAutofit fontScale="90000"/>
           </a:bodyPr>
           <a:lstStyle/>
           <a:p>
             <a:r>
-              <a:rPr lang="en-US" sz="2800" dirty="0" err="1"/>
-              <a:t>Dùng</a:t>
-            </a:r>
-            <a:r>
-              <a:rPr lang="en-US" sz="2800" dirty="0"/>
-              <a:t> Yeoman </a:t>
-            </a:r>
-            <a:r>
-              <a:rPr lang="en-US" sz="2800" dirty="0" err="1"/>
-              <a:t>để</a:t>
-            </a:r>
-            <a:r>
-              <a:rPr lang="en-US" sz="2800" dirty="0"/>
-              <a:t> </a:t>
-            </a:r>
-            <a:r>
-              <a:rPr lang="en-US" sz="2800" dirty="0" err="1"/>
-              <a:t>tạo</a:t>
-            </a:r>
-            <a:r>
-              <a:rPr lang="en-US" sz="2800" dirty="0"/>
-              <a:t> </a:t>
-            </a:r>
-            <a:r>
-              <a:rPr lang="en-US" sz="2800" dirty="0" err="1"/>
-              <a:t>mẫu</a:t>
-            </a:r>
-            <a:r>
-              <a:rPr lang="en-US" sz="2800" dirty="0"/>
-              <a:t> </a:t>
-            </a:r>
-            <a:r>
-              <a:rPr lang="en-US" sz="2800" dirty="0" err="1"/>
-              <a:t>Arrowjs</a:t>
-            </a:r>
-            <a:r>
-              <a:rPr lang="en-US" sz="2800" dirty="0"/>
-              <a:t> CMS </a:t>
-            </a:r>
-            <a:r>
-              <a:rPr lang="en-US" sz="2800" dirty="0" err="1"/>
-              <a:t>được</a:t>
-            </a:r>
-            <a:r>
-              <a:rPr lang="en-US" sz="2800" dirty="0"/>
-              <a:t> </a:t>
-            </a:r>
-            <a:r>
-              <a:rPr lang="en-US" sz="2800" dirty="0" err="1"/>
-              <a:t>không</a:t>
-            </a:r>
-            <a:r>
-              <a:rPr lang="en-US" sz="2800" dirty="0"/>
-              <a:t>?</a:t>
+              <a:rPr lang="en-US"/>
+              <a:t>Rủi ro của Arrowjs.io là gì?</a:t>
             </a:r>
           </a:p>
         </p:txBody>
@@ -9883,14 +9870,44 @@
           <a:bodyPr/>
           <a:lstStyle/>
           <a:p>
-            <a:endParaRPr lang="en-US" dirty="0"/>
+            <a:r>
+              <a:rPr lang="en-US"/>
+              <a:t>CMS khó nâng cấp</a:t>
+            </a:r>
+          </a:p>
+          <a:p>
+            <a:pPr lvl="1"/>
+            <a:r>
+              <a:rPr lang="en-US"/>
+              <a:t>Cập nhật CMS mới có thể phá vỡ code cũ</a:t>
+            </a:r>
+          </a:p>
+          <a:p>
+            <a:pPr lvl="1"/>
+            <a:endParaRPr lang="en-US"/>
+          </a:p>
+          <a:p>
+            <a:r>
+              <a:rPr lang="en-US"/>
+              <a:t>Vấn đề bảo mật</a:t>
+            </a:r>
+          </a:p>
+          <a:p>
+            <a:pPr lvl="1"/>
+            <a:r>
+              <a:rPr lang="en-US"/>
+              <a:t>Helmet</a:t>
+            </a:r>
+          </a:p>
+          <a:p>
+            <a:endParaRPr lang="en-US"/>
           </a:p>
         </p:txBody>
       </p:sp>
     </p:spTree>
     <p:extLst>
       <p:ext uri="{BB962C8B-B14F-4D97-AF65-F5344CB8AC3E}">
-        <p14:creationId xmlns:p14="http://schemas.microsoft.com/office/powerpoint/2010/main" val="3163396212"/>
+        <p14:creationId xmlns:p14="http://schemas.microsoft.com/office/powerpoint/2010/main" val="696594001"/>
       </p:ext>
     </p:extLst>
   </p:cSld>
@@ -9930,53 +9947,72 @@
         <p:spPr/>
         <p:txBody>
           <a:bodyPr>
-            <a:normAutofit fontScale="90000"/>
+            <a:noAutofit/>
           </a:bodyPr>
           <a:lstStyle/>
           <a:p>
             <a:r>
-              <a:rPr lang="en-US" dirty="0" err="1" smtClean="0"/>
-              <a:t>Cấu</a:t>
-            </a:r>
-            <a:r>
-              <a:rPr lang="en-US" dirty="0" smtClean="0"/>
+              <a:rPr lang="en-US" sz="2800" dirty="0" err="1"/>
+              <a:t>Dùng</a:t>
+            </a:r>
+            <a:r>
+              <a:rPr lang="en-US" sz="2800" dirty="0"/>
+              <a:t> Yeoman </a:t>
+            </a:r>
+            <a:r>
+              <a:rPr lang="en-US" sz="2800" dirty="0" err="1"/>
+              <a:t>để</a:t>
+            </a:r>
+            <a:r>
+              <a:rPr lang="en-US" sz="2800" dirty="0"/>
               <a:t> </a:t>
             </a:r>
             <a:r>
-              <a:rPr lang="en-US" dirty="0" err="1" smtClean="0"/>
-              <a:t>trúc</a:t>
-            </a:r>
-            <a:r>
-              <a:rPr lang="en-US" dirty="0"/>
+              <a:rPr lang="en-US" sz="2800" dirty="0" err="1"/>
+              <a:t>tạo</a:t>
+            </a:r>
+            <a:r>
+              <a:rPr lang="en-US" sz="2800" dirty="0"/>
               <a:t> </a:t>
             </a:r>
             <a:r>
-              <a:rPr lang="en-US" dirty="0" smtClean="0"/>
-              <a:t>route </a:t>
-            </a:r>
-            <a:r>
-              <a:rPr lang="en-US" dirty="0" err="1" smtClean="0"/>
-              <a:t>trong</a:t>
-            </a:r>
-            <a:r>
-              <a:rPr lang="en-US" dirty="0" smtClean="0"/>
+              <a:rPr lang="en-US" sz="2800" dirty="0" err="1"/>
+              <a:t>mẫu</a:t>
+            </a:r>
+            <a:r>
+              <a:rPr lang="en-US" sz="2800" dirty="0"/>
               <a:t> </a:t>
             </a:r>
             <a:r>
-              <a:rPr lang="en-US" dirty="0" err="1" smtClean="0"/>
+              <a:rPr lang="en-US" sz="2800" dirty="0" err="1"/>
               <a:t>Arrowjs</a:t>
             </a:r>
             <a:r>
-              <a:rPr lang="en-US" dirty="0" smtClean="0"/>
-              <a:t>	</a:t>
-            </a:r>
-            <a:endParaRPr lang="en-US" dirty="0"/>
-          </a:p>
-        </p:txBody>
-      </p:sp>
-      <p:sp>
-        <p:nvSpPr>
-          <p:cNvPr id="3" name="Content Placeholder 2"/>
+              <a:rPr lang="en-US" sz="2800" dirty="0"/>
+              <a:t> CMS </a:t>
+            </a:r>
+            <a:r>
+              <a:rPr lang="en-US" sz="2800" dirty="0" err="1"/>
+              <a:t>được</a:t>
+            </a:r>
+            <a:r>
+              <a:rPr lang="en-US" sz="2800" dirty="0"/>
+              <a:t> </a:t>
+            </a:r>
+            <a:r>
+              <a:rPr lang="en-US" sz="2800" dirty="0" err="1"/>
+              <a:t>không</a:t>
+            </a:r>
+            <a:r>
+              <a:rPr lang="en-US" sz="2800" dirty="0"/>
+              <a:t>?</a:t>
+            </a:r>
+          </a:p>
+        </p:txBody>
+      </p:sp>
+      <p:sp>
+        <p:nvSpPr>
+          <p:cNvPr id="4" name="Content Placeholder 3"/>
           <p:cNvSpPr>
             <a:spLocks noGrp="1"/>
           </p:cNvSpPr>
@@ -9986,779 +10022,17 @@
         </p:nvSpPr>
         <p:spPr/>
         <p:txBody>
-          <a:bodyPr>
-            <a:noAutofit/>
-          </a:bodyPr>
-          <a:lstStyle/>
-          <a:p>
-            <a:pPr marL="0" indent="0">
-              <a:buNone/>
-            </a:pPr>
-            <a:r>
-              <a:rPr lang="en-US" sz="1400" dirty="0">
-                <a:solidFill>
-                  <a:schemeClr val="accent3"/>
-                </a:solidFill>
-                <a:latin typeface="Andale Mono"/>
-                <a:cs typeface="Andale Mono"/>
-              </a:rPr>
-              <a:t>"/" </a:t>
-            </a:r>
-            <a:r>
-              <a:rPr lang="en-US" sz="1400" dirty="0">
-                <a:latin typeface="Andale Mono"/>
-                <a:cs typeface="Andale Mono"/>
-              </a:rPr>
-              <a:t>: </a:t>
-            </a:r>
-            <a:r>
-              <a:rPr lang="en-US" sz="1400" dirty="0" smtClean="0">
-                <a:latin typeface="Andale Mono"/>
-                <a:cs typeface="Andale Mono"/>
-              </a:rPr>
-              <a:t>{ </a:t>
-            </a:r>
-            <a:r>
-              <a:rPr lang="en-US" sz="1400" dirty="0" smtClean="0">
-                <a:solidFill>
-                  <a:schemeClr val="bg1">
-                    <a:lumMod val="75000"/>
-                  </a:schemeClr>
-                </a:solidFill>
-                <a:latin typeface="Andale Mono"/>
-                <a:cs typeface="Andale Mono"/>
-              </a:rPr>
-              <a:t>/</a:t>
-            </a:r>
-            <a:r>
-              <a:rPr lang="en-US" sz="1400" dirty="0">
-                <a:solidFill>
-                  <a:schemeClr val="bg1">
-                    <a:lumMod val="75000"/>
-                  </a:schemeClr>
-                </a:solidFill>
-                <a:latin typeface="Andale Mono"/>
-                <a:cs typeface="Andale Mono"/>
-              </a:rPr>
-              <a:t>/Route path</a:t>
-            </a:r>
-            <a:br>
-              <a:rPr lang="en-US" sz="1400" dirty="0">
-                <a:solidFill>
-                  <a:schemeClr val="bg1">
-                    <a:lumMod val="75000"/>
-                  </a:schemeClr>
-                </a:solidFill>
-                <a:latin typeface="Andale Mono"/>
-                <a:cs typeface="Andale Mono"/>
-              </a:rPr>
-            </a:br>
-            <a:r>
-              <a:rPr lang="en-US" sz="1400" dirty="0">
-                <a:latin typeface="Andale Mono"/>
-                <a:cs typeface="Andale Mono"/>
-              </a:rPr>
-              <a:t>    </a:t>
-            </a:r>
-            <a:r>
-              <a:rPr lang="en-US" sz="1400" b="1" dirty="0">
-                <a:solidFill>
-                  <a:srgbClr val="9BBB59"/>
-                </a:solidFill>
-                <a:latin typeface="Andale Mono"/>
-                <a:cs typeface="Andale Mono"/>
-              </a:rPr>
-              <a:t>get</a:t>
-            </a:r>
-            <a:r>
-              <a:rPr lang="en-US" sz="1400" b="1" dirty="0">
-                <a:latin typeface="Andale Mono"/>
-                <a:cs typeface="Andale Mono"/>
-              </a:rPr>
-              <a:t> </a:t>
-            </a:r>
-            <a:r>
-              <a:rPr lang="en-US" sz="1400" dirty="0">
-                <a:latin typeface="Andale Mono"/>
-                <a:cs typeface="Andale Mono"/>
-              </a:rPr>
-              <a:t>: { </a:t>
-            </a:r>
-            <a:r>
-              <a:rPr lang="en-US" sz="1400" dirty="0">
-                <a:solidFill>
-                  <a:srgbClr val="BFBFBF"/>
-                </a:solidFill>
-                <a:latin typeface="Andale Mono"/>
-                <a:cs typeface="Andale Mono"/>
-              </a:rPr>
-              <a:t>//Http methods , </a:t>
-            </a:r>
-            <a:r>
-              <a:rPr lang="en-US" sz="1400" dirty="0" err="1">
-                <a:solidFill>
-                  <a:srgbClr val="BFBFBF"/>
-                </a:solidFill>
-                <a:latin typeface="Andale Mono"/>
-                <a:cs typeface="Andale Mono"/>
-              </a:rPr>
-              <a:t>params</a:t>
-            </a:r>
-            <a:r>
-              <a:rPr lang="en-US" sz="1400" dirty="0">
-                <a:solidFill>
-                  <a:srgbClr val="BFBFBF"/>
-                </a:solidFill>
-                <a:latin typeface="Andale Mono"/>
-                <a:cs typeface="Andale Mono"/>
-              </a:rPr>
-              <a:t/>
-            </a:r>
-            <a:br>
-              <a:rPr lang="en-US" sz="1400" dirty="0">
-                <a:solidFill>
-                  <a:srgbClr val="BFBFBF"/>
-                </a:solidFill>
-                <a:latin typeface="Andale Mono"/>
-                <a:cs typeface="Andale Mono"/>
-              </a:rPr>
-            </a:br>
-            <a:r>
-              <a:rPr lang="en-US" sz="1400" dirty="0">
-                <a:latin typeface="Andale Mono"/>
-                <a:cs typeface="Andale Mono"/>
-              </a:rPr>
-              <a:t>        </a:t>
-            </a:r>
-            <a:r>
-              <a:rPr lang="en-US" sz="1400" dirty="0">
-                <a:solidFill>
-                  <a:srgbClr val="9BBB59"/>
-                </a:solidFill>
-                <a:latin typeface="Andale Mono"/>
-                <a:cs typeface="Andale Mono"/>
-              </a:rPr>
-              <a:t>handler</a:t>
-            </a:r>
-            <a:r>
-              <a:rPr lang="en-US" sz="1400" dirty="0">
-                <a:latin typeface="Andale Mono"/>
-                <a:cs typeface="Andale Mono"/>
-              </a:rPr>
-              <a:t> : </a:t>
-            </a:r>
-            <a:r>
-              <a:rPr lang="en-US" sz="1400" dirty="0" err="1" smtClean="0">
-                <a:solidFill>
-                  <a:srgbClr val="FFFF00"/>
-                </a:solidFill>
-                <a:latin typeface="Andale Mono"/>
-                <a:cs typeface="Andale Mono"/>
-              </a:rPr>
-              <a:t>component.controllers.</a:t>
-            </a:r>
-            <a:r>
-              <a:rPr lang="en-US" sz="1400" i="1" dirty="0" err="1" smtClean="0">
-                <a:solidFill>
-                  <a:srgbClr val="FFFF00"/>
-                </a:solidFill>
-                <a:latin typeface="Andale Mono"/>
-                <a:cs typeface="Andale Mono"/>
-              </a:rPr>
-              <a:t>get</a:t>
-            </a:r>
-            <a:r>
-              <a:rPr lang="en-US" sz="1400" dirty="0" smtClean="0">
-                <a:latin typeface="Andale Mono"/>
-                <a:cs typeface="Andale Mono"/>
-              </a:rPr>
-              <a:t>,  </a:t>
-            </a:r>
-          </a:p>
-          <a:p>
-            <a:pPr marL="0" indent="0">
-              <a:buNone/>
-            </a:pPr>
-            <a:r>
-              <a:rPr lang="en-US" sz="1400" dirty="0" smtClean="0">
-                <a:solidFill>
-                  <a:srgbClr val="BFBFBF"/>
-                </a:solidFill>
-                <a:latin typeface="Andale Mono"/>
-                <a:cs typeface="Andale Mono"/>
-              </a:rPr>
-              <a:t>	//function , array[function] </a:t>
-            </a:r>
-            <a:br>
-              <a:rPr lang="en-US" sz="1400" dirty="0" smtClean="0">
-                <a:solidFill>
-                  <a:srgbClr val="BFBFBF"/>
-                </a:solidFill>
-                <a:latin typeface="Andale Mono"/>
-                <a:cs typeface="Andale Mono"/>
-              </a:rPr>
-            </a:br>
-            <a:r>
-              <a:rPr lang="en-US" sz="1400" dirty="0" smtClean="0">
-                <a:latin typeface="Andale Mono"/>
-                <a:cs typeface="Andale Mono"/>
-              </a:rPr>
-              <a:t>        </a:t>
-            </a:r>
-            <a:r>
-              <a:rPr lang="en-US" sz="1400" dirty="0" smtClean="0">
-                <a:solidFill>
-                  <a:srgbClr val="9BBB59"/>
-                </a:solidFill>
-                <a:latin typeface="Andale Mono"/>
-                <a:cs typeface="Andale Mono"/>
-              </a:rPr>
-              <a:t>name</a:t>
-            </a:r>
-            <a:r>
-              <a:rPr lang="en-US" sz="1400" dirty="0" smtClean="0">
-                <a:latin typeface="Andale Mono"/>
-                <a:cs typeface="Andale Mono"/>
-              </a:rPr>
-              <a:t> : </a:t>
-            </a:r>
-            <a:r>
-              <a:rPr lang="en-US" sz="1400" dirty="0" smtClean="0">
-                <a:solidFill>
-                  <a:srgbClr val="FFFF00"/>
-                </a:solidFill>
-                <a:latin typeface="Andale Mono"/>
-                <a:cs typeface="Andale Mono"/>
-              </a:rPr>
-              <a:t>"login-route"</a:t>
-            </a:r>
-            <a:r>
-              <a:rPr lang="en-US" sz="1400" dirty="0" smtClean="0">
-                <a:solidFill>
-                  <a:srgbClr val="BFBFBF"/>
-                </a:solidFill>
-                <a:latin typeface="Andale Mono"/>
-                <a:cs typeface="Andale Mono"/>
-              </a:rPr>
-              <a:t>, //unique string, name route.</a:t>
-            </a:r>
-            <a:br>
-              <a:rPr lang="en-US" sz="1400" dirty="0" smtClean="0">
-                <a:solidFill>
-                  <a:srgbClr val="BFBFBF"/>
-                </a:solidFill>
-                <a:latin typeface="Andale Mono"/>
-                <a:cs typeface="Andale Mono"/>
-              </a:rPr>
-            </a:br>
-            <a:r>
-              <a:rPr lang="en-US" sz="1400" dirty="0" smtClean="0">
-                <a:latin typeface="Andale Mono"/>
-                <a:cs typeface="Andale Mono"/>
-              </a:rPr>
-              <a:t>      </a:t>
-            </a:r>
-            <a:r>
-              <a:rPr lang="en-US" sz="1400" dirty="0" smtClean="0">
-                <a:solidFill>
-                  <a:srgbClr val="9BBB59"/>
-                </a:solidFill>
-                <a:latin typeface="Andale Mono"/>
-                <a:cs typeface="Andale Mono"/>
-              </a:rPr>
-              <a:t>  authenticate </a:t>
-            </a:r>
-            <a:r>
-              <a:rPr lang="en-US" sz="1400" dirty="0" smtClean="0">
-                <a:latin typeface="Andale Mono"/>
-                <a:cs typeface="Andale Mono"/>
-              </a:rPr>
-              <a:t>:</a:t>
-            </a:r>
-            <a:r>
-              <a:rPr lang="en-US" sz="1400" dirty="0" smtClean="0">
-                <a:solidFill>
-                  <a:srgbClr val="FFFF00"/>
-                </a:solidFill>
-                <a:latin typeface="Andale Mono"/>
-                <a:cs typeface="Andale Mono"/>
-              </a:rPr>
-              <a:t> </a:t>
-            </a:r>
-            <a:r>
-              <a:rPr lang="en-US" sz="1400" b="1" dirty="0" smtClean="0">
-                <a:solidFill>
-                  <a:srgbClr val="FFFF00"/>
-                </a:solidFill>
-                <a:latin typeface="Andale Mono"/>
-                <a:cs typeface="Andale Mono"/>
-              </a:rPr>
-              <a:t>true</a:t>
-            </a:r>
-            <a:r>
-              <a:rPr lang="en-US" sz="1400" dirty="0" smtClean="0">
-                <a:latin typeface="Andale Mono"/>
-                <a:cs typeface="Andale Mono"/>
-              </a:rPr>
-              <a:t>,</a:t>
-            </a:r>
-            <a:r>
-              <a:rPr lang="en-US" sz="1400" dirty="0" smtClean="0">
-                <a:solidFill>
-                  <a:srgbClr val="BFBFBF"/>
-                </a:solidFill>
-                <a:latin typeface="Andale Mono"/>
-                <a:cs typeface="Andale Mono"/>
-              </a:rPr>
-              <a:t> //</a:t>
-            </a:r>
-            <a:r>
-              <a:rPr lang="en-US" sz="1400" dirty="0" err="1" smtClean="0">
-                <a:solidFill>
-                  <a:srgbClr val="BFBFBF"/>
-                </a:solidFill>
-                <a:latin typeface="Andale Mono"/>
-                <a:cs typeface="Andale Mono"/>
-              </a:rPr>
-              <a:t>boolean</a:t>
-            </a:r>
-            <a:r>
-              <a:rPr lang="en-US" sz="1400" dirty="0" smtClean="0">
-                <a:solidFill>
-                  <a:srgbClr val="BFBFBF"/>
-                </a:solidFill>
-                <a:latin typeface="Andale Mono"/>
-                <a:cs typeface="Andale Mono"/>
-              </a:rPr>
-              <a:t>, true false.</a:t>
-            </a:r>
-            <a:br>
-              <a:rPr lang="en-US" sz="1400" dirty="0" smtClean="0">
-                <a:solidFill>
-                  <a:srgbClr val="BFBFBF"/>
-                </a:solidFill>
-                <a:latin typeface="Andale Mono"/>
-                <a:cs typeface="Andale Mono"/>
-              </a:rPr>
-            </a:br>
-            <a:r>
-              <a:rPr lang="en-US" sz="1400" dirty="0" smtClean="0">
-                <a:latin typeface="Andale Mono"/>
-                <a:cs typeface="Andale Mono"/>
-              </a:rPr>
-              <a:t>       </a:t>
-            </a:r>
-            <a:r>
-              <a:rPr lang="en-US" sz="1400" dirty="0" smtClean="0">
-                <a:solidFill>
-                  <a:srgbClr val="9BBB59"/>
-                </a:solidFill>
-                <a:latin typeface="Andale Mono"/>
-                <a:cs typeface="Andale Mono"/>
-              </a:rPr>
-              <a:t> role </a:t>
-            </a:r>
-            <a:r>
-              <a:rPr lang="en-US" sz="1400" dirty="0" smtClean="0">
-                <a:latin typeface="Andale Mono"/>
-                <a:cs typeface="Andale Mono"/>
-              </a:rPr>
-              <a:t>:  </a:t>
-            </a:r>
-            <a:r>
-              <a:rPr lang="en-US" sz="1400" dirty="0" smtClean="0">
-                <a:solidFill>
-                  <a:srgbClr val="FFFF00"/>
-                </a:solidFill>
-                <a:latin typeface="Andale Mono"/>
-                <a:cs typeface="Andale Mono"/>
-              </a:rPr>
-              <a:t>"render-view"</a:t>
-            </a:r>
-            <a:r>
-              <a:rPr lang="en-US" sz="1400" dirty="0" smtClean="0">
-                <a:latin typeface="Andale Mono"/>
-                <a:cs typeface="Andale Mono"/>
-              </a:rPr>
-              <a:t>, </a:t>
-            </a:r>
-            <a:r>
-              <a:rPr lang="en-US" sz="1400" dirty="0" smtClean="0">
-                <a:solidFill>
-                  <a:srgbClr val="BFBFBF"/>
-                </a:solidFill>
-                <a:latin typeface="Andale Mono"/>
-                <a:cs typeface="Andale Mono"/>
-              </a:rPr>
-              <a:t>//string, array string multi role.</a:t>
-            </a:r>
-            <a:br>
-              <a:rPr lang="en-US" sz="1400" dirty="0" smtClean="0">
-                <a:solidFill>
-                  <a:srgbClr val="BFBFBF"/>
-                </a:solidFill>
-                <a:latin typeface="Andale Mono"/>
-                <a:cs typeface="Andale Mono"/>
-              </a:rPr>
-            </a:br>
-            <a:r>
-              <a:rPr lang="en-US" sz="1400" dirty="0" smtClean="0">
-                <a:latin typeface="Andale Mono"/>
-                <a:cs typeface="Andale Mono"/>
-              </a:rPr>
-              <a:t>        </a:t>
-            </a:r>
-            <a:r>
-              <a:rPr lang="en-US" sz="1400" dirty="0" smtClean="0">
-                <a:solidFill>
-                  <a:srgbClr val="9BBB59"/>
-                </a:solidFill>
-                <a:latin typeface="Andale Mono"/>
-                <a:cs typeface="Andale Mono"/>
-              </a:rPr>
-              <a:t>validate</a:t>
-            </a:r>
-            <a:r>
-              <a:rPr lang="en-US" sz="1400" dirty="0" smtClean="0">
-                <a:latin typeface="Andale Mono"/>
-                <a:cs typeface="Andale Mono"/>
-              </a:rPr>
-              <a:t> : {  </a:t>
-            </a:r>
-            <a:r>
-              <a:rPr lang="en-US" sz="1400" dirty="0" smtClean="0">
-                <a:solidFill>
-                  <a:srgbClr val="BFBFBF"/>
-                </a:solidFill>
-                <a:latin typeface="Andale Mono"/>
-                <a:cs typeface="Andale Mono"/>
-              </a:rPr>
-              <a:t>//validate input.</a:t>
-            </a:r>
-            <a:br>
-              <a:rPr lang="en-US" sz="1400" dirty="0" smtClean="0">
-                <a:solidFill>
-                  <a:srgbClr val="BFBFBF"/>
-                </a:solidFill>
-                <a:latin typeface="Andale Mono"/>
-                <a:cs typeface="Andale Mono"/>
-              </a:rPr>
-            </a:br>
-            <a:r>
-              <a:rPr lang="en-US" sz="1400" dirty="0" smtClean="0">
-                <a:latin typeface="Andale Mono"/>
-                <a:cs typeface="Andale Mono"/>
-              </a:rPr>
-              <a:t>           </a:t>
-            </a:r>
-            <a:r>
-              <a:rPr lang="en-US" sz="1400" dirty="0" smtClean="0">
-                <a:solidFill>
-                  <a:srgbClr val="9BBB59"/>
-                </a:solidFill>
-                <a:latin typeface="Andale Mono"/>
-                <a:cs typeface="Andale Mono"/>
-              </a:rPr>
-              <a:t> body </a:t>
-            </a:r>
-            <a:r>
-              <a:rPr lang="en-US" sz="1400" dirty="0" smtClean="0">
-                <a:latin typeface="Andale Mono"/>
-                <a:cs typeface="Andale Mono"/>
-              </a:rPr>
-              <a:t>: {  </a:t>
-            </a:r>
-            <a:r>
-              <a:rPr lang="en-US" sz="1400" dirty="0" smtClean="0">
-                <a:solidFill>
-                  <a:srgbClr val="BFBFBF"/>
-                </a:solidFill>
-                <a:latin typeface="Andale Mono"/>
-                <a:cs typeface="Andale Mono"/>
-              </a:rPr>
-              <a:t>//</a:t>
-            </a:r>
-            <a:r>
-              <a:rPr lang="en-US" sz="1400" dirty="0" err="1" smtClean="0">
-                <a:solidFill>
-                  <a:srgbClr val="BFBFBF"/>
-                </a:solidFill>
-                <a:latin typeface="Andale Mono"/>
-                <a:cs typeface="Andale Mono"/>
-              </a:rPr>
-              <a:t>req.body</a:t>
-            </a:r>
-            <a:r>
-              <a:rPr lang="en-US" sz="1400" dirty="0" smtClean="0">
-                <a:solidFill>
-                  <a:srgbClr val="BFBFBF"/>
-                </a:solidFill>
-                <a:latin typeface="Andale Mono"/>
-                <a:cs typeface="Andale Mono"/>
-              </a:rPr>
-              <a:t/>
-            </a:r>
-            <a:br>
-              <a:rPr lang="en-US" sz="1400" dirty="0" smtClean="0">
-                <a:solidFill>
-                  <a:srgbClr val="BFBFBF"/>
-                </a:solidFill>
-                <a:latin typeface="Andale Mono"/>
-                <a:cs typeface="Andale Mono"/>
-              </a:rPr>
-            </a:br>
-            <a:r>
-              <a:rPr lang="en-US" sz="1400" dirty="0" smtClean="0">
-                <a:latin typeface="Andale Mono"/>
-                <a:cs typeface="Andale Mono"/>
-              </a:rPr>
-              <a:t>                </a:t>
-            </a:r>
-            <a:r>
-              <a:rPr lang="en-US" sz="1400" dirty="0" smtClean="0">
-                <a:solidFill>
-                  <a:srgbClr val="9BBB59"/>
-                </a:solidFill>
-                <a:latin typeface="Andale Mono"/>
-                <a:cs typeface="Andale Mono"/>
-              </a:rPr>
-              <a:t>email</a:t>
-            </a:r>
-            <a:r>
-              <a:rPr lang="en-US" sz="1400" dirty="0" smtClean="0">
-                <a:latin typeface="Andale Mono"/>
-                <a:cs typeface="Andale Mono"/>
-              </a:rPr>
-              <a:t> </a:t>
-            </a:r>
-            <a:r>
-              <a:rPr lang="en-US" sz="1400" dirty="0" smtClean="0">
-                <a:solidFill>
-                  <a:srgbClr val="FFFF00"/>
-                </a:solidFill>
-                <a:latin typeface="Andale Mono"/>
-                <a:cs typeface="Andale Mono"/>
-              </a:rPr>
-              <a:t>: </a:t>
-            </a:r>
-            <a:r>
-              <a:rPr lang="en-US" sz="1400" dirty="0" err="1" smtClean="0">
-                <a:solidFill>
-                  <a:srgbClr val="FFFF00"/>
-                </a:solidFill>
-                <a:latin typeface="Andale Mono"/>
-                <a:cs typeface="Andale Mono"/>
-              </a:rPr>
-              <a:t>application.validation.isEmail</a:t>
-            </a:r>
-            <a:r>
-              <a:rPr lang="en-US" sz="1400" dirty="0" smtClean="0">
-                <a:solidFill>
-                  <a:srgbClr val="FFFF00"/>
-                </a:solidFill>
-                <a:latin typeface="Andale Mono"/>
-                <a:cs typeface="Andale Mono"/>
-              </a:rPr>
-              <a:t>()</a:t>
-            </a:r>
-            <a:br>
-              <a:rPr lang="en-US" sz="1400" dirty="0" smtClean="0">
-                <a:solidFill>
-                  <a:srgbClr val="FFFF00"/>
-                </a:solidFill>
-                <a:latin typeface="Andale Mono"/>
-                <a:cs typeface="Andale Mono"/>
-              </a:rPr>
-            </a:br>
-            <a:r>
-              <a:rPr lang="en-US" sz="1400" dirty="0" smtClean="0">
-                <a:latin typeface="Andale Mono"/>
-                <a:cs typeface="Andale Mono"/>
-              </a:rPr>
-              <a:t>            },</a:t>
-            </a:r>
-            <a:br>
-              <a:rPr lang="en-US" sz="1400" dirty="0" smtClean="0">
-                <a:latin typeface="Andale Mono"/>
-                <a:cs typeface="Andale Mono"/>
-              </a:rPr>
-            </a:br>
-            <a:r>
-              <a:rPr lang="en-US" sz="1400" dirty="0" smtClean="0">
-                <a:latin typeface="Andale Mono"/>
-                <a:cs typeface="Andale Mono"/>
-              </a:rPr>
-              <a:t>            </a:t>
-            </a:r>
-            <a:r>
-              <a:rPr lang="en-US" sz="1400" dirty="0" smtClean="0">
-                <a:solidFill>
-                  <a:srgbClr val="9BBB59"/>
-                </a:solidFill>
-                <a:latin typeface="Andale Mono"/>
-                <a:cs typeface="Andale Mono"/>
-              </a:rPr>
-              <a:t>query</a:t>
-            </a:r>
-            <a:r>
-              <a:rPr lang="en-US" sz="1400" dirty="0" smtClean="0">
-                <a:latin typeface="Andale Mono"/>
-                <a:cs typeface="Andale Mono"/>
-              </a:rPr>
-              <a:t> : { </a:t>
-            </a:r>
-            <a:r>
-              <a:rPr lang="en-US" sz="1400" dirty="0" smtClean="0">
-                <a:solidFill>
-                  <a:srgbClr val="BFBFBF"/>
-                </a:solidFill>
-                <a:latin typeface="Andale Mono"/>
-                <a:cs typeface="Andale Mono"/>
-              </a:rPr>
-              <a:t>//</a:t>
-            </a:r>
-            <a:r>
-              <a:rPr lang="en-US" sz="1400" dirty="0" err="1" smtClean="0">
-                <a:solidFill>
-                  <a:srgbClr val="BFBFBF"/>
-                </a:solidFill>
-                <a:latin typeface="Andale Mono"/>
-                <a:cs typeface="Andale Mono"/>
-              </a:rPr>
-              <a:t>req.query</a:t>
-            </a:r>
-            <a:r>
-              <a:rPr lang="en-US" sz="1400" dirty="0" smtClean="0">
-                <a:solidFill>
-                  <a:srgbClr val="BFBFBF"/>
-                </a:solidFill>
-                <a:latin typeface="Andale Mono"/>
-                <a:cs typeface="Andale Mono"/>
-              </a:rPr>
-              <a:t/>
-            </a:r>
-            <a:br>
-              <a:rPr lang="en-US" sz="1400" dirty="0" smtClean="0">
-                <a:solidFill>
-                  <a:srgbClr val="BFBFBF"/>
-                </a:solidFill>
-                <a:latin typeface="Andale Mono"/>
-                <a:cs typeface="Andale Mono"/>
-              </a:rPr>
-            </a:br>
-            <a:r>
-              <a:rPr lang="en-US" sz="1400" dirty="0" smtClean="0">
-                <a:latin typeface="Andale Mono"/>
-                <a:cs typeface="Andale Mono"/>
-              </a:rPr>
-              <a:t>               </a:t>
-            </a:r>
-            <a:r>
-              <a:rPr lang="en-US" sz="1400" dirty="0" smtClean="0">
-                <a:solidFill>
-                  <a:srgbClr val="9BBB59"/>
-                </a:solidFill>
-                <a:latin typeface="Andale Mono"/>
-                <a:cs typeface="Andale Mono"/>
-              </a:rPr>
-              <a:t> theme </a:t>
-            </a:r>
-            <a:r>
-              <a:rPr lang="en-US" sz="1400" dirty="0" smtClean="0">
-                <a:solidFill>
-                  <a:srgbClr val="FFFF00"/>
-                </a:solidFill>
-                <a:latin typeface="Andale Mono"/>
-                <a:cs typeface="Andale Mono"/>
-              </a:rPr>
-              <a:t>: </a:t>
-            </a:r>
-            <a:r>
-              <a:rPr lang="en-US" sz="1400" dirty="0" err="1" smtClean="0">
-                <a:solidFill>
-                  <a:srgbClr val="FFFF00"/>
-                </a:solidFill>
-                <a:latin typeface="Andale Mono"/>
-                <a:cs typeface="Andale Mono"/>
-              </a:rPr>
-              <a:t>application.validation.isEmail</a:t>
-            </a:r>
-            <a:r>
-              <a:rPr lang="en-US" sz="1400" dirty="0" smtClean="0">
-                <a:solidFill>
-                  <a:srgbClr val="FFFF00"/>
-                </a:solidFill>
-                <a:latin typeface="Andale Mono"/>
-                <a:cs typeface="Andale Mono"/>
-              </a:rPr>
-              <a:t>()</a:t>
-            </a:r>
-            <a:br>
-              <a:rPr lang="en-US" sz="1400" dirty="0" smtClean="0">
-                <a:solidFill>
-                  <a:srgbClr val="FFFF00"/>
-                </a:solidFill>
-                <a:latin typeface="Andale Mono"/>
-                <a:cs typeface="Andale Mono"/>
-              </a:rPr>
-            </a:br>
-            <a:r>
-              <a:rPr lang="en-US" sz="1400" dirty="0" smtClean="0">
-                <a:latin typeface="Andale Mono"/>
-                <a:cs typeface="Andale Mono"/>
-              </a:rPr>
-              <a:t>            }</a:t>
-            </a:r>
-            <a:br>
-              <a:rPr lang="en-US" sz="1400" dirty="0" smtClean="0">
-                <a:latin typeface="Andale Mono"/>
-                <a:cs typeface="Andale Mono"/>
-              </a:rPr>
-            </a:br>
-            <a:r>
-              <a:rPr lang="en-US" sz="1400" dirty="0" smtClean="0">
-                <a:latin typeface="Andale Mono"/>
-                <a:cs typeface="Andale Mono"/>
-              </a:rPr>
-              <a:t>        }</a:t>
-            </a:r>
-            <a:br>
-              <a:rPr lang="en-US" sz="1400" dirty="0" smtClean="0">
-                <a:latin typeface="Andale Mono"/>
-                <a:cs typeface="Andale Mono"/>
-              </a:rPr>
-            </a:br>
-            <a:r>
-              <a:rPr lang="en-US" sz="1400" dirty="0" smtClean="0">
-                <a:latin typeface="Andale Mono"/>
-                <a:cs typeface="Andale Mono"/>
-              </a:rPr>
-              <a:t>    }</a:t>
-            </a:r>
-            <a:br>
-              <a:rPr lang="en-US" sz="1400" dirty="0" smtClean="0">
-                <a:latin typeface="Andale Mono"/>
-                <a:cs typeface="Andale Mono"/>
-              </a:rPr>
-            </a:br>
-            <a:r>
-              <a:rPr lang="en-US" sz="1400" dirty="0" smtClean="0">
-                <a:latin typeface="Andale Mono"/>
-                <a:cs typeface="Andale Mono"/>
-              </a:rPr>
-              <a:t>}</a:t>
-            </a:r>
-            <a:endParaRPr lang="en-US" sz="1400" dirty="0">
-              <a:latin typeface="Andale Mono"/>
-              <a:cs typeface="Andale Mono"/>
-            </a:endParaRPr>
+          <a:bodyPr/>
+          <a:lstStyle/>
+          <a:p>
+            <a:endParaRPr lang="en-US"/>
           </a:p>
         </p:txBody>
       </p:sp>
     </p:spTree>
     <p:extLst>
       <p:ext uri="{BB962C8B-B14F-4D97-AF65-F5344CB8AC3E}">
-        <p14:creationId xmlns:p14="http://schemas.microsoft.com/office/powerpoint/2010/main" val="3158926922"/>
+        <p14:creationId xmlns:p14="http://schemas.microsoft.com/office/powerpoint/2010/main" val="3163396212"/>
       </p:ext>
     </p:extLst>
   </p:cSld>
@@ -10797,546 +10071,20 @@
         </p:nvSpPr>
         <p:spPr/>
         <p:txBody>
-          <a:bodyPr>
-            <a:normAutofit fontScale="90000"/>
-          </a:bodyPr>
-          <a:lstStyle/>
-          <a:p>
-            <a:r>
-              <a:rPr lang="en-US" dirty="0" err="1" smtClean="0"/>
-              <a:t>Cấu</a:t>
-            </a:r>
-            <a:r>
-              <a:rPr lang="en-US" dirty="0" smtClean="0"/>
-              <a:t> </a:t>
-            </a:r>
-            <a:r>
-              <a:rPr lang="en-US" dirty="0" err="1" smtClean="0"/>
-              <a:t>trúc</a:t>
-            </a:r>
-            <a:r>
-              <a:rPr lang="en-US" dirty="0"/>
-              <a:t> </a:t>
-            </a:r>
-            <a:r>
-              <a:rPr lang="en-US" dirty="0" smtClean="0"/>
-              <a:t>route </a:t>
-            </a:r>
-            <a:r>
-              <a:rPr lang="en-US" dirty="0" err="1" smtClean="0"/>
-              <a:t>trong</a:t>
-            </a:r>
-            <a:r>
-              <a:rPr lang="en-US" dirty="0" smtClean="0"/>
-              <a:t> </a:t>
-            </a:r>
-            <a:r>
-              <a:rPr lang="en-US" dirty="0" err="1" smtClean="0"/>
-              <a:t>Arrowjs</a:t>
-            </a:r>
-            <a:r>
-              <a:rPr lang="en-US" dirty="0" smtClean="0"/>
-              <a:t>	</a:t>
-            </a:r>
-            <a:endParaRPr lang="en-US" dirty="0"/>
-          </a:p>
-        </p:txBody>
-      </p:sp>
-      <p:sp>
-        <p:nvSpPr>
-          <p:cNvPr id="3" name="Content Placeholder 2"/>
-          <p:cNvSpPr>
-            <a:spLocks noGrp="1"/>
-          </p:cNvSpPr>
-          <p:nvPr>
-            <p:ph idx="1"/>
-          </p:nvPr>
-        </p:nvSpPr>
-        <p:spPr/>
-        <p:txBody>
-          <a:bodyPr>
-            <a:noAutofit/>
-          </a:bodyPr>
-          <a:lstStyle/>
-          <a:p>
-            <a:pPr marL="0" indent="0">
-              <a:buNone/>
-            </a:pPr>
-            <a:r>
-              <a:rPr lang="en-US" sz="1400" dirty="0">
-                <a:solidFill>
-                  <a:schemeClr val="accent3"/>
-                </a:solidFill>
-                <a:latin typeface="Andale Mono"/>
-                <a:cs typeface="Andale Mono"/>
-              </a:rPr>
-              <a:t>"/" </a:t>
-            </a:r>
-            <a:r>
-              <a:rPr lang="en-US" sz="1400" dirty="0">
-                <a:latin typeface="Andale Mono"/>
-                <a:cs typeface="Andale Mono"/>
-              </a:rPr>
-              <a:t>: </a:t>
-            </a:r>
-            <a:r>
-              <a:rPr lang="en-US" sz="1400" dirty="0" smtClean="0">
-                <a:latin typeface="Andale Mono"/>
-                <a:cs typeface="Andale Mono"/>
-              </a:rPr>
-              <a:t>{ </a:t>
-            </a:r>
-            <a:r>
-              <a:rPr lang="en-US" sz="1400" dirty="0" smtClean="0">
-                <a:solidFill>
-                  <a:schemeClr val="bg1">
-                    <a:lumMod val="75000"/>
-                  </a:schemeClr>
-                </a:solidFill>
-                <a:latin typeface="Andale Mono"/>
-                <a:cs typeface="Andale Mono"/>
-              </a:rPr>
-              <a:t>/</a:t>
-            </a:r>
-            <a:r>
-              <a:rPr lang="en-US" sz="1400" dirty="0">
-                <a:solidFill>
-                  <a:schemeClr val="bg1">
-                    <a:lumMod val="75000"/>
-                  </a:schemeClr>
-                </a:solidFill>
-                <a:latin typeface="Andale Mono"/>
-                <a:cs typeface="Andale Mono"/>
-              </a:rPr>
-              <a:t>/Route path</a:t>
-            </a:r>
-            <a:br>
-              <a:rPr lang="en-US" sz="1400" dirty="0">
-                <a:solidFill>
-                  <a:schemeClr val="bg1">
-                    <a:lumMod val="75000"/>
-                  </a:schemeClr>
-                </a:solidFill>
-                <a:latin typeface="Andale Mono"/>
-                <a:cs typeface="Andale Mono"/>
-              </a:rPr>
-            </a:br>
-            <a:r>
-              <a:rPr lang="en-US" sz="1400" dirty="0">
-                <a:latin typeface="Andale Mono"/>
-                <a:cs typeface="Andale Mono"/>
-              </a:rPr>
-              <a:t>    </a:t>
-            </a:r>
-            <a:r>
-              <a:rPr lang="en-US" sz="1400" b="1" dirty="0">
-                <a:solidFill>
-                  <a:srgbClr val="9BBB59"/>
-                </a:solidFill>
-                <a:latin typeface="Andale Mono"/>
-                <a:cs typeface="Andale Mono"/>
-              </a:rPr>
-              <a:t>get</a:t>
-            </a:r>
-            <a:r>
-              <a:rPr lang="en-US" sz="1400" b="1" dirty="0">
-                <a:latin typeface="Andale Mono"/>
-                <a:cs typeface="Andale Mono"/>
-              </a:rPr>
-              <a:t> </a:t>
-            </a:r>
-            <a:r>
-              <a:rPr lang="en-US" sz="1400" dirty="0">
-                <a:latin typeface="Andale Mono"/>
-                <a:cs typeface="Andale Mono"/>
-              </a:rPr>
-              <a:t>: { </a:t>
-            </a:r>
-            <a:r>
-              <a:rPr lang="en-US" sz="1400" dirty="0">
-                <a:solidFill>
-                  <a:srgbClr val="BFBFBF"/>
-                </a:solidFill>
-                <a:latin typeface="Andale Mono"/>
-                <a:cs typeface="Andale Mono"/>
-              </a:rPr>
-              <a:t>//Http methods , </a:t>
-            </a:r>
-            <a:r>
-              <a:rPr lang="en-US" sz="1400" dirty="0" err="1">
-                <a:solidFill>
-                  <a:srgbClr val="BFBFBF"/>
-                </a:solidFill>
-                <a:latin typeface="Andale Mono"/>
-                <a:cs typeface="Andale Mono"/>
-              </a:rPr>
-              <a:t>params</a:t>
-            </a:r>
-            <a:r>
-              <a:rPr lang="en-US" sz="1400" dirty="0">
-                <a:solidFill>
-                  <a:srgbClr val="BFBFBF"/>
-                </a:solidFill>
-                <a:latin typeface="Andale Mono"/>
-                <a:cs typeface="Andale Mono"/>
-              </a:rPr>
-              <a:t/>
-            </a:r>
-            <a:br>
-              <a:rPr lang="en-US" sz="1400" dirty="0">
-                <a:solidFill>
-                  <a:srgbClr val="BFBFBF"/>
-                </a:solidFill>
-                <a:latin typeface="Andale Mono"/>
-                <a:cs typeface="Andale Mono"/>
-              </a:rPr>
-            </a:br>
-            <a:r>
-              <a:rPr lang="en-US" sz="1400" dirty="0">
-                <a:latin typeface="Andale Mono"/>
-                <a:cs typeface="Andale Mono"/>
-              </a:rPr>
-              <a:t>        </a:t>
-            </a:r>
-            <a:r>
-              <a:rPr lang="en-US" sz="1400" dirty="0">
-                <a:solidFill>
-                  <a:srgbClr val="9BBB59"/>
-                </a:solidFill>
-                <a:latin typeface="Andale Mono"/>
-                <a:cs typeface="Andale Mono"/>
-              </a:rPr>
-              <a:t>handler</a:t>
-            </a:r>
-            <a:r>
-              <a:rPr lang="en-US" sz="1400" dirty="0">
-                <a:latin typeface="Andale Mono"/>
-                <a:cs typeface="Andale Mono"/>
-              </a:rPr>
-              <a:t> : </a:t>
-            </a:r>
-            <a:r>
-              <a:rPr lang="en-US" sz="1400" dirty="0" err="1" smtClean="0">
-                <a:solidFill>
-                  <a:srgbClr val="FFFF00"/>
-                </a:solidFill>
-                <a:latin typeface="Andale Mono"/>
-                <a:cs typeface="Andale Mono"/>
-              </a:rPr>
-              <a:t>component.controllers.</a:t>
-            </a:r>
-            <a:r>
-              <a:rPr lang="en-US" sz="1400" i="1" dirty="0" err="1" smtClean="0">
-                <a:solidFill>
-                  <a:srgbClr val="FFFF00"/>
-                </a:solidFill>
-                <a:latin typeface="Andale Mono"/>
-                <a:cs typeface="Andale Mono"/>
-              </a:rPr>
-              <a:t>get</a:t>
-            </a:r>
-            <a:r>
-              <a:rPr lang="en-US" sz="1400" dirty="0" smtClean="0">
-                <a:latin typeface="Andale Mono"/>
-                <a:cs typeface="Andale Mono"/>
-              </a:rPr>
-              <a:t>,  </a:t>
-            </a:r>
-          </a:p>
-          <a:p>
-            <a:pPr marL="0" indent="0">
-              <a:buNone/>
-            </a:pPr>
-            <a:r>
-              <a:rPr lang="en-US" sz="1400" dirty="0" smtClean="0">
-                <a:solidFill>
-                  <a:srgbClr val="BFBFBF"/>
-                </a:solidFill>
-                <a:latin typeface="Andale Mono"/>
-                <a:cs typeface="Andale Mono"/>
-              </a:rPr>
-              <a:t>	//function , array[function] </a:t>
-            </a:r>
-            <a:br>
-              <a:rPr lang="en-US" sz="1400" dirty="0" smtClean="0">
-                <a:solidFill>
-                  <a:srgbClr val="BFBFBF"/>
-                </a:solidFill>
-                <a:latin typeface="Andale Mono"/>
-                <a:cs typeface="Andale Mono"/>
-              </a:rPr>
-            </a:br>
-            <a:r>
-              <a:rPr lang="en-US" sz="1400" dirty="0" smtClean="0">
-                <a:latin typeface="Andale Mono"/>
-                <a:cs typeface="Andale Mono"/>
-              </a:rPr>
-              <a:t>        </a:t>
-            </a:r>
-            <a:r>
-              <a:rPr lang="en-US" sz="1400" dirty="0" smtClean="0">
-                <a:solidFill>
-                  <a:srgbClr val="9BBB59"/>
-                </a:solidFill>
-                <a:latin typeface="Andale Mono"/>
-                <a:cs typeface="Andale Mono"/>
-              </a:rPr>
-              <a:t>name</a:t>
-            </a:r>
-            <a:r>
-              <a:rPr lang="en-US" sz="1400" dirty="0" smtClean="0">
-                <a:latin typeface="Andale Mono"/>
-                <a:cs typeface="Andale Mono"/>
-              </a:rPr>
-              <a:t> : </a:t>
-            </a:r>
-            <a:r>
-              <a:rPr lang="en-US" sz="1400" dirty="0" smtClean="0">
-                <a:solidFill>
-                  <a:srgbClr val="FFFF00"/>
-                </a:solidFill>
-                <a:latin typeface="Andale Mono"/>
-                <a:cs typeface="Andale Mono"/>
-              </a:rPr>
-              <a:t>"login-route"</a:t>
-            </a:r>
-            <a:r>
-              <a:rPr lang="en-US" sz="1400" dirty="0" smtClean="0">
-                <a:solidFill>
-                  <a:srgbClr val="BFBFBF"/>
-                </a:solidFill>
-                <a:latin typeface="Andale Mono"/>
-                <a:cs typeface="Andale Mono"/>
-              </a:rPr>
-              <a:t>, //unique string, name route.</a:t>
-            </a:r>
-            <a:br>
-              <a:rPr lang="en-US" sz="1400" dirty="0" smtClean="0">
-                <a:solidFill>
-                  <a:srgbClr val="BFBFBF"/>
-                </a:solidFill>
-                <a:latin typeface="Andale Mono"/>
-                <a:cs typeface="Andale Mono"/>
-              </a:rPr>
-            </a:br>
-            <a:r>
-              <a:rPr lang="en-US" sz="1400" dirty="0" smtClean="0">
-                <a:latin typeface="Andale Mono"/>
-                <a:cs typeface="Andale Mono"/>
-              </a:rPr>
-              <a:t>      </a:t>
-            </a:r>
-            <a:r>
-              <a:rPr lang="en-US" sz="1400" dirty="0" smtClean="0">
-                <a:solidFill>
-                  <a:srgbClr val="9BBB59"/>
-                </a:solidFill>
-                <a:latin typeface="Andale Mono"/>
-                <a:cs typeface="Andale Mono"/>
-              </a:rPr>
-              <a:t>  authenticate </a:t>
-            </a:r>
-            <a:r>
-              <a:rPr lang="en-US" sz="1400" dirty="0" smtClean="0">
-                <a:latin typeface="Andale Mono"/>
-                <a:cs typeface="Andale Mono"/>
-              </a:rPr>
-              <a:t>:</a:t>
-            </a:r>
-            <a:r>
-              <a:rPr lang="en-US" sz="1400" dirty="0" smtClean="0">
-                <a:solidFill>
-                  <a:srgbClr val="FFFF00"/>
-                </a:solidFill>
-                <a:latin typeface="Andale Mono"/>
-                <a:cs typeface="Andale Mono"/>
-              </a:rPr>
-              <a:t> </a:t>
-            </a:r>
-            <a:r>
-              <a:rPr lang="en-US" sz="1400" b="1" dirty="0" smtClean="0">
-                <a:solidFill>
-                  <a:srgbClr val="FFFF00"/>
-                </a:solidFill>
-                <a:latin typeface="Andale Mono"/>
-                <a:cs typeface="Andale Mono"/>
-              </a:rPr>
-              <a:t>true</a:t>
-            </a:r>
-            <a:r>
-              <a:rPr lang="en-US" sz="1400" dirty="0" smtClean="0">
-                <a:latin typeface="Andale Mono"/>
-                <a:cs typeface="Andale Mono"/>
-              </a:rPr>
-              <a:t>,</a:t>
-            </a:r>
-            <a:r>
-              <a:rPr lang="en-US" sz="1400" dirty="0" smtClean="0">
-                <a:solidFill>
-                  <a:srgbClr val="BFBFBF"/>
-                </a:solidFill>
-                <a:latin typeface="Andale Mono"/>
-                <a:cs typeface="Andale Mono"/>
-              </a:rPr>
-              <a:t> //</a:t>
-            </a:r>
-            <a:r>
-              <a:rPr lang="en-US" sz="1400" dirty="0" err="1" smtClean="0">
-                <a:solidFill>
-                  <a:srgbClr val="BFBFBF"/>
-                </a:solidFill>
-                <a:latin typeface="Andale Mono"/>
-                <a:cs typeface="Andale Mono"/>
-              </a:rPr>
-              <a:t>boolean</a:t>
-            </a:r>
-            <a:r>
-              <a:rPr lang="en-US" sz="1400" dirty="0" smtClean="0">
-                <a:solidFill>
-                  <a:srgbClr val="BFBFBF"/>
-                </a:solidFill>
-                <a:latin typeface="Andale Mono"/>
-                <a:cs typeface="Andale Mono"/>
-              </a:rPr>
-              <a:t>, true </a:t>
-            </a:r>
-            <a:r>
-              <a:rPr lang="en-US" sz="1400" dirty="0" smtClean="0">
-                <a:solidFill>
-                  <a:srgbClr val="BFBFBF"/>
-                </a:solidFill>
-                <a:latin typeface="Andale Mono"/>
-                <a:cs typeface="Andale Mono"/>
-              </a:rPr>
-              <a:t>false type </a:t>
-            </a:r>
-            <a:r>
-              <a:rPr lang="en-US" sz="1400" smtClean="0">
-                <a:solidFill>
-                  <a:srgbClr val="BFBFBF"/>
-                </a:solidFill>
-                <a:latin typeface="Andale Mono"/>
-                <a:cs typeface="Andale Mono"/>
-              </a:rPr>
-              <a:t>of strategy .</a:t>
-            </a:r>
-            <a:r>
-              <a:rPr lang="en-US" sz="1400" dirty="0" smtClean="0">
-                <a:solidFill>
-                  <a:srgbClr val="BFBFBF"/>
-                </a:solidFill>
-                <a:latin typeface="Andale Mono"/>
-                <a:cs typeface="Andale Mono"/>
-              </a:rPr>
-              <a:t/>
-            </a:r>
-            <a:br>
-              <a:rPr lang="en-US" sz="1400" dirty="0" smtClean="0">
-                <a:solidFill>
-                  <a:srgbClr val="BFBFBF"/>
-                </a:solidFill>
-                <a:latin typeface="Andale Mono"/>
-                <a:cs typeface="Andale Mono"/>
-              </a:rPr>
-            </a:br>
-            <a:r>
-              <a:rPr lang="en-US" sz="1400" dirty="0" smtClean="0">
-                <a:latin typeface="Andale Mono"/>
-                <a:cs typeface="Andale Mono"/>
-              </a:rPr>
-              <a:t>       </a:t>
-            </a:r>
-            <a:r>
-              <a:rPr lang="en-US" sz="1400" dirty="0" smtClean="0">
-                <a:solidFill>
-                  <a:srgbClr val="9BBB59"/>
-                </a:solidFill>
-                <a:latin typeface="Andale Mono"/>
-                <a:cs typeface="Andale Mono"/>
-              </a:rPr>
-              <a:t> role </a:t>
-            </a:r>
-            <a:r>
-              <a:rPr lang="en-US" sz="1400" dirty="0" smtClean="0">
-                <a:latin typeface="Andale Mono"/>
-                <a:cs typeface="Andale Mono"/>
-              </a:rPr>
-              <a:t>:  </a:t>
-            </a:r>
-            <a:r>
-              <a:rPr lang="en-US" sz="1400" dirty="0" smtClean="0">
-                <a:solidFill>
-                  <a:srgbClr val="FFFF00"/>
-                </a:solidFill>
-                <a:latin typeface="Andale Mono"/>
-                <a:cs typeface="Andale Mono"/>
-              </a:rPr>
-              <a:t>"render-view"</a:t>
-            </a:r>
-            <a:r>
-              <a:rPr lang="en-US" sz="1400" dirty="0" smtClean="0">
-                <a:latin typeface="Andale Mono"/>
-                <a:cs typeface="Andale Mono"/>
-              </a:rPr>
-              <a:t>, </a:t>
-            </a:r>
-            <a:r>
-              <a:rPr lang="en-US" sz="1400" dirty="0" smtClean="0">
-                <a:solidFill>
-                  <a:srgbClr val="BFBFBF"/>
-                </a:solidFill>
-                <a:latin typeface="Andale Mono"/>
-                <a:cs typeface="Andale Mono"/>
-              </a:rPr>
-              <a:t>//string, array string multi role.</a:t>
-            </a:r>
-            <a:br>
-              <a:rPr lang="en-US" sz="1400" dirty="0" smtClean="0">
-                <a:solidFill>
-                  <a:srgbClr val="BFBFBF"/>
-                </a:solidFill>
-                <a:latin typeface="Andale Mono"/>
-                <a:cs typeface="Andale Mono"/>
-              </a:rPr>
-            </a:br>
-            <a:r>
-              <a:rPr lang="en-US" sz="1400" dirty="0" smtClean="0">
-                <a:latin typeface="Andale Mono"/>
-                <a:cs typeface="Andale Mono"/>
-              </a:rPr>
-              <a:t> }</a:t>
-            </a:r>
-            <a:r>
-              <a:rPr lang="en-US" sz="1400" dirty="0" smtClean="0">
-                <a:latin typeface="Andale Mono"/>
-                <a:cs typeface="Andale Mono"/>
-              </a:rPr>
-              <a:t/>
-            </a:r>
-            <a:br>
-              <a:rPr lang="en-US" sz="1400" dirty="0" smtClean="0">
-                <a:latin typeface="Andale Mono"/>
-                <a:cs typeface="Andale Mono"/>
-              </a:rPr>
-            </a:br>
-            <a:r>
-              <a:rPr lang="en-US" sz="1400" dirty="0" smtClean="0">
-                <a:latin typeface="Andale Mono"/>
-                <a:cs typeface="Andale Mono"/>
-              </a:rPr>
-              <a:t>}</a:t>
-            </a:r>
-            <a:endParaRPr lang="en-US" sz="1400" dirty="0">
-              <a:latin typeface="Andale Mono"/>
-              <a:cs typeface="Andale Mono"/>
-            </a:endParaRPr>
+          <a:bodyPr/>
+          <a:lstStyle/>
+          <a:p>
+            <a:r>
+              <a:rPr lang="en-US"/>
+              <a:t>Router – configure route, handler</a:t>
+            </a:r>
           </a:p>
         </p:txBody>
       </p:sp>
     </p:spTree>
     <p:extLst>
       <p:ext uri="{BB962C8B-B14F-4D97-AF65-F5344CB8AC3E}">
-        <p14:creationId xmlns:p14="http://schemas.microsoft.com/office/powerpoint/2010/main" val="3378408919"/>
+        <p14:creationId xmlns:p14="http://schemas.microsoft.com/office/powerpoint/2010/main" val="1818177148"/>
       </p:ext>
     </p:extLst>
   </p:cSld>
@@ -11381,8 +10129,8 @@
           <a:lstStyle/>
           <a:p>
             <a:r>
-              <a:rPr lang="en-US" dirty="0" smtClean="0"/>
-              <a:t>Associate model</a:t>
+              <a:rPr lang="en-US" dirty="0" err="1" smtClean="0"/>
+              <a:t>Router for each module</a:t>
             </a:r>
             <a:endParaRPr lang="en-US" dirty="0"/>
           </a:p>
@@ -11409,168 +10157,757 @@
               <a:buNone/>
             </a:pPr>
             <a:r>
-              <a:rPr lang="en-US" sz="1400" dirty="0" err="1"/>
-              <a:t>classMethods</a:t>
-            </a:r>
-            <a:r>
-              <a:rPr lang="en-US" sz="1400" dirty="0"/>
-              <a:t>: {</a:t>
+              <a:rPr lang="en-US" sz="1400" dirty="0">
+                <a:solidFill>
+                  <a:schemeClr val="accent3"/>
+                </a:solidFill>
+                <a:latin typeface="Andale Mono"/>
+                <a:cs typeface="Andale Mono"/>
+              </a:rPr>
+              <a:t>"/" </a:t>
+            </a:r>
+            <a:r>
+              <a:rPr lang="en-US" sz="1400" dirty="0">
+                <a:latin typeface="Andale Mono"/>
+                <a:cs typeface="Andale Mono"/>
+              </a:rPr>
+              <a:t>: </a:t>
+            </a:r>
+            <a:r>
+              <a:rPr lang="en-US" sz="1400" dirty="0" smtClean="0">
+                <a:latin typeface="Andale Mono"/>
+                <a:cs typeface="Andale Mono"/>
+              </a:rPr>
+              <a:t>{ </a:t>
+            </a:r>
+            <a:r>
+              <a:rPr lang="en-US" sz="1400" dirty="0" smtClean="0">
+                <a:solidFill>
+                  <a:schemeClr val="bg1">
+                    <a:lumMod val="75000"/>
+                  </a:schemeClr>
+                </a:solidFill>
+                <a:latin typeface="Andale Mono"/>
+                <a:cs typeface="Andale Mono"/>
+              </a:rPr>
+              <a:t>/</a:t>
+            </a:r>
+            <a:r>
+              <a:rPr lang="en-US" sz="1400" dirty="0">
+                <a:solidFill>
+                  <a:schemeClr val="bg1">
+                    <a:lumMod val="75000"/>
+                  </a:schemeClr>
+                </a:solidFill>
+                <a:latin typeface="Andale Mono"/>
+                <a:cs typeface="Andale Mono"/>
+              </a:rPr>
+              <a:t>/Route path</a:t>
             </a:r>
             <a:br>
-              <a:rPr lang="en-US" sz="1400" dirty="0"/>
+              <a:rPr lang="en-US" sz="1400" dirty="0">
+                <a:solidFill>
+                  <a:schemeClr val="bg1">
+                    <a:lumMod val="75000"/>
+                  </a:schemeClr>
+                </a:solidFill>
+                <a:latin typeface="Andale Mono"/>
+                <a:cs typeface="Andale Mono"/>
+              </a:rPr>
             </a:br>
             <a:r>
-              <a:rPr lang="en-US" sz="1400" dirty="0"/>
+              <a:rPr lang="en-US" sz="1400" dirty="0">
+                <a:latin typeface="Andale Mono"/>
+                <a:cs typeface="Andale Mono"/>
+              </a:rPr>
               <a:t>    </a:t>
             </a:r>
             <a:r>
-              <a:rPr lang="en-US" sz="1400" dirty="0"/>
-              <a:t>associate</a:t>
-            </a:r>
-            <a:r>
-              <a:rPr lang="en-US" sz="1400" dirty="0"/>
+              <a:rPr lang="en-US" sz="1400" b="1" dirty="0">
+                <a:solidFill>
+                  <a:srgbClr val="9BBB59"/>
+                </a:solidFill>
+                <a:latin typeface="Andale Mono"/>
+                <a:cs typeface="Andale Mono"/>
+              </a:rPr>
+              <a:t>get</a:t>
+            </a:r>
+            <a:r>
+              <a:rPr lang="en-US" sz="1400" b="1" dirty="0">
+                <a:latin typeface="Andale Mono"/>
+                <a:cs typeface="Andale Mono"/>
+              </a:rPr>
+              <a:t> </a:t>
+            </a:r>
+            <a:r>
+              <a:rPr lang="en-US" sz="1400" dirty="0">
+                <a:latin typeface="Andale Mono"/>
+                <a:cs typeface="Andale Mono"/>
+              </a:rPr>
+              <a:t>: { </a:t>
+            </a:r>
+            <a:r>
+              <a:rPr lang="en-US" sz="1400" dirty="0">
+                <a:solidFill>
+                  <a:srgbClr val="BFBFBF"/>
+                </a:solidFill>
+                <a:latin typeface="Andale Mono"/>
+                <a:cs typeface="Andale Mono"/>
+              </a:rPr>
+              <a:t>//Http methods , </a:t>
+            </a:r>
+            <a:r>
+              <a:rPr lang="en-US" sz="1400" dirty="0" err="1">
+                <a:solidFill>
+                  <a:srgbClr val="BFBFBF"/>
+                </a:solidFill>
+                <a:latin typeface="Andale Mono"/>
+                <a:cs typeface="Andale Mono"/>
+              </a:rPr>
+              <a:t>params</a:t>
+            </a:r>
+            <a:r>
+              <a:rPr lang="en-US" sz="1400" dirty="0">
+                <a:solidFill>
+                  <a:srgbClr val="BFBFBF"/>
+                </a:solidFill>
+                <a:latin typeface="Andale Mono"/>
+                <a:cs typeface="Andale Mono"/>
+              </a:rPr>
+              <a:t/>
+            </a:r>
+            <a:br>
+              <a:rPr lang="en-US" sz="1400" dirty="0">
+                <a:solidFill>
+                  <a:srgbClr val="BFBFBF"/>
+                </a:solidFill>
+                <a:latin typeface="Andale Mono"/>
+                <a:cs typeface="Andale Mono"/>
+              </a:rPr>
+            </a:br>
+            <a:r>
+              <a:rPr lang="en-US" sz="1400" dirty="0">
+                <a:latin typeface="Andale Mono"/>
+                <a:cs typeface="Andale Mono"/>
+              </a:rPr>
+              <a:t>        </a:t>
+            </a:r>
+            <a:r>
+              <a:rPr lang="en-US" sz="1400" dirty="0">
+                <a:solidFill>
+                  <a:srgbClr val="9BBB59"/>
+                </a:solidFill>
+                <a:latin typeface="Andale Mono"/>
+                <a:cs typeface="Andale Mono"/>
+              </a:rPr>
+              <a:t>handler</a:t>
+            </a:r>
+            <a:r>
+              <a:rPr lang="en-US" sz="1400" dirty="0">
+                <a:latin typeface="Andale Mono"/>
+                <a:cs typeface="Andale Mono"/>
+              </a:rPr>
+              <a:t> : </a:t>
+            </a:r>
+            <a:r>
+              <a:rPr lang="en-US" sz="1400" dirty="0" err="1" smtClean="0">
+                <a:solidFill>
+                  <a:srgbClr val="FFFF00"/>
+                </a:solidFill>
+                <a:latin typeface="Andale Mono"/>
+                <a:cs typeface="Andale Mono"/>
+              </a:rPr>
+              <a:t>component.controllers.</a:t>
+            </a:r>
+            <a:r>
+              <a:rPr lang="en-US" sz="1400" i="1" dirty="0" err="1" smtClean="0">
+                <a:solidFill>
+                  <a:srgbClr val="FFFF00"/>
+                </a:solidFill>
+                <a:latin typeface="Andale Mono"/>
+                <a:cs typeface="Andale Mono"/>
+              </a:rPr>
+              <a:t>get</a:t>
+            </a:r>
+            <a:r>
+              <a:rPr lang="en-US" sz="1400" dirty="0" smtClean="0">
+                <a:latin typeface="Andale Mono"/>
+                <a:cs typeface="Andale Mono"/>
+              </a:rPr>
+              <a:t>,  </a:t>
+            </a:r>
+          </a:p>
+          <a:p>
+            <a:pPr marL="0" indent="0">
+              <a:buNone/>
+            </a:pPr>
+            <a:r>
+              <a:rPr lang="en-US" sz="1400" dirty="0" smtClean="0">
+                <a:solidFill>
+                  <a:srgbClr val="BFBFBF"/>
+                </a:solidFill>
+                <a:latin typeface="Andale Mono"/>
+                <a:cs typeface="Andale Mono"/>
+              </a:rPr>
+              <a:t>	//function , array[function] </a:t>
+            </a:r>
+            <a:br>
+              <a:rPr lang="en-US" sz="1400" dirty="0" smtClean="0">
+                <a:solidFill>
+                  <a:srgbClr val="BFBFBF"/>
+                </a:solidFill>
+                <a:latin typeface="Andale Mono"/>
+                <a:cs typeface="Andale Mono"/>
+              </a:rPr>
+            </a:br>
+            <a:r>
+              <a:rPr lang="en-US" sz="1400" dirty="0" smtClean="0">
+                <a:latin typeface="Andale Mono"/>
+                <a:cs typeface="Andale Mono"/>
+              </a:rPr>
+              <a:t>        </a:t>
+            </a:r>
+            <a:r>
+              <a:rPr lang="en-US" sz="1400" dirty="0" smtClean="0">
+                <a:solidFill>
+                  <a:srgbClr val="9BBB59"/>
+                </a:solidFill>
+                <a:latin typeface="Andale Mono"/>
+                <a:cs typeface="Andale Mono"/>
+              </a:rPr>
+              <a:t>name</a:t>
+            </a:r>
+            <a:r>
+              <a:rPr lang="en-US" sz="1400" dirty="0" smtClean="0">
+                <a:latin typeface="Andale Mono"/>
+                <a:cs typeface="Andale Mono"/>
+              </a:rPr>
+              <a:t> : </a:t>
+            </a:r>
+            <a:r>
+              <a:rPr lang="en-US" sz="1400" dirty="0" smtClean="0">
+                <a:solidFill>
+                  <a:srgbClr val="FFFF00"/>
+                </a:solidFill>
+                <a:latin typeface="Andale Mono"/>
+                <a:cs typeface="Andale Mono"/>
+              </a:rPr>
+              <a:t>"login-route"</a:t>
+            </a:r>
+            <a:r>
+              <a:rPr lang="en-US" sz="1400" dirty="0" smtClean="0">
+                <a:solidFill>
+                  <a:srgbClr val="BFBFBF"/>
+                </a:solidFill>
+                <a:latin typeface="Andale Mono"/>
+                <a:cs typeface="Andale Mono"/>
+              </a:rPr>
+              <a:t>, //unique string, name route.</a:t>
+            </a:r>
+            <a:br>
+              <a:rPr lang="en-US" sz="1400" dirty="0" smtClean="0">
+                <a:solidFill>
+                  <a:srgbClr val="BFBFBF"/>
+                </a:solidFill>
+                <a:latin typeface="Andale Mono"/>
+                <a:cs typeface="Andale Mono"/>
+              </a:rPr>
+            </a:br>
+            <a:r>
+              <a:rPr lang="en-US" sz="1400" dirty="0" smtClean="0">
+                <a:latin typeface="Andale Mono"/>
+                <a:cs typeface="Andale Mono"/>
+              </a:rPr>
+              <a:t>      </a:t>
+            </a:r>
+            <a:r>
+              <a:rPr lang="en-US" sz="1400" dirty="0" smtClean="0">
+                <a:solidFill>
+                  <a:srgbClr val="9BBB59"/>
+                </a:solidFill>
+                <a:latin typeface="Andale Mono"/>
+                <a:cs typeface="Andale Mono"/>
+              </a:rPr>
+              <a:t>  authenticate </a:t>
+            </a:r>
+            <a:r>
+              <a:rPr lang="en-US" sz="1400" dirty="0" smtClean="0">
+                <a:latin typeface="Andale Mono"/>
+                <a:cs typeface="Andale Mono"/>
+              </a:rPr>
+              <a:t>:</a:t>
+            </a:r>
+            <a:r>
+              <a:rPr lang="en-US" sz="1400" dirty="0" smtClean="0">
+                <a:solidFill>
+                  <a:srgbClr val="FFFF00"/>
+                </a:solidFill>
+                <a:latin typeface="Andale Mono"/>
+                <a:cs typeface="Andale Mono"/>
+              </a:rPr>
+              <a:t> </a:t>
+            </a:r>
+            <a:r>
+              <a:rPr lang="en-US" sz="1400" b="1" dirty="0" smtClean="0">
+                <a:solidFill>
+                  <a:srgbClr val="FFFF00"/>
+                </a:solidFill>
+                <a:latin typeface="Andale Mono"/>
+                <a:cs typeface="Andale Mono"/>
+              </a:rPr>
+              <a:t>true</a:t>
+            </a:r>
+            <a:r>
+              <a:rPr lang="en-US" sz="1400" dirty="0" smtClean="0">
+                <a:latin typeface="Andale Mono"/>
+                <a:cs typeface="Andale Mono"/>
+              </a:rPr>
+              <a:t>,</a:t>
+            </a:r>
+            <a:r>
+              <a:rPr lang="en-US" sz="1400" dirty="0" smtClean="0">
+                <a:solidFill>
+                  <a:srgbClr val="BFBFBF"/>
+                </a:solidFill>
+                <a:latin typeface="Andale Mono"/>
+                <a:cs typeface="Andale Mono"/>
+              </a:rPr>
+              <a:t> //</a:t>
+            </a:r>
+            <a:r>
+              <a:rPr lang="en-US" sz="1400" dirty="0" err="1" smtClean="0">
+                <a:solidFill>
+                  <a:srgbClr val="BFBFBF"/>
+                </a:solidFill>
+                <a:latin typeface="Andale Mono"/>
+                <a:cs typeface="Andale Mono"/>
+              </a:rPr>
+              <a:t>boolean</a:t>
+            </a:r>
+            <a:r>
+              <a:rPr lang="en-US" sz="1400" dirty="0" smtClean="0">
+                <a:solidFill>
+                  <a:srgbClr val="BFBFBF"/>
+                </a:solidFill>
+                <a:latin typeface="Andale Mono"/>
+                <a:cs typeface="Andale Mono"/>
+              </a:rPr>
+              <a:t>, true false.</a:t>
+            </a:r>
+            <a:br>
+              <a:rPr lang="en-US" sz="1400" dirty="0" smtClean="0">
+                <a:solidFill>
+                  <a:srgbClr val="BFBFBF"/>
+                </a:solidFill>
+                <a:latin typeface="Andale Mono"/>
+                <a:cs typeface="Andale Mono"/>
+              </a:rPr>
+            </a:br>
+            <a:r>
+              <a:rPr lang="en-US" sz="1400" dirty="0" smtClean="0">
+                <a:latin typeface="Andale Mono"/>
+                <a:cs typeface="Andale Mono"/>
+              </a:rPr>
+              <a:t>       </a:t>
+            </a:r>
+            <a:r>
+              <a:rPr lang="en-US" sz="1400" dirty="0" smtClean="0">
+                <a:solidFill>
+                  <a:srgbClr val="9BBB59"/>
+                </a:solidFill>
+                <a:latin typeface="Andale Mono"/>
+                <a:cs typeface="Andale Mono"/>
+              </a:rPr>
+              <a:t> role </a:t>
+            </a:r>
+            <a:r>
+              <a:rPr lang="en-US" sz="1400" dirty="0" smtClean="0">
+                <a:latin typeface="Andale Mono"/>
+                <a:cs typeface="Andale Mono"/>
+              </a:rPr>
+              <a:t>:  </a:t>
+            </a:r>
+            <a:r>
+              <a:rPr lang="en-US" sz="1400" dirty="0" smtClean="0">
+                <a:solidFill>
+                  <a:srgbClr val="FFFF00"/>
+                </a:solidFill>
+                <a:latin typeface="Andale Mono"/>
+                <a:cs typeface="Andale Mono"/>
+              </a:rPr>
+              <a:t>"render-view"</a:t>
+            </a:r>
+            <a:r>
+              <a:rPr lang="en-US" sz="1400" dirty="0" smtClean="0">
+                <a:latin typeface="Andale Mono"/>
+                <a:cs typeface="Andale Mono"/>
+              </a:rPr>
+              <a:t>, </a:t>
+            </a:r>
+            <a:r>
+              <a:rPr lang="en-US" sz="1400" dirty="0" smtClean="0">
+                <a:solidFill>
+                  <a:srgbClr val="BFBFBF"/>
+                </a:solidFill>
+                <a:latin typeface="Andale Mono"/>
+                <a:cs typeface="Andale Mono"/>
+              </a:rPr>
+              <a:t>//string, array string multi role.</a:t>
+            </a:r>
+            <a:br>
+              <a:rPr lang="en-US" sz="1400" dirty="0" smtClean="0">
+                <a:solidFill>
+                  <a:srgbClr val="BFBFBF"/>
+                </a:solidFill>
+                <a:latin typeface="Andale Mono"/>
+                <a:cs typeface="Andale Mono"/>
+              </a:rPr>
+            </a:br>
+            <a:r>
+              <a:rPr lang="en-US" sz="1400" dirty="0" smtClean="0">
+                <a:latin typeface="Andale Mono"/>
+                <a:cs typeface="Andale Mono"/>
+              </a:rPr>
+              <a:t>        </a:t>
+            </a:r>
+            <a:r>
+              <a:rPr lang="en-US" sz="1400" dirty="0" smtClean="0">
+                <a:solidFill>
+                  <a:srgbClr val="9BBB59"/>
+                </a:solidFill>
+                <a:latin typeface="Andale Mono"/>
+                <a:cs typeface="Andale Mono"/>
+              </a:rPr>
+              <a:t>validate</a:t>
+            </a:r>
+            <a:r>
+              <a:rPr lang="en-US" sz="1400" dirty="0" smtClean="0">
+                <a:latin typeface="Andale Mono"/>
+                <a:cs typeface="Andale Mono"/>
+              </a:rPr>
+              <a:t> : {  </a:t>
+            </a:r>
+            <a:r>
+              <a:rPr lang="en-US" sz="1400" dirty="0" smtClean="0">
+                <a:solidFill>
+                  <a:srgbClr val="BFBFBF"/>
+                </a:solidFill>
+                <a:latin typeface="Andale Mono"/>
+                <a:cs typeface="Andale Mono"/>
+              </a:rPr>
+              <a:t>//validate input.</a:t>
+            </a:r>
+            <a:br>
+              <a:rPr lang="en-US" sz="1400" dirty="0" smtClean="0">
+                <a:solidFill>
+                  <a:srgbClr val="BFBFBF"/>
+                </a:solidFill>
+                <a:latin typeface="Andale Mono"/>
+                <a:cs typeface="Andale Mono"/>
+              </a:rPr>
+            </a:br>
+            <a:r>
+              <a:rPr lang="en-US" sz="1400" dirty="0" smtClean="0">
+                <a:latin typeface="Andale Mono"/>
+                <a:cs typeface="Andale Mono"/>
+              </a:rPr>
+              <a:t>           </a:t>
+            </a:r>
+            <a:r>
+              <a:rPr lang="en-US" sz="1400" dirty="0" smtClean="0">
+                <a:solidFill>
+                  <a:srgbClr val="9BBB59"/>
+                </a:solidFill>
+                <a:latin typeface="Andale Mono"/>
+                <a:cs typeface="Andale Mono"/>
+              </a:rPr>
+              <a:t> body </a:t>
+            </a:r>
+            <a:r>
+              <a:rPr lang="en-US" sz="1400" dirty="0" smtClean="0">
+                <a:latin typeface="Andale Mono"/>
+                <a:cs typeface="Andale Mono"/>
+              </a:rPr>
+              <a:t>: {  </a:t>
+            </a:r>
+            <a:r>
+              <a:rPr lang="en-US" sz="1400" dirty="0" smtClean="0">
+                <a:solidFill>
+                  <a:srgbClr val="BFBFBF"/>
+                </a:solidFill>
+                <a:latin typeface="Andale Mono"/>
+                <a:cs typeface="Andale Mono"/>
+              </a:rPr>
+              <a:t>//</a:t>
+            </a:r>
+            <a:r>
+              <a:rPr lang="en-US" sz="1400" dirty="0" err="1" smtClean="0">
+                <a:solidFill>
+                  <a:srgbClr val="BFBFBF"/>
+                </a:solidFill>
+                <a:latin typeface="Andale Mono"/>
+                <a:cs typeface="Andale Mono"/>
+              </a:rPr>
+              <a:t>req.body</a:t>
+            </a:r>
+            <a:r>
+              <a:rPr lang="en-US" sz="1400" dirty="0" smtClean="0">
+                <a:solidFill>
+                  <a:srgbClr val="BFBFBF"/>
+                </a:solidFill>
+                <a:latin typeface="Andale Mono"/>
+                <a:cs typeface="Andale Mono"/>
+              </a:rPr>
+              <a:t/>
+            </a:r>
+            <a:br>
+              <a:rPr lang="en-US" sz="1400" dirty="0" smtClean="0">
+                <a:solidFill>
+                  <a:srgbClr val="BFBFBF"/>
+                </a:solidFill>
+                <a:latin typeface="Andale Mono"/>
+                <a:cs typeface="Andale Mono"/>
+              </a:rPr>
+            </a:br>
+            <a:r>
+              <a:rPr lang="en-US" sz="1400" dirty="0" smtClean="0">
+                <a:latin typeface="Andale Mono"/>
+                <a:cs typeface="Andale Mono"/>
+              </a:rPr>
+              <a:t>                </a:t>
+            </a:r>
+            <a:r>
+              <a:rPr lang="en-US" sz="1400" dirty="0" smtClean="0">
+                <a:solidFill>
+                  <a:srgbClr val="9BBB59"/>
+                </a:solidFill>
+                <a:latin typeface="Andale Mono"/>
+                <a:cs typeface="Andale Mono"/>
+              </a:rPr>
+              <a:t>email</a:t>
+            </a:r>
+            <a:r>
+              <a:rPr lang="en-US" sz="1400" dirty="0" smtClean="0">
+                <a:latin typeface="Andale Mono"/>
+                <a:cs typeface="Andale Mono"/>
+              </a:rPr>
+              <a:t> </a:t>
+            </a:r>
+            <a:r>
+              <a:rPr lang="en-US" sz="1400" dirty="0" smtClean="0">
+                <a:solidFill>
+                  <a:srgbClr val="FFFF00"/>
+                </a:solidFill>
+                <a:latin typeface="Andale Mono"/>
+                <a:cs typeface="Andale Mono"/>
+              </a:rPr>
               <a:t>: </a:t>
             </a:r>
             <a:r>
-              <a:rPr lang="en-US" sz="1400" b="1" dirty="0"/>
-              <a:t>function </a:t>
-            </a:r>
-            <a:r>
-              <a:rPr lang="en-US" sz="1400" dirty="0"/>
-              <a:t>() {</a:t>
+              <a:rPr lang="en-US" sz="1400" dirty="0" err="1" smtClean="0">
+                <a:solidFill>
+                  <a:srgbClr val="FFFF00"/>
+                </a:solidFill>
+                <a:latin typeface="Andale Mono"/>
+                <a:cs typeface="Andale Mono"/>
+              </a:rPr>
+              <a:t>application.validation.isEmail</a:t>
+            </a:r>
+            <a:r>
+              <a:rPr lang="en-US" sz="1400" dirty="0" smtClean="0">
+                <a:solidFill>
+                  <a:srgbClr val="FFFF00"/>
+                </a:solidFill>
+                <a:latin typeface="Andale Mono"/>
+                <a:cs typeface="Andale Mono"/>
+              </a:rPr>
+              <a:t>()</a:t>
             </a:r>
             <a:br>
-              <a:rPr lang="en-US" sz="1400" dirty="0"/>
+              <a:rPr lang="en-US" sz="1400" dirty="0" smtClean="0">
+                <a:solidFill>
+                  <a:srgbClr val="FFFF00"/>
+                </a:solidFill>
+                <a:latin typeface="Andale Mono"/>
+                <a:cs typeface="Andale Mono"/>
+              </a:rPr>
             </a:br>
             <a:r>
-              <a:rPr lang="en-US" sz="1400" dirty="0"/>
-              <a:t>        </a:t>
-            </a:r>
-            <a:r>
-              <a:rPr lang="en-US" sz="1400" b="1" dirty="0"/>
-              <a:t>return </a:t>
-            </a:r>
-            <a:r>
-              <a:rPr lang="en-US" sz="1400" dirty="0"/>
-              <a:t>{</a:t>
+              <a:rPr lang="en-US" sz="1400" dirty="0" smtClean="0">
+                <a:latin typeface="Andale Mono"/>
+                <a:cs typeface="Andale Mono"/>
+              </a:rPr>
+              <a:t>            },</a:t>
             </a:r>
             <a:br>
-              <a:rPr lang="en-US" sz="1400" dirty="0"/>
+              <a:rPr lang="en-US" sz="1400" dirty="0" smtClean="0">
+                <a:latin typeface="Andale Mono"/>
+                <a:cs typeface="Andale Mono"/>
+              </a:rPr>
             </a:br>
             <a:r>
-              <a:rPr lang="en-US" sz="1400" dirty="0"/>
+              <a:rPr lang="en-US" sz="1400" dirty="0" smtClean="0">
+                <a:latin typeface="Andale Mono"/>
+                <a:cs typeface="Andale Mono"/>
+              </a:rPr>
               <a:t>            </a:t>
             </a:r>
             <a:r>
-              <a:rPr lang="en-US" sz="1400" dirty="0"/>
-              <a:t>"user" </a:t>
-            </a:r>
-            <a:r>
-              <a:rPr lang="en-US" sz="1400" dirty="0"/>
-              <a:t>: {</a:t>
+              <a:rPr lang="en-US" sz="1400" dirty="0" smtClean="0">
+                <a:solidFill>
+                  <a:srgbClr val="9BBB59"/>
+                </a:solidFill>
+                <a:latin typeface="Andale Mono"/>
+                <a:cs typeface="Andale Mono"/>
+              </a:rPr>
+              <a:t>query</a:t>
+            </a:r>
+            <a:r>
+              <a:rPr lang="en-US" sz="1400" dirty="0" smtClean="0">
+                <a:latin typeface="Andale Mono"/>
+                <a:cs typeface="Andale Mono"/>
+              </a:rPr>
+              <a:t> : { </a:t>
+            </a:r>
+            <a:r>
+              <a:rPr lang="en-US" sz="1400" dirty="0" smtClean="0">
+                <a:solidFill>
+                  <a:srgbClr val="BFBFBF"/>
+                </a:solidFill>
+                <a:latin typeface="Andale Mono"/>
+                <a:cs typeface="Andale Mono"/>
+              </a:rPr>
+              <a:t>//</a:t>
+            </a:r>
+            <a:r>
+              <a:rPr lang="en-US" sz="1400" dirty="0" err="1" smtClean="0">
+                <a:solidFill>
+                  <a:srgbClr val="BFBFBF"/>
+                </a:solidFill>
+                <a:latin typeface="Andale Mono"/>
+                <a:cs typeface="Andale Mono"/>
+              </a:rPr>
+              <a:t>req.query</a:t>
+            </a:r>
+            <a:r>
+              <a:rPr lang="en-US" sz="1400" dirty="0" smtClean="0">
+                <a:solidFill>
+                  <a:srgbClr val="BFBFBF"/>
+                </a:solidFill>
+                <a:latin typeface="Andale Mono"/>
+                <a:cs typeface="Andale Mono"/>
+              </a:rPr>
+              <a:t/>
             </a:r>
             <a:br>
-              <a:rPr lang="en-US" sz="1400" dirty="0"/>
+              <a:rPr lang="en-US" sz="1400" dirty="0" smtClean="0">
+                <a:solidFill>
+                  <a:srgbClr val="BFBFBF"/>
+                </a:solidFill>
+                <a:latin typeface="Andale Mono"/>
+                <a:cs typeface="Andale Mono"/>
+              </a:rPr>
             </a:br>
             <a:r>
-              <a:rPr lang="en-US" sz="1400" dirty="0"/>
-              <a:t>                </a:t>
-            </a:r>
-            <a:r>
-              <a:rPr lang="en-US" sz="1400" dirty="0"/>
-              <a:t>type </a:t>
-            </a:r>
-            <a:r>
-              <a:rPr lang="en-US" sz="1400" dirty="0"/>
+              <a:rPr lang="en-US" sz="1400" dirty="0" smtClean="0">
+                <a:latin typeface="Andale Mono"/>
+                <a:cs typeface="Andale Mono"/>
+              </a:rPr>
+              <a:t>               </a:t>
+            </a:r>
+            <a:r>
+              <a:rPr lang="en-US" sz="1400" dirty="0" smtClean="0">
+                <a:solidFill>
+                  <a:srgbClr val="9BBB59"/>
+                </a:solidFill>
+                <a:latin typeface="Andale Mono"/>
+                <a:cs typeface="Andale Mono"/>
+              </a:rPr>
+              <a:t> theme </a:t>
+            </a:r>
+            <a:r>
+              <a:rPr lang="en-US" sz="1400" dirty="0" smtClean="0">
+                <a:solidFill>
+                  <a:srgbClr val="FFFF00"/>
+                </a:solidFill>
+                <a:latin typeface="Andale Mono"/>
+                <a:cs typeface="Andale Mono"/>
+              </a:rPr>
               <a:t>: </a:t>
             </a:r>
             <a:r>
-              <a:rPr lang="en-US" sz="1400" dirty="0"/>
-              <a:t>"</a:t>
-            </a:r>
-            <a:r>
-              <a:rPr lang="en-US" sz="1400" dirty="0" err="1"/>
-              <a:t>belongsTo</a:t>
-            </a:r>
-            <a:r>
-              <a:rPr lang="en-US" sz="1400" dirty="0"/>
-              <a:t>",</a:t>
+              <a:rPr lang="en-US" sz="1400" dirty="0" err="1" smtClean="0">
+                <a:solidFill>
+                  <a:srgbClr val="FFFF00"/>
+                </a:solidFill>
+                <a:latin typeface="Andale Mono"/>
+                <a:cs typeface="Andale Mono"/>
+              </a:rPr>
+              <a:t>application.validation.isEmail</a:t>
+            </a:r>
+            <a:r>
+              <a:rPr lang="en-US" sz="1400" dirty="0" smtClean="0">
+                <a:solidFill>
+                  <a:srgbClr val="FFFF00"/>
+                </a:solidFill>
+                <a:latin typeface="Andale Mono"/>
+                <a:cs typeface="Andale Mono"/>
+              </a:rPr>
+              <a:t>()</a:t>
             </a:r>
             <a:br>
-              <a:rPr lang="en-US" sz="1400" dirty="0"/>
+              <a:rPr lang="en-US" sz="1400" dirty="0" smtClean="0">
+                <a:solidFill>
+                  <a:srgbClr val="FFFF00"/>
+                </a:solidFill>
+                <a:latin typeface="Andale Mono"/>
+                <a:cs typeface="Andale Mono"/>
+              </a:rPr>
             </a:br>
             <a:r>
-              <a:rPr lang="en-US" sz="1400" dirty="0"/>
-              <a:t>                option </a:t>
-            </a:r>
-            <a:r>
-              <a:rPr lang="en-US" sz="1400" dirty="0"/>
-              <a:t>: {</a:t>
+              <a:rPr lang="en-US" sz="1400" dirty="0" smtClean="0">
+                <a:latin typeface="Andale Mono"/>
+                <a:cs typeface="Andale Mono"/>
+              </a:rPr>
+              <a:t>            }</a:t>
             </a:r>
             <a:br>
-              <a:rPr lang="en-US" sz="1400" dirty="0"/>
+              <a:rPr lang="en-US" sz="1400" dirty="0" smtClean="0">
+                <a:latin typeface="Andale Mono"/>
+                <a:cs typeface="Andale Mono"/>
+              </a:rPr>
             </a:br>
             <a:r>
-              <a:rPr lang="en-US" sz="1400" dirty="0"/>
-              <a:t>                    </a:t>
-            </a:r>
-            <a:r>
-              <a:rPr lang="en-US" sz="1400" dirty="0" err="1"/>
-              <a:t>foreignKey</a:t>
-            </a:r>
-            <a:r>
-              <a:rPr lang="en-US" sz="1400" dirty="0"/>
-              <a:t>: </a:t>
-            </a:r>
-            <a:r>
-              <a:rPr lang="en-US" sz="1400" dirty="0"/>
-              <a:t>'</a:t>
-            </a:r>
-            <a:r>
-              <a:rPr lang="en-US" sz="1400" dirty="0" err="1"/>
-              <a:t>created_by</a:t>
-            </a:r>
-            <a:r>
-              <a:rPr lang="en-US" sz="1400" dirty="0"/>
-              <a:t>'</a:t>
+              <a:rPr lang="en-US" sz="1400" dirty="0" smtClean="0">
+                <a:latin typeface="Andale Mono"/>
+                <a:cs typeface="Andale Mono"/>
+              </a:rPr>
+              <a:t>        }</a:t>
             </a:r>
             <a:br>
-              <a:rPr lang="en-US" sz="1400" dirty="0"/>
+              <a:rPr lang="en-US" sz="1400" dirty="0" smtClean="0">
+                <a:latin typeface="Andale Mono"/>
+                <a:cs typeface="Andale Mono"/>
+              </a:rPr>
             </a:br>
             <a:r>
-              <a:rPr lang="en-US" sz="1400" dirty="0"/>
-              <a:t>                </a:t>
-            </a:r>
-            <a:r>
-              <a:rPr lang="en-US" sz="1400" dirty="0"/>
-              <a:t>}</a:t>
+              <a:rPr lang="en-US" sz="1400" dirty="0" smtClean="0">
+                <a:latin typeface="Andale Mono"/>
+                <a:cs typeface="Andale Mono"/>
+              </a:rPr>
+              <a:t>    }</a:t>
             </a:r>
             <a:br>
-              <a:rPr lang="en-US" sz="1400" dirty="0"/>
+              <a:rPr lang="en-US" sz="1400" dirty="0" smtClean="0">
+                <a:latin typeface="Andale Mono"/>
+                <a:cs typeface="Andale Mono"/>
+              </a:rPr>
             </a:br>
             <a:r>
-              <a:rPr lang="en-US" sz="1400" dirty="0"/>
-              <a:t>            }</a:t>
-            </a:r>
-            <a:br>
-              <a:rPr lang="en-US" sz="1400" dirty="0"/>
-            </a:br>
-            <a:r>
-              <a:rPr lang="en-US" sz="1400" dirty="0"/>
-              <a:t>        }</a:t>
-            </a:r>
-            <a:br>
-              <a:rPr lang="en-US" sz="1400" dirty="0"/>
-            </a:br>
-            <a:r>
-              <a:rPr lang="en-US" sz="1400" dirty="0"/>
-              <a:t>    }</a:t>
-            </a:r>
-            <a:br>
-              <a:rPr lang="en-US" sz="1400" dirty="0"/>
-            </a:br>
-            <a:r>
-              <a:rPr lang="en-US" sz="1400" dirty="0"/>
+              <a:rPr lang="en-US" sz="1400" dirty="0" smtClean="0">
+                <a:latin typeface="Andale Mono"/>
+                <a:cs typeface="Andale Mono"/>
+              </a:rPr>
               <a:t>}</a:t>
             </a:r>
             <a:endParaRPr lang="en-US" sz="1400" dirty="0">
@@ -11583,7 +10920,974 @@
     </p:spTree>
     <p:extLst>
       <p:ext uri="{BB962C8B-B14F-4D97-AF65-F5344CB8AC3E}">
-        <p14:creationId xmlns:p14="http://schemas.microsoft.com/office/powerpoint/2010/main" val="3468927189"/>
+        <p14:creationId xmlns:p14="http://schemas.microsoft.com/office/powerpoint/2010/main" val="3158926922"/>
+      </p:ext>
+    </p:extLst>
+  </p:cSld>
+  <p:clrMapOvr>
+    <a:masterClrMapping/>
+  </p:clrMapOvr>
+  <p:timing>
+    <p:tnLst>
+      <p:par>
+        <p:cTn xmlns:p14="http://schemas.microsoft.com/office/powerpoint/2010/main" id="1" dur="indefinite" restart="never" nodeType="tmRoot"/>
+      </p:par>
+    </p:tnLst>
+  </p:timing>
+</p:sld>
+</file>
+
+<file path=ppt/slides/slide27.xml><?xml version="1.0" encoding="utf-8"?>
+<p:sld xmlns:a="http://schemas.openxmlformats.org/drawingml/2006/main" xmlns:r="http://schemas.openxmlformats.org/officeDocument/2006/relationships" xmlns:p="http://schemas.openxmlformats.org/presentationml/2006/main">
+  <p:cSld>
+    <p:spTree>
+      <p:nvGrpSpPr>
+        <p:cNvPr id="1" name=""/>
+        <p:cNvGrpSpPr/>
+        <p:nvPr/>
+      </p:nvGrpSpPr>
+      <p:grpSpPr>
+        <a:xfrm>
+          <a:off x="0" y="0"/>
+          <a:ext cx="0" cy="0"/>
+          <a:chOff x="0" y="0"/>
+          <a:chExt cx="0" cy="0"/>
+        </a:xfrm>
+      </p:grpSpPr>
+      <p:sp>
+        <p:nvSpPr>
+          <p:cNvPr id="2" name="Title 1"/>
+          <p:cNvSpPr>
+            <a:spLocks noGrp="1"/>
+          </p:cNvSpPr>
+          <p:nvPr>
+            <p:ph type="title"/>
+          </p:nvPr>
+        </p:nvSpPr>
+        <p:spPr/>
+        <p:txBody>
+          <a:bodyPr>
+            <a:normAutofit fontScale="90000"/>
+          </a:bodyPr>
+          <a:lstStyle/>
+          <a:p>
+            <a:r>
+              <a:rPr lang="en-US" dirty="0" err="1"/>
+              <a:t>Router for each module #2</a:t>
+            </a:r>
+            <a:endParaRPr lang="en-US" dirty="0"/>
+          </a:p>
+        </p:txBody>
+      </p:sp>
+      <p:sp>
+        <p:nvSpPr>
+          <p:cNvPr id="3" name="Content Placeholder 2"/>
+          <p:cNvSpPr>
+            <a:spLocks noGrp="1"/>
+          </p:cNvSpPr>
+          <p:nvPr>
+            <p:ph idx="1"/>
+          </p:nvPr>
+        </p:nvSpPr>
+        <p:spPr/>
+        <p:txBody>
+          <a:bodyPr>
+            <a:noAutofit/>
+          </a:bodyPr>
+          <a:lstStyle/>
+          <a:p>
+            <a:pPr marL="0" indent="0">
+              <a:buNone/>
+            </a:pPr>
+            <a:r>
+              <a:rPr lang="en-US" sz="1400" dirty="0">
+                <a:solidFill>
+                  <a:schemeClr val="accent3"/>
+                </a:solidFill>
+                <a:latin typeface="Andale Mono"/>
+                <a:cs typeface="Andale Mono"/>
+              </a:rPr>
+              <a:t>"/" </a:t>
+            </a:r>
+            <a:r>
+              <a:rPr lang="en-US" sz="1400" dirty="0">
+                <a:latin typeface="Andale Mono"/>
+                <a:cs typeface="Andale Mono"/>
+              </a:rPr>
+              <a:t>: </a:t>
+            </a:r>
+            <a:r>
+              <a:rPr lang="en-US" sz="1400" dirty="0" smtClean="0">
+                <a:latin typeface="Andale Mono"/>
+                <a:cs typeface="Andale Mono"/>
+              </a:rPr>
+              <a:t>{ </a:t>
+            </a:r>
+            <a:r>
+              <a:rPr lang="en-US" sz="1400" dirty="0" smtClean="0">
+                <a:solidFill>
+                  <a:schemeClr val="bg1">
+                    <a:lumMod val="75000"/>
+                  </a:schemeClr>
+                </a:solidFill>
+                <a:latin typeface="Andale Mono"/>
+                <a:cs typeface="Andale Mono"/>
+              </a:rPr>
+              <a:t>/</a:t>
+            </a:r>
+            <a:r>
+              <a:rPr lang="en-US" sz="1400" dirty="0">
+                <a:solidFill>
+                  <a:schemeClr val="bg1">
+                    <a:lumMod val="75000"/>
+                  </a:schemeClr>
+                </a:solidFill>
+                <a:latin typeface="Andale Mono"/>
+                <a:cs typeface="Andale Mono"/>
+              </a:rPr>
+              <a:t>/Route path</a:t>
+            </a:r>
+            <a:br>
+              <a:rPr lang="en-US" sz="1400" dirty="0">
+                <a:solidFill>
+                  <a:schemeClr val="bg1">
+                    <a:lumMod val="75000"/>
+                  </a:schemeClr>
+                </a:solidFill>
+                <a:latin typeface="Andale Mono"/>
+                <a:cs typeface="Andale Mono"/>
+              </a:rPr>
+            </a:br>
+            <a:r>
+              <a:rPr lang="en-US" sz="1400" dirty="0">
+                <a:latin typeface="Andale Mono"/>
+                <a:cs typeface="Andale Mono"/>
+              </a:rPr>
+              <a:t>    </a:t>
+            </a:r>
+            <a:r>
+              <a:rPr lang="en-US" sz="1400" b="1" dirty="0">
+                <a:solidFill>
+                  <a:srgbClr val="9BBB59"/>
+                </a:solidFill>
+                <a:latin typeface="Andale Mono"/>
+                <a:cs typeface="Andale Mono"/>
+              </a:rPr>
+              <a:t>get</a:t>
+            </a:r>
+            <a:r>
+              <a:rPr lang="en-US" sz="1400" b="1" dirty="0">
+                <a:latin typeface="Andale Mono"/>
+                <a:cs typeface="Andale Mono"/>
+              </a:rPr>
+              <a:t> </a:t>
+            </a:r>
+            <a:r>
+              <a:rPr lang="en-US" sz="1400" dirty="0">
+                <a:latin typeface="Andale Mono"/>
+                <a:cs typeface="Andale Mono"/>
+              </a:rPr>
+              <a:t>: { </a:t>
+            </a:r>
+            <a:r>
+              <a:rPr lang="en-US" sz="1400" dirty="0">
+                <a:solidFill>
+                  <a:srgbClr val="BFBFBF"/>
+                </a:solidFill>
+                <a:latin typeface="Andale Mono"/>
+                <a:cs typeface="Andale Mono"/>
+              </a:rPr>
+              <a:t>//Http methods , </a:t>
+            </a:r>
+            <a:r>
+              <a:rPr lang="en-US" sz="1400" dirty="0" err="1">
+                <a:solidFill>
+                  <a:srgbClr val="BFBFBF"/>
+                </a:solidFill>
+                <a:latin typeface="Andale Mono"/>
+                <a:cs typeface="Andale Mono"/>
+              </a:rPr>
+              <a:t>params</a:t>
+            </a:r>
+            <a:r>
+              <a:rPr lang="en-US" sz="1400" dirty="0">
+                <a:solidFill>
+                  <a:srgbClr val="BFBFBF"/>
+                </a:solidFill>
+                <a:latin typeface="Andale Mono"/>
+                <a:cs typeface="Andale Mono"/>
+              </a:rPr>
+              <a:t/>
+            </a:r>
+            <a:br>
+              <a:rPr lang="en-US" sz="1400" dirty="0">
+                <a:solidFill>
+                  <a:srgbClr val="BFBFBF"/>
+                </a:solidFill>
+                <a:latin typeface="Andale Mono"/>
+                <a:cs typeface="Andale Mono"/>
+              </a:rPr>
+            </a:br>
+            <a:r>
+              <a:rPr lang="en-US" sz="1400" dirty="0">
+                <a:solidFill>
+                  <a:srgbClr val="BFBFBF"/>
+                </a:solidFill>
+                <a:latin typeface="Andale Mono"/>
+                <a:cs typeface="Andale Mono"/>
+              </a:rPr>
+              <a:t>        </a:t>
+            </a:r>
+            <a:r>
+              <a:rPr lang="en-US" sz="1400" dirty="0">
+                <a:solidFill>
+                  <a:srgbClr val="BFBFBF"/>
+                </a:solidFill>
+                <a:latin typeface="Andale Mono"/>
+                <a:cs typeface="Andale Mono"/>
+              </a:rPr>
+              <a:t>//handler , array[handler] </a:t>
+            </a:r>
+            <a:r>
+              <a:rPr lang="en-US" sz="1400" dirty="0">
+                <a:solidFill>
+                  <a:srgbClr val="BFBFBF"/>
+                </a:solidFill>
+                <a:latin typeface="Andale Mono"/>
+                <a:cs typeface="Andale Mono"/>
+              </a:rPr>
+              <a:t/>
+            </a:r>
+            <a:br>
+              <a:rPr lang="en-US" sz="1400" dirty="0">
+                <a:solidFill>
+                  <a:srgbClr val="BFBFBF"/>
+                </a:solidFill>
+                <a:latin typeface="Andale Mono"/>
+                <a:cs typeface="Andale Mono"/>
+              </a:rPr>
+            </a:br>
+            <a:r>
+              <a:rPr lang="en-US" sz="1400" dirty="0">
+                <a:latin typeface="Andale Mono"/>
+                <a:cs typeface="Andale Mono"/>
+              </a:rPr>
+              <a:t>        </a:t>
+            </a:r>
+            <a:r>
+              <a:rPr lang="en-US" sz="1400" dirty="0">
+                <a:solidFill>
+                  <a:srgbClr val="9BBB59"/>
+                </a:solidFill>
+                <a:latin typeface="Andale Mono"/>
+                <a:cs typeface="Andale Mono"/>
+              </a:rPr>
+              <a:t>handler</a:t>
+            </a:r>
+            <a:r>
+              <a:rPr lang="en-US" sz="1400" dirty="0">
+                <a:latin typeface="Andale Mono"/>
+                <a:cs typeface="Andale Mono"/>
+              </a:rPr>
+              <a:t> : [</a:t>
+            </a:r>
+            <a:r>
+              <a:rPr lang="en-US" sz="1400" dirty="0" err="1" smtClean="0">
+                <a:solidFill>
+                  <a:srgbClr val="FFFF00"/>
+                </a:solidFill>
+                <a:latin typeface="Andale Mono"/>
+                <a:cs typeface="Andale Mono"/>
+              </a:rPr>
+              <a:t>component.controllers.</a:t>
+            </a:r>
+            <a:r>
+              <a:rPr lang="en-US" sz="1400" i="1" dirty="0" err="1" smtClean="0">
+                <a:solidFill>
+                  <a:srgbClr val="FFFF00"/>
+                </a:solidFill>
+                <a:latin typeface="Andale Mono"/>
+                <a:cs typeface="Andale Mono"/>
+              </a:rPr>
+              <a:t>index</a:t>
+            </a:r>
+            <a:r>
+              <a:rPr lang="en-US" sz="1400" dirty="0" smtClean="0">
+                <a:latin typeface="Andale Mono"/>
+                <a:cs typeface="Andale Mono"/>
+              </a:rPr>
+              <a:t>, </a:t>
+            </a:r>
+            <a:r>
+              <a:rPr lang="en-US" sz="1400" dirty="0" err="1">
+                <a:solidFill>
+                  <a:srgbClr val="FFFF00"/>
+                </a:solidFill>
+                <a:latin typeface="Andale Mono"/>
+                <a:cs typeface="Andale Mono"/>
+              </a:rPr>
+              <a:t>function(req, res){}]</a:t>
+            </a:r>
+            <a:r>
+              <a:rPr lang="en-US" sz="1400" dirty="0" smtClean="0">
+                <a:latin typeface="Andale Mono"/>
+                <a:cs typeface="Andale Mono"/>
+              </a:rPr>
+              <a:t> </a:t>
+            </a:r>
+            <a:r>
+              <a:rPr lang="en-US" sz="1400" dirty="0" smtClean="0">
+                <a:solidFill>
+                  <a:srgbClr val="BFBFBF"/>
+                </a:solidFill>
+                <a:latin typeface="Andale Mono"/>
+                <a:cs typeface="Andale Mono"/>
+              </a:rPr>
+              <a:t/>
+            </a:r>
+            <a:br>
+              <a:rPr lang="en-US" sz="1400" dirty="0" smtClean="0">
+                <a:solidFill>
+                  <a:srgbClr val="BFBFBF"/>
+                </a:solidFill>
+                <a:latin typeface="Andale Mono"/>
+                <a:cs typeface="Andale Mono"/>
+              </a:rPr>
+            </a:br>
+            <a:r>
+              <a:rPr lang="en-US" sz="1400" dirty="0" smtClean="0">
+                <a:latin typeface="Andale Mono"/>
+                <a:cs typeface="Andale Mono"/>
+              </a:rPr>
+              <a:t>        </a:t>
+            </a:r>
+            <a:r>
+              <a:rPr lang="en-US" sz="1400" dirty="0" smtClean="0">
+                <a:solidFill>
+                  <a:srgbClr val="9BBB59"/>
+                </a:solidFill>
+                <a:latin typeface="Andale Mono"/>
+                <a:cs typeface="Andale Mono"/>
+              </a:rPr>
+              <a:t>name</a:t>
+            </a:r>
+            <a:r>
+              <a:rPr lang="en-US" sz="1400" dirty="0" smtClean="0">
+                <a:latin typeface="Andale Mono"/>
+                <a:cs typeface="Andale Mono"/>
+              </a:rPr>
+              <a:t> : </a:t>
+            </a:r>
+            <a:r>
+              <a:rPr lang="en-US" sz="1400" dirty="0" smtClean="0">
+                <a:solidFill>
+                  <a:srgbClr val="FFFF00"/>
+                </a:solidFill>
+                <a:latin typeface="Andale Mono"/>
+                <a:cs typeface="Andale Mono"/>
+              </a:rPr>
+              <a:t>"login-route"</a:t>
+            </a:r>
+            <a:r>
+              <a:rPr lang="en-US" sz="1400" dirty="0" smtClean="0">
+                <a:solidFill>
+                  <a:srgbClr val="BFBFBF"/>
+                </a:solidFill>
+                <a:latin typeface="Andale Mono"/>
+                <a:cs typeface="Andale Mono"/>
+              </a:rPr>
+              <a:t>, //unique string, name route.</a:t>
+            </a:r>
+            <a:br>
+              <a:rPr lang="en-US" sz="1400" dirty="0" smtClean="0">
+                <a:solidFill>
+                  <a:srgbClr val="BFBFBF"/>
+                </a:solidFill>
+                <a:latin typeface="Andale Mono"/>
+                <a:cs typeface="Andale Mono"/>
+              </a:rPr>
+            </a:br>
+            <a:r>
+              <a:rPr lang="en-US" sz="1400" dirty="0" smtClean="0">
+                <a:latin typeface="Andale Mono"/>
+                <a:cs typeface="Andale Mono"/>
+              </a:rPr>
+              <a:t>      </a:t>
+            </a:r>
+            <a:r>
+              <a:rPr lang="en-US" sz="1400" dirty="0" smtClean="0">
+                <a:solidFill>
+                  <a:srgbClr val="9BBB59"/>
+                </a:solidFill>
+                <a:latin typeface="Andale Mono"/>
+                <a:cs typeface="Andale Mono"/>
+              </a:rPr>
+              <a:t>  authenticate </a:t>
+            </a:r>
+            <a:r>
+              <a:rPr lang="en-US" sz="1400" dirty="0" smtClean="0">
+                <a:latin typeface="Andale Mono"/>
+                <a:cs typeface="Andale Mono"/>
+              </a:rPr>
+              <a:t>:</a:t>
+            </a:r>
+            <a:r>
+              <a:rPr lang="en-US" sz="1400" dirty="0" smtClean="0">
+                <a:solidFill>
+                  <a:srgbClr val="FFFF00"/>
+                </a:solidFill>
+                <a:latin typeface="Andale Mono"/>
+                <a:cs typeface="Andale Mono"/>
+              </a:rPr>
+              <a:t> </a:t>
+            </a:r>
+            <a:r>
+              <a:rPr lang="en-US" sz="1400" b="1" dirty="0" smtClean="0">
+                <a:solidFill>
+                  <a:srgbClr val="FFFF00"/>
+                </a:solidFill>
+                <a:latin typeface="Andale Mono"/>
+                <a:cs typeface="Andale Mono"/>
+              </a:rPr>
+              <a:t>true</a:t>
+            </a:r>
+            <a:r>
+              <a:rPr lang="en-US" sz="1400" dirty="0" smtClean="0">
+                <a:latin typeface="Andale Mono"/>
+                <a:cs typeface="Andale Mono"/>
+              </a:rPr>
+              <a:t>,</a:t>
+            </a:r>
+            <a:r>
+              <a:rPr lang="en-US" sz="1400" dirty="0" smtClean="0">
+                <a:solidFill>
+                  <a:srgbClr val="BFBFBF"/>
+                </a:solidFill>
+                <a:latin typeface="Andale Mono"/>
+                <a:cs typeface="Andale Mono"/>
+              </a:rPr>
+              <a:t> //</a:t>
+            </a:r>
+            <a:r>
+              <a:rPr lang="en-US" sz="1400" dirty="0" err="1" smtClean="0">
+                <a:solidFill>
+                  <a:srgbClr val="BFBFBF"/>
+                </a:solidFill>
+                <a:latin typeface="Andale Mono"/>
+                <a:cs typeface="Andale Mono"/>
+              </a:rPr>
+              <a:t>boolean</a:t>
+            </a:r>
+            <a:r>
+              <a:rPr lang="en-US" sz="1400" dirty="0" smtClean="0">
+                <a:solidFill>
+                  <a:srgbClr val="BFBFBF"/>
+                </a:solidFill>
+                <a:latin typeface="Andale Mono"/>
+                <a:cs typeface="Andale Mono"/>
+              </a:rPr>
+              <a:t>, true false.</a:t>
+            </a:r>
+            <a:br>
+              <a:rPr lang="en-US" sz="1400" dirty="0" smtClean="0">
+                <a:solidFill>
+                  <a:srgbClr val="BFBFBF"/>
+                </a:solidFill>
+                <a:latin typeface="Andale Mono"/>
+                <a:cs typeface="Andale Mono"/>
+              </a:rPr>
+            </a:br>
+            <a:r>
+              <a:rPr lang="en-US" sz="1400" dirty="0" smtClean="0">
+                <a:latin typeface="Andale Mono"/>
+                <a:cs typeface="Andale Mono"/>
+              </a:rPr>
+              <a:t>       </a:t>
+            </a:r>
+            <a:r>
+              <a:rPr lang="en-US" sz="1400" dirty="0" smtClean="0">
+                <a:solidFill>
+                  <a:srgbClr val="9BBB59"/>
+                </a:solidFill>
+                <a:latin typeface="Andale Mono"/>
+                <a:cs typeface="Andale Mono"/>
+              </a:rPr>
+              <a:t> role </a:t>
+            </a:r>
+            <a:r>
+              <a:rPr lang="en-US" sz="1400" dirty="0" smtClean="0">
+                <a:latin typeface="Andale Mono"/>
+                <a:cs typeface="Andale Mono"/>
+              </a:rPr>
+              <a:t>:  </a:t>
+            </a:r>
+            <a:r>
+              <a:rPr lang="en-US" sz="1400" dirty="0" smtClean="0">
+                <a:solidFill>
+                  <a:srgbClr val="FFFF00"/>
+                </a:solidFill>
+                <a:latin typeface="Andale Mono"/>
+                <a:cs typeface="Andale Mono"/>
+              </a:rPr>
+              <a:t>[read, write, delete]</a:t>
+            </a:r>
+            <a:r>
+              <a:rPr lang="en-US" sz="1400" dirty="0" smtClean="0">
+                <a:latin typeface="Andale Mono"/>
+                <a:cs typeface="Andale Mono"/>
+              </a:rPr>
+              <a:t>, </a:t>
+            </a:r>
+            <a:r>
+              <a:rPr lang="en-US" sz="1400" dirty="0" smtClean="0">
+                <a:solidFill>
+                  <a:srgbClr val="BFBFBF"/>
+                </a:solidFill>
+                <a:latin typeface="Andale Mono"/>
+                <a:cs typeface="Andale Mono"/>
+              </a:rPr>
+              <a:t>//string, array string multi role.</a:t>
+            </a:r>
+          </a:p>
+          <a:p>
+            <a:pPr marL="0" indent="0">
+              <a:buNone/>
+            </a:pPr>
+            <a:r>
+              <a:rPr lang="en-US" sz="1400" dirty="0" smtClean="0">
+                <a:latin typeface="Andale Mono"/>
+                <a:cs typeface="Andale Mono"/>
+              </a:rPr>
+              <a:t>    }</a:t>
+            </a:r>
+            <a:br>
+              <a:rPr lang="en-US" sz="1400" dirty="0" smtClean="0">
+                <a:latin typeface="Andale Mono"/>
+                <a:cs typeface="Andale Mono"/>
+              </a:rPr>
+            </a:br>
+            <a:r>
+              <a:rPr lang="en-US" sz="1400" dirty="0" smtClean="0">
+                <a:latin typeface="Andale Mono"/>
+                <a:cs typeface="Andale Mono"/>
+              </a:rPr>
+              <a:t>}</a:t>
+            </a:r>
+            <a:endParaRPr lang="en-US" sz="1400" dirty="0">
+              <a:latin typeface="Andale Mono"/>
+              <a:cs typeface="Andale Mono"/>
+            </a:endParaRPr>
+          </a:p>
+        </p:txBody>
+      </p:sp>
+    </p:spTree>
+    <p:extLst>
+      <p:ext uri="{BB962C8B-B14F-4D97-AF65-F5344CB8AC3E}">
+        <p14:creationId xmlns:p14="http://schemas.microsoft.com/office/powerpoint/2010/main" val="1377867339"/>
+      </p:ext>
+    </p:extLst>
+  </p:cSld>
+  <p:clrMapOvr>
+    <a:masterClrMapping/>
+  </p:clrMapOvr>
+  <p:timing>
+    <p:tnLst>
+      <p:par>
+        <p:cTn xmlns:p14="http://schemas.microsoft.com/office/powerpoint/2010/main" id="1" dur="indefinite" restart="never" nodeType="tmRoot"/>
+      </p:par>
+    </p:tnLst>
+  </p:timing>
+</p:sld>
+</file>
+
+<file path=ppt/slides/slide28.xml><?xml version="1.0" encoding="utf-8"?>
+<p:sld xmlns:a="http://schemas.openxmlformats.org/drawingml/2006/main" xmlns:r="http://schemas.openxmlformats.org/officeDocument/2006/relationships" xmlns:p="http://schemas.openxmlformats.org/presentationml/2006/main">
+  <p:cSld>
+    <p:spTree>
+      <p:nvGrpSpPr>
+        <p:cNvPr id="1" name=""/>
+        <p:cNvGrpSpPr/>
+        <p:nvPr/>
+      </p:nvGrpSpPr>
+      <p:grpSpPr>
+        <a:xfrm>
+          <a:off x="0" y="0"/>
+          <a:ext cx="0" cy="0"/>
+          <a:chOff x="0" y="0"/>
+          <a:chExt cx="0" cy="0"/>
+        </a:xfrm>
+      </p:grpSpPr>
+      <p:sp>
+        <p:nvSpPr>
+          <p:cNvPr id="4" name="Title 3"/>
+          <p:cNvSpPr>
+            <a:spLocks noGrp="1"/>
+          </p:cNvSpPr>
+          <p:nvPr>
+            <p:ph type="title"/>
+          </p:nvPr>
+        </p:nvSpPr>
+        <p:spPr/>
+        <p:txBody>
+          <a:bodyPr/>
+          <a:lstStyle/>
+          <a:p>
+            <a:r>
+              <a:rPr lang="en-US"/>
+              <a:t>Model - Sequelize</a:t>
+            </a:r>
+          </a:p>
+        </p:txBody>
+      </p:sp>
+    </p:spTree>
+    <p:extLst>
+      <p:ext uri="{BB962C8B-B14F-4D97-AF65-F5344CB8AC3E}">
+        <p14:creationId xmlns:p14="http://schemas.microsoft.com/office/powerpoint/2010/main" val="1455138879"/>
+      </p:ext>
+    </p:extLst>
+  </p:cSld>
+  <p:clrMapOvr>
+    <a:masterClrMapping/>
+  </p:clrMapOvr>
+</p:sld>
+</file>
+
+<file path=ppt/slides/slide29.xml><?xml version="1.0" encoding="utf-8"?>
+<p:sld xmlns:a="http://schemas.openxmlformats.org/drawingml/2006/main" xmlns:r="http://schemas.openxmlformats.org/officeDocument/2006/relationships" xmlns:p="http://schemas.openxmlformats.org/presentationml/2006/main">
+  <p:cSld>
+    <p:spTree>
+      <p:nvGrpSpPr>
+        <p:cNvPr id="1" name=""/>
+        <p:cNvGrpSpPr/>
+        <p:nvPr/>
+      </p:nvGrpSpPr>
+      <p:grpSpPr>
+        <a:xfrm>
+          <a:off x="0" y="0"/>
+          <a:ext cx="0" cy="0"/>
+          <a:chOff x="0" y="0"/>
+          <a:chExt cx="0" cy="0"/>
+        </a:xfrm>
+      </p:grpSpPr>
+      <p:sp>
+        <p:nvSpPr>
+          <p:cNvPr id="2" name="Title 1"/>
+          <p:cNvSpPr>
+            <a:spLocks noGrp="1"/>
+          </p:cNvSpPr>
+          <p:nvPr>
+            <p:ph type="title"/>
+          </p:nvPr>
+        </p:nvSpPr>
+        <p:spPr/>
+        <p:txBody>
+          <a:bodyPr>
+            <a:normAutofit fontScale="90000"/>
+          </a:bodyPr>
+          <a:lstStyle/>
+          <a:p>
+            <a:r>
+              <a:rPr lang="en-US" dirty="0" smtClean="0"/>
+              <a:t>Associate model</a:t>
+            </a:r>
+            <a:endParaRPr lang="en-US" dirty="0"/>
+          </a:p>
+        </p:txBody>
+      </p:sp>
+      <p:sp>
+        <p:nvSpPr>
+          <p:cNvPr id="3" name="Content Placeholder 2"/>
+          <p:cNvSpPr>
+            <a:spLocks noGrp="1"/>
+          </p:cNvSpPr>
+          <p:nvPr>
+            <p:ph idx="1"/>
+          </p:nvPr>
+        </p:nvSpPr>
+        <p:spPr/>
+        <p:txBody>
+          <a:bodyPr>
+            <a:noAutofit/>
+          </a:bodyPr>
+          <a:lstStyle/>
+          <a:p>
+            <a:pPr marL="0" indent="0">
+              <a:buNone/>
+            </a:pPr>
+            <a:r>
+              <a:rPr lang="en-US" sz="2000" dirty="0" err="1">
+                <a:latin typeface="Andale Mono"/>
+                <a:cs typeface="Andale Mono"/>
+              </a:rPr>
+              <a:t>classMethods</a:t>
+            </a:r>
+            <a:r>
+              <a:rPr lang="en-US" sz="2000" dirty="0">
+                <a:latin typeface="Andale Mono"/>
+                <a:cs typeface="Andale Mono"/>
+              </a:rPr>
+              <a:t>: {</a:t>
+            </a:r>
+            <a:br>
+              <a:rPr lang="en-US" sz="2000" dirty="0">
+                <a:latin typeface="Andale Mono"/>
+                <a:cs typeface="Andale Mono"/>
+              </a:rPr>
+            </a:br>
+            <a:r>
+              <a:rPr lang="en-US" sz="2000" dirty="0">
+                <a:latin typeface="Andale Mono"/>
+                <a:cs typeface="Andale Mono"/>
+              </a:rPr>
+              <a:t>    associate: </a:t>
+            </a:r>
+            <a:r>
+              <a:rPr lang="en-US" sz="2000" b="1" dirty="0">
+                <a:latin typeface="Andale Mono"/>
+                <a:cs typeface="Andale Mono"/>
+              </a:rPr>
+              <a:t>function </a:t>
+            </a:r>
+            <a:r>
+              <a:rPr lang="en-US" sz="2000" dirty="0">
+                <a:latin typeface="Andale Mono"/>
+                <a:cs typeface="Andale Mono"/>
+              </a:rPr>
+              <a:t>() {</a:t>
+            </a:r>
+            <a:br>
+              <a:rPr lang="en-US" sz="2000" dirty="0">
+                <a:latin typeface="Andale Mono"/>
+                <a:cs typeface="Andale Mono"/>
+              </a:rPr>
+            </a:br>
+            <a:r>
+              <a:rPr lang="en-US" sz="2000" dirty="0">
+                <a:latin typeface="Andale Mono"/>
+                <a:cs typeface="Andale Mono"/>
+              </a:rPr>
+              <a:t>        </a:t>
+            </a:r>
+            <a:r>
+              <a:rPr lang="en-US" sz="2000" b="1" dirty="0">
+                <a:latin typeface="Andale Mono"/>
+                <a:cs typeface="Andale Mono"/>
+              </a:rPr>
+              <a:t>return </a:t>
+            </a:r>
+            <a:r>
+              <a:rPr lang="en-US" sz="2000" dirty="0">
+                <a:latin typeface="Andale Mono"/>
+                <a:cs typeface="Andale Mono"/>
+              </a:rPr>
+              <a:t>{</a:t>
+            </a:r>
+            <a:br>
+              <a:rPr lang="en-US" sz="2000" dirty="0">
+                <a:latin typeface="Andale Mono"/>
+                <a:cs typeface="Andale Mono"/>
+              </a:rPr>
+            </a:br>
+            <a:r>
+              <a:rPr lang="en-US" sz="2000" dirty="0">
+                <a:latin typeface="Andale Mono"/>
+                <a:cs typeface="Andale Mono"/>
+              </a:rPr>
+              <a:t>            </a:t>
+            </a:r>
+            <a:r>
+              <a:rPr lang="en-US" sz="2000" dirty="0">
+                <a:solidFill>
+                  <a:srgbClr val="FF6600"/>
+                </a:solidFill>
+                <a:latin typeface="Andale Mono"/>
+                <a:cs typeface="Andale Mono"/>
+              </a:rPr>
+              <a:t>"user" </a:t>
+            </a:r>
+            <a:r>
+              <a:rPr lang="en-US" sz="2000" dirty="0">
+                <a:latin typeface="Andale Mono"/>
+                <a:cs typeface="Andale Mono"/>
+              </a:rPr>
+              <a:t>: {</a:t>
+            </a:r>
+            <a:br>
+              <a:rPr lang="en-US" sz="2000" dirty="0">
+                <a:latin typeface="Andale Mono"/>
+                <a:cs typeface="Andale Mono"/>
+              </a:rPr>
+            </a:br>
+            <a:r>
+              <a:rPr lang="en-US" sz="2000" dirty="0">
+                <a:latin typeface="Andale Mono"/>
+                <a:cs typeface="Andale Mono"/>
+              </a:rPr>
+              <a:t>                type : </a:t>
+            </a:r>
+            <a:r>
+              <a:rPr lang="en-US" sz="2000" dirty="0">
+                <a:solidFill>
+                  <a:srgbClr val="FF6600"/>
+                </a:solidFill>
+                <a:latin typeface="Andale Mono"/>
+                <a:cs typeface="Andale Mono"/>
+              </a:rPr>
+              <a:t>"</a:t>
+            </a:r>
+            <a:r>
+              <a:rPr lang="en-US" sz="2000" dirty="0" err="1">
+                <a:solidFill>
+                  <a:srgbClr val="FF6600"/>
+                </a:solidFill>
+                <a:latin typeface="Andale Mono"/>
+                <a:cs typeface="Andale Mono"/>
+              </a:rPr>
+              <a:t>belongsTo</a:t>
+            </a:r>
+            <a:r>
+              <a:rPr lang="en-US" sz="2000" dirty="0">
+                <a:solidFill>
+                  <a:srgbClr val="FF6600"/>
+                </a:solidFill>
+                <a:latin typeface="Andale Mono"/>
+                <a:cs typeface="Andale Mono"/>
+              </a:rPr>
+              <a:t>"</a:t>
+            </a:r>
+            <a:r>
+              <a:rPr lang="en-US" sz="2000" dirty="0">
+                <a:latin typeface="Andale Mono"/>
+                <a:cs typeface="Andale Mono"/>
+              </a:rPr>
+              <a:t>,</a:t>
+            </a:r>
+            <a:br>
+              <a:rPr lang="en-US" sz="2000" dirty="0">
+                <a:latin typeface="Andale Mono"/>
+                <a:cs typeface="Andale Mono"/>
+              </a:rPr>
+            </a:br>
+            <a:r>
+              <a:rPr lang="en-US" sz="2000" dirty="0">
+                <a:latin typeface="Andale Mono"/>
+                <a:cs typeface="Andale Mono"/>
+              </a:rPr>
+              <a:t>                option : {</a:t>
+            </a:r>
+            <a:br>
+              <a:rPr lang="en-US" sz="2000" dirty="0">
+                <a:latin typeface="Andale Mono"/>
+                <a:cs typeface="Andale Mono"/>
+              </a:rPr>
+            </a:br>
+            <a:r>
+              <a:rPr lang="en-US" sz="2000" dirty="0">
+                <a:latin typeface="Andale Mono"/>
+                <a:cs typeface="Andale Mono"/>
+              </a:rPr>
+              <a:t>                    </a:t>
+            </a:r>
+            <a:r>
+              <a:rPr lang="en-US" sz="2000" dirty="0" err="1">
+                <a:latin typeface="Andale Mono"/>
+                <a:cs typeface="Andale Mono"/>
+              </a:rPr>
+              <a:t>foreignKey</a:t>
+            </a:r>
+            <a:r>
+              <a:rPr lang="en-US" sz="2000" dirty="0">
+                <a:latin typeface="Andale Mono"/>
+                <a:cs typeface="Andale Mono"/>
+              </a:rPr>
+              <a:t>: '</a:t>
+            </a:r>
+            <a:r>
+              <a:rPr lang="en-US" sz="2000" dirty="0" err="1">
+                <a:latin typeface="Andale Mono"/>
+                <a:cs typeface="Andale Mono"/>
+              </a:rPr>
+              <a:t>created_by</a:t>
+            </a:r>
+            <a:r>
+              <a:rPr lang="en-US" sz="2000" dirty="0">
+                <a:latin typeface="Andale Mono"/>
+                <a:cs typeface="Andale Mono"/>
+              </a:rPr>
+              <a:t>'</a:t>
+            </a:r>
+            <a:br>
+              <a:rPr lang="en-US" sz="2000" dirty="0">
+                <a:latin typeface="Andale Mono"/>
+                <a:cs typeface="Andale Mono"/>
+              </a:rPr>
+            </a:br>
+            <a:r>
+              <a:rPr lang="en-US" sz="2000" dirty="0">
+                <a:latin typeface="Andale Mono"/>
+                <a:cs typeface="Andale Mono"/>
+              </a:rPr>
+              <a:t>                }</a:t>
+            </a:r>
+            <a:br>
+              <a:rPr lang="en-US" sz="2000" dirty="0">
+                <a:latin typeface="Andale Mono"/>
+                <a:cs typeface="Andale Mono"/>
+              </a:rPr>
+            </a:br>
+            <a:r>
+              <a:rPr lang="en-US" sz="2000" dirty="0">
+                <a:latin typeface="Andale Mono"/>
+                <a:cs typeface="Andale Mono"/>
+              </a:rPr>
+              <a:t>            }</a:t>
+            </a:r>
+            <a:br>
+              <a:rPr lang="en-US" sz="2000" dirty="0">
+                <a:latin typeface="Andale Mono"/>
+                <a:cs typeface="Andale Mono"/>
+              </a:rPr>
+            </a:br>
+            <a:r>
+              <a:rPr lang="en-US" sz="2000" dirty="0">
+                <a:latin typeface="Andale Mono"/>
+                <a:cs typeface="Andale Mono"/>
+              </a:rPr>
+              <a:t>        }</a:t>
+            </a:r>
+            <a:br>
+              <a:rPr lang="en-US" sz="2000" dirty="0">
+                <a:latin typeface="Andale Mono"/>
+                <a:cs typeface="Andale Mono"/>
+              </a:rPr>
+            </a:br>
+            <a:r>
+              <a:rPr lang="en-US" sz="2000" dirty="0">
+                <a:latin typeface="Andale Mono"/>
+                <a:cs typeface="Andale Mono"/>
+              </a:rPr>
+              <a:t>    }</a:t>
+            </a:r>
+            <a:br>
+              <a:rPr lang="en-US" sz="2000" dirty="0">
+                <a:latin typeface="Andale Mono"/>
+                <a:cs typeface="Andale Mono"/>
+              </a:rPr>
+            </a:br>
+            <a:r>
+              <a:rPr lang="en-US" sz="2000" dirty="0">
+                <a:latin typeface="Andale Mono"/>
+                <a:cs typeface="Andale Mono"/>
+              </a:rPr>
+              <a:t>}</a:t>
+            </a:r>
+          </a:p>
+        </p:txBody>
+      </p:sp>
+    </p:spTree>
+    <p:extLst>
+      <p:ext uri="{BB962C8B-B14F-4D97-AF65-F5344CB8AC3E}">
+        <p14:creationId xmlns:p14="http://schemas.microsoft.com/office/powerpoint/2010/main" val="4276462528"/>
       </p:ext>
     </p:extLst>
   </p:cSld>

--- a/ArrowjsBasic.pptx
+++ b/ArrowjsBasic.pptx
@@ -5,7 +5,7 @@
     <p:sldMasterId id="2147483648" r:id="rId1"/>
   </p:sldMasterIdLst>
   <p:notesMasterIdLst>
-    <p:notesMasterId r:id="rId31"/>
+    <p:notesMasterId r:id="rId30"/>
   </p:notesMasterIdLst>
   <p:sldIdLst>
     <p:sldId id="306" r:id="rId2"/>
@@ -31,12 +31,11 @@
     <p:sldId id="317" r:id="rId22"/>
     <p:sldId id="318" r:id="rId23"/>
     <p:sldId id="319" r:id="rId24"/>
-    <p:sldId id="320" r:id="rId25"/>
-    <p:sldId id="330" r:id="rId26"/>
-    <p:sldId id="325" r:id="rId27"/>
-    <p:sldId id="326" r:id="rId28"/>
-    <p:sldId id="327" r:id="rId29"/>
-    <p:sldId id="329" r:id="rId30"/>
+    <p:sldId id="330" r:id="rId25"/>
+    <p:sldId id="325" r:id="rId26"/>
+    <p:sldId id="326" r:id="rId27"/>
+    <p:sldId id="327" r:id="rId28"/>
+    <p:sldId id="329" r:id="rId29"/>
   </p:sldIdLst>
   <p:sldSz cx="9144000" cy="5143500" type="screen16x9"/>
   <p:notesSz cx="6858000" cy="9144000"/>
@@ -557,7 +556,7 @@
           <a:p>
             <a:fld id="{6ED27907-7A40-454E-B822-A1454CCC2AE1}" type="slidenum">
               <a:rPr lang="en-US" smtClean="0"/>
-              <a:t>29</a:t>
+              <a:t>28</a:t>
             </a:fld>
             <a:endParaRPr lang="en-US"/>
           </a:p>
@@ -9946,93 +9945,20 @@
         </p:nvSpPr>
         <p:spPr/>
         <p:txBody>
-          <a:bodyPr>
-            <a:noAutofit/>
-          </a:bodyPr>
-          <a:lstStyle/>
-          <a:p>
-            <a:r>
-              <a:rPr lang="en-US" sz="2800" dirty="0" err="1"/>
-              <a:t>Dùng</a:t>
-            </a:r>
-            <a:r>
-              <a:rPr lang="en-US" sz="2800" dirty="0"/>
-              <a:t> Yeoman </a:t>
-            </a:r>
-            <a:r>
-              <a:rPr lang="en-US" sz="2800" dirty="0" err="1"/>
-              <a:t>để</a:t>
-            </a:r>
-            <a:r>
-              <a:rPr lang="en-US" sz="2800" dirty="0"/>
-              <a:t> </a:t>
-            </a:r>
-            <a:r>
-              <a:rPr lang="en-US" sz="2800" dirty="0" err="1"/>
-              <a:t>tạo</a:t>
-            </a:r>
-            <a:r>
-              <a:rPr lang="en-US" sz="2800" dirty="0"/>
-              <a:t> </a:t>
-            </a:r>
-            <a:r>
-              <a:rPr lang="en-US" sz="2800" dirty="0" err="1"/>
-              <a:t>mẫu</a:t>
-            </a:r>
-            <a:r>
-              <a:rPr lang="en-US" sz="2800" dirty="0"/>
-              <a:t> </a:t>
-            </a:r>
-            <a:r>
-              <a:rPr lang="en-US" sz="2800" dirty="0" err="1"/>
-              <a:t>Arrowjs</a:t>
-            </a:r>
-            <a:r>
-              <a:rPr lang="en-US" sz="2800" dirty="0"/>
-              <a:t> CMS </a:t>
-            </a:r>
-            <a:r>
-              <a:rPr lang="en-US" sz="2800" dirty="0" err="1"/>
-              <a:t>được</a:t>
-            </a:r>
-            <a:r>
-              <a:rPr lang="en-US" sz="2800" dirty="0"/>
-              <a:t> </a:t>
-            </a:r>
-            <a:r>
-              <a:rPr lang="en-US" sz="2800" dirty="0" err="1"/>
-              <a:t>không</a:t>
-            </a:r>
-            <a:r>
-              <a:rPr lang="en-US" sz="2800" dirty="0"/>
-              <a:t>?</a:t>
-            </a:r>
-          </a:p>
-        </p:txBody>
-      </p:sp>
-      <p:sp>
-        <p:nvSpPr>
-          <p:cNvPr id="4" name="Content Placeholder 3"/>
-          <p:cNvSpPr>
-            <a:spLocks noGrp="1"/>
-          </p:cNvSpPr>
-          <p:nvPr>
-            <p:ph idx="1"/>
-          </p:nvPr>
-        </p:nvSpPr>
-        <p:spPr/>
-        <p:txBody>
           <a:bodyPr/>
           <a:lstStyle/>
           <a:p>
-            <a:endParaRPr lang="en-US"/>
+            <a:r>
+              <a:rPr lang="en-US"/>
+              <a:t>Router – configure route, handler</a:t>
+            </a:r>
           </a:p>
         </p:txBody>
       </p:sp>
     </p:spTree>
     <p:extLst>
       <p:ext uri="{BB962C8B-B14F-4D97-AF65-F5344CB8AC3E}">
-        <p14:creationId xmlns:p14="http://schemas.microsoft.com/office/powerpoint/2010/main" val="3163396212"/>
+        <p14:creationId xmlns:p14="http://schemas.microsoft.com/office/powerpoint/2010/main" val="1818177148"/>
       </p:ext>
     </p:extLst>
   </p:cSld>
@@ -10071,26 +9997,817 @@
         </p:nvSpPr>
         <p:spPr/>
         <p:txBody>
-          <a:bodyPr/>
-          <a:lstStyle/>
-          <a:p>
-            <a:r>
-              <a:rPr lang="en-US"/>
-              <a:t>Router – configure route, handler</a:t>
-            </a:r>
+          <a:bodyPr>
+            <a:normAutofit fontScale="90000"/>
+          </a:bodyPr>
+          <a:lstStyle/>
+          <a:p>
+            <a:r>
+              <a:rPr lang="en-US" dirty="0" err="1" smtClean="0"/>
+              <a:t>Router for each module</a:t>
+            </a:r>
+            <a:endParaRPr lang="en-US" dirty="0"/>
+          </a:p>
+        </p:txBody>
+      </p:sp>
+      <p:sp>
+        <p:nvSpPr>
+          <p:cNvPr id="3" name="Content Placeholder 2"/>
+          <p:cNvSpPr>
+            <a:spLocks noGrp="1"/>
+          </p:cNvSpPr>
+          <p:nvPr>
+            <p:ph idx="1"/>
+          </p:nvPr>
+        </p:nvSpPr>
+        <p:spPr/>
+        <p:txBody>
+          <a:bodyPr>
+            <a:noAutofit/>
+          </a:bodyPr>
+          <a:lstStyle/>
+          <a:p>
+            <a:pPr marL="0" indent="0">
+              <a:buNone/>
+            </a:pPr>
+            <a:r>
+              <a:rPr lang="en-US" sz="1400" dirty="0">
+                <a:solidFill>
+                  <a:schemeClr val="accent3"/>
+                </a:solidFill>
+                <a:latin typeface="Andale Mono"/>
+                <a:cs typeface="Andale Mono"/>
+              </a:rPr>
+              <a:t>"/" </a:t>
+            </a:r>
+            <a:r>
+              <a:rPr lang="en-US" sz="1400" dirty="0">
+                <a:latin typeface="Andale Mono"/>
+                <a:cs typeface="Andale Mono"/>
+              </a:rPr>
+              <a:t>: </a:t>
+            </a:r>
+            <a:r>
+              <a:rPr lang="en-US" sz="1400" dirty="0" smtClean="0">
+                <a:latin typeface="Andale Mono"/>
+                <a:cs typeface="Andale Mono"/>
+              </a:rPr>
+              <a:t>{ </a:t>
+            </a:r>
+            <a:r>
+              <a:rPr lang="en-US" sz="1400" dirty="0" smtClean="0">
+                <a:solidFill>
+                  <a:schemeClr val="bg1">
+                    <a:lumMod val="75000"/>
+                  </a:schemeClr>
+                </a:solidFill>
+                <a:latin typeface="Andale Mono"/>
+                <a:cs typeface="Andale Mono"/>
+              </a:rPr>
+              <a:t>/</a:t>
+            </a:r>
+            <a:r>
+              <a:rPr lang="en-US" sz="1400" dirty="0">
+                <a:solidFill>
+                  <a:schemeClr val="bg1">
+                    <a:lumMod val="75000"/>
+                  </a:schemeClr>
+                </a:solidFill>
+                <a:latin typeface="Andale Mono"/>
+                <a:cs typeface="Andale Mono"/>
+              </a:rPr>
+              <a:t>/Route path</a:t>
+            </a:r>
+            <a:br>
+              <a:rPr lang="en-US" sz="1400" dirty="0">
+                <a:solidFill>
+                  <a:schemeClr val="bg1">
+                    <a:lumMod val="75000"/>
+                  </a:schemeClr>
+                </a:solidFill>
+                <a:latin typeface="Andale Mono"/>
+                <a:cs typeface="Andale Mono"/>
+              </a:rPr>
+            </a:br>
+            <a:r>
+              <a:rPr lang="en-US" sz="1400" dirty="0">
+                <a:latin typeface="Andale Mono"/>
+                <a:cs typeface="Andale Mono"/>
+              </a:rPr>
+              <a:t>    </a:t>
+            </a:r>
+            <a:r>
+              <a:rPr lang="en-US" sz="1400" b="1" dirty="0">
+                <a:solidFill>
+                  <a:srgbClr val="9BBB59"/>
+                </a:solidFill>
+                <a:latin typeface="Andale Mono"/>
+                <a:cs typeface="Andale Mono"/>
+              </a:rPr>
+              <a:t>get</a:t>
+            </a:r>
+            <a:r>
+              <a:rPr lang="en-US" sz="1400" b="1" dirty="0">
+                <a:latin typeface="Andale Mono"/>
+                <a:cs typeface="Andale Mono"/>
+              </a:rPr>
+              <a:t> </a:t>
+            </a:r>
+            <a:r>
+              <a:rPr lang="en-US" sz="1400" dirty="0">
+                <a:latin typeface="Andale Mono"/>
+                <a:cs typeface="Andale Mono"/>
+              </a:rPr>
+              <a:t>: { </a:t>
+            </a:r>
+            <a:r>
+              <a:rPr lang="en-US" sz="1400" dirty="0">
+                <a:solidFill>
+                  <a:srgbClr val="BFBFBF"/>
+                </a:solidFill>
+                <a:latin typeface="Andale Mono"/>
+                <a:cs typeface="Andale Mono"/>
+              </a:rPr>
+              <a:t>//Http methods , </a:t>
+            </a:r>
+            <a:r>
+              <a:rPr lang="en-US" sz="1400" dirty="0" err="1">
+                <a:solidFill>
+                  <a:srgbClr val="BFBFBF"/>
+                </a:solidFill>
+                <a:latin typeface="Andale Mono"/>
+                <a:cs typeface="Andale Mono"/>
+              </a:rPr>
+              <a:t>params</a:t>
+            </a:r>
+            <a:r>
+              <a:rPr lang="en-US" sz="1400" dirty="0">
+                <a:solidFill>
+                  <a:srgbClr val="BFBFBF"/>
+                </a:solidFill>
+                <a:latin typeface="Andale Mono"/>
+                <a:cs typeface="Andale Mono"/>
+              </a:rPr>
+              <a:t/>
+            </a:r>
+            <a:br>
+              <a:rPr lang="en-US" sz="1400" dirty="0">
+                <a:solidFill>
+                  <a:srgbClr val="BFBFBF"/>
+                </a:solidFill>
+                <a:latin typeface="Andale Mono"/>
+                <a:cs typeface="Andale Mono"/>
+              </a:rPr>
+            </a:br>
+            <a:r>
+              <a:rPr lang="en-US" sz="1400" dirty="0">
+                <a:latin typeface="Andale Mono"/>
+                <a:cs typeface="Andale Mono"/>
+              </a:rPr>
+              <a:t>        </a:t>
+            </a:r>
+            <a:r>
+              <a:rPr lang="en-US" sz="1400" dirty="0">
+                <a:solidFill>
+                  <a:srgbClr val="9BBB59"/>
+                </a:solidFill>
+                <a:latin typeface="Andale Mono"/>
+                <a:cs typeface="Andale Mono"/>
+              </a:rPr>
+              <a:t>handler</a:t>
+            </a:r>
+            <a:r>
+              <a:rPr lang="en-US" sz="1400" dirty="0">
+                <a:latin typeface="Andale Mono"/>
+                <a:cs typeface="Andale Mono"/>
+              </a:rPr>
+              <a:t> : </a:t>
+            </a:r>
+            <a:r>
+              <a:rPr lang="en-US" sz="1400" dirty="0" err="1" smtClean="0">
+                <a:solidFill>
+                  <a:srgbClr val="FFFF00"/>
+                </a:solidFill>
+                <a:latin typeface="Andale Mono"/>
+                <a:cs typeface="Andale Mono"/>
+              </a:rPr>
+              <a:t>component.controllers.</a:t>
+            </a:r>
+            <a:r>
+              <a:rPr lang="en-US" sz="1400" i="1" dirty="0" err="1" smtClean="0">
+                <a:solidFill>
+                  <a:srgbClr val="FFFF00"/>
+                </a:solidFill>
+                <a:latin typeface="Andale Mono"/>
+                <a:cs typeface="Andale Mono"/>
+              </a:rPr>
+              <a:t>get</a:t>
+            </a:r>
+            <a:r>
+              <a:rPr lang="en-US" sz="1400" dirty="0" smtClean="0">
+                <a:latin typeface="Andale Mono"/>
+                <a:cs typeface="Andale Mono"/>
+              </a:rPr>
+              <a:t>,  </a:t>
+            </a:r>
+          </a:p>
+          <a:p>
+            <a:pPr marL="0" indent="0">
+              <a:buNone/>
+            </a:pPr>
+            <a:r>
+              <a:rPr lang="en-US" sz="1400" dirty="0" smtClean="0">
+                <a:solidFill>
+                  <a:srgbClr val="BFBFBF"/>
+                </a:solidFill>
+                <a:latin typeface="Andale Mono"/>
+                <a:cs typeface="Andale Mono"/>
+              </a:rPr>
+              <a:t>	//function , array[function] </a:t>
+            </a:r>
+            <a:br>
+              <a:rPr lang="en-US" sz="1400" dirty="0" smtClean="0">
+                <a:solidFill>
+                  <a:srgbClr val="BFBFBF"/>
+                </a:solidFill>
+                <a:latin typeface="Andale Mono"/>
+                <a:cs typeface="Andale Mono"/>
+              </a:rPr>
+            </a:br>
+            <a:r>
+              <a:rPr lang="en-US" sz="1400" dirty="0" smtClean="0">
+                <a:latin typeface="Andale Mono"/>
+                <a:cs typeface="Andale Mono"/>
+              </a:rPr>
+              <a:t>        </a:t>
+            </a:r>
+            <a:r>
+              <a:rPr lang="en-US" sz="1400" dirty="0" smtClean="0">
+                <a:solidFill>
+                  <a:srgbClr val="9BBB59"/>
+                </a:solidFill>
+                <a:latin typeface="Andale Mono"/>
+                <a:cs typeface="Andale Mono"/>
+              </a:rPr>
+              <a:t>name</a:t>
+            </a:r>
+            <a:r>
+              <a:rPr lang="en-US" sz="1400" dirty="0" smtClean="0">
+                <a:latin typeface="Andale Mono"/>
+                <a:cs typeface="Andale Mono"/>
+              </a:rPr>
+              <a:t> : </a:t>
+            </a:r>
+            <a:r>
+              <a:rPr lang="en-US" sz="1400" dirty="0" smtClean="0">
+                <a:solidFill>
+                  <a:srgbClr val="FFFF00"/>
+                </a:solidFill>
+                <a:latin typeface="Andale Mono"/>
+                <a:cs typeface="Andale Mono"/>
+              </a:rPr>
+              <a:t>"login-route"</a:t>
+            </a:r>
+            <a:r>
+              <a:rPr lang="en-US" sz="1400" dirty="0" smtClean="0">
+                <a:solidFill>
+                  <a:srgbClr val="BFBFBF"/>
+                </a:solidFill>
+                <a:latin typeface="Andale Mono"/>
+                <a:cs typeface="Andale Mono"/>
+              </a:rPr>
+              <a:t>, //unique string, name route.</a:t>
+            </a:r>
+            <a:br>
+              <a:rPr lang="en-US" sz="1400" dirty="0" smtClean="0">
+                <a:solidFill>
+                  <a:srgbClr val="BFBFBF"/>
+                </a:solidFill>
+                <a:latin typeface="Andale Mono"/>
+                <a:cs typeface="Andale Mono"/>
+              </a:rPr>
+            </a:br>
+            <a:r>
+              <a:rPr lang="en-US" sz="1400" dirty="0" smtClean="0">
+                <a:latin typeface="Andale Mono"/>
+                <a:cs typeface="Andale Mono"/>
+              </a:rPr>
+              <a:t>      </a:t>
+            </a:r>
+            <a:r>
+              <a:rPr lang="en-US" sz="1400" dirty="0" smtClean="0">
+                <a:solidFill>
+                  <a:srgbClr val="9BBB59"/>
+                </a:solidFill>
+                <a:latin typeface="Andale Mono"/>
+                <a:cs typeface="Andale Mono"/>
+              </a:rPr>
+              <a:t>  authenticate </a:t>
+            </a:r>
+            <a:r>
+              <a:rPr lang="en-US" sz="1400" dirty="0" smtClean="0">
+                <a:latin typeface="Andale Mono"/>
+                <a:cs typeface="Andale Mono"/>
+              </a:rPr>
+              <a:t>:</a:t>
+            </a:r>
+            <a:r>
+              <a:rPr lang="en-US" sz="1400" dirty="0" smtClean="0">
+                <a:solidFill>
+                  <a:srgbClr val="FFFF00"/>
+                </a:solidFill>
+                <a:latin typeface="Andale Mono"/>
+                <a:cs typeface="Andale Mono"/>
+              </a:rPr>
+              <a:t> </a:t>
+            </a:r>
+            <a:r>
+              <a:rPr lang="en-US" sz="1400" b="1" dirty="0" smtClean="0">
+                <a:solidFill>
+                  <a:srgbClr val="FFFF00"/>
+                </a:solidFill>
+                <a:latin typeface="Andale Mono"/>
+                <a:cs typeface="Andale Mono"/>
+              </a:rPr>
+              <a:t>true</a:t>
+            </a:r>
+            <a:r>
+              <a:rPr lang="en-US" sz="1400" dirty="0" smtClean="0">
+                <a:latin typeface="Andale Mono"/>
+                <a:cs typeface="Andale Mono"/>
+              </a:rPr>
+              <a:t>,</a:t>
+            </a:r>
+            <a:r>
+              <a:rPr lang="en-US" sz="1400" dirty="0" smtClean="0">
+                <a:solidFill>
+                  <a:srgbClr val="BFBFBF"/>
+                </a:solidFill>
+                <a:latin typeface="Andale Mono"/>
+                <a:cs typeface="Andale Mono"/>
+              </a:rPr>
+              <a:t> //</a:t>
+            </a:r>
+            <a:r>
+              <a:rPr lang="en-US" sz="1400" dirty="0" err="1" smtClean="0">
+                <a:solidFill>
+                  <a:srgbClr val="BFBFBF"/>
+                </a:solidFill>
+                <a:latin typeface="Andale Mono"/>
+                <a:cs typeface="Andale Mono"/>
+              </a:rPr>
+              <a:t>boolean</a:t>
+            </a:r>
+            <a:r>
+              <a:rPr lang="en-US" sz="1400" dirty="0" smtClean="0">
+                <a:solidFill>
+                  <a:srgbClr val="BFBFBF"/>
+                </a:solidFill>
+                <a:latin typeface="Andale Mono"/>
+                <a:cs typeface="Andale Mono"/>
+              </a:rPr>
+              <a:t>, true false.</a:t>
+            </a:r>
+            <a:br>
+              <a:rPr lang="en-US" sz="1400" dirty="0" smtClean="0">
+                <a:solidFill>
+                  <a:srgbClr val="BFBFBF"/>
+                </a:solidFill>
+                <a:latin typeface="Andale Mono"/>
+                <a:cs typeface="Andale Mono"/>
+              </a:rPr>
+            </a:br>
+            <a:r>
+              <a:rPr lang="en-US" sz="1400" dirty="0" smtClean="0">
+                <a:latin typeface="Andale Mono"/>
+                <a:cs typeface="Andale Mono"/>
+              </a:rPr>
+              <a:t>       </a:t>
+            </a:r>
+            <a:r>
+              <a:rPr lang="en-US" sz="1400" dirty="0" smtClean="0">
+                <a:solidFill>
+                  <a:srgbClr val="9BBB59"/>
+                </a:solidFill>
+                <a:latin typeface="Andale Mono"/>
+                <a:cs typeface="Andale Mono"/>
+              </a:rPr>
+              <a:t> role </a:t>
+            </a:r>
+            <a:r>
+              <a:rPr lang="en-US" sz="1400" dirty="0" smtClean="0">
+                <a:latin typeface="Andale Mono"/>
+                <a:cs typeface="Andale Mono"/>
+              </a:rPr>
+              <a:t>:  </a:t>
+            </a:r>
+            <a:r>
+              <a:rPr lang="en-US" sz="1400" dirty="0" smtClean="0">
+                <a:solidFill>
+                  <a:srgbClr val="FFFF00"/>
+                </a:solidFill>
+                <a:latin typeface="Andale Mono"/>
+                <a:cs typeface="Andale Mono"/>
+              </a:rPr>
+              <a:t>"render-view"</a:t>
+            </a:r>
+            <a:r>
+              <a:rPr lang="en-US" sz="1400" dirty="0" smtClean="0">
+                <a:latin typeface="Andale Mono"/>
+                <a:cs typeface="Andale Mono"/>
+              </a:rPr>
+              <a:t>, </a:t>
+            </a:r>
+            <a:r>
+              <a:rPr lang="en-US" sz="1400" dirty="0" smtClean="0">
+                <a:solidFill>
+                  <a:srgbClr val="BFBFBF"/>
+                </a:solidFill>
+                <a:latin typeface="Andale Mono"/>
+                <a:cs typeface="Andale Mono"/>
+              </a:rPr>
+              <a:t>//string, array string multi role.</a:t>
+            </a:r>
+            <a:br>
+              <a:rPr lang="en-US" sz="1400" dirty="0" smtClean="0">
+                <a:solidFill>
+                  <a:srgbClr val="BFBFBF"/>
+                </a:solidFill>
+                <a:latin typeface="Andale Mono"/>
+                <a:cs typeface="Andale Mono"/>
+              </a:rPr>
+            </a:br>
+            <a:r>
+              <a:rPr lang="en-US" sz="1400" dirty="0" smtClean="0">
+                <a:latin typeface="Andale Mono"/>
+                <a:cs typeface="Andale Mono"/>
+              </a:rPr>
+              <a:t>        </a:t>
+            </a:r>
+            <a:r>
+              <a:rPr lang="en-US" sz="1400" dirty="0" smtClean="0">
+                <a:solidFill>
+                  <a:srgbClr val="9BBB59"/>
+                </a:solidFill>
+                <a:latin typeface="Andale Mono"/>
+                <a:cs typeface="Andale Mono"/>
+              </a:rPr>
+              <a:t>validate</a:t>
+            </a:r>
+            <a:r>
+              <a:rPr lang="en-US" sz="1400" dirty="0" smtClean="0">
+                <a:latin typeface="Andale Mono"/>
+                <a:cs typeface="Andale Mono"/>
+              </a:rPr>
+              <a:t> : {  </a:t>
+            </a:r>
+            <a:r>
+              <a:rPr lang="en-US" sz="1400" dirty="0" smtClean="0">
+                <a:solidFill>
+                  <a:srgbClr val="BFBFBF"/>
+                </a:solidFill>
+                <a:latin typeface="Andale Mono"/>
+                <a:cs typeface="Andale Mono"/>
+              </a:rPr>
+              <a:t>//validate input.</a:t>
+            </a:r>
+            <a:br>
+              <a:rPr lang="en-US" sz="1400" dirty="0" smtClean="0">
+                <a:solidFill>
+                  <a:srgbClr val="BFBFBF"/>
+                </a:solidFill>
+                <a:latin typeface="Andale Mono"/>
+                <a:cs typeface="Andale Mono"/>
+              </a:rPr>
+            </a:br>
+            <a:r>
+              <a:rPr lang="en-US" sz="1400" dirty="0" smtClean="0">
+                <a:latin typeface="Andale Mono"/>
+                <a:cs typeface="Andale Mono"/>
+              </a:rPr>
+              <a:t>           </a:t>
+            </a:r>
+            <a:r>
+              <a:rPr lang="en-US" sz="1400" dirty="0" smtClean="0">
+                <a:solidFill>
+                  <a:srgbClr val="9BBB59"/>
+                </a:solidFill>
+                <a:latin typeface="Andale Mono"/>
+                <a:cs typeface="Andale Mono"/>
+              </a:rPr>
+              <a:t> body </a:t>
+            </a:r>
+            <a:r>
+              <a:rPr lang="en-US" sz="1400" dirty="0" smtClean="0">
+                <a:latin typeface="Andale Mono"/>
+                <a:cs typeface="Andale Mono"/>
+              </a:rPr>
+              <a:t>: {  </a:t>
+            </a:r>
+            <a:r>
+              <a:rPr lang="en-US" sz="1400" dirty="0" smtClean="0">
+                <a:solidFill>
+                  <a:srgbClr val="BFBFBF"/>
+                </a:solidFill>
+                <a:latin typeface="Andale Mono"/>
+                <a:cs typeface="Andale Mono"/>
+              </a:rPr>
+              <a:t>//</a:t>
+            </a:r>
+            <a:r>
+              <a:rPr lang="en-US" sz="1400" dirty="0" err="1" smtClean="0">
+                <a:solidFill>
+                  <a:srgbClr val="BFBFBF"/>
+                </a:solidFill>
+                <a:latin typeface="Andale Mono"/>
+                <a:cs typeface="Andale Mono"/>
+              </a:rPr>
+              <a:t>req.body</a:t>
+            </a:r>
+            <a:r>
+              <a:rPr lang="en-US" sz="1400" dirty="0" smtClean="0">
+                <a:solidFill>
+                  <a:srgbClr val="BFBFBF"/>
+                </a:solidFill>
+                <a:latin typeface="Andale Mono"/>
+                <a:cs typeface="Andale Mono"/>
+              </a:rPr>
+              <a:t/>
+            </a:r>
+            <a:br>
+              <a:rPr lang="en-US" sz="1400" dirty="0" smtClean="0">
+                <a:solidFill>
+                  <a:srgbClr val="BFBFBF"/>
+                </a:solidFill>
+                <a:latin typeface="Andale Mono"/>
+                <a:cs typeface="Andale Mono"/>
+              </a:rPr>
+            </a:br>
+            <a:r>
+              <a:rPr lang="en-US" sz="1400" dirty="0" smtClean="0">
+                <a:latin typeface="Andale Mono"/>
+                <a:cs typeface="Andale Mono"/>
+              </a:rPr>
+              <a:t>                </a:t>
+            </a:r>
+            <a:r>
+              <a:rPr lang="en-US" sz="1400" dirty="0" smtClean="0">
+                <a:solidFill>
+                  <a:srgbClr val="9BBB59"/>
+                </a:solidFill>
+                <a:latin typeface="Andale Mono"/>
+                <a:cs typeface="Andale Mono"/>
+              </a:rPr>
+              <a:t>email</a:t>
+            </a:r>
+            <a:r>
+              <a:rPr lang="en-US" sz="1400" dirty="0" smtClean="0">
+                <a:latin typeface="Andale Mono"/>
+                <a:cs typeface="Andale Mono"/>
+              </a:rPr>
+              <a:t> </a:t>
+            </a:r>
+            <a:r>
+              <a:rPr lang="en-US" sz="1400" dirty="0" smtClean="0">
+                <a:solidFill>
+                  <a:srgbClr val="FFFF00"/>
+                </a:solidFill>
+                <a:latin typeface="Andale Mono"/>
+                <a:cs typeface="Andale Mono"/>
+              </a:rPr>
+              <a:t>: </a:t>
+            </a:r>
+            <a:r>
+              <a:rPr lang="en-US" sz="1400" dirty="0" err="1" smtClean="0">
+                <a:solidFill>
+                  <a:srgbClr val="FFFF00"/>
+                </a:solidFill>
+                <a:latin typeface="Andale Mono"/>
+                <a:cs typeface="Andale Mono"/>
+              </a:rPr>
+              <a:t>application.validation.isEmail</a:t>
+            </a:r>
+            <a:r>
+              <a:rPr lang="en-US" sz="1400" dirty="0" smtClean="0">
+                <a:solidFill>
+                  <a:srgbClr val="FFFF00"/>
+                </a:solidFill>
+                <a:latin typeface="Andale Mono"/>
+                <a:cs typeface="Andale Mono"/>
+              </a:rPr>
+              <a:t>()</a:t>
+            </a:r>
+            <a:br>
+              <a:rPr lang="en-US" sz="1400" dirty="0" smtClean="0">
+                <a:solidFill>
+                  <a:srgbClr val="FFFF00"/>
+                </a:solidFill>
+                <a:latin typeface="Andale Mono"/>
+                <a:cs typeface="Andale Mono"/>
+              </a:rPr>
+            </a:br>
+            <a:r>
+              <a:rPr lang="en-US" sz="1400" dirty="0" smtClean="0">
+                <a:latin typeface="Andale Mono"/>
+                <a:cs typeface="Andale Mono"/>
+              </a:rPr>
+              <a:t>            },</a:t>
+            </a:r>
+            <a:br>
+              <a:rPr lang="en-US" sz="1400" dirty="0" smtClean="0">
+                <a:latin typeface="Andale Mono"/>
+                <a:cs typeface="Andale Mono"/>
+              </a:rPr>
+            </a:br>
+            <a:r>
+              <a:rPr lang="en-US" sz="1400" dirty="0" smtClean="0">
+                <a:latin typeface="Andale Mono"/>
+                <a:cs typeface="Andale Mono"/>
+              </a:rPr>
+              <a:t>            </a:t>
+            </a:r>
+            <a:r>
+              <a:rPr lang="en-US" sz="1400" dirty="0" smtClean="0">
+                <a:solidFill>
+                  <a:srgbClr val="9BBB59"/>
+                </a:solidFill>
+                <a:latin typeface="Andale Mono"/>
+                <a:cs typeface="Andale Mono"/>
+              </a:rPr>
+              <a:t>query</a:t>
+            </a:r>
+            <a:r>
+              <a:rPr lang="en-US" sz="1400" dirty="0" smtClean="0">
+                <a:latin typeface="Andale Mono"/>
+                <a:cs typeface="Andale Mono"/>
+              </a:rPr>
+              <a:t> : { </a:t>
+            </a:r>
+            <a:r>
+              <a:rPr lang="en-US" sz="1400" dirty="0" smtClean="0">
+                <a:solidFill>
+                  <a:srgbClr val="BFBFBF"/>
+                </a:solidFill>
+                <a:latin typeface="Andale Mono"/>
+                <a:cs typeface="Andale Mono"/>
+              </a:rPr>
+              <a:t>//</a:t>
+            </a:r>
+            <a:r>
+              <a:rPr lang="en-US" sz="1400" dirty="0" err="1" smtClean="0">
+                <a:solidFill>
+                  <a:srgbClr val="BFBFBF"/>
+                </a:solidFill>
+                <a:latin typeface="Andale Mono"/>
+                <a:cs typeface="Andale Mono"/>
+              </a:rPr>
+              <a:t>req.query</a:t>
+            </a:r>
+            <a:r>
+              <a:rPr lang="en-US" sz="1400" dirty="0" smtClean="0">
+                <a:solidFill>
+                  <a:srgbClr val="BFBFBF"/>
+                </a:solidFill>
+                <a:latin typeface="Andale Mono"/>
+                <a:cs typeface="Andale Mono"/>
+              </a:rPr>
+              <a:t/>
+            </a:r>
+            <a:br>
+              <a:rPr lang="en-US" sz="1400" dirty="0" smtClean="0">
+                <a:solidFill>
+                  <a:srgbClr val="BFBFBF"/>
+                </a:solidFill>
+                <a:latin typeface="Andale Mono"/>
+                <a:cs typeface="Andale Mono"/>
+              </a:rPr>
+            </a:br>
+            <a:r>
+              <a:rPr lang="en-US" sz="1400" dirty="0" smtClean="0">
+                <a:latin typeface="Andale Mono"/>
+                <a:cs typeface="Andale Mono"/>
+              </a:rPr>
+              <a:t>               </a:t>
+            </a:r>
+            <a:r>
+              <a:rPr lang="en-US" sz="1400" dirty="0" smtClean="0">
+                <a:solidFill>
+                  <a:srgbClr val="9BBB59"/>
+                </a:solidFill>
+                <a:latin typeface="Andale Mono"/>
+                <a:cs typeface="Andale Mono"/>
+              </a:rPr>
+              <a:t> theme </a:t>
+            </a:r>
+            <a:r>
+              <a:rPr lang="en-US" sz="1400" dirty="0" smtClean="0">
+                <a:solidFill>
+                  <a:srgbClr val="FFFF00"/>
+                </a:solidFill>
+                <a:latin typeface="Andale Mono"/>
+                <a:cs typeface="Andale Mono"/>
+              </a:rPr>
+              <a:t>: </a:t>
+            </a:r>
+            <a:r>
+              <a:rPr lang="en-US" sz="1400" dirty="0" err="1" smtClean="0">
+                <a:solidFill>
+                  <a:srgbClr val="FFFF00"/>
+                </a:solidFill>
+                <a:latin typeface="Andale Mono"/>
+                <a:cs typeface="Andale Mono"/>
+              </a:rPr>
+              <a:t>application.validation.isEmail</a:t>
+            </a:r>
+            <a:r>
+              <a:rPr lang="en-US" sz="1400" dirty="0" smtClean="0">
+                <a:solidFill>
+                  <a:srgbClr val="FFFF00"/>
+                </a:solidFill>
+                <a:latin typeface="Andale Mono"/>
+                <a:cs typeface="Andale Mono"/>
+              </a:rPr>
+              <a:t>()</a:t>
+            </a:r>
+            <a:br>
+              <a:rPr lang="en-US" sz="1400" dirty="0" smtClean="0">
+                <a:solidFill>
+                  <a:srgbClr val="FFFF00"/>
+                </a:solidFill>
+                <a:latin typeface="Andale Mono"/>
+                <a:cs typeface="Andale Mono"/>
+              </a:rPr>
+            </a:br>
+            <a:r>
+              <a:rPr lang="en-US" sz="1400" dirty="0" smtClean="0">
+                <a:latin typeface="Andale Mono"/>
+                <a:cs typeface="Andale Mono"/>
+              </a:rPr>
+              <a:t>            }</a:t>
+            </a:r>
+            <a:br>
+              <a:rPr lang="en-US" sz="1400" dirty="0" smtClean="0">
+                <a:latin typeface="Andale Mono"/>
+                <a:cs typeface="Andale Mono"/>
+              </a:rPr>
+            </a:br>
+            <a:r>
+              <a:rPr lang="en-US" sz="1400" dirty="0" smtClean="0">
+                <a:latin typeface="Andale Mono"/>
+                <a:cs typeface="Andale Mono"/>
+              </a:rPr>
+              <a:t>        }</a:t>
+            </a:r>
+            <a:br>
+              <a:rPr lang="en-US" sz="1400" dirty="0" smtClean="0">
+                <a:latin typeface="Andale Mono"/>
+                <a:cs typeface="Andale Mono"/>
+              </a:rPr>
+            </a:br>
+            <a:r>
+              <a:rPr lang="en-US" sz="1400" dirty="0" smtClean="0">
+                <a:latin typeface="Andale Mono"/>
+                <a:cs typeface="Andale Mono"/>
+              </a:rPr>
+              <a:t>    }</a:t>
+            </a:r>
+            <a:br>
+              <a:rPr lang="en-US" sz="1400" dirty="0" smtClean="0">
+                <a:latin typeface="Andale Mono"/>
+                <a:cs typeface="Andale Mono"/>
+              </a:rPr>
+            </a:br>
+            <a:r>
+              <a:rPr lang="en-US" sz="1400" dirty="0" smtClean="0">
+                <a:latin typeface="Andale Mono"/>
+                <a:cs typeface="Andale Mono"/>
+              </a:rPr>
+              <a:t>}</a:t>
+            </a:r>
+            <a:endParaRPr lang="en-US" sz="1400" dirty="0">
+              <a:latin typeface="Andale Mono"/>
+              <a:cs typeface="Andale Mono"/>
+            </a:endParaRPr>
           </a:p>
         </p:txBody>
       </p:sp>
     </p:spTree>
     <p:extLst>
       <p:ext uri="{BB962C8B-B14F-4D97-AF65-F5344CB8AC3E}">
-        <p14:creationId xmlns:p14="http://schemas.microsoft.com/office/powerpoint/2010/main" val="1818177148"/>
+        <p14:creationId xmlns:p14="http://schemas.microsoft.com/office/powerpoint/2010/main" val="3158926922"/>
       </p:ext>
     </p:extLst>
   </p:cSld>
   <p:clrMapOvr>
     <a:masterClrMapping/>
   </p:clrMapOvr>
+  <p:timing>
+    <p:tnLst>
+      <p:par>
+        <p:cTn xmlns:p14="http://schemas.microsoft.com/office/powerpoint/2010/main" id="1" dur="indefinite" restart="never" nodeType="tmRoot"/>
+      </p:par>
+    </p:tnLst>
+  </p:timing>
 </p:sld>
 </file>
 
@@ -10129,8 +10846,8 @@
           <a:lstStyle/>
           <a:p>
             <a:r>
-              <a:rPr lang="en-US" dirty="0" err="1" smtClean="0"/>
-              <a:t>Router for each module</a:t>
+              <a:rPr lang="en-US" dirty="0" err="1"/>
+              <a:t>Router for each module #2</a:t>
             </a:r>
             <a:endParaRPr lang="en-US" dirty="0"/>
           </a:p>
@@ -10287,6 +11004,25 @@
             </a:br>
             <a:r>
               <a:rPr lang="en-US" sz="1400" dirty="0">
+                <a:solidFill>
+                  <a:srgbClr val="BFBFBF"/>
+                </a:solidFill>
+                <a:latin typeface="Andale Mono"/>
+                <a:cs typeface="Andale Mono"/>
+              </a:rPr>
+              <a:t>        //handler , array[handler] </a:t>
+            </a:r>
+            <a:br>
+              <a:rPr lang="en-US" sz="1400" dirty="0">
+                <a:solidFill>
+                  <a:srgbClr val="BFBFBF"/>
+                </a:solidFill>
+                <a:latin typeface="Andale Mono"/>
+                <a:cs typeface="Andale Mono"/>
+              </a:rPr>
+            </a:br>
+            <a:r>
+              <a:rPr lang="en-US" sz="1400" dirty="0">
                 <a:latin typeface="Andale Mono"/>
                 <a:cs typeface="Andale Mono"/>
               </a:rPr>
@@ -10307,589 +11043,270 @@
                 <a:latin typeface="Andale Mono"/>
                 <a:cs typeface="Andale Mono"/>
               </a:rPr>
+              <a:t> : [</a:t>
+            </a:r>
+            <a:r>
+              <a:rPr lang="en-US" sz="1400" dirty="0" err="1" smtClean="0">
+                <a:solidFill>
+                  <a:srgbClr val="FFFF00"/>
+                </a:solidFill>
+                <a:latin typeface="Andale Mono"/>
+                <a:cs typeface="Andale Mono"/>
+              </a:rPr>
+              <a:t>component.controllers.</a:t>
+            </a:r>
+            <a:r>
+              <a:rPr lang="en-US" sz="1400" i="1" dirty="0" err="1" smtClean="0">
+                <a:solidFill>
+                  <a:srgbClr val="FFFF00"/>
+                </a:solidFill>
+                <a:latin typeface="Andale Mono"/>
+                <a:cs typeface="Andale Mono"/>
+              </a:rPr>
+              <a:t>index</a:t>
+            </a:r>
+            <a:r>
+              <a:rPr lang="en-US" sz="1400" dirty="0" smtClean="0">
+                <a:latin typeface="Andale Mono"/>
+                <a:cs typeface="Andale Mono"/>
+              </a:rPr>
+              <a:t>, </a:t>
+            </a:r>
+            <a:r>
+              <a:rPr lang="en-US" sz="1400" dirty="0" err="1">
+                <a:solidFill>
+                  <a:srgbClr val="FFFF00"/>
+                </a:solidFill>
+                <a:latin typeface="Andale Mono"/>
+                <a:cs typeface="Andale Mono"/>
+              </a:rPr>
+              <a:t>function(req, res){}]</a:t>
+            </a:r>
+            <a:r>
+              <a:rPr lang="en-US" sz="1400" dirty="0" smtClean="0">
+                <a:latin typeface="Andale Mono"/>
+                <a:cs typeface="Andale Mono"/>
+              </a:rPr>
+              <a:t> </a:t>
+            </a:r>
+            <a:r>
+              <a:rPr lang="en-US" sz="1400" dirty="0" smtClean="0">
+                <a:solidFill>
+                  <a:srgbClr val="BFBFBF"/>
+                </a:solidFill>
+                <a:latin typeface="Andale Mono"/>
+                <a:cs typeface="Andale Mono"/>
+              </a:rPr>
+              <a:t/>
+            </a:r>
+            <a:br>
+              <a:rPr lang="en-US" sz="1400" dirty="0" smtClean="0">
+                <a:solidFill>
+                  <a:srgbClr val="BFBFBF"/>
+                </a:solidFill>
+                <a:latin typeface="Andale Mono"/>
+                <a:cs typeface="Andale Mono"/>
+              </a:rPr>
+            </a:br>
+            <a:r>
+              <a:rPr lang="en-US" sz="1400" dirty="0" smtClean="0">
+                <a:latin typeface="Andale Mono"/>
+                <a:cs typeface="Andale Mono"/>
+              </a:rPr>
+              <a:t>        </a:t>
+            </a:r>
+            <a:r>
+              <a:rPr lang="en-US" sz="1400" dirty="0" smtClean="0">
+                <a:solidFill>
+                  <a:srgbClr val="9BBB59"/>
+                </a:solidFill>
+                <a:latin typeface="Andale Mono"/>
+                <a:cs typeface="Andale Mono"/>
+              </a:rPr>
+              <a:t>name</a:t>
+            </a:r>
+            <a:r>
+              <a:rPr lang="en-US" sz="1400" dirty="0" smtClean="0">
+                <a:latin typeface="Andale Mono"/>
+                <a:cs typeface="Andale Mono"/>
+              </a:rPr>
               <a:t> : </a:t>
             </a:r>
             <a:r>
+              <a:rPr lang="en-US" sz="1400" dirty="0" smtClean="0">
+                <a:solidFill>
+                  <a:srgbClr val="FFFF00"/>
+                </a:solidFill>
+                <a:latin typeface="Andale Mono"/>
+                <a:cs typeface="Andale Mono"/>
+              </a:rPr>
+              <a:t>"login-route"</a:t>
+            </a:r>
+            <a:r>
+              <a:rPr lang="en-US" sz="1400" dirty="0" smtClean="0">
+                <a:solidFill>
+                  <a:srgbClr val="BFBFBF"/>
+                </a:solidFill>
+                <a:latin typeface="Andale Mono"/>
+                <a:cs typeface="Andale Mono"/>
+              </a:rPr>
+              <a:t>, //unique string, name route.</a:t>
+            </a:r>
+            <a:br>
+              <a:rPr lang="en-US" sz="1400" dirty="0" smtClean="0">
+                <a:solidFill>
+                  <a:srgbClr val="BFBFBF"/>
+                </a:solidFill>
+                <a:latin typeface="Andale Mono"/>
+                <a:cs typeface="Andale Mono"/>
+              </a:rPr>
+            </a:br>
+            <a:r>
+              <a:rPr lang="en-US" sz="1400" dirty="0" smtClean="0">
+                <a:latin typeface="Andale Mono"/>
+                <a:cs typeface="Andale Mono"/>
+              </a:rPr>
+              <a:t>      </a:t>
+            </a:r>
+            <a:r>
+              <a:rPr lang="en-US" sz="1400" dirty="0" smtClean="0">
+                <a:solidFill>
+                  <a:srgbClr val="9BBB59"/>
+                </a:solidFill>
+                <a:latin typeface="Andale Mono"/>
+                <a:cs typeface="Andale Mono"/>
+              </a:rPr>
+              <a:t>  authenticate </a:t>
+            </a:r>
+            <a:r>
+              <a:rPr lang="en-US" sz="1400" dirty="0" smtClean="0">
+                <a:latin typeface="Andale Mono"/>
+                <a:cs typeface="Andale Mono"/>
+              </a:rPr>
+              <a:t>:</a:t>
+            </a:r>
+            <a:r>
+              <a:rPr lang="en-US" sz="1400" dirty="0" smtClean="0">
+                <a:solidFill>
+                  <a:srgbClr val="FFFF00"/>
+                </a:solidFill>
+                <a:latin typeface="Andale Mono"/>
+                <a:cs typeface="Andale Mono"/>
+              </a:rPr>
+              <a:t> </a:t>
+            </a:r>
+            <a:r>
+              <a:rPr lang="en-US" sz="1400" b="1" dirty="0" smtClean="0">
+                <a:solidFill>
+                  <a:srgbClr val="FFFF00"/>
+                </a:solidFill>
+                <a:latin typeface="Andale Mono"/>
+                <a:cs typeface="Andale Mono"/>
+              </a:rPr>
+              <a:t>true</a:t>
+            </a:r>
+            <a:r>
+              <a:rPr lang="en-US" sz="1400" dirty="0" smtClean="0">
+                <a:latin typeface="Andale Mono"/>
+                <a:cs typeface="Andale Mono"/>
+              </a:rPr>
+              <a:t>,</a:t>
+            </a:r>
+            <a:r>
+              <a:rPr lang="en-US" sz="1400" dirty="0" smtClean="0">
+                <a:solidFill>
+                  <a:srgbClr val="BFBFBF"/>
+                </a:solidFill>
+                <a:latin typeface="Andale Mono"/>
+                <a:cs typeface="Andale Mono"/>
+              </a:rPr>
+              <a:t> //</a:t>
+            </a:r>
+            <a:r>
               <a:rPr lang="en-US" sz="1400" dirty="0" err="1" smtClean="0">
                 <a:solidFill>
+                  <a:srgbClr val="BFBFBF"/>
+                </a:solidFill>
+                <a:latin typeface="Andale Mono"/>
+                <a:cs typeface="Andale Mono"/>
+              </a:rPr>
+              <a:t>boolean</a:t>
+            </a:r>
+            <a:r>
+              <a:rPr lang="en-US" sz="1400" dirty="0" smtClean="0">
+                <a:solidFill>
+                  <a:srgbClr val="BFBFBF"/>
+                </a:solidFill>
+                <a:latin typeface="Andale Mono"/>
+                <a:cs typeface="Andale Mono"/>
+              </a:rPr>
+              <a:t>, true false.</a:t>
+            </a:r>
+            <a:br>
+              <a:rPr lang="en-US" sz="1400" dirty="0" smtClean="0">
+                <a:solidFill>
+                  <a:srgbClr val="BFBFBF"/>
+                </a:solidFill>
+                <a:latin typeface="Andale Mono"/>
+                <a:cs typeface="Andale Mono"/>
+              </a:rPr>
+            </a:br>
+            <a:r>
+              <a:rPr lang="en-US" sz="1400" dirty="0" smtClean="0">
+                <a:latin typeface="Andale Mono"/>
+                <a:cs typeface="Andale Mono"/>
+              </a:rPr>
+              <a:t>       </a:t>
+            </a:r>
+            <a:r>
+              <a:rPr lang="en-US" sz="1400" dirty="0" smtClean="0">
+                <a:solidFill>
+                  <a:srgbClr val="9BBB59"/>
+                </a:solidFill>
+                <a:latin typeface="Andale Mono"/>
+                <a:cs typeface="Andale Mono"/>
+              </a:rPr>
+              <a:t> role </a:t>
+            </a:r>
+            <a:r>
+              <a:rPr lang="en-US" sz="1400" dirty="0" smtClean="0">
+                <a:latin typeface="Andale Mono"/>
+                <a:cs typeface="Andale Mono"/>
+              </a:rPr>
+              <a:t>:  </a:t>
+            </a:r>
+            <a:r>
+              <a:rPr lang="en-US" sz="1400" dirty="0" smtClean="0">
+                <a:solidFill>
                   <a:srgbClr val="FFFF00"/>
                 </a:solidFill>
                 <a:latin typeface="Andale Mono"/>
                 <a:cs typeface="Andale Mono"/>
               </a:rPr>
-              <a:t>component.controllers.</a:t>
-            </a:r>
-            <a:r>
-              <a:rPr lang="en-US" sz="1400" i="1" dirty="0" err="1" smtClean="0">
-                <a:solidFill>
-                  <a:srgbClr val="FFFF00"/>
-                </a:solidFill>
-                <a:latin typeface="Andale Mono"/>
-                <a:cs typeface="Andale Mono"/>
-              </a:rPr>
-              <a:t>get</a:t>
+              <a:t>[read, write, delete]</a:t>
             </a:r>
             <a:r>
               <a:rPr lang="en-US" sz="1400" dirty="0" smtClean="0">
                 <a:latin typeface="Andale Mono"/>
                 <a:cs typeface="Andale Mono"/>
               </a:rPr>
-              <a:t>,  </a:t>
+              <a:t>, </a:t>
+            </a:r>
+            <a:r>
+              <a:rPr lang="en-US" sz="1400" dirty="0" smtClean="0">
+                <a:solidFill>
+                  <a:srgbClr val="BFBFBF"/>
+                </a:solidFill>
+                <a:latin typeface="Andale Mono"/>
+                <a:cs typeface="Andale Mono"/>
+              </a:rPr>
+              <a:t>//string, array string multi role.</a:t>
             </a:r>
           </a:p>
           <a:p>
             <a:pPr marL="0" indent="0">
               <a:buNone/>
             </a:pPr>
-            <a:r>
-              <a:rPr lang="en-US" sz="1400" dirty="0" smtClean="0">
-                <a:solidFill>
-                  <a:srgbClr val="BFBFBF"/>
-                </a:solidFill>
-                <a:latin typeface="Andale Mono"/>
-                <a:cs typeface="Andale Mono"/>
-              </a:rPr>
-              <a:t>	//function , array[function] </a:t>
-            </a:r>
-            <a:br>
-              <a:rPr lang="en-US" sz="1400" dirty="0" smtClean="0">
-                <a:solidFill>
-                  <a:srgbClr val="BFBFBF"/>
-                </a:solidFill>
-                <a:latin typeface="Andale Mono"/>
-                <a:cs typeface="Andale Mono"/>
-              </a:rPr>
-            </a:br>
-            <a:r>
-              <a:rPr lang="en-US" sz="1400" dirty="0" smtClean="0">
-                <a:latin typeface="Andale Mono"/>
-                <a:cs typeface="Andale Mono"/>
-              </a:rPr>
-              <a:t>        </a:t>
-            </a:r>
-            <a:r>
-              <a:rPr lang="en-US" sz="1400" dirty="0" smtClean="0">
-                <a:solidFill>
-                  <a:srgbClr val="9BBB59"/>
-                </a:solidFill>
-                <a:latin typeface="Andale Mono"/>
-                <a:cs typeface="Andale Mono"/>
-              </a:rPr>
-              <a:t>name</a:t>
-            </a:r>
-            <a:r>
-              <a:rPr lang="en-US" sz="1400" dirty="0" smtClean="0">
-                <a:latin typeface="Andale Mono"/>
-                <a:cs typeface="Andale Mono"/>
-              </a:rPr>
-              <a:t> : </a:t>
-            </a:r>
-            <a:r>
-              <a:rPr lang="en-US" sz="1400" dirty="0" smtClean="0">
-                <a:solidFill>
-                  <a:srgbClr val="FFFF00"/>
-                </a:solidFill>
-                <a:latin typeface="Andale Mono"/>
-                <a:cs typeface="Andale Mono"/>
-              </a:rPr>
-              <a:t>"login-route"</a:t>
-            </a:r>
-            <a:r>
-              <a:rPr lang="en-US" sz="1400" dirty="0" smtClean="0">
-                <a:solidFill>
-                  <a:srgbClr val="BFBFBF"/>
-                </a:solidFill>
-                <a:latin typeface="Andale Mono"/>
-                <a:cs typeface="Andale Mono"/>
-              </a:rPr>
-              <a:t>, //unique string, name route.</a:t>
-            </a:r>
-            <a:br>
-              <a:rPr lang="en-US" sz="1400" dirty="0" smtClean="0">
-                <a:solidFill>
-                  <a:srgbClr val="BFBFBF"/>
-                </a:solidFill>
-                <a:latin typeface="Andale Mono"/>
-                <a:cs typeface="Andale Mono"/>
-              </a:rPr>
-            </a:br>
-            <a:r>
-              <a:rPr lang="en-US" sz="1400" dirty="0" smtClean="0">
-                <a:latin typeface="Andale Mono"/>
-                <a:cs typeface="Andale Mono"/>
-              </a:rPr>
-              <a:t>      </a:t>
-            </a:r>
-            <a:r>
-              <a:rPr lang="en-US" sz="1400" dirty="0" smtClean="0">
-                <a:solidFill>
-                  <a:srgbClr val="9BBB59"/>
-                </a:solidFill>
-                <a:latin typeface="Andale Mono"/>
-                <a:cs typeface="Andale Mono"/>
-              </a:rPr>
-              <a:t>  authenticate </a:t>
-            </a:r>
-            <a:r>
-              <a:rPr lang="en-US" sz="1400" dirty="0" smtClean="0">
-                <a:latin typeface="Andale Mono"/>
-                <a:cs typeface="Andale Mono"/>
-              </a:rPr>
-              <a:t>:</a:t>
-            </a:r>
-            <a:r>
-              <a:rPr lang="en-US" sz="1400" dirty="0" smtClean="0">
-                <a:solidFill>
-                  <a:srgbClr val="FFFF00"/>
-                </a:solidFill>
-                <a:latin typeface="Andale Mono"/>
-                <a:cs typeface="Andale Mono"/>
-              </a:rPr>
-              <a:t> </a:t>
-            </a:r>
-            <a:r>
-              <a:rPr lang="en-US" sz="1400" b="1" dirty="0" smtClean="0">
-                <a:solidFill>
-                  <a:srgbClr val="FFFF00"/>
-                </a:solidFill>
-                <a:latin typeface="Andale Mono"/>
-                <a:cs typeface="Andale Mono"/>
-              </a:rPr>
-              <a:t>true</a:t>
-            </a:r>
-            <a:r>
-              <a:rPr lang="en-US" sz="1400" dirty="0" smtClean="0">
-                <a:latin typeface="Andale Mono"/>
-                <a:cs typeface="Andale Mono"/>
-              </a:rPr>
-              <a:t>,</a:t>
-            </a:r>
-            <a:r>
-              <a:rPr lang="en-US" sz="1400" dirty="0" smtClean="0">
-                <a:solidFill>
-                  <a:srgbClr val="BFBFBF"/>
-                </a:solidFill>
-                <a:latin typeface="Andale Mono"/>
-                <a:cs typeface="Andale Mono"/>
-              </a:rPr>
-              <a:t> //</a:t>
-            </a:r>
-            <a:r>
-              <a:rPr lang="en-US" sz="1400" dirty="0" err="1" smtClean="0">
-                <a:solidFill>
-                  <a:srgbClr val="BFBFBF"/>
-                </a:solidFill>
-                <a:latin typeface="Andale Mono"/>
-                <a:cs typeface="Andale Mono"/>
-              </a:rPr>
-              <a:t>boolean</a:t>
-            </a:r>
-            <a:r>
-              <a:rPr lang="en-US" sz="1400" dirty="0" smtClean="0">
-                <a:solidFill>
-                  <a:srgbClr val="BFBFBF"/>
-                </a:solidFill>
-                <a:latin typeface="Andale Mono"/>
-                <a:cs typeface="Andale Mono"/>
-              </a:rPr>
-              <a:t>, true false.</a:t>
-            </a:r>
-            <a:br>
-              <a:rPr lang="en-US" sz="1400" dirty="0" smtClean="0">
-                <a:solidFill>
-                  <a:srgbClr val="BFBFBF"/>
-                </a:solidFill>
-                <a:latin typeface="Andale Mono"/>
-                <a:cs typeface="Andale Mono"/>
-              </a:rPr>
-            </a:br>
-            <a:r>
-              <a:rPr lang="en-US" sz="1400" dirty="0" smtClean="0">
-                <a:latin typeface="Andale Mono"/>
-                <a:cs typeface="Andale Mono"/>
-              </a:rPr>
-              <a:t>       </a:t>
-            </a:r>
-            <a:r>
-              <a:rPr lang="en-US" sz="1400" dirty="0" smtClean="0">
-                <a:solidFill>
-                  <a:srgbClr val="9BBB59"/>
-                </a:solidFill>
-                <a:latin typeface="Andale Mono"/>
-                <a:cs typeface="Andale Mono"/>
-              </a:rPr>
-              <a:t> role </a:t>
-            </a:r>
-            <a:r>
-              <a:rPr lang="en-US" sz="1400" dirty="0" smtClean="0">
-                <a:latin typeface="Andale Mono"/>
-                <a:cs typeface="Andale Mono"/>
-              </a:rPr>
-              <a:t>:  </a:t>
-            </a:r>
-            <a:r>
-              <a:rPr lang="en-US" sz="1400" dirty="0" smtClean="0">
-                <a:solidFill>
-                  <a:srgbClr val="FFFF00"/>
-                </a:solidFill>
-                <a:latin typeface="Andale Mono"/>
-                <a:cs typeface="Andale Mono"/>
-              </a:rPr>
-              <a:t>"render-view"</a:t>
-            </a:r>
-            <a:r>
-              <a:rPr lang="en-US" sz="1400" dirty="0" smtClean="0">
-                <a:latin typeface="Andale Mono"/>
-                <a:cs typeface="Andale Mono"/>
-              </a:rPr>
-              <a:t>, </a:t>
-            </a:r>
-            <a:r>
-              <a:rPr lang="en-US" sz="1400" dirty="0" smtClean="0">
-                <a:solidFill>
-                  <a:srgbClr val="BFBFBF"/>
-                </a:solidFill>
-                <a:latin typeface="Andale Mono"/>
-                <a:cs typeface="Andale Mono"/>
-              </a:rPr>
-              <a:t>//string, array string multi role.</a:t>
-            </a:r>
-            <a:br>
-              <a:rPr lang="en-US" sz="1400" dirty="0" smtClean="0">
-                <a:solidFill>
-                  <a:srgbClr val="BFBFBF"/>
-                </a:solidFill>
-                <a:latin typeface="Andale Mono"/>
-                <a:cs typeface="Andale Mono"/>
-              </a:rPr>
-            </a:br>
-            <a:r>
-              <a:rPr lang="en-US" sz="1400" dirty="0" smtClean="0">
-                <a:latin typeface="Andale Mono"/>
-                <a:cs typeface="Andale Mono"/>
-              </a:rPr>
-              <a:t>        </a:t>
-            </a:r>
-            <a:r>
-              <a:rPr lang="en-US" sz="1400" dirty="0" smtClean="0">
-                <a:solidFill>
-                  <a:srgbClr val="9BBB59"/>
-                </a:solidFill>
-                <a:latin typeface="Andale Mono"/>
-                <a:cs typeface="Andale Mono"/>
-              </a:rPr>
-              <a:t>validate</a:t>
-            </a:r>
-            <a:r>
-              <a:rPr lang="en-US" sz="1400" dirty="0" smtClean="0">
-                <a:latin typeface="Andale Mono"/>
-                <a:cs typeface="Andale Mono"/>
-              </a:rPr>
-              <a:t> : {  </a:t>
-            </a:r>
-            <a:r>
-              <a:rPr lang="en-US" sz="1400" dirty="0" smtClean="0">
-                <a:solidFill>
-                  <a:srgbClr val="BFBFBF"/>
-                </a:solidFill>
-                <a:latin typeface="Andale Mono"/>
-                <a:cs typeface="Andale Mono"/>
-              </a:rPr>
-              <a:t>//validate input.</a:t>
-            </a:r>
-            <a:br>
-              <a:rPr lang="en-US" sz="1400" dirty="0" smtClean="0">
-                <a:solidFill>
-                  <a:srgbClr val="BFBFBF"/>
-                </a:solidFill>
-                <a:latin typeface="Andale Mono"/>
-                <a:cs typeface="Andale Mono"/>
-              </a:rPr>
-            </a:br>
-            <a:r>
-              <a:rPr lang="en-US" sz="1400" dirty="0" smtClean="0">
-                <a:latin typeface="Andale Mono"/>
-                <a:cs typeface="Andale Mono"/>
-              </a:rPr>
-              <a:t>           </a:t>
-            </a:r>
-            <a:r>
-              <a:rPr lang="en-US" sz="1400" dirty="0" smtClean="0">
-                <a:solidFill>
-                  <a:srgbClr val="9BBB59"/>
-                </a:solidFill>
-                <a:latin typeface="Andale Mono"/>
-                <a:cs typeface="Andale Mono"/>
-              </a:rPr>
-              <a:t> body </a:t>
-            </a:r>
-            <a:r>
-              <a:rPr lang="en-US" sz="1400" dirty="0" smtClean="0">
-                <a:latin typeface="Andale Mono"/>
-                <a:cs typeface="Andale Mono"/>
-              </a:rPr>
-              <a:t>: {  </a:t>
-            </a:r>
-            <a:r>
-              <a:rPr lang="en-US" sz="1400" dirty="0" smtClean="0">
-                <a:solidFill>
-                  <a:srgbClr val="BFBFBF"/>
-                </a:solidFill>
-                <a:latin typeface="Andale Mono"/>
-                <a:cs typeface="Andale Mono"/>
-              </a:rPr>
-              <a:t>//</a:t>
-            </a:r>
-            <a:r>
-              <a:rPr lang="en-US" sz="1400" dirty="0" err="1" smtClean="0">
-                <a:solidFill>
-                  <a:srgbClr val="BFBFBF"/>
-                </a:solidFill>
-                <a:latin typeface="Andale Mono"/>
-                <a:cs typeface="Andale Mono"/>
-              </a:rPr>
-              <a:t>req.body</a:t>
-            </a:r>
-            <a:r>
-              <a:rPr lang="en-US" sz="1400" dirty="0" smtClean="0">
-                <a:solidFill>
-                  <a:srgbClr val="BFBFBF"/>
-                </a:solidFill>
-                <a:latin typeface="Andale Mono"/>
-                <a:cs typeface="Andale Mono"/>
-              </a:rPr>
-              <a:t/>
-            </a:r>
-            <a:br>
-              <a:rPr lang="en-US" sz="1400" dirty="0" smtClean="0">
-                <a:solidFill>
-                  <a:srgbClr val="BFBFBF"/>
-                </a:solidFill>
-                <a:latin typeface="Andale Mono"/>
-                <a:cs typeface="Andale Mono"/>
-              </a:rPr>
-            </a:br>
-            <a:r>
-              <a:rPr lang="en-US" sz="1400" dirty="0" smtClean="0">
-                <a:latin typeface="Andale Mono"/>
-                <a:cs typeface="Andale Mono"/>
-              </a:rPr>
-              <a:t>                </a:t>
-            </a:r>
-            <a:r>
-              <a:rPr lang="en-US" sz="1400" dirty="0" smtClean="0">
-                <a:solidFill>
-                  <a:srgbClr val="9BBB59"/>
-                </a:solidFill>
-                <a:latin typeface="Andale Mono"/>
-                <a:cs typeface="Andale Mono"/>
-              </a:rPr>
-              <a:t>email</a:t>
-            </a:r>
-            <a:r>
-              <a:rPr lang="en-US" sz="1400" dirty="0" smtClean="0">
-                <a:latin typeface="Andale Mono"/>
-                <a:cs typeface="Andale Mono"/>
-              </a:rPr>
-              <a:t> </a:t>
-            </a:r>
-            <a:r>
-              <a:rPr lang="en-US" sz="1400" dirty="0" smtClean="0">
-                <a:solidFill>
-                  <a:srgbClr val="FFFF00"/>
-                </a:solidFill>
-                <a:latin typeface="Andale Mono"/>
-                <a:cs typeface="Andale Mono"/>
-              </a:rPr>
-              <a:t>: </a:t>
-            </a:r>
-            <a:r>
-              <a:rPr lang="en-US" sz="1400" dirty="0" err="1" smtClean="0">
-                <a:solidFill>
-                  <a:srgbClr val="FFFF00"/>
-                </a:solidFill>
-                <a:latin typeface="Andale Mono"/>
-                <a:cs typeface="Andale Mono"/>
-              </a:rPr>
-              <a:t>application.validation.isEmail</a:t>
-            </a:r>
-            <a:r>
-              <a:rPr lang="en-US" sz="1400" dirty="0" smtClean="0">
-                <a:solidFill>
-                  <a:srgbClr val="FFFF00"/>
-                </a:solidFill>
-                <a:latin typeface="Andale Mono"/>
-                <a:cs typeface="Andale Mono"/>
-              </a:rPr>
-              <a:t>()</a:t>
-            </a:r>
-            <a:br>
-              <a:rPr lang="en-US" sz="1400" dirty="0" smtClean="0">
-                <a:solidFill>
-                  <a:srgbClr val="FFFF00"/>
-                </a:solidFill>
-                <a:latin typeface="Andale Mono"/>
-                <a:cs typeface="Andale Mono"/>
-              </a:rPr>
-            </a:br>
-            <a:r>
-              <a:rPr lang="en-US" sz="1400" dirty="0" smtClean="0">
-                <a:latin typeface="Andale Mono"/>
-                <a:cs typeface="Andale Mono"/>
-              </a:rPr>
-              <a:t>            },</a:t>
-            </a:r>
-            <a:br>
-              <a:rPr lang="en-US" sz="1400" dirty="0" smtClean="0">
-                <a:latin typeface="Andale Mono"/>
-                <a:cs typeface="Andale Mono"/>
-              </a:rPr>
-            </a:br>
-            <a:r>
-              <a:rPr lang="en-US" sz="1400" dirty="0" smtClean="0">
-                <a:latin typeface="Andale Mono"/>
-                <a:cs typeface="Andale Mono"/>
-              </a:rPr>
-              <a:t>            </a:t>
-            </a:r>
-            <a:r>
-              <a:rPr lang="en-US" sz="1400" dirty="0" smtClean="0">
-                <a:solidFill>
-                  <a:srgbClr val="9BBB59"/>
-                </a:solidFill>
-                <a:latin typeface="Andale Mono"/>
-                <a:cs typeface="Andale Mono"/>
-              </a:rPr>
-              <a:t>query</a:t>
-            </a:r>
-            <a:r>
-              <a:rPr lang="en-US" sz="1400" dirty="0" smtClean="0">
-                <a:latin typeface="Andale Mono"/>
-                <a:cs typeface="Andale Mono"/>
-              </a:rPr>
-              <a:t> : { </a:t>
-            </a:r>
-            <a:r>
-              <a:rPr lang="en-US" sz="1400" dirty="0" smtClean="0">
-                <a:solidFill>
-                  <a:srgbClr val="BFBFBF"/>
-                </a:solidFill>
-                <a:latin typeface="Andale Mono"/>
-                <a:cs typeface="Andale Mono"/>
-              </a:rPr>
-              <a:t>//</a:t>
-            </a:r>
-            <a:r>
-              <a:rPr lang="en-US" sz="1400" dirty="0" err="1" smtClean="0">
-                <a:solidFill>
-                  <a:srgbClr val="BFBFBF"/>
-                </a:solidFill>
-                <a:latin typeface="Andale Mono"/>
-                <a:cs typeface="Andale Mono"/>
-              </a:rPr>
-              <a:t>req.query</a:t>
-            </a:r>
-            <a:r>
-              <a:rPr lang="en-US" sz="1400" dirty="0" smtClean="0">
-                <a:solidFill>
-                  <a:srgbClr val="BFBFBF"/>
-                </a:solidFill>
-                <a:latin typeface="Andale Mono"/>
-                <a:cs typeface="Andale Mono"/>
-              </a:rPr>
-              <a:t/>
-            </a:r>
-            <a:br>
-              <a:rPr lang="en-US" sz="1400" dirty="0" smtClean="0">
-                <a:solidFill>
-                  <a:srgbClr val="BFBFBF"/>
-                </a:solidFill>
-                <a:latin typeface="Andale Mono"/>
-                <a:cs typeface="Andale Mono"/>
-              </a:rPr>
-            </a:br>
-            <a:r>
-              <a:rPr lang="en-US" sz="1400" dirty="0" smtClean="0">
-                <a:latin typeface="Andale Mono"/>
-                <a:cs typeface="Andale Mono"/>
-              </a:rPr>
-              <a:t>               </a:t>
-            </a:r>
-            <a:r>
-              <a:rPr lang="en-US" sz="1400" dirty="0" smtClean="0">
-                <a:solidFill>
-                  <a:srgbClr val="9BBB59"/>
-                </a:solidFill>
-                <a:latin typeface="Andale Mono"/>
-                <a:cs typeface="Andale Mono"/>
-              </a:rPr>
-              <a:t> theme </a:t>
-            </a:r>
-            <a:r>
-              <a:rPr lang="en-US" sz="1400" dirty="0" smtClean="0">
-                <a:solidFill>
-                  <a:srgbClr val="FFFF00"/>
-                </a:solidFill>
-                <a:latin typeface="Andale Mono"/>
-                <a:cs typeface="Andale Mono"/>
-              </a:rPr>
-              <a:t>: </a:t>
-            </a:r>
-            <a:r>
-              <a:rPr lang="en-US" sz="1400" dirty="0" err="1" smtClean="0">
-                <a:solidFill>
-                  <a:srgbClr val="FFFF00"/>
-                </a:solidFill>
-                <a:latin typeface="Andale Mono"/>
-                <a:cs typeface="Andale Mono"/>
-              </a:rPr>
-              <a:t>application.validation.isEmail</a:t>
-            </a:r>
-            <a:r>
-              <a:rPr lang="en-US" sz="1400" dirty="0" smtClean="0">
-                <a:solidFill>
-                  <a:srgbClr val="FFFF00"/>
-                </a:solidFill>
-                <a:latin typeface="Andale Mono"/>
-                <a:cs typeface="Andale Mono"/>
-              </a:rPr>
-              <a:t>()</a:t>
-            </a:r>
-            <a:br>
-              <a:rPr lang="en-US" sz="1400" dirty="0" smtClean="0">
-                <a:solidFill>
-                  <a:srgbClr val="FFFF00"/>
-                </a:solidFill>
-                <a:latin typeface="Andale Mono"/>
-                <a:cs typeface="Andale Mono"/>
-              </a:rPr>
-            </a:br>
-            <a:r>
-              <a:rPr lang="en-US" sz="1400" dirty="0" smtClean="0">
-                <a:latin typeface="Andale Mono"/>
-                <a:cs typeface="Andale Mono"/>
-              </a:rPr>
-              <a:t>            }</a:t>
-            </a:r>
-            <a:br>
-              <a:rPr lang="en-US" sz="1400" dirty="0" smtClean="0">
-                <a:latin typeface="Andale Mono"/>
-                <a:cs typeface="Andale Mono"/>
-              </a:rPr>
-            </a:br>
-            <a:r>
-              <a:rPr lang="en-US" sz="1400" dirty="0" smtClean="0">
-                <a:latin typeface="Andale Mono"/>
-                <a:cs typeface="Andale Mono"/>
-              </a:rPr>
-              <a:t>        }</a:t>
-            </a:r>
-            <a:br>
-              <a:rPr lang="en-US" sz="1400" dirty="0" smtClean="0">
-                <a:latin typeface="Andale Mono"/>
-                <a:cs typeface="Andale Mono"/>
-              </a:rPr>
-            </a:br>
             <a:r>
               <a:rPr lang="en-US" sz="1400" dirty="0" smtClean="0">
                 <a:latin typeface="Andale Mono"/>
@@ -10920,7 +11337,7 @@
     </p:spTree>
     <p:extLst>
       <p:ext uri="{BB962C8B-B14F-4D97-AF65-F5344CB8AC3E}">
-        <p14:creationId xmlns:p14="http://schemas.microsoft.com/office/powerpoint/2010/main" val="3158926922"/>
+        <p14:creationId xmlns:p14="http://schemas.microsoft.com/office/powerpoint/2010/main" val="1377867339"/>
       </p:ext>
     </p:extLst>
   </p:cSld>
@@ -10956,569 +11373,6 @@
       </p:grpSpPr>
       <p:sp>
         <p:nvSpPr>
-          <p:cNvPr id="2" name="Title 1"/>
-          <p:cNvSpPr>
-            <a:spLocks noGrp="1"/>
-          </p:cNvSpPr>
-          <p:nvPr>
-            <p:ph type="title"/>
-          </p:nvPr>
-        </p:nvSpPr>
-        <p:spPr/>
-        <p:txBody>
-          <a:bodyPr>
-            <a:normAutofit fontScale="90000"/>
-          </a:bodyPr>
-          <a:lstStyle/>
-          <a:p>
-            <a:r>
-              <a:rPr lang="en-US" dirty="0" err="1"/>
-              <a:t>Router for each module #2</a:t>
-            </a:r>
-            <a:endParaRPr lang="en-US" dirty="0"/>
-          </a:p>
-        </p:txBody>
-      </p:sp>
-      <p:sp>
-        <p:nvSpPr>
-          <p:cNvPr id="3" name="Content Placeholder 2"/>
-          <p:cNvSpPr>
-            <a:spLocks noGrp="1"/>
-          </p:cNvSpPr>
-          <p:nvPr>
-            <p:ph idx="1"/>
-          </p:nvPr>
-        </p:nvSpPr>
-        <p:spPr/>
-        <p:txBody>
-          <a:bodyPr>
-            <a:noAutofit/>
-          </a:bodyPr>
-          <a:lstStyle/>
-          <a:p>
-            <a:pPr marL="0" indent="0">
-              <a:buNone/>
-            </a:pPr>
-            <a:r>
-              <a:rPr lang="en-US" sz="1400" dirty="0">
-                <a:solidFill>
-                  <a:schemeClr val="accent3"/>
-                </a:solidFill>
-                <a:latin typeface="Andale Mono"/>
-                <a:cs typeface="Andale Mono"/>
-              </a:rPr>
-              <a:t>"/" </a:t>
-            </a:r>
-            <a:r>
-              <a:rPr lang="en-US" sz="1400" dirty="0">
-                <a:latin typeface="Andale Mono"/>
-                <a:cs typeface="Andale Mono"/>
-              </a:rPr>
-              <a:t>: </a:t>
-            </a:r>
-            <a:r>
-              <a:rPr lang="en-US" sz="1400" dirty="0" smtClean="0">
-                <a:latin typeface="Andale Mono"/>
-                <a:cs typeface="Andale Mono"/>
-              </a:rPr>
-              <a:t>{ </a:t>
-            </a:r>
-            <a:r>
-              <a:rPr lang="en-US" sz="1400" dirty="0" smtClean="0">
-                <a:solidFill>
-                  <a:schemeClr val="bg1">
-                    <a:lumMod val="75000"/>
-                  </a:schemeClr>
-                </a:solidFill>
-                <a:latin typeface="Andale Mono"/>
-                <a:cs typeface="Andale Mono"/>
-              </a:rPr>
-              <a:t>/</a:t>
-            </a:r>
-            <a:r>
-              <a:rPr lang="en-US" sz="1400" dirty="0">
-                <a:solidFill>
-                  <a:schemeClr val="bg1">
-                    <a:lumMod val="75000"/>
-                  </a:schemeClr>
-                </a:solidFill>
-                <a:latin typeface="Andale Mono"/>
-                <a:cs typeface="Andale Mono"/>
-              </a:rPr>
-              <a:t>/Route path</a:t>
-            </a:r>
-            <a:br>
-              <a:rPr lang="en-US" sz="1400" dirty="0">
-                <a:solidFill>
-                  <a:schemeClr val="bg1">
-                    <a:lumMod val="75000"/>
-                  </a:schemeClr>
-                </a:solidFill>
-                <a:latin typeface="Andale Mono"/>
-                <a:cs typeface="Andale Mono"/>
-              </a:rPr>
-            </a:br>
-            <a:r>
-              <a:rPr lang="en-US" sz="1400" dirty="0">
-                <a:latin typeface="Andale Mono"/>
-                <a:cs typeface="Andale Mono"/>
-              </a:rPr>
-              <a:t>    </a:t>
-            </a:r>
-            <a:r>
-              <a:rPr lang="en-US" sz="1400" b="1" dirty="0">
-                <a:solidFill>
-                  <a:srgbClr val="9BBB59"/>
-                </a:solidFill>
-                <a:latin typeface="Andale Mono"/>
-                <a:cs typeface="Andale Mono"/>
-              </a:rPr>
-              <a:t>get</a:t>
-            </a:r>
-            <a:r>
-              <a:rPr lang="en-US" sz="1400" b="1" dirty="0">
-                <a:latin typeface="Andale Mono"/>
-                <a:cs typeface="Andale Mono"/>
-              </a:rPr>
-              <a:t> </a:t>
-            </a:r>
-            <a:r>
-              <a:rPr lang="en-US" sz="1400" dirty="0">
-                <a:latin typeface="Andale Mono"/>
-                <a:cs typeface="Andale Mono"/>
-              </a:rPr>
-              <a:t>: { </a:t>
-            </a:r>
-            <a:r>
-              <a:rPr lang="en-US" sz="1400" dirty="0">
-                <a:solidFill>
-                  <a:srgbClr val="BFBFBF"/>
-                </a:solidFill>
-                <a:latin typeface="Andale Mono"/>
-                <a:cs typeface="Andale Mono"/>
-              </a:rPr>
-              <a:t>//Http methods , </a:t>
-            </a:r>
-            <a:r>
-              <a:rPr lang="en-US" sz="1400" dirty="0" err="1">
-                <a:solidFill>
-                  <a:srgbClr val="BFBFBF"/>
-                </a:solidFill>
-                <a:latin typeface="Andale Mono"/>
-                <a:cs typeface="Andale Mono"/>
-              </a:rPr>
-              <a:t>params</a:t>
-            </a:r>
-            <a:r>
-              <a:rPr lang="en-US" sz="1400" dirty="0">
-                <a:solidFill>
-                  <a:srgbClr val="BFBFBF"/>
-                </a:solidFill>
-                <a:latin typeface="Andale Mono"/>
-                <a:cs typeface="Andale Mono"/>
-              </a:rPr>
-              <a:t/>
-            </a:r>
-            <a:br>
-              <a:rPr lang="en-US" sz="1400" dirty="0">
-                <a:solidFill>
-                  <a:srgbClr val="BFBFBF"/>
-                </a:solidFill>
-                <a:latin typeface="Andale Mono"/>
-                <a:cs typeface="Andale Mono"/>
-              </a:rPr>
-            </a:br>
-            <a:r>
-              <a:rPr lang="en-US" sz="1400" dirty="0">
-                <a:solidFill>
-                  <a:srgbClr val="BFBFBF"/>
-                </a:solidFill>
-                <a:latin typeface="Andale Mono"/>
-                <a:cs typeface="Andale Mono"/>
-              </a:rPr>
-              <a:t>        </a:t>
-            </a:r>
-            <a:r>
-              <a:rPr lang="en-US" sz="1400" dirty="0">
-                <a:solidFill>
-                  <a:srgbClr val="BFBFBF"/>
-                </a:solidFill>
-                <a:latin typeface="Andale Mono"/>
-                <a:cs typeface="Andale Mono"/>
-              </a:rPr>
-              <a:t>//handler , array[handler] </a:t>
-            </a:r>
-            <a:r>
-              <a:rPr lang="en-US" sz="1400" dirty="0">
-                <a:solidFill>
-                  <a:srgbClr val="BFBFBF"/>
-                </a:solidFill>
-                <a:latin typeface="Andale Mono"/>
-                <a:cs typeface="Andale Mono"/>
-              </a:rPr>
-              <a:t/>
-            </a:r>
-            <a:br>
-              <a:rPr lang="en-US" sz="1400" dirty="0">
-                <a:solidFill>
-                  <a:srgbClr val="BFBFBF"/>
-                </a:solidFill>
-                <a:latin typeface="Andale Mono"/>
-                <a:cs typeface="Andale Mono"/>
-              </a:rPr>
-            </a:br>
-            <a:r>
-              <a:rPr lang="en-US" sz="1400" dirty="0">
-                <a:latin typeface="Andale Mono"/>
-                <a:cs typeface="Andale Mono"/>
-              </a:rPr>
-              <a:t>        </a:t>
-            </a:r>
-            <a:r>
-              <a:rPr lang="en-US" sz="1400" dirty="0">
-                <a:solidFill>
-                  <a:srgbClr val="9BBB59"/>
-                </a:solidFill>
-                <a:latin typeface="Andale Mono"/>
-                <a:cs typeface="Andale Mono"/>
-              </a:rPr>
-              <a:t>handler</a:t>
-            </a:r>
-            <a:r>
-              <a:rPr lang="en-US" sz="1400" dirty="0">
-                <a:latin typeface="Andale Mono"/>
-                <a:cs typeface="Andale Mono"/>
-              </a:rPr>
-              <a:t> : [</a:t>
-            </a:r>
-            <a:r>
-              <a:rPr lang="en-US" sz="1400" dirty="0" err="1" smtClean="0">
-                <a:solidFill>
-                  <a:srgbClr val="FFFF00"/>
-                </a:solidFill>
-                <a:latin typeface="Andale Mono"/>
-                <a:cs typeface="Andale Mono"/>
-              </a:rPr>
-              <a:t>component.controllers.</a:t>
-            </a:r>
-            <a:r>
-              <a:rPr lang="en-US" sz="1400" i="1" dirty="0" err="1" smtClean="0">
-                <a:solidFill>
-                  <a:srgbClr val="FFFF00"/>
-                </a:solidFill>
-                <a:latin typeface="Andale Mono"/>
-                <a:cs typeface="Andale Mono"/>
-              </a:rPr>
-              <a:t>index</a:t>
-            </a:r>
-            <a:r>
-              <a:rPr lang="en-US" sz="1400" dirty="0" smtClean="0">
-                <a:latin typeface="Andale Mono"/>
-                <a:cs typeface="Andale Mono"/>
-              </a:rPr>
-              <a:t>, </a:t>
-            </a:r>
-            <a:r>
-              <a:rPr lang="en-US" sz="1400" dirty="0" err="1">
-                <a:solidFill>
-                  <a:srgbClr val="FFFF00"/>
-                </a:solidFill>
-                <a:latin typeface="Andale Mono"/>
-                <a:cs typeface="Andale Mono"/>
-              </a:rPr>
-              <a:t>function(req, res){}]</a:t>
-            </a:r>
-            <a:r>
-              <a:rPr lang="en-US" sz="1400" dirty="0" smtClean="0">
-                <a:latin typeface="Andale Mono"/>
-                <a:cs typeface="Andale Mono"/>
-              </a:rPr>
-              <a:t> </a:t>
-            </a:r>
-            <a:r>
-              <a:rPr lang="en-US" sz="1400" dirty="0" smtClean="0">
-                <a:solidFill>
-                  <a:srgbClr val="BFBFBF"/>
-                </a:solidFill>
-                <a:latin typeface="Andale Mono"/>
-                <a:cs typeface="Andale Mono"/>
-              </a:rPr>
-              <a:t/>
-            </a:r>
-            <a:br>
-              <a:rPr lang="en-US" sz="1400" dirty="0" smtClean="0">
-                <a:solidFill>
-                  <a:srgbClr val="BFBFBF"/>
-                </a:solidFill>
-                <a:latin typeface="Andale Mono"/>
-                <a:cs typeface="Andale Mono"/>
-              </a:rPr>
-            </a:br>
-            <a:r>
-              <a:rPr lang="en-US" sz="1400" dirty="0" smtClean="0">
-                <a:latin typeface="Andale Mono"/>
-                <a:cs typeface="Andale Mono"/>
-              </a:rPr>
-              <a:t>        </a:t>
-            </a:r>
-            <a:r>
-              <a:rPr lang="en-US" sz="1400" dirty="0" smtClean="0">
-                <a:solidFill>
-                  <a:srgbClr val="9BBB59"/>
-                </a:solidFill>
-                <a:latin typeface="Andale Mono"/>
-                <a:cs typeface="Andale Mono"/>
-              </a:rPr>
-              <a:t>name</a:t>
-            </a:r>
-            <a:r>
-              <a:rPr lang="en-US" sz="1400" dirty="0" smtClean="0">
-                <a:latin typeface="Andale Mono"/>
-                <a:cs typeface="Andale Mono"/>
-              </a:rPr>
-              <a:t> : </a:t>
-            </a:r>
-            <a:r>
-              <a:rPr lang="en-US" sz="1400" dirty="0" smtClean="0">
-                <a:solidFill>
-                  <a:srgbClr val="FFFF00"/>
-                </a:solidFill>
-                <a:latin typeface="Andale Mono"/>
-                <a:cs typeface="Andale Mono"/>
-              </a:rPr>
-              <a:t>"login-route"</a:t>
-            </a:r>
-            <a:r>
-              <a:rPr lang="en-US" sz="1400" dirty="0" smtClean="0">
-                <a:solidFill>
-                  <a:srgbClr val="BFBFBF"/>
-                </a:solidFill>
-                <a:latin typeface="Andale Mono"/>
-                <a:cs typeface="Andale Mono"/>
-              </a:rPr>
-              <a:t>, //unique string, name route.</a:t>
-            </a:r>
-            <a:br>
-              <a:rPr lang="en-US" sz="1400" dirty="0" smtClean="0">
-                <a:solidFill>
-                  <a:srgbClr val="BFBFBF"/>
-                </a:solidFill>
-                <a:latin typeface="Andale Mono"/>
-                <a:cs typeface="Andale Mono"/>
-              </a:rPr>
-            </a:br>
-            <a:r>
-              <a:rPr lang="en-US" sz="1400" dirty="0" smtClean="0">
-                <a:latin typeface="Andale Mono"/>
-                <a:cs typeface="Andale Mono"/>
-              </a:rPr>
-              <a:t>      </a:t>
-            </a:r>
-            <a:r>
-              <a:rPr lang="en-US" sz="1400" dirty="0" smtClean="0">
-                <a:solidFill>
-                  <a:srgbClr val="9BBB59"/>
-                </a:solidFill>
-                <a:latin typeface="Andale Mono"/>
-                <a:cs typeface="Andale Mono"/>
-              </a:rPr>
-              <a:t>  authenticate </a:t>
-            </a:r>
-            <a:r>
-              <a:rPr lang="en-US" sz="1400" dirty="0" smtClean="0">
-                <a:latin typeface="Andale Mono"/>
-                <a:cs typeface="Andale Mono"/>
-              </a:rPr>
-              <a:t>:</a:t>
-            </a:r>
-            <a:r>
-              <a:rPr lang="en-US" sz="1400" dirty="0" smtClean="0">
-                <a:solidFill>
-                  <a:srgbClr val="FFFF00"/>
-                </a:solidFill>
-                <a:latin typeface="Andale Mono"/>
-                <a:cs typeface="Andale Mono"/>
-              </a:rPr>
-              <a:t> </a:t>
-            </a:r>
-            <a:r>
-              <a:rPr lang="en-US" sz="1400" b="1" dirty="0" smtClean="0">
-                <a:solidFill>
-                  <a:srgbClr val="FFFF00"/>
-                </a:solidFill>
-                <a:latin typeface="Andale Mono"/>
-                <a:cs typeface="Andale Mono"/>
-              </a:rPr>
-              <a:t>true</a:t>
-            </a:r>
-            <a:r>
-              <a:rPr lang="en-US" sz="1400" dirty="0" smtClean="0">
-                <a:latin typeface="Andale Mono"/>
-                <a:cs typeface="Andale Mono"/>
-              </a:rPr>
-              <a:t>,</a:t>
-            </a:r>
-            <a:r>
-              <a:rPr lang="en-US" sz="1400" dirty="0" smtClean="0">
-                <a:solidFill>
-                  <a:srgbClr val="BFBFBF"/>
-                </a:solidFill>
-                <a:latin typeface="Andale Mono"/>
-                <a:cs typeface="Andale Mono"/>
-              </a:rPr>
-              <a:t> //</a:t>
-            </a:r>
-            <a:r>
-              <a:rPr lang="en-US" sz="1400" dirty="0" err="1" smtClean="0">
-                <a:solidFill>
-                  <a:srgbClr val="BFBFBF"/>
-                </a:solidFill>
-                <a:latin typeface="Andale Mono"/>
-                <a:cs typeface="Andale Mono"/>
-              </a:rPr>
-              <a:t>boolean</a:t>
-            </a:r>
-            <a:r>
-              <a:rPr lang="en-US" sz="1400" dirty="0" smtClean="0">
-                <a:solidFill>
-                  <a:srgbClr val="BFBFBF"/>
-                </a:solidFill>
-                <a:latin typeface="Andale Mono"/>
-                <a:cs typeface="Andale Mono"/>
-              </a:rPr>
-              <a:t>, true false.</a:t>
-            </a:r>
-            <a:br>
-              <a:rPr lang="en-US" sz="1400" dirty="0" smtClean="0">
-                <a:solidFill>
-                  <a:srgbClr val="BFBFBF"/>
-                </a:solidFill>
-                <a:latin typeface="Andale Mono"/>
-                <a:cs typeface="Andale Mono"/>
-              </a:rPr>
-            </a:br>
-            <a:r>
-              <a:rPr lang="en-US" sz="1400" dirty="0" smtClean="0">
-                <a:latin typeface="Andale Mono"/>
-                <a:cs typeface="Andale Mono"/>
-              </a:rPr>
-              <a:t>       </a:t>
-            </a:r>
-            <a:r>
-              <a:rPr lang="en-US" sz="1400" dirty="0" smtClean="0">
-                <a:solidFill>
-                  <a:srgbClr val="9BBB59"/>
-                </a:solidFill>
-                <a:latin typeface="Andale Mono"/>
-                <a:cs typeface="Andale Mono"/>
-              </a:rPr>
-              <a:t> role </a:t>
-            </a:r>
-            <a:r>
-              <a:rPr lang="en-US" sz="1400" dirty="0" smtClean="0">
-                <a:latin typeface="Andale Mono"/>
-                <a:cs typeface="Andale Mono"/>
-              </a:rPr>
-              <a:t>:  </a:t>
-            </a:r>
-            <a:r>
-              <a:rPr lang="en-US" sz="1400" dirty="0" smtClean="0">
-                <a:solidFill>
-                  <a:srgbClr val="FFFF00"/>
-                </a:solidFill>
-                <a:latin typeface="Andale Mono"/>
-                <a:cs typeface="Andale Mono"/>
-              </a:rPr>
-              <a:t>[read, write, delete]</a:t>
-            </a:r>
-            <a:r>
-              <a:rPr lang="en-US" sz="1400" dirty="0" smtClean="0">
-                <a:latin typeface="Andale Mono"/>
-                <a:cs typeface="Andale Mono"/>
-              </a:rPr>
-              <a:t>, </a:t>
-            </a:r>
-            <a:r>
-              <a:rPr lang="en-US" sz="1400" dirty="0" smtClean="0">
-                <a:solidFill>
-                  <a:srgbClr val="BFBFBF"/>
-                </a:solidFill>
-                <a:latin typeface="Andale Mono"/>
-                <a:cs typeface="Andale Mono"/>
-              </a:rPr>
-              <a:t>//string, array string multi role.</a:t>
-            </a:r>
-          </a:p>
-          <a:p>
-            <a:pPr marL="0" indent="0">
-              <a:buNone/>
-            </a:pPr>
-            <a:r>
-              <a:rPr lang="en-US" sz="1400" dirty="0" smtClean="0">
-                <a:latin typeface="Andale Mono"/>
-                <a:cs typeface="Andale Mono"/>
-              </a:rPr>
-              <a:t>    }</a:t>
-            </a:r>
-            <a:br>
-              <a:rPr lang="en-US" sz="1400" dirty="0" smtClean="0">
-                <a:latin typeface="Andale Mono"/>
-                <a:cs typeface="Andale Mono"/>
-              </a:rPr>
-            </a:br>
-            <a:r>
-              <a:rPr lang="en-US" sz="1400" dirty="0" smtClean="0">
-                <a:latin typeface="Andale Mono"/>
-                <a:cs typeface="Andale Mono"/>
-              </a:rPr>
-              <a:t>}</a:t>
-            </a:r>
-            <a:endParaRPr lang="en-US" sz="1400" dirty="0">
-              <a:latin typeface="Andale Mono"/>
-              <a:cs typeface="Andale Mono"/>
-            </a:endParaRPr>
-          </a:p>
-        </p:txBody>
-      </p:sp>
-    </p:spTree>
-    <p:extLst>
-      <p:ext uri="{BB962C8B-B14F-4D97-AF65-F5344CB8AC3E}">
-        <p14:creationId xmlns:p14="http://schemas.microsoft.com/office/powerpoint/2010/main" val="1377867339"/>
-      </p:ext>
-    </p:extLst>
-  </p:cSld>
-  <p:clrMapOvr>
-    <a:masterClrMapping/>
-  </p:clrMapOvr>
-  <p:timing>
-    <p:tnLst>
-      <p:par>
-        <p:cTn xmlns:p14="http://schemas.microsoft.com/office/powerpoint/2010/main" id="1" dur="indefinite" restart="never" nodeType="tmRoot"/>
-      </p:par>
-    </p:tnLst>
-  </p:timing>
-</p:sld>
-</file>
-
-<file path=ppt/slides/slide28.xml><?xml version="1.0" encoding="utf-8"?>
-<p:sld xmlns:a="http://schemas.openxmlformats.org/drawingml/2006/main" xmlns:r="http://schemas.openxmlformats.org/officeDocument/2006/relationships" xmlns:p="http://schemas.openxmlformats.org/presentationml/2006/main">
-  <p:cSld>
-    <p:spTree>
-      <p:nvGrpSpPr>
-        <p:cNvPr id="1" name=""/>
-        <p:cNvGrpSpPr/>
-        <p:nvPr/>
-      </p:nvGrpSpPr>
-      <p:grpSpPr>
-        <a:xfrm>
-          <a:off x="0" y="0"/>
-          <a:ext cx="0" cy="0"/>
-          <a:chOff x="0" y="0"/>
-          <a:chExt cx="0" cy="0"/>
-        </a:xfrm>
-      </p:grpSpPr>
-      <p:sp>
-        <p:nvSpPr>
           <p:cNvPr id="4" name="Title 3"/>
           <p:cNvSpPr>
             <a:spLocks noGrp="1"/>
@@ -11552,7 +11406,7 @@
 </p:sld>
 </file>
 
-<file path=ppt/slides/slide29.xml><?xml version="1.0" encoding="utf-8"?>
+<file path=ppt/slides/slide28.xml><?xml version="1.0" encoding="utf-8"?>
 <p:sld xmlns:a="http://schemas.openxmlformats.org/drawingml/2006/main" xmlns:r="http://schemas.openxmlformats.org/officeDocument/2006/relationships" xmlns:p="http://schemas.openxmlformats.org/presentationml/2006/main">
   <p:cSld>
     <p:spTree>
